--- a/pizzapowerpoint.pptx
+++ b/pizzapowerpoint.pptx
@@ -2,20 +2,22 @@
 <file path=ppt/presentation.xml><?xml version="1.0" encoding="utf-8"?>
 <p:presentation xmlns:a="http://schemas.openxmlformats.org/drawingml/2006/main" xmlns:r="http://schemas.openxmlformats.org/officeDocument/2006/relationships" xmlns:p="http://schemas.openxmlformats.org/presentationml/2006/main" strictFirstAndLastChars="0" saveSubsetFonts="1" autoCompressPictures="0">
   <p:sldMasterIdLst>
-    <p:sldMasterId id="2147483659" r:id="rId1"/>
+    <p:sldMasterId id="2147483659" r:id="rId4"/>
   </p:sldMasterIdLst>
   <p:notesMasterIdLst>
-    <p:notesMasterId r:id="rId10"/>
+    <p:notesMasterId r:id="rId15"/>
   </p:notesMasterIdLst>
   <p:sldIdLst>
-    <p:sldId id="256" r:id="rId2"/>
-    <p:sldId id="263" r:id="rId3"/>
-    <p:sldId id="257" r:id="rId4"/>
-    <p:sldId id="258" r:id="rId5"/>
-    <p:sldId id="259" r:id="rId6"/>
-    <p:sldId id="260" r:id="rId7"/>
-    <p:sldId id="261" r:id="rId8"/>
-    <p:sldId id="262" r:id="rId9"/>
+    <p:sldId id="256" r:id="rId5"/>
+    <p:sldId id="263" r:id="rId6"/>
+    <p:sldId id="257" r:id="rId7"/>
+    <p:sldId id="265" r:id="rId8"/>
+    <p:sldId id="264" r:id="rId9"/>
+    <p:sldId id="258" r:id="rId10"/>
+    <p:sldId id="259" r:id="rId11"/>
+    <p:sldId id="260" r:id="rId12"/>
+    <p:sldId id="261" r:id="rId13"/>
+    <p:sldId id="262" r:id="rId14"/>
   </p:sldIdLst>
   <p:sldSz cx="9144000" cy="5143500" type="screen16x9"/>
   <p:notesSz cx="6858000" cy="9144000"/>
@@ -273,50 +275,6 @@
     <p1510:client id="{4F71BE14-C53D-0861-4E1D-406D0C4E55B4}" v="10" dt="2022-02-05T23:55:44.511"/>
   </p1510:revLst>
 </p1510:revInfo>
-</file>
-
-<file path=ppt/changesInfos/changesInfo1.xml><?xml version="1.0" encoding="utf-8"?>
-<pc:chgInfo xmlns:a="http://schemas.openxmlformats.org/drawingml/2006/main" xmlns:r="http://schemas.openxmlformats.org/officeDocument/2006/relationships" xmlns:ac="http://schemas.microsoft.com/office/drawing/2013/main/command" xmlns:pc="http://schemas.microsoft.com/office/powerpoint/2013/main/command">
-  <pc:docChgLst>
-    <pc:chgData name="Mark Glasse" userId="S::m.glasse@sanctamaria.school.nz::4001b6f1-9796-4fe4-a857-9145db2b6168" providerId="AD" clId="Web-{4F71BE14-C53D-0861-4E1D-406D0C4E55B4}"/>
-    <pc:docChg chg="modSld">
-      <pc:chgData name="Mark Glasse" userId="S::m.glasse@sanctamaria.school.nz::4001b6f1-9796-4fe4-a857-9145db2b6168" providerId="AD" clId="Web-{4F71BE14-C53D-0861-4E1D-406D0C4E55B4}" dt="2022-02-05T23:55:43.917" v="5" actId="20577"/>
-      <pc:docMkLst>
-        <pc:docMk/>
-      </pc:docMkLst>
-      <pc:sldChg chg="modSp">
-        <pc:chgData name="Mark Glasse" userId="S::m.glasse@sanctamaria.school.nz::4001b6f1-9796-4fe4-a857-9145db2b6168" providerId="AD" clId="Web-{4F71BE14-C53D-0861-4E1D-406D0C4E55B4}" dt="2022-02-05T23:55:43.917" v="5" actId="20577"/>
-        <pc:sldMkLst>
-          <pc:docMk/>
-          <pc:sldMk cId="0" sldId="256"/>
-        </pc:sldMkLst>
-        <pc:spChg chg="mod">
-          <ac:chgData name="Mark Glasse" userId="S::m.glasse@sanctamaria.school.nz::4001b6f1-9796-4fe4-a857-9145db2b6168" providerId="AD" clId="Web-{4F71BE14-C53D-0861-4E1D-406D0C4E55B4}" dt="2022-02-05T23:55:43.917" v="5" actId="20577"/>
-          <ac:spMkLst>
-            <pc:docMk/>
-            <pc:sldMk cId="0" sldId="256"/>
-            <ac:spMk id="55" creationId="{00000000-0000-0000-0000-000000000000}"/>
-          </ac:spMkLst>
-        </pc:spChg>
-      </pc:sldChg>
-      <pc:sldChg chg="modSp">
-        <pc:chgData name="Mark Glasse" userId="S::m.glasse@sanctamaria.school.nz::4001b6f1-9796-4fe4-a857-9145db2b6168" providerId="AD" clId="Web-{4F71BE14-C53D-0861-4E1D-406D0C4E55B4}" dt="2022-02-05T23:55:43.417" v="3" actId="20577"/>
-        <pc:sldMkLst>
-          <pc:docMk/>
-          <pc:sldMk cId="0" sldId="257"/>
-        </pc:sldMkLst>
-        <pc:spChg chg="mod">
-          <ac:chgData name="Mark Glasse" userId="S::m.glasse@sanctamaria.school.nz::4001b6f1-9796-4fe4-a857-9145db2b6168" providerId="AD" clId="Web-{4F71BE14-C53D-0861-4E1D-406D0C4E55B4}" dt="2022-02-05T23:55:43.417" v="3" actId="20577"/>
-          <ac:spMkLst>
-            <pc:docMk/>
-            <pc:sldMk cId="0" sldId="257"/>
-            <ac:spMk id="62" creationId="{00000000-0000-0000-0000-000000000000}"/>
-          </ac:spMkLst>
-        </pc:spChg>
-      </pc:sldChg>
-    </pc:docChg>
-  </pc:docChgLst>
-</pc:chgInfo>
 </file>
 
 <file path=ppt/notesMasters/notesMaster1.xml><?xml version="1.0" encoding="utf-8"?>
@@ -864,6 +822,114 @@
 </p:notes>
 </file>
 
+<file path=ppt/notesSlides/notesSlide10.xml><?xml version="1.0" encoding="utf-8"?>
+<p:notes xmlns:a="http://schemas.openxmlformats.org/drawingml/2006/main" xmlns:r="http://schemas.openxmlformats.org/officeDocument/2006/relationships" xmlns:p="http://schemas.openxmlformats.org/presentationml/2006/main" showMasterSp="0" showMasterPhAnim="0">
+  <p:cSld>
+    <p:spTree>
+      <p:nvGrpSpPr>
+        <p:cNvPr id="1" name="Shape 86"/>
+        <p:cNvGrpSpPr/>
+        <p:nvPr/>
+      </p:nvGrpSpPr>
+      <p:grpSpPr>
+        <a:xfrm>
+          <a:off x="0" y="0"/>
+          <a:ext cx="0" cy="0"/>
+          <a:chOff x="0" y="0"/>
+          <a:chExt cx="0" cy="0"/>
+        </a:xfrm>
+      </p:grpSpPr>
+      <p:sp>
+        <p:nvSpPr>
+          <p:cNvPr id="87" name="Google Shape;87;gac10fef634_0_30:notes"/>
+          <p:cNvSpPr>
+            <a:spLocks noGrp="1" noRot="1" noChangeAspect="1"/>
+          </p:cNvSpPr>
+          <p:nvPr>
+            <p:ph type="sldImg" idx="2"/>
+          </p:nvPr>
+        </p:nvSpPr>
+        <p:spPr>
+          <a:xfrm>
+            <a:off x="381000" y="685800"/>
+            <a:ext cx="6096000" cy="3429000"/>
+          </a:xfrm>
+          <a:custGeom>
+            <a:avLst/>
+            <a:gdLst/>
+            <a:ahLst/>
+            <a:cxnLst/>
+            <a:rect l="l" t="t" r="r" b="b"/>
+            <a:pathLst>
+              <a:path w="120000" h="120000" extrusionOk="0">
+                <a:moveTo>
+                  <a:pt x="0" y="0"/>
+                </a:moveTo>
+                <a:lnTo>
+                  <a:pt x="120000" y="0"/>
+                </a:lnTo>
+                <a:lnTo>
+                  <a:pt x="120000" y="120000"/>
+                </a:lnTo>
+                <a:lnTo>
+                  <a:pt x="0" y="120000"/>
+                </a:lnTo>
+                <a:close/>
+              </a:path>
+            </a:pathLst>
+          </a:custGeom>
+        </p:spPr>
+      </p:sp>
+      <p:sp>
+        <p:nvSpPr>
+          <p:cNvPr id="88" name="Google Shape;88;gac10fef634_0_30:notes"/>
+          <p:cNvSpPr txBox="1">
+            <a:spLocks noGrp="1"/>
+          </p:cNvSpPr>
+          <p:nvPr>
+            <p:ph type="body" idx="1"/>
+          </p:nvPr>
+        </p:nvSpPr>
+        <p:spPr>
+          <a:xfrm>
+            <a:off x="685800" y="4343400"/>
+            <a:ext cx="5486400" cy="4114800"/>
+          </a:xfrm>
+          <a:prstGeom prst="rect">
+            <a:avLst/>
+          </a:prstGeom>
+        </p:spPr>
+        <p:txBody>
+          <a:bodyPr spcFirstLastPara="1" wrap="square" lIns="91425" tIns="91425" rIns="91425" bIns="91425" anchor="t" anchorCtr="0">
+            <a:noAutofit/>
+          </a:bodyPr>
+          <a:lstStyle/>
+          <a:p>
+            <a:pPr marL="0" lvl="0" indent="0" algn="l" rtl="0">
+              <a:spcBef>
+                <a:spcPts val="0"/>
+              </a:spcBef>
+              <a:spcAft>
+                <a:spcPts val="0"/>
+              </a:spcAft>
+              <a:buNone/>
+            </a:pPr>
+            <a:r>
+              <a:rPr lang="en"/>
+              <a:t>Discusses how the information from planning, testing and trialling of components assisted in the development of a high-quality outcome</a:t>
+            </a:r>
+            <a:endParaRPr/>
+          </a:p>
+        </p:txBody>
+      </p:sp>
+    </p:spTree>
+  </p:cSld>
+  <p:clrMapOvr>
+    <a:masterClrMapping/>
+  </p:clrMapOvr>
+</p:notes>
+</file>
+
 <file path=ppt/notesSlides/notesSlide2.xml><?xml version="1.0" encoding="utf-8"?>
 <p:notes xmlns:a="http://schemas.openxmlformats.org/drawingml/2006/main" xmlns:r="http://schemas.openxmlformats.org/officeDocument/2006/relationships" xmlns:p="http://schemas.openxmlformats.org/presentationml/2006/main" showMasterSp="0" showMasterPhAnim="0">
   <p:cSld>
@@ -1090,6 +1156,232 @@
   <p:cSld>
     <p:spTree>
       <p:nvGrpSpPr>
+        <p:cNvPr id="1" name="Shape 57"/>
+        <p:cNvGrpSpPr/>
+        <p:nvPr/>
+      </p:nvGrpSpPr>
+      <p:grpSpPr>
+        <a:xfrm>
+          <a:off x="0" y="0"/>
+          <a:ext cx="0" cy="0"/>
+          <a:chOff x="0" y="0"/>
+          <a:chExt cx="0" cy="0"/>
+        </a:xfrm>
+      </p:grpSpPr>
+      <p:sp>
+        <p:nvSpPr>
+          <p:cNvPr id="58" name="Google Shape;58;gac10fef634_0_6:notes"/>
+          <p:cNvSpPr>
+            <a:spLocks noGrp="1" noRot="1" noChangeAspect="1"/>
+          </p:cNvSpPr>
+          <p:nvPr>
+            <p:ph type="sldImg" idx="2"/>
+          </p:nvPr>
+        </p:nvSpPr>
+        <p:spPr>
+          <a:xfrm>
+            <a:off x="381000" y="685800"/>
+            <a:ext cx="6096000" cy="3429000"/>
+          </a:xfrm>
+          <a:custGeom>
+            <a:avLst/>
+            <a:gdLst/>
+            <a:ahLst/>
+            <a:cxnLst/>
+            <a:rect l="l" t="t" r="r" b="b"/>
+            <a:pathLst>
+              <a:path w="120000" h="120000" extrusionOk="0">
+                <a:moveTo>
+                  <a:pt x="0" y="0"/>
+                </a:moveTo>
+                <a:lnTo>
+                  <a:pt x="120000" y="0"/>
+                </a:lnTo>
+                <a:lnTo>
+                  <a:pt x="120000" y="120000"/>
+                </a:lnTo>
+                <a:lnTo>
+                  <a:pt x="0" y="120000"/>
+                </a:lnTo>
+                <a:close/>
+              </a:path>
+            </a:pathLst>
+          </a:custGeom>
+        </p:spPr>
+      </p:sp>
+      <p:sp>
+        <p:nvSpPr>
+          <p:cNvPr id="59" name="Google Shape;59;gac10fef634_0_6:notes"/>
+          <p:cNvSpPr txBox="1">
+            <a:spLocks noGrp="1"/>
+          </p:cNvSpPr>
+          <p:nvPr>
+            <p:ph type="body" idx="1"/>
+          </p:nvPr>
+        </p:nvSpPr>
+        <p:spPr>
+          <a:xfrm>
+            <a:off x="685800" y="4343400"/>
+            <a:ext cx="5486400" cy="4114800"/>
+          </a:xfrm>
+          <a:prstGeom prst="rect">
+            <a:avLst/>
+          </a:prstGeom>
+        </p:spPr>
+        <p:txBody>
+          <a:bodyPr spcFirstLastPara="1" wrap="square" lIns="91425" tIns="91425" rIns="91425" bIns="91425" anchor="t" anchorCtr="0">
+            <a:noAutofit/>
+          </a:bodyPr>
+          <a:lstStyle/>
+          <a:p>
+            <a:pPr marL="0" lvl="0" indent="0" algn="l" rtl="0">
+              <a:spcBef>
+                <a:spcPts val="0"/>
+              </a:spcBef>
+              <a:spcAft>
+                <a:spcPts val="0"/>
+              </a:spcAft>
+              <a:buNone/>
+            </a:pPr>
+            <a:r>
+              <a:rPr lang="en"/>
+              <a:t>Explain the relevant implications here.  Then as you work, develop your code, discuss how the implications are being met.</a:t>
+            </a:r>
+            <a:endParaRPr/>
+          </a:p>
+        </p:txBody>
+      </p:sp>
+    </p:spTree>
+    <p:extLst>
+      <p:ext uri="{BB962C8B-B14F-4D97-AF65-F5344CB8AC3E}">
+        <p14:creationId xmlns:p14="http://schemas.microsoft.com/office/powerpoint/2010/main" val="2967403601"/>
+      </p:ext>
+    </p:extLst>
+  </p:cSld>
+  <p:clrMapOvr>
+    <a:masterClrMapping/>
+  </p:clrMapOvr>
+</p:notes>
+</file>
+
+<file path=ppt/notesSlides/notesSlide5.xml><?xml version="1.0" encoding="utf-8"?>
+<p:notes xmlns:a="http://schemas.openxmlformats.org/drawingml/2006/main" xmlns:r="http://schemas.openxmlformats.org/officeDocument/2006/relationships" xmlns:p="http://schemas.openxmlformats.org/presentationml/2006/main" showMasterSp="0" showMasterPhAnim="0">
+  <p:cSld>
+    <p:spTree>
+      <p:nvGrpSpPr>
+        <p:cNvPr id="1" name="Shape 57"/>
+        <p:cNvGrpSpPr/>
+        <p:nvPr/>
+      </p:nvGrpSpPr>
+      <p:grpSpPr>
+        <a:xfrm>
+          <a:off x="0" y="0"/>
+          <a:ext cx="0" cy="0"/>
+          <a:chOff x="0" y="0"/>
+          <a:chExt cx="0" cy="0"/>
+        </a:xfrm>
+      </p:grpSpPr>
+      <p:sp>
+        <p:nvSpPr>
+          <p:cNvPr id="58" name="Google Shape;58;gac10fef634_0_6:notes"/>
+          <p:cNvSpPr>
+            <a:spLocks noGrp="1" noRot="1" noChangeAspect="1"/>
+          </p:cNvSpPr>
+          <p:nvPr>
+            <p:ph type="sldImg" idx="2"/>
+          </p:nvPr>
+        </p:nvSpPr>
+        <p:spPr>
+          <a:xfrm>
+            <a:off x="381000" y="685800"/>
+            <a:ext cx="6096000" cy="3429000"/>
+          </a:xfrm>
+          <a:custGeom>
+            <a:avLst/>
+            <a:gdLst/>
+            <a:ahLst/>
+            <a:cxnLst/>
+            <a:rect l="l" t="t" r="r" b="b"/>
+            <a:pathLst>
+              <a:path w="120000" h="120000" extrusionOk="0">
+                <a:moveTo>
+                  <a:pt x="0" y="0"/>
+                </a:moveTo>
+                <a:lnTo>
+                  <a:pt x="120000" y="0"/>
+                </a:lnTo>
+                <a:lnTo>
+                  <a:pt x="120000" y="120000"/>
+                </a:lnTo>
+                <a:lnTo>
+                  <a:pt x="0" y="120000"/>
+                </a:lnTo>
+                <a:close/>
+              </a:path>
+            </a:pathLst>
+          </a:custGeom>
+        </p:spPr>
+      </p:sp>
+      <p:sp>
+        <p:nvSpPr>
+          <p:cNvPr id="59" name="Google Shape;59;gac10fef634_0_6:notes"/>
+          <p:cNvSpPr txBox="1">
+            <a:spLocks noGrp="1"/>
+          </p:cNvSpPr>
+          <p:nvPr>
+            <p:ph type="body" idx="1"/>
+          </p:nvPr>
+        </p:nvSpPr>
+        <p:spPr>
+          <a:xfrm>
+            <a:off x="685800" y="4343400"/>
+            <a:ext cx="5486400" cy="4114800"/>
+          </a:xfrm>
+          <a:prstGeom prst="rect">
+            <a:avLst/>
+          </a:prstGeom>
+        </p:spPr>
+        <p:txBody>
+          <a:bodyPr spcFirstLastPara="1" wrap="square" lIns="91425" tIns="91425" rIns="91425" bIns="91425" anchor="t" anchorCtr="0">
+            <a:noAutofit/>
+          </a:bodyPr>
+          <a:lstStyle/>
+          <a:p>
+            <a:pPr marL="0" lvl="0" indent="0" algn="l" rtl="0">
+              <a:spcBef>
+                <a:spcPts val="0"/>
+              </a:spcBef>
+              <a:spcAft>
+                <a:spcPts val="0"/>
+              </a:spcAft>
+              <a:buNone/>
+            </a:pPr>
+            <a:r>
+              <a:rPr lang="en"/>
+              <a:t>Explain the relevant implications here.  Then as you work, develop your code, discuss how the implications are being met.</a:t>
+            </a:r>
+            <a:endParaRPr/>
+          </a:p>
+        </p:txBody>
+      </p:sp>
+    </p:spTree>
+    <p:extLst>
+      <p:ext uri="{BB962C8B-B14F-4D97-AF65-F5344CB8AC3E}">
+        <p14:creationId xmlns:p14="http://schemas.microsoft.com/office/powerpoint/2010/main" val="662046781"/>
+      </p:ext>
+    </p:extLst>
+  </p:cSld>
+  <p:clrMapOvr>
+    <a:masterClrMapping/>
+  </p:clrMapOvr>
+</p:notes>
+</file>
+
+<file path=ppt/notesSlides/notesSlide6.xml><?xml version="1.0" encoding="utf-8"?>
+<p:notes xmlns:a="http://schemas.openxmlformats.org/drawingml/2006/main" xmlns:r="http://schemas.openxmlformats.org/officeDocument/2006/relationships" xmlns:p="http://schemas.openxmlformats.org/presentationml/2006/main" showMasterSp="0" showMasterPhAnim="0">
+  <p:cSld>
+    <p:spTree>
+      <p:nvGrpSpPr>
         <p:cNvPr id="1" name="Shape 63"/>
         <p:cNvGrpSpPr/>
         <p:nvPr/>
@@ -1210,7 +1502,7 @@
 </p:notes>
 </file>
 
-<file path=ppt/notesSlides/notesSlide5.xml><?xml version="1.0" encoding="utf-8"?>
+<file path=ppt/notesSlides/notesSlide7.xml><?xml version="1.0" encoding="utf-8"?>
 <p:notes xmlns:a="http://schemas.openxmlformats.org/drawingml/2006/main" xmlns:r="http://schemas.openxmlformats.org/officeDocument/2006/relationships" xmlns:p="http://schemas.openxmlformats.org/presentationml/2006/main" showMasterSp="0" showMasterPhAnim="0">
   <p:cSld>
     <p:spTree>
@@ -1314,7 +1606,7 @@
 </p:notes>
 </file>
 
-<file path=ppt/notesSlides/notesSlide6.xml><?xml version="1.0" encoding="utf-8"?>
+<file path=ppt/notesSlides/notesSlide8.xml><?xml version="1.0" encoding="utf-8"?>
 <p:notes xmlns:a="http://schemas.openxmlformats.org/drawingml/2006/main" xmlns:r="http://schemas.openxmlformats.org/officeDocument/2006/relationships" xmlns:p="http://schemas.openxmlformats.org/presentationml/2006/main" showMasterSp="0" showMasterPhAnim="0">
   <p:cSld>
     <p:spTree>
@@ -1418,7 +1710,7 @@
 </p:notes>
 </file>
 
-<file path=ppt/notesSlides/notesSlide7.xml><?xml version="1.0" encoding="utf-8"?>
+<file path=ppt/notesSlides/notesSlide9.xml><?xml version="1.0" encoding="utf-8"?>
 <p:notes xmlns:a="http://schemas.openxmlformats.org/drawingml/2006/main" xmlns:r="http://schemas.openxmlformats.org/officeDocument/2006/relationships" xmlns:p="http://schemas.openxmlformats.org/presentationml/2006/main" showMasterSp="0" showMasterPhAnim="0">
   <p:cSld>
     <p:spTree>
@@ -1531,114 +1823,6 @@
               </a:spcAft>
               <a:buNone/>
             </a:pPr>
-            <a:endParaRPr/>
-          </a:p>
-        </p:txBody>
-      </p:sp>
-    </p:spTree>
-  </p:cSld>
-  <p:clrMapOvr>
-    <a:masterClrMapping/>
-  </p:clrMapOvr>
-</p:notes>
-</file>
-
-<file path=ppt/notesSlides/notesSlide8.xml><?xml version="1.0" encoding="utf-8"?>
-<p:notes xmlns:a="http://schemas.openxmlformats.org/drawingml/2006/main" xmlns:r="http://schemas.openxmlformats.org/officeDocument/2006/relationships" xmlns:p="http://schemas.openxmlformats.org/presentationml/2006/main" showMasterSp="0" showMasterPhAnim="0">
-  <p:cSld>
-    <p:spTree>
-      <p:nvGrpSpPr>
-        <p:cNvPr id="1" name="Shape 86"/>
-        <p:cNvGrpSpPr/>
-        <p:nvPr/>
-      </p:nvGrpSpPr>
-      <p:grpSpPr>
-        <a:xfrm>
-          <a:off x="0" y="0"/>
-          <a:ext cx="0" cy="0"/>
-          <a:chOff x="0" y="0"/>
-          <a:chExt cx="0" cy="0"/>
-        </a:xfrm>
-      </p:grpSpPr>
-      <p:sp>
-        <p:nvSpPr>
-          <p:cNvPr id="87" name="Google Shape;87;gac10fef634_0_30:notes"/>
-          <p:cNvSpPr>
-            <a:spLocks noGrp="1" noRot="1" noChangeAspect="1"/>
-          </p:cNvSpPr>
-          <p:nvPr>
-            <p:ph type="sldImg" idx="2"/>
-          </p:nvPr>
-        </p:nvSpPr>
-        <p:spPr>
-          <a:xfrm>
-            <a:off x="381000" y="685800"/>
-            <a:ext cx="6096000" cy="3429000"/>
-          </a:xfrm>
-          <a:custGeom>
-            <a:avLst/>
-            <a:gdLst/>
-            <a:ahLst/>
-            <a:cxnLst/>
-            <a:rect l="l" t="t" r="r" b="b"/>
-            <a:pathLst>
-              <a:path w="120000" h="120000" extrusionOk="0">
-                <a:moveTo>
-                  <a:pt x="0" y="0"/>
-                </a:moveTo>
-                <a:lnTo>
-                  <a:pt x="120000" y="0"/>
-                </a:lnTo>
-                <a:lnTo>
-                  <a:pt x="120000" y="120000"/>
-                </a:lnTo>
-                <a:lnTo>
-                  <a:pt x="0" y="120000"/>
-                </a:lnTo>
-                <a:close/>
-              </a:path>
-            </a:pathLst>
-          </a:custGeom>
-        </p:spPr>
-      </p:sp>
-      <p:sp>
-        <p:nvSpPr>
-          <p:cNvPr id="88" name="Google Shape;88;gac10fef634_0_30:notes"/>
-          <p:cNvSpPr txBox="1">
-            <a:spLocks noGrp="1"/>
-          </p:cNvSpPr>
-          <p:nvPr>
-            <p:ph type="body" idx="1"/>
-          </p:nvPr>
-        </p:nvSpPr>
-        <p:spPr>
-          <a:xfrm>
-            <a:off x="685800" y="4343400"/>
-            <a:ext cx="5486400" cy="4114800"/>
-          </a:xfrm>
-          <a:prstGeom prst="rect">
-            <a:avLst/>
-          </a:prstGeom>
-        </p:spPr>
-        <p:txBody>
-          <a:bodyPr spcFirstLastPara="1" wrap="square" lIns="91425" tIns="91425" rIns="91425" bIns="91425" anchor="t" anchorCtr="0">
-            <a:noAutofit/>
-          </a:bodyPr>
-          <a:lstStyle/>
-          <a:p>
-            <a:pPr marL="0" lvl="0" indent="0" algn="l" rtl="0">
-              <a:spcBef>
-                <a:spcPts val="0"/>
-              </a:spcBef>
-              <a:spcAft>
-                <a:spcPts val="0"/>
-              </a:spcAft>
-              <a:buNone/>
-            </a:pPr>
-            <a:r>
-              <a:rPr lang="en"/>
-              <a:t>Discusses how the information from planning, testing and trialling of components assisted in the development of a high-quality outcome</a:t>
-            </a:r>
             <a:endParaRPr/>
           </a:p>
         </p:txBody>
@@ -6521,6 +6705,14 @@
               </a:rPr>
               <a:t>Link to Github Repository: </a:t>
             </a:r>
+            <a:r>
+              <a:rPr lang="en-NZ" sz="2000" b="1" dirty="0">
+                <a:solidFill>
+                  <a:srgbClr val="274E13"/>
+                </a:solidFill>
+              </a:rPr>
+              <a:t>https://github.com/sinedotwav-e/pizzabot</a:t>
+            </a:r>
             <a:endParaRPr sz="2000" b="1" dirty="0">
               <a:solidFill>
                 <a:srgbClr val="274E13"/>
@@ -6575,7 +6767,24 @@
                   <a:srgbClr val="274E13"/>
                 </a:solidFill>
               </a:rPr>
-              <a:t>Links to Trello board / project management tools:</a:t>
+              <a:t>Links to Trello board / project management tools: </a:t>
+            </a:r>
+            <a:r>
+              <a:rPr lang="en-NZ" sz="2000" b="1" dirty="0">
+                <a:solidFill>
+                  <a:srgbClr val="274E13"/>
+                </a:solidFill>
+                <a:hlinkClick r:id="rId3"/>
+              </a:rPr>
+              <a:t>https://trello.com/invite/b/qX8rDdI6/ATTIebb78ccf4efa79f0cef154f2f95084495B161B04/pizza-plan</a:t>
+            </a:r>
+            <a:r>
+              <a:rPr lang="en-NZ" sz="2000" b="1" dirty="0">
+                <a:solidFill>
+                  <a:srgbClr val="274E13"/>
+                </a:solidFill>
+              </a:rPr>
+              <a:t> (I also used a local kanban board)</a:t>
             </a:r>
             <a:endParaRPr sz="2000" dirty="0"/>
           </a:p>
@@ -6664,6 +6873,85 @@
 </p:sld>
 </file>
 
+<file path=ppt/slides/slide10.xml><?xml version="1.0" encoding="utf-8"?>
+<p:sld xmlns:a="http://schemas.openxmlformats.org/drawingml/2006/main" xmlns:r="http://schemas.openxmlformats.org/officeDocument/2006/relationships" xmlns:p="http://schemas.openxmlformats.org/presentationml/2006/main">
+  <p:cSld>
+    <p:bg>
+      <p:bgPr>
+        <a:solidFill>
+          <a:srgbClr val="FFE599"/>
+        </a:solidFill>
+        <a:effectLst/>
+      </p:bgPr>
+    </p:bg>
+    <p:spTree>
+      <p:nvGrpSpPr>
+        <p:cNvPr id="1" name="Shape 89"/>
+        <p:cNvGrpSpPr/>
+        <p:nvPr/>
+      </p:nvGrpSpPr>
+      <p:grpSpPr>
+        <a:xfrm>
+          <a:off x="0" y="0"/>
+          <a:ext cx="0" cy="0"/>
+          <a:chOff x="0" y="0"/>
+          <a:chExt cx="0" cy="0"/>
+        </a:xfrm>
+      </p:grpSpPr>
+      <p:sp>
+        <p:nvSpPr>
+          <p:cNvPr id="90" name="Google Shape;90;p19"/>
+          <p:cNvSpPr txBox="1">
+            <a:spLocks noGrp="1"/>
+          </p:cNvSpPr>
+          <p:nvPr>
+            <p:ph type="body" idx="1"/>
+          </p:nvPr>
+        </p:nvSpPr>
+        <p:spPr>
+          <a:xfrm>
+            <a:off x="311700" y="397700"/>
+            <a:ext cx="8520600" cy="4171200"/>
+          </a:xfrm>
+          <a:prstGeom prst="rect">
+            <a:avLst/>
+          </a:prstGeom>
+        </p:spPr>
+        <p:txBody>
+          <a:bodyPr spcFirstLastPara="1" wrap="square" lIns="91425" tIns="91425" rIns="91425" bIns="91425" anchor="t" anchorCtr="0">
+            <a:noAutofit/>
+          </a:bodyPr>
+          <a:lstStyle/>
+          <a:p>
+            <a:pPr marL="0" lvl="0" indent="0" algn="l" rtl="0">
+              <a:spcBef>
+                <a:spcPts val="0"/>
+              </a:spcBef>
+              <a:spcAft>
+                <a:spcPts val="1600"/>
+              </a:spcAft>
+              <a:buNone/>
+            </a:pPr>
+            <a:r>
+              <a:rPr lang="en" b="1" i="1">
+                <a:solidFill>
+                  <a:srgbClr val="595959"/>
+                </a:solidFill>
+              </a:rPr>
+              <a:t>Discusses how the information from planning, testing and trialling of components assisted in the development of a high-quality outcome</a:t>
+            </a:r>
+            <a:endParaRPr/>
+          </a:p>
+        </p:txBody>
+      </p:sp>
+    </p:spTree>
+  </p:cSld>
+  <p:clrMapOvr>
+    <a:masterClrMapping/>
+  </p:clrMapOvr>
+</p:sld>
+</file>
+
 <file path=ppt/slides/slide2.xml><?xml version="1.0" encoding="utf-8"?>
 <p:sld xmlns:a="http://schemas.openxmlformats.org/drawingml/2006/main" xmlns:r="http://schemas.openxmlformats.org/officeDocument/2006/relationships" xmlns:p="http://schemas.openxmlformats.org/presentationml/2006/main">
   <p:cSld>
@@ -7171,6 +7459,346 @@
     <p:bg>
       <p:bgPr>
         <a:solidFill>
+          <a:srgbClr val="EAD1DC"/>
+        </a:solidFill>
+        <a:effectLst/>
+      </p:bgPr>
+    </p:bg>
+    <p:spTree>
+      <p:nvGrpSpPr>
+        <p:cNvPr id="1" name="Shape 60"/>
+        <p:cNvGrpSpPr/>
+        <p:nvPr/>
+      </p:nvGrpSpPr>
+      <p:grpSpPr>
+        <a:xfrm>
+          <a:off x="0" y="0"/>
+          <a:ext cx="0" cy="0"/>
+          <a:chOff x="0" y="0"/>
+          <a:chExt cx="0" cy="0"/>
+        </a:xfrm>
+      </p:grpSpPr>
+      <p:sp>
+        <p:nvSpPr>
+          <p:cNvPr id="61" name="Google Shape;61;p14"/>
+          <p:cNvSpPr txBox="1">
+            <a:spLocks noGrp="1"/>
+          </p:cNvSpPr>
+          <p:nvPr>
+            <p:ph type="title"/>
+          </p:nvPr>
+        </p:nvSpPr>
+        <p:spPr>
+          <a:xfrm>
+            <a:off x="311700" y="445025"/>
+            <a:ext cx="8520600" cy="572700"/>
+          </a:xfrm>
+          <a:prstGeom prst="rect">
+            <a:avLst/>
+          </a:prstGeom>
+          <a:noFill/>
+          <a:ln>
+            <a:noFill/>
+          </a:ln>
+        </p:spPr>
+        <p:txBody>
+          <a:bodyPr spcFirstLastPara="1" wrap="square" lIns="91425" tIns="91425" rIns="91425" bIns="91425" anchor="t" anchorCtr="0">
+            <a:noAutofit/>
+          </a:bodyPr>
+          <a:lstStyle/>
+          <a:p>
+            <a:pPr marL="0" lvl="0" indent="0" algn="l" rtl="0">
+              <a:spcBef>
+                <a:spcPts val="0"/>
+              </a:spcBef>
+              <a:spcAft>
+                <a:spcPts val="0"/>
+              </a:spcAft>
+              <a:buNone/>
+            </a:pPr>
+            <a:r>
+              <a:rPr lang="en" b="1" dirty="0">
+                <a:solidFill>
+                  <a:srgbClr val="4C1130"/>
+                </a:solidFill>
+              </a:rPr>
+              <a:t>Relevant Implications -</a:t>
+            </a:r>
+            <a:endParaRPr b="1" dirty="0">
+              <a:solidFill>
+                <a:srgbClr val="4C1130"/>
+              </a:solidFill>
+            </a:endParaRPr>
+          </a:p>
+        </p:txBody>
+      </p:sp>
+      <p:sp>
+        <p:nvSpPr>
+          <p:cNvPr id="62" name="Google Shape;62;p14"/>
+          <p:cNvSpPr txBox="1">
+            <a:spLocks noGrp="1"/>
+          </p:cNvSpPr>
+          <p:nvPr>
+            <p:ph type="body" idx="1"/>
+          </p:nvPr>
+        </p:nvSpPr>
+        <p:spPr>
+          <a:xfrm>
+            <a:off x="311700" y="1165725"/>
+            <a:ext cx="8520600" cy="3416400"/>
+          </a:xfrm>
+          <a:prstGeom prst="rect">
+            <a:avLst/>
+          </a:prstGeom>
+          <a:noFill/>
+          <a:ln>
+            <a:noFill/>
+          </a:ln>
+        </p:spPr>
+        <p:txBody>
+          <a:bodyPr spcFirstLastPara="1" wrap="square" lIns="91425" tIns="91425" rIns="91425" bIns="91425" anchor="t" anchorCtr="0">
+            <a:noAutofit/>
+          </a:bodyPr>
+          <a:lstStyle/>
+          <a:p>
+            <a:pPr marL="0" lvl="0" indent="0" algn="l" rtl="0">
+              <a:lnSpc>
+                <a:spcPct val="100000"/>
+              </a:lnSpc>
+              <a:spcBef>
+                <a:spcPts val="0"/>
+              </a:spcBef>
+              <a:spcAft>
+                <a:spcPts val="0"/>
+              </a:spcAft>
+              <a:buClr>
+                <a:schemeClr val="dk1"/>
+              </a:buClr>
+              <a:buSzPts val="1100"/>
+              <a:buFont typeface="Arial"/>
+              <a:buNone/>
+            </a:pPr>
+            <a:r>
+              <a:rPr lang="en" i="1" dirty="0">
+                <a:solidFill>
+                  <a:srgbClr val="741B47"/>
+                </a:solidFill>
+              </a:rPr>
+              <a:t>Explain the relevant implications here.  </a:t>
+            </a:r>
+            <a:endParaRPr lang="en-NZ" sz="1100" dirty="0"/>
+          </a:p>
+          <a:p>
+            <a:pPr marL="0" lvl="0" indent="0" algn="l" rtl="0">
+              <a:lnSpc>
+                <a:spcPct val="100000"/>
+              </a:lnSpc>
+              <a:spcBef>
+                <a:spcPts val="0"/>
+              </a:spcBef>
+              <a:spcAft>
+                <a:spcPts val="0"/>
+              </a:spcAft>
+              <a:buClr>
+                <a:schemeClr val="dk1"/>
+              </a:buClr>
+              <a:buSzPts val="1100"/>
+              <a:buFont typeface="Arial"/>
+              <a:buNone/>
+            </a:pPr>
+            <a:endParaRPr lang="en-NZ" sz="1600" dirty="0"/>
+          </a:p>
+        </p:txBody>
+      </p:sp>
+    </p:spTree>
+    <p:extLst>
+      <p:ext uri="{BB962C8B-B14F-4D97-AF65-F5344CB8AC3E}">
+        <p14:creationId xmlns:p14="http://schemas.microsoft.com/office/powerpoint/2010/main" val="2151801100"/>
+      </p:ext>
+    </p:extLst>
+  </p:cSld>
+  <p:clrMapOvr>
+    <a:masterClrMapping/>
+  </p:clrMapOvr>
+</p:sld>
+</file>
+
+<file path=ppt/slides/slide5.xml><?xml version="1.0" encoding="utf-8"?>
+<p:sld xmlns:a="http://schemas.openxmlformats.org/drawingml/2006/main" xmlns:r="http://schemas.openxmlformats.org/officeDocument/2006/relationships" xmlns:p="http://schemas.openxmlformats.org/presentationml/2006/main">
+  <p:cSld>
+    <p:bg>
+      <p:bgPr>
+        <a:solidFill>
+          <a:srgbClr val="EAD1DC"/>
+        </a:solidFill>
+        <a:effectLst/>
+      </p:bgPr>
+    </p:bg>
+    <p:spTree>
+      <p:nvGrpSpPr>
+        <p:cNvPr id="1" name="Shape 60"/>
+        <p:cNvGrpSpPr/>
+        <p:nvPr/>
+      </p:nvGrpSpPr>
+      <p:grpSpPr>
+        <a:xfrm>
+          <a:off x="0" y="0"/>
+          <a:ext cx="0" cy="0"/>
+          <a:chOff x="0" y="0"/>
+          <a:chExt cx="0" cy="0"/>
+        </a:xfrm>
+      </p:grpSpPr>
+      <p:sp>
+        <p:nvSpPr>
+          <p:cNvPr id="61" name="Google Shape;61;p14"/>
+          <p:cNvSpPr txBox="1">
+            <a:spLocks noGrp="1"/>
+          </p:cNvSpPr>
+          <p:nvPr>
+            <p:ph type="title"/>
+          </p:nvPr>
+        </p:nvSpPr>
+        <p:spPr>
+          <a:xfrm>
+            <a:off x="311700" y="445025"/>
+            <a:ext cx="8520600" cy="572700"/>
+          </a:xfrm>
+          <a:prstGeom prst="rect">
+            <a:avLst/>
+          </a:prstGeom>
+          <a:noFill/>
+          <a:ln>
+            <a:noFill/>
+          </a:ln>
+        </p:spPr>
+        <p:txBody>
+          <a:bodyPr spcFirstLastPara="1" wrap="square" lIns="91425" tIns="91425" rIns="91425" bIns="91425" anchor="t" anchorCtr="0">
+            <a:noAutofit/>
+          </a:bodyPr>
+          <a:lstStyle/>
+          <a:p>
+            <a:pPr marL="0" lvl="0" indent="0" algn="l" rtl="0">
+              <a:spcBef>
+                <a:spcPts val="0"/>
+              </a:spcBef>
+              <a:spcAft>
+                <a:spcPts val="0"/>
+              </a:spcAft>
+              <a:buNone/>
+            </a:pPr>
+            <a:r>
+              <a:rPr lang="en" b="1" dirty="0">
+                <a:solidFill>
+                  <a:srgbClr val="4C1130"/>
+                </a:solidFill>
+              </a:rPr>
+              <a:t>Relevant Implications -</a:t>
+            </a:r>
+            <a:endParaRPr b="1" dirty="0">
+              <a:solidFill>
+                <a:srgbClr val="4C1130"/>
+              </a:solidFill>
+            </a:endParaRPr>
+          </a:p>
+        </p:txBody>
+      </p:sp>
+      <p:sp>
+        <p:nvSpPr>
+          <p:cNvPr id="62" name="Google Shape;62;p14"/>
+          <p:cNvSpPr txBox="1">
+            <a:spLocks noGrp="1"/>
+          </p:cNvSpPr>
+          <p:nvPr>
+            <p:ph type="body" idx="1"/>
+          </p:nvPr>
+        </p:nvSpPr>
+        <p:spPr>
+          <a:xfrm>
+            <a:off x="311700" y="1165725"/>
+            <a:ext cx="8520600" cy="3416400"/>
+          </a:xfrm>
+          <a:prstGeom prst="rect">
+            <a:avLst/>
+          </a:prstGeom>
+          <a:noFill/>
+          <a:ln>
+            <a:noFill/>
+          </a:ln>
+        </p:spPr>
+        <p:txBody>
+          <a:bodyPr spcFirstLastPara="1" wrap="square" lIns="91425" tIns="91425" rIns="91425" bIns="91425" anchor="t" anchorCtr="0">
+            <a:noAutofit/>
+          </a:bodyPr>
+          <a:lstStyle/>
+          <a:p>
+            <a:pPr marL="0" lvl="0" indent="0" algn="l" rtl="0">
+              <a:lnSpc>
+                <a:spcPct val="100000"/>
+              </a:lnSpc>
+              <a:spcBef>
+                <a:spcPts val="0"/>
+              </a:spcBef>
+              <a:spcAft>
+                <a:spcPts val="0"/>
+              </a:spcAft>
+              <a:buClr>
+                <a:schemeClr val="dk1"/>
+              </a:buClr>
+              <a:buSzPts val="1100"/>
+              <a:buFont typeface="Arial"/>
+              <a:buNone/>
+            </a:pPr>
+            <a:r>
+              <a:rPr lang="en" i="1" dirty="0">
+                <a:solidFill>
+                  <a:srgbClr val="741B47"/>
+                </a:solidFill>
+              </a:rPr>
+              <a:t>Explain the relevant implications here.  </a:t>
+            </a:r>
+            <a:endParaRPr lang="en-NZ" sz="1100" dirty="0"/>
+          </a:p>
+          <a:p>
+            <a:pPr marL="0" lvl="0" indent="0" algn="l" rtl="0">
+              <a:lnSpc>
+                <a:spcPct val="100000"/>
+              </a:lnSpc>
+              <a:spcBef>
+                <a:spcPts val="0"/>
+              </a:spcBef>
+              <a:spcAft>
+                <a:spcPts val="0"/>
+              </a:spcAft>
+              <a:buClr>
+                <a:schemeClr val="dk1"/>
+              </a:buClr>
+              <a:buSzPts val="1100"/>
+              <a:buFont typeface="Arial"/>
+              <a:buNone/>
+            </a:pPr>
+            <a:endParaRPr lang="en-NZ" sz="1600" dirty="0"/>
+          </a:p>
+        </p:txBody>
+      </p:sp>
+    </p:spTree>
+    <p:extLst>
+      <p:ext uri="{BB962C8B-B14F-4D97-AF65-F5344CB8AC3E}">
+        <p14:creationId xmlns:p14="http://schemas.microsoft.com/office/powerpoint/2010/main" val="2444910939"/>
+      </p:ext>
+    </p:extLst>
+  </p:cSld>
+  <p:clrMapOvr>
+    <a:masterClrMapping/>
+  </p:clrMapOvr>
+</p:sld>
+</file>
+
+<file path=ppt/slides/slide6.xml><?xml version="1.0" encoding="utf-8"?>
+<p:sld xmlns:a="http://schemas.openxmlformats.org/drawingml/2006/main" xmlns:r="http://schemas.openxmlformats.org/officeDocument/2006/relationships" xmlns:p="http://schemas.openxmlformats.org/presentationml/2006/main">
+  <p:cSld>
+    <p:bg>
+      <p:bgPr>
+        <a:solidFill>
           <a:srgbClr val="D9EAD3"/>
         </a:solidFill>
         <a:effectLst/>
@@ -7245,7 +7873,7 @@
         <p:spPr>
           <a:xfrm>
             <a:off x="311700" y="1152475"/>
-            <a:ext cx="8424300" cy="1180800"/>
+            <a:ext cx="8424300" cy="508237"/>
           </a:xfrm>
           <a:prstGeom prst="rect">
             <a:avLst/>
@@ -7267,13 +7895,73 @@
               <a:buNone/>
             </a:pPr>
             <a:r>
-              <a:rPr lang="en" i="1"/>
-              <a:t>Paste screenshots of your initial Trello board / task decomposition on this slide.  If you have a long list, you might need to break it up into several columns.  Delete this instruction when you are done.</a:t>
+              <a:rPr lang="en" i="1" dirty="0"/>
+              <a:t>Paste screenshots of your initial Trello board / task decomposition on this slide.</a:t>
             </a:r>
-            <a:endParaRPr i="1"/>
+            <a:endParaRPr i="1" dirty="0"/>
           </a:p>
         </p:txBody>
       </p:sp>
+      <p:pic>
+        <p:nvPicPr>
+          <p:cNvPr id="7" name="Picture 6" descr="A screenshot of a cartoon&#10;&#10;Description automatically generated with medium confidence">
+            <a:extLst>
+              <a:ext uri="{FF2B5EF4-FFF2-40B4-BE49-F238E27FC236}">
+                <a16:creationId xmlns:a16="http://schemas.microsoft.com/office/drawing/2014/main" id="{059FCAF7-42B9-EC33-23CC-D0AB65EA9094}"/>
+              </a:ext>
+            </a:extLst>
+          </p:cNvPr>
+          <p:cNvPicPr>
+            <a:picLocks noChangeAspect="1"/>
+          </p:cNvPicPr>
+          <p:nvPr/>
+        </p:nvPicPr>
+        <p:blipFill>
+          <a:blip r:embed="rId3"/>
+          <a:stretch>
+            <a:fillRect/>
+          </a:stretch>
+        </p:blipFill>
+        <p:spPr>
+          <a:xfrm>
+            <a:off x="311700" y="1746668"/>
+            <a:ext cx="4602352" cy="2467326"/>
+          </a:xfrm>
+          <a:prstGeom prst="rect">
+            <a:avLst/>
+          </a:prstGeom>
+        </p:spPr>
+      </p:pic>
+      <p:pic>
+        <p:nvPicPr>
+          <p:cNvPr id="9" name="Picture 8" descr="A screenshot of a computer&#10;&#10;Description automatically generated">
+            <a:extLst>
+              <a:ext uri="{FF2B5EF4-FFF2-40B4-BE49-F238E27FC236}">
+                <a16:creationId xmlns:a16="http://schemas.microsoft.com/office/drawing/2014/main" id="{8A267450-5119-A659-4930-551991672E7A}"/>
+              </a:ext>
+            </a:extLst>
+          </p:cNvPr>
+          <p:cNvPicPr>
+            <a:picLocks noChangeAspect="1"/>
+          </p:cNvPicPr>
+          <p:nvPr/>
+        </p:nvPicPr>
+        <p:blipFill>
+          <a:blip r:embed="rId4"/>
+          <a:stretch>
+            <a:fillRect/>
+          </a:stretch>
+        </p:blipFill>
+        <p:spPr>
+          <a:xfrm>
+            <a:off x="5264523" y="1720628"/>
+            <a:ext cx="3471477" cy="2519406"/>
+          </a:xfrm>
+          <a:prstGeom prst="rect">
+            <a:avLst/>
+          </a:prstGeom>
+        </p:spPr>
+      </p:pic>
     </p:spTree>
   </p:cSld>
   <p:clrMapOvr>
@@ -7282,7 +7970,7 @@
 </p:sld>
 </file>
 
-<file path=ppt/slides/slide5.xml><?xml version="1.0" encoding="utf-8"?>
+<file path=ppt/slides/slide7.xml><?xml version="1.0" encoding="utf-8"?>
 <p:sld xmlns:a="http://schemas.openxmlformats.org/drawingml/2006/main" xmlns:r="http://schemas.openxmlformats.org/officeDocument/2006/relationships" xmlns:p="http://schemas.openxmlformats.org/presentationml/2006/main">
   <p:cSld>
     <p:bg>
@@ -7349,6 +8037,36 @@
           </a:p>
         </p:txBody>
       </p:sp>
+      <p:pic>
+        <p:nvPicPr>
+          <p:cNvPr id="3" name="Picture 2" descr="Trello screenshot">
+            <a:extLst>
+              <a:ext uri="{FF2B5EF4-FFF2-40B4-BE49-F238E27FC236}">
+                <a16:creationId xmlns:a16="http://schemas.microsoft.com/office/drawing/2014/main" id="{033C05CA-2783-8878-C17E-805FE2266AB9}"/>
+              </a:ext>
+            </a:extLst>
+          </p:cNvPr>
+          <p:cNvPicPr>
+            <a:picLocks noChangeAspect="1"/>
+          </p:cNvPicPr>
+          <p:nvPr/>
+        </p:nvPicPr>
+        <p:blipFill>
+          <a:blip r:embed="rId3"/>
+          <a:stretch>
+            <a:fillRect/>
+          </a:stretch>
+        </p:blipFill>
+        <p:spPr>
+          <a:xfrm>
+            <a:off x="1331259" y="1223746"/>
+            <a:ext cx="6481482" cy="3474729"/>
+          </a:xfrm>
+          <a:prstGeom prst="rect">
+            <a:avLst/>
+          </a:prstGeom>
+        </p:spPr>
+      </p:pic>
     </p:spTree>
   </p:cSld>
   <p:clrMapOvr>
@@ -7357,7 +8075,7 @@
 </p:sld>
 </file>
 
-<file path=ppt/slides/slide6.xml><?xml version="1.0" encoding="utf-8"?>
+<file path=ppt/slides/slide8.xml><?xml version="1.0" encoding="utf-8"?>
 <p:sld xmlns:a="http://schemas.openxmlformats.org/drawingml/2006/main" xmlns:r="http://schemas.openxmlformats.org/officeDocument/2006/relationships" xmlns:p="http://schemas.openxmlformats.org/presentationml/2006/main">
   <p:cSld>
     <p:spTree>
@@ -7409,10 +8127,10 @@
               <a:buNone/>
             </a:pPr>
             <a:r>
-              <a:rPr lang="en"/>
-              <a:t>Component 1 - Test Plan (?and screenshot)</a:t>
+              <a:rPr lang="en" dirty="0"/>
+              <a:t>Component 1 - Test Plan (and screenshot)</a:t>
             </a:r>
-            <a:endParaRPr/>
+            <a:endParaRPr dirty="0"/>
           </a:p>
         </p:txBody>
       </p:sp>
@@ -7420,11 +8138,17 @@
         <p:nvGraphicFramePr>
           <p:cNvPr id="79" name="Google Shape;79;p17"/>
           <p:cNvGraphicFramePr/>
-          <p:nvPr/>
+          <p:nvPr>
+            <p:extLst>
+              <p:ext uri="{D42A27DB-BD31-4B8C-83A1-F6EECF244321}">
+                <p14:modId xmlns:p14="http://schemas.microsoft.com/office/powerpoint/2010/main" val="3154895241"/>
+              </p:ext>
+            </p:extLst>
+          </p:nvPr>
         </p:nvGraphicFramePr>
         <p:xfrm>
           <a:off x="382475" y="1267725"/>
-          <a:ext cx="8520600" cy="914340"/>
+          <a:ext cx="8520600" cy="1188660"/>
         </p:xfrm>
         <a:graphic>
           <a:graphicData uri="http://schemas.openxmlformats.org/drawingml/2006/table">
@@ -7434,14 +8158,14 @@
                 <a:tableStyleId>{E1099E06-0E6B-448D-9D27-60429F06E6F4}</a:tableStyleId>
               </a:tblPr>
               <a:tblGrid>
-                <a:gridCol w="4260300">
+                <a:gridCol w="4196249">
                   <a:extLst>
                     <a:ext uri="{9D8B030D-6E8A-4147-A177-3AD203B41FA5}">
                       <a16:colId xmlns:a16="http://schemas.microsoft.com/office/drawing/2014/main" val="20000"/>
                     </a:ext>
                   </a:extLst>
                 </a:gridCol>
-                <a:gridCol w="4260300">
+                <a:gridCol w="4324351">
                   <a:extLst>
                     <a:ext uri="{9D8B030D-6E8A-4147-A177-3AD203B41FA5}">
                       <a16:colId xmlns:a16="http://schemas.microsoft.com/office/drawing/2014/main" val="20001"/>
@@ -7525,7 +8249,11 @@
                         </a:spcAft>
                         <a:buNone/>
                       </a:pPr>
-                      <a:endParaRPr sz="1800"/>
+                      <a:r>
+                        <a:rPr lang="en-NZ" sz="1800" dirty="0"/>
+                        <a:t>Run Program</a:t>
+                      </a:r>
+                      <a:endParaRPr sz="1800" dirty="0"/>
                     </a:p>
                   </a:txBody>
                   <a:tcPr marL="91425" marR="91425" marT="91425" marB="91425"/>
@@ -7544,7 +8272,11 @@
                         </a:spcAft>
                         <a:buNone/>
                       </a:pPr>
-                      <a:endParaRPr sz="1800"/>
+                      <a:r>
+                        <a:rPr lang="en-NZ" sz="1800" dirty="0"/>
+                        <a:t>Print welcome message with a randomly generated name – Runs correctly</a:t>
+                      </a:r>
+                      <a:endParaRPr sz="1800" dirty="0"/>
                     </a:p>
                   </a:txBody>
                   <a:tcPr marL="91425" marR="91425" marT="91425" marB="91425"/>
@@ -7559,6 +8291,66 @@
           </a:graphicData>
         </a:graphic>
       </p:graphicFrame>
+      <p:pic>
+        <p:nvPicPr>
+          <p:cNvPr id="3" name="Picture 2" descr="A picture containing text, font, screenshot&#10;&#10;Description automatically generated">
+            <a:extLst>
+              <a:ext uri="{FF2B5EF4-FFF2-40B4-BE49-F238E27FC236}">
+                <a16:creationId xmlns:a16="http://schemas.microsoft.com/office/drawing/2014/main" id="{E2D1C4BB-649C-8A9D-949F-11368CC7E0B7}"/>
+              </a:ext>
+            </a:extLst>
+          </p:cNvPr>
+          <p:cNvPicPr>
+            <a:picLocks noChangeAspect="1"/>
+          </p:cNvPicPr>
+          <p:nvPr/>
+        </p:nvPicPr>
+        <p:blipFill>
+          <a:blip r:embed="rId3"/>
+          <a:stretch>
+            <a:fillRect/>
+          </a:stretch>
+        </p:blipFill>
+        <p:spPr>
+          <a:xfrm>
+            <a:off x="385741" y="2570963"/>
+            <a:ext cx="4186259" cy="1092244"/>
+          </a:xfrm>
+          <a:prstGeom prst="rect">
+            <a:avLst/>
+          </a:prstGeom>
+        </p:spPr>
+      </p:pic>
+      <p:pic>
+        <p:nvPicPr>
+          <p:cNvPr id="7" name="Picture 6" descr="Test result">
+            <a:extLst>
+              <a:ext uri="{FF2B5EF4-FFF2-40B4-BE49-F238E27FC236}">
+                <a16:creationId xmlns:a16="http://schemas.microsoft.com/office/drawing/2014/main" id="{375C522E-9BB7-AC5A-988B-65B602406835}"/>
+              </a:ext>
+            </a:extLst>
+          </p:cNvPr>
+          <p:cNvPicPr>
+            <a:picLocks noChangeAspect="1"/>
+          </p:cNvPicPr>
+          <p:nvPr/>
+        </p:nvPicPr>
+        <p:blipFill>
+          <a:blip r:embed="rId4"/>
+          <a:stretch>
+            <a:fillRect/>
+          </a:stretch>
+        </p:blipFill>
+        <p:spPr>
+          <a:xfrm>
+            <a:off x="4572000" y="2570963"/>
+            <a:ext cx="4335748" cy="1577455"/>
+          </a:xfrm>
+          <a:prstGeom prst="rect">
+            <a:avLst/>
+          </a:prstGeom>
+        </p:spPr>
+      </p:pic>
     </p:spTree>
   </p:cSld>
   <p:clrMapOvr>
@@ -7567,7 +8359,7 @@
 </p:sld>
 </file>
 
-<file path=ppt/slides/slide7.xml><?xml version="1.0" encoding="utf-8"?>
+<file path=ppt/slides/slide9.xml><?xml version="1.0" encoding="utf-8"?>
 <p:sld xmlns:a="http://schemas.openxmlformats.org/drawingml/2006/main" xmlns:r="http://schemas.openxmlformats.org/officeDocument/2006/relationships" xmlns:p="http://schemas.openxmlformats.org/presentationml/2006/main">
   <p:cSld>
     <p:bg>
@@ -7669,89 +8461,14 @@
               <a:buNone/>
             </a:pPr>
             <a:r>
+              <a:rPr lang="en" i="1" dirty="0"/>
+              <a:t>Your version control evidence should go here.  </a:t>
+            </a:r>
+            <a:r>
               <a:rPr lang="en" i="1"/>
-              <a:t>Your version control evidence should go here.  This could be in the form of annotated screenshots which show you you managed this process or you could make a brief screencast explaining how you implemented version control.</a:t>
+              <a:t>This could be in the form of annotated screenshots which show you you managed this process or you could make a brief screencast explaining how you implemented version control.</a:t>
             </a:r>
-            <a:endParaRPr i="1"/>
-          </a:p>
-        </p:txBody>
-      </p:sp>
-    </p:spTree>
-  </p:cSld>
-  <p:clrMapOvr>
-    <a:masterClrMapping/>
-  </p:clrMapOvr>
-</p:sld>
-</file>
-
-<file path=ppt/slides/slide8.xml><?xml version="1.0" encoding="utf-8"?>
-<p:sld xmlns:a="http://schemas.openxmlformats.org/drawingml/2006/main" xmlns:r="http://schemas.openxmlformats.org/officeDocument/2006/relationships" xmlns:p="http://schemas.openxmlformats.org/presentationml/2006/main">
-  <p:cSld>
-    <p:bg>
-      <p:bgPr>
-        <a:solidFill>
-          <a:srgbClr val="FFE599"/>
-        </a:solidFill>
-        <a:effectLst/>
-      </p:bgPr>
-    </p:bg>
-    <p:spTree>
-      <p:nvGrpSpPr>
-        <p:cNvPr id="1" name="Shape 89"/>
-        <p:cNvGrpSpPr/>
-        <p:nvPr/>
-      </p:nvGrpSpPr>
-      <p:grpSpPr>
-        <a:xfrm>
-          <a:off x="0" y="0"/>
-          <a:ext cx="0" cy="0"/>
-          <a:chOff x="0" y="0"/>
-          <a:chExt cx="0" cy="0"/>
-        </a:xfrm>
-      </p:grpSpPr>
-      <p:sp>
-        <p:nvSpPr>
-          <p:cNvPr id="90" name="Google Shape;90;p19"/>
-          <p:cNvSpPr txBox="1">
-            <a:spLocks noGrp="1"/>
-          </p:cNvSpPr>
-          <p:nvPr>
-            <p:ph type="body" idx="1"/>
-          </p:nvPr>
-        </p:nvSpPr>
-        <p:spPr>
-          <a:xfrm>
-            <a:off x="311700" y="397700"/>
-            <a:ext cx="8520600" cy="4171200"/>
-          </a:xfrm>
-          <a:prstGeom prst="rect">
-            <a:avLst/>
-          </a:prstGeom>
-        </p:spPr>
-        <p:txBody>
-          <a:bodyPr spcFirstLastPara="1" wrap="square" lIns="91425" tIns="91425" rIns="91425" bIns="91425" anchor="t" anchorCtr="0">
-            <a:noAutofit/>
-          </a:bodyPr>
-          <a:lstStyle/>
-          <a:p>
-            <a:pPr marL="0" lvl="0" indent="0" algn="l" rtl="0">
-              <a:spcBef>
-                <a:spcPts val="0"/>
-              </a:spcBef>
-              <a:spcAft>
-                <a:spcPts val="1600"/>
-              </a:spcAft>
-              <a:buNone/>
-            </a:pPr>
-            <a:r>
-              <a:rPr lang="en" b="1" i="1">
-                <a:solidFill>
-                  <a:srgbClr val="595959"/>
-                </a:solidFill>
-              </a:rPr>
-              <a:t>Discusses how the information from planning, testing and trialling of components assisted in the development of a high-quality outcome</a:t>
-            </a:r>
-            <a:endParaRPr/>
+            <a:endParaRPr i="1" dirty="0"/>
           </a:p>
         </p:txBody>
       </p:sp>
@@ -8323,4 +9040,288 @@
   <a:objectDefaults/>
   <a:extraClrSchemeLst/>
 </a:theme>
+</file>
+
+<file path=customXml/item1.xml><?xml version="1.0" encoding="utf-8"?>
+<ct:contentTypeSchema xmlns:ct="http://schemas.microsoft.com/office/2006/metadata/contentType" xmlns:ma="http://schemas.microsoft.com/office/2006/metadata/properties/metaAttributes" ct:_="" ma:_="" ma:contentTypeName="Document" ma:contentTypeID="0x010100024DC8DFD6C93447A9C11B519434E451" ma:contentTypeVersion="13" ma:contentTypeDescription="Create a new document." ma:contentTypeScope="" ma:versionID="d78c653d52c678877916f644d9003a4b">
+  <xsd:schema xmlns:xsd="http://www.w3.org/2001/XMLSchema" xmlns:xs="http://www.w3.org/2001/XMLSchema" xmlns:p="http://schemas.microsoft.com/office/2006/metadata/properties" xmlns:ns3="2b310483-19ef-4f1a-8666-427aba7c04f4" xmlns:ns4="d316a0db-0591-438e-8093-79f3efde1904" targetNamespace="http://schemas.microsoft.com/office/2006/metadata/properties" ma:root="true" ma:fieldsID="b51e56a0bc6a455bf4c7a7bc9489865b" ns3:_="" ns4:_="">
+    <xsd:import namespace="2b310483-19ef-4f1a-8666-427aba7c04f4"/>
+    <xsd:import namespace="d316a0db-0591-438e-8093-79f3efde1904"/>
+    <xsd:element name="properties">
+      <xsd:complexType>
+        <xsd:sequence>
+          <xsd:element name="documentManagement">
+            <xsd:complexType>
+              <xsd:all>
+                <xsd:element ref="ns3:MediaServiceMetadata" minOccurs="0"/>
+                <xsd:element ref="ns3:MediaServiceFastMetadata" minOccurs="0"/>
+                <xsd:element ref="ns4:SharedWithUsers" minOccurs="0"/>
+                <xsd:element ref="ns4:SharedWithDetails" minOccurs="0"/>
+                <xsd:element ref="ns4:SharingHintHash" minOccurs="0"/>
+                <xsd:element ref="ns3:MediaServiceAutoKeyPoints" minOccurs="0"/>
+                <xsd:element ref="ns3:MediaServiceKeyPoints" minOccurs="0"/>
+                <xsd:element ref="ns3:MediaServiceAutoTags" minOccurs="0"/>
+                <xsd:element ref="ns3:MediaServiceGenerationTime" minOccurs="0"/>
+                <xsd:element ref="ns3:MediaServiceEventHashCode" minOccurs="0"/>
+                <xsd:element ref="ns3:MediaServiceOCR" minOccurs="0"/>
+                <xsd:element ref="ns3:MediaServiceDateTaken" minOccurs="0"/>
+                <xsd:element ref="ns3:_activity" minOccurs="0"/>
+              </xsd:all>
+            </xsd:complexType>
+          </xsd:element>
+        </xsd:sequence>
+      </xsd:complexType>
+    </xsd:element>
+  </xsd:schema>
+  <xsd:schema xmlns:xsd="http://www.w3.org/2001/XMLSchema" xmlns:xs="http://www.w3.org/2001/XMLSchema" xmlns:dms="http://schemas.microsoft.com/office/2006/documentManagement/types" xmlns:pc="http://schemas.microsoft.com/office/infopath/2007/PartnerControls" targetNamespace="2b310483-19ef-4f1a-8666-427aba7c04f4" elementFormDefault="qualified">
+    <xsd:import namespace="http://schemas.microsoft.com/office/2006/documentManagement/types"/>
+    <xsd:import namespace="http://schemas.microsoft.com/office/infopath/2007/PartnerControls"/>
+    <xsd:element name="MediaServiceMetadata" ma:index="8" nillable="true" ma:displayName="MediaServiceMetadata" ma:hidden="true" ma:internalName="MediaServiceMetadata" ma:readOnly="true">
+      <xsd:simpleType>
+        <xsd:restriction base="dms:Note"/>
+      </xsd:simpleType>
+    </xsd:element>
+    <xsd:element name="MediaServiceFastMetadata" ma:index="9" nillable="true" ma:displayName="MediaServiceFastMetadata" ma:hidden="true" ma:internalName="MediaServiceFastMetadata" ma:readOnly="true">
+      <xsd:simpleType>
+        <xsd:restriction base="dms:Note"/>
+      </xsd:simpleType>
+    </xsd:element>
+    <xsd:element name="MediaServiceAutoKeyPoints" ma:index="13" nillable="true" ma:displayName="MediaServiceAutoKeyPoints" ma:hidden="true" ma:internalName="MediaServiceAutoKeyPoints" ma:readOnly="true">
+      <xsd:simpleType>
+        <xsd:restriction base="dms:Note"/>
+      </xsd:simpleType>
+    </xsd:element>
+    <xsd:element name="MediaServiceKeyPoints" ma:index="14" nillable="true" ma:displayName="KeyPoints" ma:internalName="MediaServiceKeyPoints" ma:readOnly="true">
+      <xsd:simpleType>
+        <xsd:restriction base="dms:Note">
+          <xsd:maxLength value="255"/>
+        </xsd:restriction>
+      </xsd:simpleType>
+    </xsd:element>
+    <xsd:element name="MediaServiceAutoTags" ma:index="15" nillable="true" ma:displayName="Tags" ma:internalName="MediaServiceAutoTags" ma:readOnly="true">
+      <xsd:simpleType>
+        <xsd:restriction base="dms:Text"/>
+      </xsd:simpleType>
+    </xsd:element>
+    <xsd:element name="MediaServiceGenerationTime" ma:index="16" nillable="true" ma:displayName="MediaServiceGenerationTime" ma:hidden="true" ma:internalName="MediaServiceGenerationTime" ma:readOnly="true">
+      <xsd:simpleType>
+        <xsd:restriction base="dms:Text"/>
+      </xsd:simpleType>
+    </xsd:element>
+    <xsd:element name="MediaServiceEventHashCode" ma:index="17" nillable="true" ma:displayName="MediaServiceEventHashCode" ma:hidden="true" ma:internalName="MediaServiceEventHashCode" ma:readOnly="true">
+      <xsd:simpleType>
+        <xsd:restriction base="dms:Text"/>
+      </xsd:simpleType>
+    </xsd:element>
+    <xsd:element name="MediaServiceOCR" ma:index="18" nillable="true" ma:displayName="Extracted Text" ma:internalName="MediaServiceOCR" ma:readOnly="true">
+      <xsd:simpleType>
+        <xsd:restriction base="dms:Note">
+          <xsd:maxLength value="255"/>
+        </xsd:restriction>
+      </xsd:simpleType>
+    </xsd:element>
+    <xsd:element name="MediaServiceDateTaken" ma:index="19" nillable="true" ma:displayName="MediaServiceDateTaken" ma:hidden="true" ma:indexed="true" ma:internalName="MediaServiceDateTaken" ma:readOnly="true">
+      <xsd:simpleType>
+        <xsd:restriction base="dms:Text"/>
+      </xsd:simpleType>
+    </xsd:element>
+    <xsd:element name="_activity" ma:index="20" nillable="true" ma:displayName="_activity" ma:hidden="true" ma:internalName="_activity">
+      <xsd:simpleType>
+        <xsd:restriction base="dms:Note"/>
+      </xsd:simpleType>
+    </xsd:element>
+  </xsd:schema>
+  <xsd:schema xmlns:xsd="http://www.w3.org/2001/XMLSchema" xmlns:xs="http://www.w3.org/2001/XMLSchema" xmlns:dms="http://schemas.microsoft.com/office/2006/documentManagement/types" xmlns:pc="http://schemas.microsoft.com/office/infopath/2007/PartnerControls" targetNamespace="d316a0db-0591-438e-8093-79f3efde1904" elementFormDefault="qualified">
+    <xsd:import namespace="http://schemas.microsoft.com/office/2006/documentManagement/types"/>
+    <xsd:import namespace="http://schemas.microsoft.com/office/infopath/2007/PartnerControls"/>
+    <xsd:element name="SharedWithUsers" ma:index="10" nillable="true" ma:displayName="Shared With" ma:internalName="SharedWithUsers" ma:readOnly="true">
+      <xsd:complexType>
+        <xsd:complexContent>
+          <xsd:extension base="dms:UserMulti">
+            <xsd:sequence>
+              <xsd:element name="UserInfo" minOccurs="0" maxOccurs="unbounded">
+                <xsd:complexType>
+                  <xsd:sequence>
+                    <xsd:element name="DisplayName" type="xsd:string" minOccurs="0"/>
+                    <xsd:element name="AccountId" type="dms:UserId" minOccurs="0" nillable="true"/>
+                    <xsd:element name="AccountType" type="xsd:string" minOccurs="0"/>
+                  </xsd:sequence>
+                </xsd:complexType>
+              </xsd:element>
+            </xsd:sequence>
+          </xsd:extension>
+        </xsd:complexContent>
+      </xsd:complexType>
+    </xsd:element>
+    <xsd:element name="SharedWithDetails" ma:index="11" nillable="true" ma:displayName="Shared With Details" ma:internalName="SharedWithDetails" ma:readOnly="true">
+      <xsd:simpleType>
+        <xsd:restriction base="dms:Note">
+          <xsd:maxLength value="255"/>
+        </xsd:restriction>
+      </xsd:simpleType>
+    </xsd:element>
+    <xsd:element name="SharingHintHash" ma:index="12" nillable="true" ma:displayName="Sharing Hint Hash" ma:hidden="true" ma:internalName="SharingHintHash" ma:readOnly="true">
+      <xsd:simpleType>
+        <xsd:restriction base="dms:Text"/>
+      </xsd:simpleType>
+    </xsd:element>
+  </xsd:schema>
+  <xsd:schema xmlns="http://schemas.openxmlformats.org/package/2006/metadata/core-properties" xmlns:xsd="http://www.w3.org/2001/XMLSchema" xmlns:xsi="http://www.w3.org/2001/XMLSchema-instance" xmlns:dc="http://purl.org/dc/elements/1.1/" xmlns:dcterms="http://purl.org/dc/terms/" xmlns:odoc="http://schemas.microsoft.com/internal/obd" targetNamespace="http://schemas.openxmlformats.org/package/2006/metadata/core-properties" elementFormDefault="qualified" attributeFormDefault="unqualified" blockDefault="#all">
+    <xsd:import namespace="http://purl.org/dc/elements/1.1/" schemaLocation="http://dublincore.org/schemas/xmls/qdc/2003/04/02/dc.xsd"/>
+    <xsd:import namespace="http://purl.org/dc/terms/" schemaLocation="http://dublincore.org/schemas/xmls/qdc/2003/04/02/dcterms.xsd"/>
+    <xsd:element name="coreProperties" type="CT_coreProperties"/>
+    <xsd:complexType name="CT_coreProperties">
+      <xsd:all>
+        <xsd:element ref="dc:creator" minOccurs="0" maxOccurs="1"/>
+        <xsd:element ref="dcterms:created" minOccurs="0" maxOccurs="1"/>
+        <xsd:element ref="dc:identifier" minOccurs="0" maxOccurs="1"/>
+        <xsd:element name="contentType" minOccurs="0" maxOccurs="1" type="xsd:string" ma:index="0" ma:displayName="Content Type"/>
+        <xsd:element ref="dc:title" minOccurs="0" maxOccurs="1" ma:index="4" ma:displayName="Title"/>
+        <xsd:element ref="dc:subject" minOccurs="0" maxOccurs="1"/>
+        <xsd:element ref="dc:description" minOccurs="0" maxOccurs="1"/>
+        <xsd:element name="keywords" minOccurs="0" maxOccurs="1" type="xsd:string"/>
+        <xsd:element ref="dc:language" minOccurs="0" maxOccurs="1"/>
+        <xsd:element name="category" minOccurs="0" maxOccurs="1" type="xsd:string"/>
+        <xsd:element name="version" minOccurs="0" maxOccurs="1" type="xsd:string"/>
+        <xsd:element name="revision" minOccurs="0" maxOccurs="1" type="xsd:string">
+          <xsd:annotation>
+            <xsd:documentation>
+                        This value indicates the number of saves or revisions. The application is responsible for updating this value after each revision.
+                    </xsd:documentation>
+          </xsd:annotation>
+        </xsd:element>
+        <xsd:element name="lastModifiedBy" minOccurs="0" maxOccurs="1" type="xsd:string"/>
+        <xsd:element ref="dcterms:modified" minOccurs="0" maxOccurs="1"/>
+        <xsd:element name="contentStatus" minOccurs="0" maxOccurs="1" type="xsd:string"/>
+      </xsd:all>
+    </xsd:complexType>
+  </xsd:schema>
+  <xs:schema xmlns:pc="http://schemas.microsoft.com/office/infopath/2007/PartnerControls" xmlns:xs="http://www.w3.org/2001/XMLSchema" targetNamespace="http://schemas.microsoft.com/office/infopath/2007/PartnerControls" elementFormDefault="qualified" attributeFormDefault="unqualified">
+    <xs:element name="Person">
+      <xs:complexType>
+        <xs:sequence>
+          <xs:element ref="pc:DisplayName" minOccurs="0"/>
+          <xs:element ref="pc:AccountId" minOccurs="0"/>
+          <xs:element ref="pc:AccountType" minOccurs="0"/>
+        </xs:sequence>
+      </xs:complexType>
+    </xs:element>
+    <xs:element name="DisplayName" type="xs:string"/>
+    <xs:element name="AccountId" type="xs:string"/>
+    <xs:element name="AccountType" type="xs:string"/>
+    <xs:element name="BDCAssociatedEntity">
+      <xs:complexType>
+        <xs:sequence>
+          <xs:element ref="pc:BDCEntity" minOccurs="0" maxOccurs="unbounded"/>
+        </xs:sequence>
+        <xs:attribute ref="pc:EntityNamespace"/>
+        <xs:attribute ref="pc:EntityName"/>
+        <xs:attribute ref="pc:SystemInstanceName"/>
+        <xs:attribute ref="pc:AssociationName"/>
+      </xs:complexType>
+    </xs:element>
+    <xs:attribute name="EntityNamespace" type="xs:string"/>
+    <xs:attribute name="EntityName" type="xs:string"/>
+    <xs:attribute name="SystemInstanceName" type="xs:string"/>
+    <xs:attribute name="AssociationName" type="xs:string"/>
+    <xs:element name="BDCEntity">
+      <xs:complexType>
+        <xs:sequence>
+          <xs:element ref="pc:EntityDisplayName" minOccurs="0"/>
+          <xs:element ref="pc:EntityInstanceReference" minOccurs="0"/>
+          <xs:element ref="pc:EntityId1" minOccurs="0"/>
+          <xs:element ref="pc:EntityId2" minOccurs="0"/>
+          <xs:element ref="pc:EntityId3" minOccurs="0"/>
+          <xs:element ref="pc:EntityId4" minOccurs="0"/>
+          <xs:element ref="pc:EntityId5" minOccurs="0"/>
+        </xs:sequence>
+      </xs:complexType>
+    </xs:element>
+    <xs:element name="EntityDisplayName" type="xs:string"/>
+    <xs:element name="EntityInstanceReference" type="xs:string"/>
+    <xs:element name="EntityId1" type="xs:string"/>
+    <xs:element name="EntityId2" type="xs:string"/>
+    <xs:element name="EntityId3" type="xs:string"/>
+    <xs:element name="EntityId4" type="xs:string"/>
+    <xs:element name="EntityId5" type="xs:string"/>
+    <xs:element name="Terms">
+      <xs:complexType>
+        <xs:sequence>
+          <xs:element ref="pc:TermInfo" minOccurs="0" maxOccurs="unbounded"/>
+        </xs:sequence>
+      </xs:complexType>
+    </xs:element>
+    <xs:element name="TermInfo">
+      <xs:complexType>
+        <xs:sequence>
+          <xs:element ref="pc:TermName" minOccurs="0"/>
+          <xs:element ref="pc:TermId" minOccurs="0"/>
+        </xs:sequence>
+      </xs:complexType>
+    </xs:element>
+    <xs:element name="TermName" type="xs:string"/>
+    <xs:element name="TermId" type="xs:string"/>
+  </xs:schema>
+</ct:contentTypeSchema>
+</file>
+
+<file path=customXml/item2.xml><?xml version="1.0" encoding="utf-8"?>
+<?mso-contentType ?>
+<FormTemplates xmlns="http://schemas.microsoft.com/sharepoint/v3/contenttype/forms">
+  <Display>DocumentLibraryForm</Display>
+  <Edit>DocumentLibraryForm</Edit>
+  <New>DocumentLibraryForm</New>
+</FormTemplates>
+</file>
+
+<file path=customXml/item3.xml><?xml version="1.0" encoding="utf-8"?>
+<p:properties xmlns:p="http://schemas.microsoft.com/office/2006/metadata/properties" xmlns:xsi="http://www.w3.org/2001/XMLSchema-instance" xmlns:pc="http://schemas.microsoft.com/office/infopath/2007/PartnerControls">
+  <documentManagement>
+    <_activity xmlns="2b310483-19ef-4f1a-8666-427aba7c04f4" xsi:nil="true"/>
+  </documentManagement>
+</p:properties>
+</file>
+
+<file path=customXml/itemProps1.xml><?xml version="1.0" encoding="utf-8"?>
+<ds:datastoreItem xmlns:ds="http://schemas.openxmlformats.org/officeDocument/2006/customXml" ds:itemID="{0E32B551-2E7E-4680-9EB8-D0B1C8724946}">
+  <ds:schemaRefs>
+    <ds:schemaRef ds:uri="http://schemas.microsoft.com/office/2006/metadata/contentType"/>
+    <ds:schemaRef ds:uri="http://schemas.microsoft.com/office/2006/metadata/properties/metaAttributes"/>
+    <ds:schemaRef ds:uri="http://www.w3.org/2001/XMLSchema"/>
+    <ds:schemaRef ds:uri="http://schemas.microsoft.com/office/2006/metadata/properties"/>
+    <ds:schemaRef ds:uri="2b310483-19ef-4f1a-8666-427aba7c04f4"/>
+    <ds:schemaRef ds:uri="d316a0db-0591-438e-8093-79f3efde1904"/>
+    <ds:schemaRef ds:uri="http://schemas.microsoft.com/office/2006/documentManagement/types"/>
+    <ds:schemaRef ds:uri="http://schemas.microsoft.com/office/infopath/2007/PartnerControls"/>
+    <ds:schemaRef ds:uri="http://schemas.openxmlformats.org/package/2006/metadata/core-properties"/>
+    <ds:schemaRef ds:uri="http://purl.org/dc/elements/1.1/"/>
+    <ds:schemaRef ds:uri="http://purl.org/dc/terms/"/>
+    <ds:schemaRef ds:uri="http://schemas.microsoft.com/internal/obd"/>
+  </ds:schemaRefs>
+</ds:datastoreItem>
+</file>
+
+<file path=customXml/itemProps2.xml><?xml version="1.0" encoding="utf-8"?>
+<ds:datastoreItem xmlns:ds="http://schemas.openxmlformats.org/officeDocument/2006/customXml" ds:itemID="{9B757C8B-782F-4BDF-9F90-4601D3A0F6AF}">
+  <ds:schemaRefs>
+    <ds:schemaRef ds:uri="http://schemas.microsoft.com/sharepoint/v3/contenttype/forms"/>
+  </ds:schemaRefs>
+</ds:datastoreItem>
+</file>
+
+<file path=customXml/itemProps3.xml><?xml version="1.0" encoding="utf-8"?>
+<ds:datastoreItem xmlns:ds="http://schemas.openxmlformats.org/officeDocument/2006/customXml" ds:itemID="{68DCCC3C-0DB3-455E-8505-0D93175A8009}">
+  <ds:schemaRefs>
+    <ds:schemaRef ds:uri="d316a0db-0591-438e-8093-79f3efde1904"/>
+    <ds:schemaRef ds:uri="http://schemas.microsoft.com/office/2006/documentManagement/types"/>
+    <ds:schemaRef ds:uri="2b310483-19ef-4f1a-8666-427aba7c04f4"/>
+    <ds:schemaRef ds:uri="http://www.w3.org/XML/1998/namespace"/>
+    <ds:schemaRef ds:uri="http://purl.org/dc/elements/1.1/"/>
+    <ds:schemaRef ds:uri="http://purl.org/dc/dcmitype/"/>
+    <ds:schemaRef ds:uri="http://purl.org/dc/terms/"/>
+    <ds:schemaRef ds:uri="http://schemas.microsoft.com/office/infopath/2007/PartnerControls"/>
+    <ds:schemaRef ds:uri="http://schemas.openxmlformats.org/package/2006/metadata/core-properties"/>
+    <ds:schemaRef ds:uri="http://schemas.microsoft.com/office/2006/metadata/properties"/>
+  </ds:schemaRefs>
+</ds:datastoreItem>
 </file>
--- a/pizzapowerpoint.pptx
+++ b/pizzapowerpoint.pptx
@@ -5,7 +5,7 @@
     <p:sldMasterId id="2147483659" r:id="rId4"/>
   </p:sldMasterIdLst>
   <p:notesMasterIdLst>
-    <p:notesMasterId r:id="rId15"/>
+    <p:notesMasterId r:id="rId19"/>
   </p:notesMasterIdLst>
   <p:sldIdLst>
     <p:sldId id="256" r:id="rId5"/>
@@ -16,8 +16,12 @@
     <p:sldId id="258" r:id="rId10"/>
     <p:sldId id="259" r:id="rId11"/>
     <p:sldId id="260" r:id="rId12"/>
-    <p:sldId id="261" r:id="rId13"/>
-    <p:sldId id="262" r:id="rId14"/>
+    <p:sldId id="267" r:id="rId13"/>
+    <p:sldId id="266" r:id="rId14"/>
+    <p:sldId id="268" r:id="rId15"/>
+    <p:sldId id="269" r:id="rId16"/>
+    <p:sldId id="261" r:id="rId17"/>
+    <p:sldId id="262" r:id="rId18"/>
   </p:sldIdLst>
   <p:sldSz cx="9144000" cy="5143500" type="screen16x9"/>
   <p:notesSz cx="6858000" cy="9144000"/>
@@ -251,6 +255,36 @@
     </a:lvl9pPr>
   </p:defaultTextStyle>
   <p:extLst>
+    <p:ext uri="{521415D9-36F7-43E2-AB2F-B90AF26B5E84}">
+      <p14:sectionLst xmlns:p14="http://schemas.microsoft.com/office/powerpoint/2010/main">
+        <p14:section name="startbit" id="{5752428F-BB68-40BC-B63C-B4C3B562377E}">
+          <p14:sldIdLst>
+            <p14:sldId id="256"/>
+            <p14:sldId id="263"/>
+            <p14:sldId id="257"/>
+            <p14:sldId id="265"/>
+            <p14:sldId id="264"/>
+            <p14:sldId id="258"/>
+          </p14:sldIdLst>
+        </p14:section>
+        <p14:section name="component testing" id="{13C7E92D-80D7-4920-8509-ECBB85090091}">
+          <p14:sldIdLst>
+            <p14:sldId id="259"/>
+            <p14:sldId id="260"/>
+            <p14:sldId id="267"/>
+            <p14:sldId id="266"/>
+            <p14:sldId id="268"/>
+            <p14:sldId id="269"/>
+          </p14:sldIdLst>
+        </p14:section>
+        <p14:section name="endbit" id="{C87F78D7-C127-418A-B7F3-358C78397AC6}">
+          <p14:sldIdLst>
+            <p14:sldId id="261"/>
+            <p14:sldId id="262"/>
+          </p14:sldIdLst>
+        </p14:section>
+      </p14:sectionLst>
+    </p:ext>
     <p:ext uri="{EFAFB233-063F-42B5-8137-9DF3F51BA10A}">
       <p15:sldGuideLst xmlns:p15="http://schemas.microsoft.com/office/powerpoint/2012/main">
         <p15:guide id="1" orient="horz" pos="1620">
@@ -272,9 +306,256 @@
 <file path=ppt/revisionInfo.xml><?xml version="1.0" encoding="utf-8"?>
 <p1510:revInfo xmlns:a="http://schemas.openxmlformats.org/drawingml/2006/main" xmlns:r="http://schemas.openxmlformats.org/officeDocument/2006/relationships" xmlns:p1510="http://schemas.microsoft.com/office/powerpoint/2015/10/main">
   <p1510:revLst>
-    <p1510:client id="{4F71BE14-C53D-0861-4E1D-406D0C4E55B4}" v="10" dt="2022-02-05T23:55:44.511"/>
+    <p1510:client id="{144C3C78-124B-466C-8FE1-23FD5A90EFF3}" v="4" dt="2023-05-17T09:43:57.921"/>
+    <p1510:client id="{6E88F79A-04E8-2644-5D52-BBE8D04264AC}" v="8" dt="2023-05-17T09:17:16.146"/>
   </p1510:revLst>
 </p1510:revInfo>
+</file>
+
+<file path=ppt/changesInfos/changesInfo1.xml><?xml version="1.0" encoding="utf-8"?>
+<pc:chgInfo xmlns:a="http://schemas.openxmlformats.org/drawingml/2006/main" xmlns:r="http://schemas.openxmlformats.org/officeDocument/2006/relationships" xmlns:ac="http://schemas.microsoft.com/office/drawing/2013/main/command" xmlns:pc="http://schemas.microsoft.com/office/powerpoint/2013/main/command">
+  <pc:docChgLst>
+    <pc:chgData name="Eardwulf Ulan" userId="22607890-71d4-4bf2-b097-b426e6c19788" providerId="ADAL" clId="{144C3C78-124B-466C-8FE1-23FD5A90EFF3}"/>
+    <pc:docChg chg="custSel addSld modSld sldOrd addSection modSection">
+      <pc:chgData name="Eardwulf Ulan" userId="22607890-71d4-4bf2-b097-b426e6c19788" providerId="ADAL" clId="{144C3C78-124B-466C-8FE1-23FD5A90EFF3}" dt="2023-05-17T09:45:16.816" v="89"/>
+      <pc:docMkLst>
+        <pc:docMk/>
+      </pc:docMkLst>
+      <pc:sldChg chg="addSp modSp mod">
+        <pc:chgData name="Eardwulf Ulan" userId="22607890-71d4-4bf2-b097-b426e6c19788" providerId="ADAL" clId="{144C3C78-124B-466C-8FE1-23FD5A90EFF3}" dt="2023-05-17T09:27:03.087" v="37" actId="962"/>
+        <pc:sldMkLst>
+          <pc:docMk/>
+          <pc:sldMk cId="0" sldId="258"/>
+        </pc:sldMkLst>
+        <pc:spChg chg="mod">
+          <ac:chgData name="Eardwulf Ulan" userId="22607890-71d4-4bf2-b097-b426e6c19788" providerId="ADAL" clId="{144C3C78-124B-466C-8FE1-23FD5A90EFF3}" dt="2023-05-17T09:23:19.632" v="27" actId="1076"/>
+          <ac:spMkLst>
+            <pc:docMk/>
+            <pc:sldMk cId="0" sldId="258"/>
+            <ac:spMk id="68" creationId="{00000000-0000-0000-0000-000000000000}"/>
+          </ac:spMkLst>
+        </pc:spChg>
+        <pc:picChg chg="add mod">
+          <ac:chgData name="Eardwulf Ulan" userId="22607890-71d4-4bf2-b097-b426e6c19788" providerId="ADAL" clId="{144C3C78-124B-466C-8FE1-23FD5A90EFF3}" dt="2023-05-17T09:27:03.087" v="37" actId="962"/>
+          <ac:picMkLst>
+            <pc:docMk/>
+            <pc:sldMk cId="0" sldId="258"/>
+            <ac:picMk id="3" creationId="{37176900-3ED2-2A17-D4BC-A5C1D9A40F65}"/>
+          </ac:picMkLst>
+        </pc:picChg>
+      </pc:sldChg>
+      <pc:sldChg chg="addSp delSp modSp mod">
+        <pc:chgData name="Eardwulf Ulan" userId="22607890-71d4-4bf2-b097-b426e6c19788" providerId="ADAL" clId="{144C3C78-124B-466C-8FE1-23FD5A90EFF3}" dt="2023-05-17T09:27:14.441" v="39" actId="1076"/>
+        <pc:sldMkLst>
+          <pc:docMk/>
+          <pc:sldMk cId="0" sldId="259"/>
+        </pc:sldMkLst>
+        <pc:picChg chg="del">
+          <ac:chgData name="Eardwulf Ulan" userId="22607890-71d4-4bf2-b097-b426e6c19788" providerId="ADAL" clId="{144C3C78-124B-466C-8FE1-23FD5A90EFF3}" dt="2023-05-17T09:22:30.414" v="0" actId="21"/>
+          <ac:picMkLst>
+            <pc:docMk/>
+            <pc:sldMk cId="0" sldId="259"/>
+            <ac:picMk id="3" creationId="{033C05CA-2783-8878-C17E-805FE2266AB9}"/>
+          </ac:picMkLst>
+        </pc:picChg>
+        <pc:picChg chg="add del mod">
+          <ac:chgData name="Eardwulf Ulan" userId="22607890-71d4-4bf2-b097-b426e6c19788" providerId="ADAL" clId="{144C3C78-124B-466C-8FE1-23FD5A90EFF3}" dt="2023-05-17T09:22:50.826" v="8" actId="21"/>
+          <ac:picMkLst>
+            <pc:docMk/>
+            <pc:sldMk cId="0" sldId="259"/>
+            <ac:picMk id="4" creationId="{092EC041-9CC2-7596-8859-5E0A8E08ECC2}"/>
+          </ac:picMkLst>
+        </pc:picChg>
+        <pc:picChg chg="add mod">
+          <ac:chgData name="Eardwulf Ulan" userId="22607890-71d4-4bf2-b097-b426e6c19788" providerId="ADAL" clId="{144C3C78-124B-466C-8FE1-23FD5A90EFF3}" dt="2023-05-17T09:27:14.441" v="39" actId="1076"/>
+          <ac:picMkLst>
+            <pc:docMk/>
+            <pc:sldMk cId="0" sldId="259"/>
+            <ac:picMk id="6" creationId="{5E8D7CB2-A6C8-6771-B040-E23B8C06003A}"/>
+          </ac:picMkLst>
+        </pc:picChg>
+      </pc:sldChg>
+      <pc:sldChg chg="addSp delSp modSp mod">
+        <pc:chgData name="Eardwulf Ulan" userId="22607890-71d4-4bf2-b097-b426e6c19788" providerId="ADAL" clId="{144C3C78-124B-466C-8FE1-23FD5A90EFF3}" dt="2023-05-17T09:44:45.456" v="83" actId="20577"/>
+        <pc:sldMkLst>
+          <pc:docMk/>
+          <pc:sldMk cId="0" sldId="260"/>
+        </pc:sldMkLst>
+        <pc:spChg chg="mod">
+          <ac:chgData name="Eardwulf Ulan" userId="22607890-71d4-4bf2-b097-b426e6c19788" providerId="ADAL" clId="{144C3C78-124B-466C-8FE1-23FD5A90EFF3}" dt="2023-05-17T09:44:45.456" v="83" actId="20577"/>
+          <ac:spMkLst>
+            <pc:docMk/>
+            <pc:sldMk cId="0" sldId="260"/>
+            <ac:spMk id="78" creationId="{00000000-0000-0000-0000-000000000000}"/>
+          </ac:spMkLst>
+        </pc:spChg>
+        <pc:picChg chg="del">
+          <ac:chgData name="Eardwulf Ulan" userId="22607890-71d4-4bf2-b097-b426e6c19788" providerId="ADAL" clId="{144C3C78-124B-466C-8FE1-23FD5A90EFF3}" dt="2023-05-17T09:43:54.054" v="64" actId="21"/>
+          <ac:picMkLst>
+            <pc:docMk/>
+            <pc:sldMk cId="0" sldId="260"/>
+            <ac:picMk id="3" creationId="{E2D1C4BB-649C-8A9D-949F-11368CC7E0B7}"/>
+          </ac:picMkLst>
+        </pc:picChg>
+        <pc:picChg chg="add mod">
+          <ac:chgData name="Eardwulf Ulan" userId="22607890-71d4-4bf2-b097-b426e6c19788" providerId="ADAL" clId="{144C3C78-124B-466C-8FE1-23FD5A90EFF3}" dt="2023-05-17T09:44:02.987" v="70" actId="1076"/>
+          <ac:picMkLst>
+            <pc:docMk/>
+            <pc:sldMk cId="0" sldId="260"/>
+            <ac:picMk id="4" creationId="{09BDE9DF-2EA4-F9FF-B750-9FF9E9E24B53}"/>
+          </ac:picMkLst>
+        </pc:picChg>
+        <pc:picChg chg="del">
+          <ac:chgData name="Eardwulf Ulan" userId="22607890-71d4-4bf2-b097-b426e6c19788" providerId="ADAL" clId="{144C3C78-124B-466C-8FE1-23FD5A90EFF3}" dt="2023-05-17T09:43:55.520" v="65" actId="21"/>
+          <ac:picMkLst>
+            <pc:docMk/>
+            <pc:sldMk cId="0" sldId="260"/>
+            <ac:picMk id="7" creationId="{375C522E-9BB7-AC5A-988B-65B602406835}"/>
+          </ac:picMkLst>
+        </pc:picChg>
+      </pc:sldChg>
+      <pc:sldChg chg="delSp modSp add mod">
+        <pc:chgData name="Eardwulf Ulan" userId="22607890-71d4-4bf2-b097-b426e6c19788" providerId="ADAL" clId="{144C3C78-124B-466C-8FE1-23FD5A90EFF3}" dt="2023-05-17T09:45:06.260" v="87"/>
+        <pc:sldMkLst>
+          <pc:docMk/>
+          <pc:sldMk cId="3048879607" sldId="266"/>
+        </pc:sldMkLst>
+        <pc:spChg chg="mod">
+          <ac:chgData name="Eardwulf Ulan" userId="22607890-71d4-4bf2-b097-b426e6c19788" providerId="ADAL" clId="{144C3C78-124B-466C-8FE1-23FD5A90EFF3}" dt="2023-05-17T09:45:06.260" v="87"/>
+          <ac:spMkLst>
+            <pc:docMk/>
+            <pc:sldMk cId="3048879607" sldId="266"/>
+            <ac:spMk id="78" creationId="{00000000-0000-0000-0000-000000000000}"/>
+          </ac:spMkLst>
+        </pc:spChg>
+        <pc:graphicFrameChg chg="modGraphic">
+          <ac:chgData name="Eardwulf Ulan" userId="22607890-71d4-4bf2-b097-b426e6c19788" providerId="ADAL" clId="{144C3C78-124B-466C-8FE1-23FD5A90EFF3}" dt="2023-05-17T09:28:33.511" v="51" actId="20577"/>
+          <ac:graphicFrameMkLst>
+            <pc:docMk/>
+            <pc:sldMk cId="3048879607" sldId="266"/>
+            <ac:graphicFrameMk id="79" creationId="{00000000-0000-0000-0000-000000000000}"/>
+          </ac:graphicFrameMkLst>
+        </pc:graphicFrameChg>
+        <pc:picChg chg="del">
+          <ac:chgData name="Eardwulf Ulan" userId="22607890-71d4-4bf2-b097-b426e6c19788" providerId="ADAL" clId="{144C3C78-124B-466C-8FE1-23FD5A90EFF3}" dt="2023-05-17T09:28:28.647" v="48" actId="21"/>
+          <ac:picMkLst>
+            <pc:docMk/>
+            <pc:sldMk cId="3048879607" sldId="266"/>
+            <ac:picMk id="3" creationId="{E2D1C4BB-649C-8A9D-949F-11368CC7E0B7}"/>
+          </ac:picMkLst>
+        </pc:picChg>
+        <pc:picChg chg="del">
+          <ac:chgData name="Eardwulf Ulan" userId="22607890-71d4-4bf2-b097-b426e6c19788" providerId="ADAL" clId="{144C3C78-124B-466C-8FE1-23FD5A90EFF3}" dt="2023-05-17T09:28:29.755" v="49" actId="21"/>
+          <ac:picMkLst>
+            <pc:docMk/>
+            <pc:sldMk cId="3048879607" sldId="266"/>
+            <ac:picMk id="7" creationId="{375C522E-9BB7-AC5A-988B-65B602406835}"/>
+          </ac:picMkLst>
+        </pc:picChg>
+      </pc:sldChg>
+      <pc:sldChg chg="delSp modSp add mod ord">
+        <pc:chgData name="Eardwulf Ulan" userId="22607890-71d4-4bf2-b097-b426e6c19788" providerId="ADAL" clId="{144C3C78-124B-466C-8FE1-23FD5A90EFF3}" dt="2023-05-17T09:44:59.633" v="86" actId="20577"/>
+        <pc:sldMkLst>
+          <pc:docMk/>
+          <pc:sldMk cId="578345274" sldId="267"/>
+        </pc:sldMkLst>
+        <pc:spChg chg="mod">
+          <ac:chgData name="Eardwulf Ulan" userId="22607890-71d4-4bf2-b097-b426e6c19788" providerId="ADAL" clId="{144C3C78-124B-466C-8FE1-23FD5A90EFF3}" dt="2023-05-17T09:44:59.633" v="86" actId="20577"/>
+          <ac:spMkLst>
+            <pc:docMk/>
+            <pc:sldMk cId="578345274" sldId="267"/>
+            <ac:spMk id="73" creationId="{00000000-0000-0000-0000-000000000000}"/>
+          </ac:spMkLst>
+        </pc:spChg>
+        <pc:picChg chg="del">
+          <ac:chgData name="Eardwulf Ulan" userId="22607890-71d4-4bf2-b097-b426e6c19788" providerId="ADAL" clId="{144C3C78-124B-466C-8FE1-23FD5A90EFF3}" dt="2023-05-17T09:28:37.722" v="52" actId="21"/>
+          <ac:picMkLst>
+            <pc:docMk/>
+            <pc:sldMk cId="578345274" sldId="267"/>
+            <ac:picMk id="6" creationId="{5E8D7CB2-A6C8-6771-B040-E23B8C06003A}"/>
+          </ac:picMkLst>
+        </pc:picChg>
+      </pc:sldChg>
+      <pc:sldChg chg="modSp add mod ord">
+        <pc:chgData name="Eardwulf Ulan" userId="22607890-71d4-4bf2-b097-b426e6c19788" providerId="ADAL" clId="{144C3C78-124B-466C-8FE1-23FD5A90EFF3}" dt="2023-05-17T09:45:11.626" v="88"/>
+        <pc:sldMkLst>
+          <pc:docMk/>
+          <pc:sldMk cId="638340319" sldId="268"/>
+        </pc:sldMkLst>
+        <pc:spChg chg="mod">
+          <ac:chgData name="Eardwulf Ulan" userId="22607890-71d4-4bf2-b097-b426e6c19788" providerId="ADAL" clId="{144C3C78-124B-466C-8FE1-23FD5A90EFF3}" dt="2023-05-17T09:45:11.626" v="88"/>
+          <ac:spMkLst>
+            <pc:docMk/>
+            <pc:sldMk cId="638340319" sldId="268"/>
+            <ac:spMk id="73" creationId="{00000000-0000-0000-0000-000000000000}"/>
+          </ac:spMkLst>
+        </pc:spChg>
+      </pc:sldChg>
+      <pc:sldChg chg="modSp add mod">
+        <pc:chgData name="Eardwulf Ulan" userId="22607890-71d4-4bf2-b097-b426e6c19788" providerId="ADAL" clId="{144C3C78-124B-466C-8FE1-23FD5A90EFF3}" dt="2023-05-17T09:45:16.816" v="89"/>
+        <pc:sldMkLst>
+          <pc:docMk/>
+          <pc:sldMk cId="1713692142" sldId="269"/>
+        </pc:sldMkLst>
+        <pc:spChg chg="mod">
+          <ac:chgData name="Eardwulf Ulan" userId="22607890-71d4-4bf2-b097-b426e6c19788" providerId="ADAL" clId="{144C3C78-124B-466C-8FE1-23FD5A90EFF3}" dt="2023-05-17T09:45:16.816" v="89"/>
+          <ac:spMkLst>
+            <pc:docMk/>
+            <pc:sldMk cId="1713692142" sldId="269"/>
+            <ac:spMk id="78" creationId="{00000000-0000-0000-0000-000000000000}"/>
+          </ac:spMkLst>
+        </pc:spChg>
+      </pc:sldChg>
+    </pc:docChg>
+  </pc:docChgLst>
+  <pc:docChgLst>
+    <pc:chgData name="Eardwulf Ulan" userId="S::18111@my.sanctamaria.school.nz::22607890-71d4-4bf2-b097-b426e6c19788" providerId="AD" clId="Web-{6E88F79A-04E8-2644-5D52-BBE8D04264AC}"/>
+    <pc:docChg chg="modSld">
+      <pc:chgData name="Eardwulf Ulan" userId="S::18111@my.sanctamaria.school.nz::22607890-71d4-4bf2-b097-b426e6c19788" providerId="AD" clId="Web-{6E88F79A-04E8-2644-5D52-BBE8D04264AC}" dt="2023-05-17T09:17:16.146" v="7"/>
+      <pc:docMkLst>
+        <pc:docMk/>
+      </pc:docMkLst>
+      <pc:sldChg chg="modSp">
+        <pc:chgData name="Eardwulf Ulan" userId="S::18111@my.sanctamaria.school.nz::22607890-71d4-4bf2-b097-b426e6c19788" providerId="AD" clId="Web-{6E88F79A-04E8-2644-5D52-BBE8D04264AC}" dt="2023-05-17T09:17:11.380" v="5" actId="20577"/>
+        <pc:sldMkLst>
+          <pc:docMk/>
+          <pc:sldMk cId="0" sldId="256"/>
+        </pc:sldMkLst>
+        <pc:spChg chg="mod">
+          <ac:chgData name="Eardwulf Ulan" userId="S::18111@my.sanctamaria.school.nz::22607890-71d4-4bf2-b097-b426e6c19788" providerId="AD" clId="Web-{6E88F79A-04E8-2644-5D52-BBE8D04264AC}" dt="2023-05-17T09:17:11.380" v="5" actId="20577"/>
+          <ac:spMkLst>
+            <pc:docMk/>
+            <pc:sldMk cId="0" sldId="256"/>
+            <ac:spMk id="55" creationId="{00000000-0000-0000-0000-000000000000}"/>
+          </ac:spMkLst>
+        </pc:spChg>
+      </pc:sldChg>
+      <pc:sldChg chg="delSp">
+        <pc:chgData name="Eardwulf Ulan" userId="S::18111@my.sanctamaria.school.nz::22607890-71d4-4bf2-b097-b426e6c19788" providerId="AD" clId="Web-{6E88F79A-04E8-2644-5D52-BBE8D04264AC}" dt="2023-05-17T09:17:16.146" v="7"/>
+        <pc:sldMkLst>
+          <pc:docMk/>
+          <pc:sldMk cId="0" sldId="258"/>
+        </pc:sldMkLst>
+        <pc:picChg chg="del">
+          <ac:chgData name="Eardwulf Ulan" userId="S::18111@my.sanctamaria.school.nz::22607890-71d4-4bf2-b097-b426e6c19788" providerId="AD" clId="Web-{6E88F79A-04E8-2644-5D52-BBE8D04264AC}" dt="2023-05-17T09:17:14.740" v="6"/>
+          <ac:picMkLst>
+            <pc:docMk/>
+            <pc:sldMk cId="0" sldId="258"/>
+            <ac:picMk id="7" creationId="{059FCAF7-42B9-EC33-23CC-D0AB65EA9094}"/>
+          </ac:picMkLst>
+        </pc:picChg>
+        <pc:picChg chg="del">
+          <ac:chgData name="Eardwulf Ulan" userId="S::18111@my.sanctamaria.school.nz::22607890-71d4-4bf2-b097-b426e6c19788" providerId="AD" clId="Web-{6E88F79A-04E8-2644-5D52-BBE8D04264AC}" dt="2023-05-17T09:17:16.146" v="7"/>
+          <ac:picMkLst>
+            <pc:docMk/>
+            <pc:sldMk cId="0" sldId="258"/>
+            <ac:picMk id="9" creationId="{8A267450-5119-A659-4930-551991672E7A}"/>
+          </ac:picMkLst>
+        </pc:picChg>
+      </pc:sldChg>
+    </pc:docChg>
+  </pc:docChgLst>
+</pc:chgInfo>
 </file>
 
 <file path=ppt/notesMasters/notesMaster1.xml><?xml version="1.0" encoding="utf-8"?>
@@ -827,6 +1108,458 @@
   <p:cSld>
     <p:spTree>
       <p:nvGrpSpPr>
+        <p:cNvPr id="1" name="Shape 74"/>
+        <p:cNvGrpSpPr/>
+        <p:nvPr/>
+      </p:nvGrpSpPr>
+      <p:grpSpPr>
+        <a:xfrm>
+          <a:off x="0" y="0"/>
+          <a:ext cx="0" cy="0"/>
+          <a:chOff x="0" y="0"/>
+          <a:chExt cx="0" cy="0"/>
+        </a:xfrm>
+      </p:grpSpPr>
+      <p:sp>
+        <p:nvSpPr>
+          <p:cNvPr id="75" name="Google Shape;75;gac10fef634_0_20:notes"/>
+          <p:cNvSpPr>
+            <a:spLocks noGrp="1" noRot="1" noChangeAspect="1"/>
+          </p:cNvSpPr>
+          <p:nvPr>
+            <p:ph type="sldImg" idx="2"/>
+          </p:nvPr>
+        </p:nvSpPr>
+        <p:spPr>
+          <a:xfrm>
+            <a:off x="381000" y="685800"/>
+            <a:ext cx="6096000" cy="3429000"/>
+          </a:xfrm>
+          <a:custGeom>
+            <a:avLst/>
+            <a:gdLst/>
+            <a:ahLst/>
+            <a:cxnLst/>
+            <a:rect l="l" t="t" r="r" b="b"/>
+            <a:pathLst>
+              <a:path w="120000" h="120000" extrusionOk="0">
+                <a:moveTo>
+                  <a:pt x="0" y="0"/>
+                </a:moveTo>
+                <a:lnTo>
+                  <a:pt x="120000" y="0"/>
+                </a:lnTo>
+                <a:lnTo>
+                  <a:pt x="120000" y="120000"/>
+                </a:lnTo>
+                <a:lnTo>
+                  <a:pt x="0" y="120000"/>
+                </a:lnTo>
+                <a:close/>
+              </a:path>
+            </a:pathLst>
+          </a:custGeom>
+        </p:spPr>
+      </p:sp>
+      <p:sp>
+        <p:nvSpPr>
+          <p:cNvPr id="76" name="Google Shape;76;gac10fef634_0_20:notes"/>
+          <p:cNvSpPr txBox="1">
+            <a:spLocks noGrp="1"/>
+          </p:cNvSpPr>
+          <p:nvPr>
+            <p:ph type="body" idx="1"/>
+          </p:nvPr>
+        </p:nvSpPr>
+        <p:spPr>
+          <a:xfrm>
+            <a:off x="685800" y="4343400"/>
+            <a:ext cx="5486400" cy="4114800"/>
+          </a:xfrm>
+          <a:prstGeom prst="rect">
+            <a:avLst/>
+          </a:prstGeom>
+        </p:spPr>
+        <p:txBody>
+          <a:bodyPr spcFirstLastPara="1" wrap="square" lIns="91425" tIns="91425" rIns="91425" bIns="91425" anchor="t" anchorCtr="0">
+            <a:noAutofit/>
+          </a:bodyPr>
+          <a:lstStyle/>
+          <a:p>
+            <a:pPr marL="0" lvl="0" indent="0" algn="l" rtl="0">
+              <a:spcBef>
+                <a:spcPts val="0"/>
+              </a:spcBef>
+              <a:spcAft>
+                <a:spcPts val="0"/>
+              </a:spcAft>
+              <a:buNone/>
+            </a:pPr>
+            <a:endParaRPr/>
+          </a:p>
+        </p:txBody>
+      </p:sp>
+    </p:spTree>
+    <p:extLst>
+      <p:ext uri="{BB962C8B-B14F-4D97-AF65-F5344CB8AC3E}">
+        <p14:creationId xmlns:p14="http://schemas.microsoft.com/office/powerpoint/2010/main" val="1862796453"/>
+      </p:ext>
+    </p:extLst>
+  </p:cSld>
+  <p:clrMapOvr>
+    <a:masterClrMapping/>
+  </p:clrMapOvr>
+</p:notes>
+</file>
+
+<file path=ppt/notesSlides/notesSlide11.xml><?xml version="1.0" encoding="utf-8"?>
+<p:notes xmlns:a="http://schemas.openxmlformats.org/drawingml/2006/main" xmlns:r="http://schemas.openxmlformats.org/officeDocument/2006/relationships" xmlns:p="http://schemas.openxmlformats.org/presentationml/2006/main" showMasterSp="0" showMasterPhAnim="0">
+  <p:cSld>
+    <p:spTree>
+      <p:nvGrpSpPr>
+        <p:cNvPr id="1" name="Shape 69"/>
+        <p:cNvGrpSpPr/>
+        <p:nvPr/>
+      </p:nvGrpSpPr>
+      <p:grpSpPr>
+        <a:xfrm>
+          <a:off x="0" y="0"/>
+          <a:ext cx="0" cy="0"/>
+          <a:chOff x="0" y="0"/>
+          <a:chExt cx="0" cy="0"/>
+        </a:xfrm>
+      </p:grpSpPr>
+      <p:sp>
+        <p:nvSpPr>
+          <p:cNvPr id="70" name="Google Shape;70;gac10fef634_0_16:notes"/>
+          <p:cNvSpPr>
+            <a:spLocks noGrp="1" noRot="1" noChangeAspect="1"/>
+          </p:cNvSpPr>
+          <p:nvPr>
+            <p:ph type="sldImg" idx="2"/>
+          </p:nvPr>
+        </p:nvSpPr>
+        <p:spPr>
+          <a:xfrm>
+            <a:off x="381000" y="685800"/>
+            <a:ext cx="6096000" cy="3429000"/>
+          </a:xfrm>
+          <a:custGeom>
+            <a:avLst/>
+            <a:gdLst/>
+            <a:ahLst/>
+            <a:cxnLst/>
+            <a:rect l="l" t="t" r="r" b="b"/>
+            <a:pathLst>
+              <a:path w="120000" h="120000" extrusionOk="0">
+                <a:moveTo>
+                  <a:pt x="0" y="0"/>
+                </a:moveTo>
+                <a:lnTo>
+                  <a:pt x="120000" y="0"/>
+                </a:lnTo>
+                <a:lnTo>
+                  <a:pt x="120000" y="120000"/>
+                </a:lnTo>
+                <a:lnTo>
+                  <a:pt x="0" y="120000"/>
+                </a:lnTo>
+                <a:close/>
+              </a:path>
+            </a:pathLst>
+          </a:custGeom>
+        </p:spPr>
+      </p:sp>
+      <p:sp>
+        <p:nvSpPr>
+          <p:cNvPr id="71" name="Google Shape;71;gac10fef634_0_16:notes"/>
+          <p:cNvSpPr txBox="1">
+            <a:spLocks noGrp="1"/>
+          </p:cNvSpPr>
+          <p:nvPr>
+            <p:ph type="body" idx="1"/>
+          </p:nvPr>
+        </p:nvSpPr>
+        <p:spPr>
+          <a:xfrm>
+            <a:off x="685800" y="4343400"/>
+            <a:ext cx="5486400" cy="4114800"/>
+          </a:xfrm>
+          <a:prstGeom prst="rect">
+            <a:avLst/>
+          </a:prstGeom>
+        </p:spPr>
+        <p:txBody>
+          <a:bodyPr spcFirstLastPara="1" wrap="square" lIns="91425" tIns="91425" rIns="91425" bIns="91425" anchor="t" anchorCtr="0">
+            <a:noAutofit/>
+          </a:bodyPr>
+          <a:lstStyle/>
+          <a:p>
+            <a:pPr marL="0" lvl="0" indent="0" algn="l" rtl="0">
+              <a:spcBef>
+                <a:spcPts val="0"/>
+              </a:spcBef>
+              <a:spcAft>
+                <a:spcPts val="0"/>
+              </a:spcAft>
+              <a:buNone/>
+            </a:pPr>
+            <a:endParaRPr/>
+          </a:p>
+        </p:txBody>
+      </p:sp>
+    </p:spTree>
+    <p:extLst>
+      <p:ext uri="{BB962C8B-B14F-4D97-AF65-F5344CB8AC3E}">
+        <p14:creationId xmlns:p14="http://schemas.microsoft.com/office/powerpoint/2010/main" val="4043721519"/>
+      </p:ext>
+    </p:extLst>
+  </p:cSld>
+  <p:clrMapOvr>
+    <a:masterClrMapping/>
+  </p:clrMapOvr>
+</p:notes>
+</file>
+
+<file path=ppt/notesSlides/notesSlide12.xml><?xml version="1.0" encoding="utf-8"?>
+<p:notes xmlns:a="http://schemas.openxmlformats.org/drawingml/2006/main" xmlns:r="http://schemas.openxmlformats.org/officeDocument/2006/relationships" xmlns:p="http://schemas.openxmlformats.org/presentationml/2006/main" showMasterSp="0" showMasterPhAnim="0">
+  <p:cSld>
+    <p:spTree>
+      <p:nvGrpSpPr>
+        <p:cNvPr id="1" name="Shape 74"/>
+        <p:cNvGrpSpPr/>
+        <p:nvPr/>
+      </p:nvGrpSpPr>
+      <p:grpSpPr>
+        <a:xfrm>
+          <a:off x="0" y="0"/>
+          <a:ext cx="0" cy="0"/>
+          <a:chOff x="0" y="0"/>
+          <a:chExt cx="0" cy="0"/>
+        </a:xfrm>
+      </p:grpSpPr>
+      <p:sp>
+        <p:nvSpPr>
+          <p:cNvPr id="75" name="Google Shape;75;gac10fef634_0_20:notes"/>
+          <p:cNvSpPr>
+            <a:spLocks noGrp="1" noRot="1" noChangeAspect="1"/>
+          </p:cNvSpPr>
+          <p:nvPr>
+            <p:ph type="sldImg" idx="2"/>
+          </p:nvPr>
+        </p:nvSpPr>
+        <p:spPr>
+          <a:xfrm>
+            <a:off x="381000" y="685800"/>
+            <a:ext cx="6096000" cy="3429000"/>
+          </a:xfrm>
+          <a:custGeom>
+            <a:avLst/>
+            <a:gdLst/>
+            <a:ahLst/>
+            <a:cxnLst/>
+            <a:rect l="l" t="t" r="r" b="b"/>
+            <a:pathLst>
+              <a:path w="120000" h="120000" extrusionOk="0">
+                <a:moveTo>
+                  <a:pt x="0" y="0"/>
+                </a:moveTo>
+                <a:lnTo>
+                  <a:pt x="120000" y="0"/>
+                </a:lnTo>
+                <a:lnTo>
+                  <a:pt x="120000" y="120000"/>
+                </a:lnTo>
+                <a:lnTo>
+                  <a:pt x="0" y="120000"/>
+                </a:lnTo>
+                <a:close/>
+              </a:path>
+            </a:pathLst>
+          </a:custGeom>
+        </p:spPr>
+      </p:sp>
+      <p:sp>
+        <p:nvSpPr>
+          <p:cNvPr id="76" name="Google Shape;76;gac10fef634_0_20:notes"/>
+          <p:cNvSpPr txBox="1">
+            <a:spLocks noGrp="1"/>
+          </p:cNvSpPr>
+          <p:nvPr>
+            <p:ph type="body" idx="1"/>
+          </p:nvPr>
+        </p:nvSpPr>
+        <p:spPr>
+          <a:xfrm>
+            <a:off x="685800" y="4343400"/>
+            <a:ext cx="5486400" cy="4114800"/>
+          </a:xfrm>
+          <a:prstGeom prst="rect">
+            <a:avLst/>
+          </a:prstGeom>
+        </p:spPr>
+        <p:txBody>
+          <a:bodyPr spcFirstLastPara="1" wrap="square" lIns="91425" tIns="91425" rIns="91425" bIns="91425" anchor="t" anchorCtr="0">
+            <a:noAutofit/>
+          </a:bodyPr>
+          <a:lstStyle/>
+          <a:p>
+            <a:pPr marL="0" lvl="0" indent="0" algn="l" rtl="0">
+              <a:spcBef>
+                <a:spcPts val="0"/>
+              </a:spcBef>
+              <a:spcAft>
+                <a:spcPts val="0"/>
+              </a:spcAft>
+              <a:buNone/>
+            </a:pPr>
+            <a:endParaRPr/>
+          </a:p>
+        </p:txBody>
+      </p:sp>
+    </p:spTree>
+    <p:extLst>
+      <p:ext uri="{BB962C8B-B14F-4D97-AF65-F5344CB8AC3E}">
+        <p14:creationId xmlns:p14="http://schemas.microsoft.com/office/powerpoint/2010/main" val="869451236"/>
+      </p:ext>
+    </p:extLst>
+  </p:cSld>
+  <p:clrMapOvr>
+    <a:masterClrMapping/>
+  </p:clrMapOvr>
+</p:notes>
+</file>
+
+<file path=ppt/notesSlides/notesSlide13.xml><?xml version="1.0" encoding="utf-8"?>
+<p:notes xmlns:a="http://schemas.openxmlformats.org/drawingml/2006/main" xmlns:r="http://schemas.openxmlformats.org/officeDocument/2006/relationships" xmlns:p="http://schemas.openxmlformats.org/presentationml/2006/main" showMasterSp="0" showMasterPhAnim="0">
+  <p:cSld>
+    <p:spTree>
+      <p:nvGrpSpPr>
+        <p:cNvPr id="1" name="Shape 80"/>
+        <p:cNvGrpSpPr/>
+        <p:nvPr/>
+      </p:nvGrpSpPr>
+      <p:grpSpPr>
+        <a:xfrm>
+          <a:off x="0" y="0"/>
+          <a:ext cx="0" cy="0"/>
+          <a:chOff x="0" y="0"/>
+          <a:chExt cx="0" cy="0"/>
+        </a:xfrm>
+      </p:grpSpPr>
+      <p:sp>
+        <p:nvSpPr>
+          <p:cNvPr id="81" name="Google Shape;81;gac10fef634_0_25:notes"/>
+          <p:cNvSpPr>
+            <a:spLocks noGrp="1" noRot="1" noChangeAspect="1"/>
+          </p:cNvSpPr>
+          <p:nvPr>
+            <p:ph type="sldImg" idx="2"/>
+          </p:nvPr>
+        </p:nvSpPr>
+        <p:spPr>
+          <a:xfrm>
+            <a:off x="381000" y="685800"/>
+            <a:ext cx="6096000" cy="3429000"/>
+          </a:xfrm>
+          <a:custGeom>
+            <a:avLst/>
+            <a:gdLst/>
+            <a:ahLst/>
+            <a:cxnLst/>
+            <a:rect l="l" t="t" r="r" b="b"/>
+            <a:pathLst>
+              <a:path w="120000" h="120000" extrusionOk="0">
+                <a:moveTo>
+                  <a:pt x="0" y="0"/>
+                </a:moveTo>
+                <a:lnTo>
+                  <a:pt x="120000" y="0"/>
+                </a:lnTo>
+                <a:lnTo>
+                  <a:pt x="120000" y="120000"/>
+                </a:lnTo>
+                <a:lnTo>
+                  <a:pt x="0" y="120000"/>
+                </a:lnTo>
+                <a:close/>
+              </a:path>
+            </a:pathLst>
+          </a:custGeom>
+        </p:spPr>
+      </p:sp>
+      <p:sp>
+        <p:nvSpPr>
+          <p:cNvPr id="82" name="Google Shape;82;gac10fef634_0_25:notes"/>
+          <p:cNvSpPr txBox="1">
+            <a:spLocks noGrp="1"/>
+          </p:cNvSpPr>
+          <p:nvPr>
+            <p:ph type="body" idx="1"/>
+          </p:nvPr>
+        </p:nvSpPr>
+        <p:spPr>
+          <a:xfrm>
+            <a:off x="685800" y="4343400"/>
+            <a:ext cx="5486400" cy="4114800"/>
+          </a:xfrm>
+          <a:prstGeom prst="rect">
+            <a:avLst/>
+          </a:prstGeom>
+        </p:spPr>
+        <p:txBody>
+          <a:bodyPr spcFirstLastPara="1" wrap="square" lIns="91425" tIns="91425" rIns="91425" bIns="91425" anchor="t" anchorCtr="0">
+            <a:noAutofit/>
+          </a:bodyPr>
+          <a:lstStyle/>
+          <a:p>
+            <a:pPr marL="0" lvl="0" indent="0" algn="l" rtl="0">
+              <a:spcBef>
+                <a:spcPts val="0"/>
+              </a:spcBef>
+              <a:spcAft>
+                <a:spcPts val="0"/>
+              </a:spcAft>
+              <a:buClr>
+                <a:schemeClr val="dk1"/>
+              </a:buClr>
+              <a:buSzPts val="1100"/>
+              <a:buFont typeface="Arial"/>
+              <a:buNone/>
+            </a:pPr>
+            <a:r>
+              <a:rPr lang="en"/>
+              <a:t>Your version control evidence should go here.  This could be in the form of annotated screenshots which show you you managed this process or you could make a brief screencast explaining how you implemented version control.</a:t>
+            </a:r>
+            <a:endParaRPr/>
+          </a:p>
+          <a:p>
+            <a:pPr marL="0" lvl="0" indent="0" algn="l" rtl="0">
+              <a:spcBef>
+                <a:spcPts val="0"/>
+              </a:spcBef>
+              <a:spcAft>
+                <a:spcPts val="0"/>
+              </a:spcAft>
+              <a:buNone/>
+            </a:pPr>
+            <a:endParaRPr/>
+          </a:p>
+        </p:txBody>
+      </p:sp>
+    </p:spTree>
+  </p:cSld>
+  <p:clrMapOvr>
+    <a:masterClrMapping/>
+  </p:clrMapOvr>
+</p:notes>
+</file>
+
+<file path=ppt/notesSlides/notesSlide14.xml><?xml version="1.0" encoding="utf-8"?>
+<p:notes xmlns:a="http://schemas.openxmlformats.org/drawingml/2006/main" xmlns:r="http://schemas.openxmlformats.org/officeDocument/2006/relationships" xmlns:p="http://schemas.openxmlformats.org/presentationml/2006/main" showMasterSp="0" showMasterPhAnim="0">
+  <p:cSld>
+    <p:spTree>
+      <p:nvGrpSpPr>
         <p:cNvPr id="1" name="Shape 86"/>
         <p:cNvGrpSpPr/>
         <p:nvPr/>
@@ -1715,7 +2448,7 @@
   <p:cSld>
     <p:spTree>
       <p:nvGrpSpPr>
-        <p:cNvPr id="1" name="Shape 80"/>
+        <p:cNvPr id="1" name="Shape 69"/>
         <p:cNvGrpSpPr/>
         <p:nvPr/>
       </p:nvGrpSpPr>
@@ -1729,7 +2462,7 @@
       </p:grpSpPr>
       <p:sp>
         <p:nvSpPr>
-          <p:cNvPr id="81" name="Google Shape;81;gac10fef634_0_25:notes"/>
+          <p:cNvPr id="70" name="Google Shape;70;gac10fef634_0_16:notes"/>
           <p:cNvSpPr>
             <a:spLocks noGrp="1" noRot="1" noChangeAspect="1"/>
           </p:cNvSpPr>
@@ -1770,7 +2503,7 @@
       </p:sp>
       <p:sp>
         <p:nvSpPr>
-          <p:cNvPr id="82" name="Google Shape;82;gac10fef634_0_25:notes"/>
+          <p:cNvPr id="71" name="Google Shape;71;gac10fef634_0_16:notes"/>
           <p:cNvSpPr txBox="1">
             <a:spLocks noGrp="1"/>
           </p:cNvSpPr>
@@ -1800,27 +2533,6 @@
               <a:spcAft>
                 <a:spcPts val="0"/>
               </a:spcAft>
-              <a:buClr>
-                <a:schemeClr val="dk1"/>
-              </a:buClr>
-              <a:buSzPts val="1100"/>
-              <a:buFont typeface="Arial"/>
-              <a:buNone/>
-            </a:pPr>
-            <a:r>
-              <a:rPr lang="en"/>
-              <a:t>Your version control evidence should go here.  This could be in the form of annotated screenshots which show you you managed this process or you could make a brief screencast explaining how you implemented version control.</a:t>
-            </a:r>
-            <a:endParaRPr/>
-          </a:p>
-          <a:p>
-            <a:pPr marL="0" lvl="0" indent="0" algn="l" rtl="0">
-              <a:spcBef>
-                <a:spcPts val="0"/>
-              </a:spcBef>
-              <a:spcAft>
-                <a:spcPts val="0"/>
-              </a:spcAft>
               <a:buNone/>
             </a:pPr>
             <a:endParaRPr/>
@@ -1828,6 +2540,11 @@
         </p:txBody>
       </p:sp>
     </p:spTree>
+    <p:extLst>
+      <p:ext uri="{BB962C8B-B14F-4D97-AF65-F5344CB8AC3E}">
+        <p14:creationId xmlns:p14="http://schemas.microsoft.com/office/powerpoint/2010/main" val="2901708870"/>
+      </p:ext>
+    </p:extLst>
   </p:cSld>
   <p:clrMapOvr>
     <a:masterClrMapping/>
@@ -6703,15 +7420,16 @@
                   <a:srgbClr val="274E13"/>
                 </a:solidFill>
               </a:rPr>
-              <a:t>Link to Github Repository: </a:t>
+              <a:t>Link to GitHub Repository: </a:t>
             </a:r>
             <a:r>
               <a:rPr lang="en-NZ" sz="2000" b="1" dirty="0">
                 <a:solidFill>
                   <a:srgbClr val="274E13"/>
                 </a:solidFill>
+                <a:hlinkClick r:id="rId3"/>
               </a:rPr>
-              <a:t>https://github.com/sinedotwav-e/pizzabot</a:t>
+              <a:t>GitHub</a:t>
             </a:r>
             <a:endParaRPr sz="2000" b="1" dirty="0">
               <a:solidFill>
@@ -6744,21 +7462,14 @@
             </a:endParaRPr>
           </a:p>
           <a:p>
-            <a:pPr marL="0" lvl="0" indent="0" algn="l" rtl="0">
+            <a:pPr marL="0" indent="0">
               <a:lnSpc>
                 <a:spcPct val="100000"/>
               </a:lnSpc>
-              <a:spcBef>
-                <a:spcPts val="0"/>
-              </a:spcBef>
-              <a:spcAft>
-                <a:spcPts val="0"/>
-              </a:spcAft>
               <a:buClr>
                 <a:schemeClr val="dk1"/>
               </a:buClr>
               <a:buSzPts val="1100"/>
-              <a:buFont typeface="Arial"/>
               <a:buNone/>
             </a:pPr>
             <a:r>
@@ -6774,9 +7485,9 @@
                 <a:solidFill>
                   <a:srgbClr val="274E13"/>
                 </a:solidFill>
-                <a:hlinkClick r:id="rId3"/>
+                <a:hlinkClick r:id="rId4"/>
               </a:rPr>
-              <a:t>https://trello.com/invite/b/qX8rDdI6/ATTIebb78ccf4efa79f0cef154f2f95084495B161B04/pizza-plan</a:t>
+              <a:t>Trello Board</a:t>
             </a:r>
             <a:r>
               <a:rPr lang="en-NZ" sz="2000" b="1" dirty="0">
@@ -6784,9 +7495,8 @@
                   <a:srgbClr val="274E13"/>
                 </a:solidFill>
               </a:rPr>
-              <a:t> (I also used a local kanban board)</a:t>
+              <a:t> </a:t>
             </a:r>
-            <a:endParaRPr sz="2000" dirty="0"/>
           </a:p>
         </p:txBody>
       </p:sp>
@@ -6876,6 +7586,643 @@
 <file path=ppt/slides/slide10.xml><?xml version="1.0" encoding="utf-8"?>
 <p:sld xmlns:a="http://schemas.openxmlformats.org/drawingml/2006/main" xmlns:r="http://schemas.openxmlformats.org/officeDocument/2006/relationships" xmlns:p="http://schemas.openxmlformats.org/presentationml/2006/main">
   <p:cSld>
+    <p:spTree>
+      <p:nvGrpSpPr>
+        <p:cNvPr id="1" name="Shape 77"/>
+        <p:cNvGrpSpPr/>
+        <p:nvPr/>
+      </p:nvGrpSpPr>
+      <p:grpSpPr>
+        <a:xfrm>
+          <a:off x="0" y="0"/>
+          <a:ext cx="0" cy="0"/>
+          <a:chOff x="0" y="0"/>
+          <a:chExt cx="0" cy="0"/>
+        </a:xfrm>
+      </p:grpSpPr>
+      <p:sp>
+        <p:nvSpPr>
+          <p:cNvPr id="78" name="Google Shape;78;p17"/>
+          <p:cNvSpPr txBox="1">
+            <a:spLocks noGrp="1"/>
+          </p:cNvSpPr>
+          <p:nvPr>
+            <p:ph type="title"/>
+          </p:nvPr>
+        </p:nvSpPr>
+        <p:spPr>
+          <a:xfrm>
+            <a:off x="311700" y="445025"/>
+            <a:ext cx="8520600" cy="572700"/>
+          </a:xfrm>
+          <a:prstGeom prst="rect">
+            <a:avLst/>
+          </a:prstGeom>
+        </p:spPr>
+        <p:txBody>
+          <a:bodyPr spcFirstLastPara="1" wrap="square" lIns="91425" tIns="91425" rIns="91425" bIns="91425" anchor="t" anchorCtr="0">
+            <a:noAutofit/>
+          </a:bodyPr>
+          <a:lstStyle/>
+          <a:p>
+            <a:pPr marL="0" lvl="0" indent="0" algn="l" rtl="0">
+              <a:spcBef>
+                <a:spcPts val="0"/>
+              </a:spcBef>
+              <a:spcAft>
+                <a:spcPts val="0"/>
+              </a:spcAft>
+              <a:buNone/>
+            </a:pPr>
+            <a:r>
+              <a:rPr lang="en" dirty="0"/>
+              <a:t>Component _ Ver. _ - Test Plan (and screenshot)</a:t>
+            </a:r>
+            <a:endParaRPr dirty="0"/>
+          </a:p>
+        </p:txBody>
+      </p:sp>
+      <p:graphicFrame>
+        <p:nvGraphicFramePr>
+          <p:cNvPr id="79" name="Google Shape;79;p17"/>
+          <p:cNvGraphicFramePr/>
+          <p:nvPr>
+            <p:extLst>
+              <p:ext uri="{D42A27DB-BD31-4B8C-83A1-F6EECF244321}">
+                <p14:modId xmlns:p14="http://schemas.microsoft.com/office/powerpoint/2010/main" val="1120046976"/>
+              </p:ext>
+            </p:extLst>
+          </p:nvPr>
+        </p:nvGraphicFramePr>
+        <p:xfrm>
+          <a:off x="382475" y="1267725"/>
+          <a:ext cx="8520600" cy="914340"/>
+        </p:xfrm>
+        <a:graphic>
+          <a:graphicData uri="http://schemas.openxmlformats.org/drawingml/2006/table">
+            <a:tbl>
+              <a:tblPr>
+                <a:noFill/>
+                <a:tableStyleId>{E1099E06-0E6B-448D-9D27-60429F06E6F4}</a:tableStyleId>
+              </a:tblPr>
+              <a:tblGrid>
+                <a:gridCol w="4196249">
+                  <a:extLst>
+                    <a:ext uri="{9D8B030D-6E8A-4147-A177-3AD203B41FA5}">
+                      <a16:colId xmlns:a16="http://schemas.microsoft.com/office/drawing/2014/main" val="20000"/>
+                    </a:ext>
+                  </a:extLst>
+                </a:gridCol>
+                <a:gridCol w="4324351">
+                  <a:extLst>
+                    <a:ext uri="{9D8B030D-6E8A-4147-A177-3AD203B41FA5}">
+                      <a16:colId xmlns:a16="http://schemas.microsoft.com/office/drawing/2014/main" val="20001"/>
+                    </a:ext>
+                  </a:extLst>
+                </a:gridCol>
+              </a:tblGrid>
+              <a:tr h="381000">
+                <a:tc>
+                  <a:txBody>
+                    <a:bodyPr/>
+                    <a:lstStyle/>
+                    <a:p>
+                      <a:pPr marL="0" lvl="0" indent="0" algn="l" rtl="0">
+                        <a:spcBef>
+                          <a:spcPts val="0"/>
+                        </a:spcBef>
+                        <a:spcAft>
+                          <a:spcPts val="0"/>
+                        </a:spcAft>
+                        <a:buNone/>
+                      </a:pPr>
+                      <a:r>
+                        <a:rPr lang="en" sz="1800" b="1"/>
+                        <a:t>Test Case</a:t>
+                      </a:r>
+                      <a:endParaRPr sz="1800" b="1"/>
+                    </a:p>
+                  </a:txBody>
+                  <a:tcPr marL="91425" marR="91425" marT="91425" marB="91425">
+                    <a:solidFill>
+                      <a:srgbClr val="CCCCCC"/>
+                    </a:solidFill>
+                  </a:tcPr>
+                </a:tc>
+                <a:tc>
+                  <a:txBody>
+                    <a:bodyPr/>
+                    <a:lstStyle/>
+                    <a:p>
+                      <a:pPr marL="0" lvl="0" indent="0" algn="l" rtl="0">
+                        <a:spcBef>
+                          <a:spcPts val="0"/>
+                        </a:spcBef>
+                        <a:spcAft>
+                          <a:spcPts val="0"/>
+                        </a:spcAft>
+                        <a:buNone/>
+                      </a:pPr>
+                      <a:r>
+                        <a:rPr lang="en" sz="1800" b="1"/>
+                        <a:t>Expected Values</a:t>
+                      </a:r>
+                      <a:endParaRPr sz="1800" b="1"/>
+                    </a:p>
+                  </a:txBody>
+                  <a:tcPr marL="91425" marR="91425" marT="91425" marB="91425">
+                    <a:solidFill>
+                      <a:srgbClr val="CCCCCC"/>
+                    </a:solidFill>
+                  </a:tcPr>
+                </a:tc>
+                <a:extLst>
+                  <a:ext uri="{0D108BD9-81ED-4DB2-BD59-A6C34878D82A}">
+                    <a16:rowId xmlns:a16="http://schemas.microsoft.com/office/drawing/2014/main" val="10000"/>
+                  </a:ext>
+                </a:extLst>
+              </a:tr>
+              <a:tr h="396200">
+                <a:tc>
+                  <a:txBody>
+                    <a:bodyPr/>
+                    <a:lstStyle/>
+                    <a:p>
+                      <a:pPr marL="0" lvl="0" indent="0" algn="l" rtl="0">
+                        <a:spcBef>
+                          <a:spcPts val="0"/>
+                        </a:spcBef>
+                        <a:spcAft>
+                          <a:spcPts val="0"/>
+                        </a:spcAft>
+                        <a:buNone/>
+                      </a:pPr>
+                      <a:endParaRPr sz="1800" dirty="0"/>
+                    </a:p>
+                  </a:txBody>
+                  <a:tcPr marL="91425" marR="91425" marT="91425" marB="91425"/>
+                </a:tc>
+                <a:tc>
+                  <a:txBody>
+                    <a:bodyPr/>
+                    <a:lstStyle/>
+                    <a:p>
+                      <a:pPr marL="0" lvl="0" indent="0" algn="l" rtl="0">
+                        <a:spcBef>
+                          <a:spcPts val="0"/>
+                        </a:spcBef>
+                        <a:spcAft>
+                          <a:spcPts val="0"/>
+                        </a:spcAft>
+                        <a:buNone/>
+                      </a:pPr>
+                      <a:endParaRPr sz="1800" dirty="0"/>
+                    </a:p>
+                  </a:txBody>
+                  <a:tcPr marL="91425" marR="91425" marT="91425" marB="91425"/>
+                </a:tc>
+                <a:extLst>
+                  <a:ext uri="{0D108BD9-81ED-4DB2-BD59-A6C34878D82A}">
+                    <a16:rowId xmlns:a16="http://schemas.microsoft.com/office/drawing/2014/main" val="10001"/>
+                  </a:ext>
+                </a:extLst>
+              </a:tr>
+            </a:tbl>
+          </a:graphicData>
+        </a:graphic>
+      </p:graphicFrame>
+    </p:spTree>
+    <p:extLst>
+      <p:ext uri="{BB962C8B-B14F-4D97-AF65-F5344CB8AC3E}">
+        <p14:creationId xmlns:p14="http://schemas.microsoft.com/office/powerpoint/2010/main" val="3048879607"/>
+      </p:ext>
+    </p:extLst>
+  </p:cSld>
+  <p:clrMapOvr>
+    <a:masterClrMapping/>
+  </p:clrMapOvr>
+</p:sld>
+</file>
+
+<file path=ppt/slides/slide11.xml><?xml version="1.0" encoding="utf-8"?>
+<p:sld xmlns:a="http://schemas.openxmlformats.org/drawingml/2006/main" xmlns:r="http://schemas.openxmlformats.org/officeDocument/2006/relationships" xmlns:p="http://schemas.openxmlformats.org/presentationml/2006/main">
+  <p:cSld>
+    <p:bg>
+      <p:bgPr>
+        <a:solidFill>
+          <a:srgbClr val="D9EAD3"/>
+        </a:solidFill>
+        <a:effectLst/>
+      </p:bgPr>
+    </p:bg>
+    <p:spTree>
+      <p:nvGrpSpPr>
+        <p:cNvPr id="1" name="Shape 72"/>
+        <p:cNvGrpSpPr/>
+        <p:nvPr/>
+      </p:nvGrpSpPr>
+      <p:grpSpPr>
+        <a:xfrm>
+          <a:off x="0" y="0"/>
+          <a:ext cx="0" cy="0"/>
+          <a:chOff x="0" y="0"/>
+          <a:chExt cx="0" cy="0"/>
+        </a:xfrm>
+      </p:grpSpPr>
+      <p:sp>
+        <p:nvSpPr>
+          <p:cNvPr id="73" name="Google Shape;73;p16"/>
+          <p:cNvSpPr txBox="1">
+            <a:spLocks noGrp="1"/>
+          </p:cNvSpPr>
+          <p:nvPr>
+            <p:ph type="title"/>
+          </p:nvPr>
+        </p:nvSpPr>
+        <p:spPr>
+          <a:xfrm>
+            <a:off x="311700" y="445025"/>
+            <a:ext cx="8520600" cy="572700"/>
+          </a:xfrm>
+          <a:prstGeom prst="rect">
+            <a:avLst/>
+          </a:prstGeom>
+        </p:spPr>
+        <p:txBody>
+          <a:bodyPr spcFirstLastPara="1" wrap="square" lIns="91425" tIns="91425" rIns="91425" bIns="91425" anchor="t" anchorCtr="0">
+            <a:noAutofit/>
+          </a:bodyPr>
+          <a:lstStyle/>
+          <a:p>
+            <a:pPr marL="0" lvl="0" indent="0" algn="l" rtl="0">
+              <a:spcBef>
+                <a:spcPts val="0"/>
+              </a:spcBef>
+              <a:spcAft>
+                <a:spcPts val="0"/>
+              </a:spcAft>
+              <a:buNone/>
+            </a:pPr>
+            <a:r>
+              <a:rPr lang="en" dirty="0"/>
+              <a:t>Component _ Ver. _(Trello screenshot)</a:t>
+            </a:r>
+            <a:endParaRPr dirty="0"/>
+          </a:p>
+        </p:txBody>
+      </p:sp>
+    </p:spTree>
+    <p:extLst>
+      <p:ext uri="{BB962C8B-B14F-4D97-AF65-F5344CB8AC3E}">
+        <p14:creationId xmlns:p14="http://schemas.microsoft.com/office/powerpoint/2010/main" val="638340319"/>
+      </p:ext>
+    </p:extLst>
+  </p:cSld>
+  <p:clrMapOvr>
+    <a:masterClrMapping/>
+  </p:clrMapOvr>
+</p:sld>
+</file>
+
+<file path=ppt/slides/slide12.xml><?xml version="1.0" encoding="utf-8"?>
+<p:sld xmlns:a="http://schemas.openxmlformats.org/drawingml/2006/main" xmlns:r="http://schemas.openxmlformats.org/officeDocument/2006/relationships" xmlns:p="http://schemas.openxmlformats.org/presentationml/2006/main">
+  <p:cSld>
+    <p:spTree>
+      <p:nvGrpSpPr>
+        <p:cNvPr id="1" name="Shape 77"/>
+        <p:cNvGrpSpPr/>
+        <p:nvPr/>
+      </p:nvGrpSpPr>
+      <p:grpSpPr>
+        <a:xfrm>
+          <a:off x="0" y="0"/>
+          <a:ext cx="0" cy="0"/>
+          <a:chOff x="0" y="0"/>
+          <a:chExt cx="0" cy="0"/>
+        </a:xfrm>
+      </p:grpSpPr>
+      <p:sp>
+        <p:nvSpPr>
+          <p:cNvPr id="78" name="Google Shape;78;p17"/>
+          <p:cNvSpPr txBox="1">
+            <a:spLocks noGrp="1"/>
+          </p:cNvSpPr>
+          <p:nvPr>
+            <p:ph type="title"/>
+          </p:nvPr>
+        </p:nvSpPr>
+        <p:spPr>
+          <a:xfrm>
+            <a:off x="311700" y="445025"/>
+            <a:ext cx="8520600" cy="572700"/>
+          </a:xfrm>
+          <a:prstGeom prst="rect">
+            <a:avLst/>
+          </a:prstGeom>
+        </p:spPr>
+        <p:txBody>
+          <a:bodyPr spcFirstLastPara="1" wrap="square" lIns="91425" tIns="91425" rIns="91425" bIns="91425" anchor="t" anchorCtr="0">
+            <a:noAutofit/>
+          </a:bodyPr>
+          <a:lstStyle/>
+          <a:p>
+            <a:pPr marL="0" lvl="0" indent="0" algn="l" rtl="0">
+              <a:spcBef>
+                <a:spcPts val="0"/>
+              </a:spcBef>
+              <a:spcAft>
+                <a:spcPts val="0"/>
+              </a:spcAft>
+              <a:buNone/>
+            </a:pPr>
+            <a:r>
+              <a:rPr lang="en" dirty="0"/>
+              <a:t>Component _ Ver. _ - Test Plan (and screenshot)</a:t>
+            </a:r>
+            <a:endParaRPr dirty="0"/>
+          </a:p>
+        </p:txBody>
+      </p:sp>
+      <p:graphicFrame>
+        <p:nvGraphicFramePr>
+          <p:cNvPr id="79" name="Google Shape;79;p17"/>
+          <p:cNvGraphicFramePr/>
+          <p:nvPr/>
+        </p:nvGraphicFramePr>
+        <p:xfrm>
+          <a:off x="382475" y="1267725"/>
+          <a:ext cx="8520600" cy="914340"/>
+        </p:xfrm>
+        <a:graphic>
+          <a:graphicData uri="http://schemas.openxmlformats.org/drawingml/2006/table">
+            <a:tbl>
+              <a:tblPr>
+                <a:noFill/>
+                <a:tableStyleId>{E1099E06-0E6B-448D-9D27-60429F06E6F4}</a:tableStyleId>
+              </a:tblPr>
+              <a:tblGrid>
+                <a:gridCol w="4196249">
+                  <a:extLst>
+                    <a:ext uri="{9D8B030D-6E8A-4147-A177-3AD203B41FA5}">
+                      <a16:colId xmlns:a16="http://schemas.microsoft.com/office/drawing/2014/main" val="20000"/>
+                    </a:ext>
+                  </a:extLst>
+                </a:gridCol>
+                <a:gridCol w="4324351">
+                  <a:extLst>
+                    <a:ext uri="{9D8B030D-6E8A-4147-A177-3AD203B41FA5}">
+                      <a16:colId xmlns:a16="http://schemas.microsoft.com/office/drawing/2014/main" val="20001"/>
+                    </a:ext>
+                  </a:extLst>
+                </a:gridCol>
+              </a:tblGrid>
+              <a:tr h="381000">
+                <a:tc>
+                  <a:txBody>
+                    <a:bodyPr/>
+                    <a:lstStyle/>
+                    <a:p>
+                      <a:pPr marL="0" lvl="0" indent="0" algn="l" rtl="0">
+                        <a:spcBef>
+                          <a:spcPts val="0"/>
+                        </a:spcBef>
+                        <a:spcAft>
+                          <a:spcPts val="0"/>
+                        </a:spcAft>
+                        <a:buNone/>
+                      </a:pPr>
+                      <a:r>
+                        <a:rPr lang="en" sz="1800" b="1"/>
+                        <a:t>Test Case</a:t>
+                      </a:r>
+                      <a:endParaRPr sz="1800" b="1"/>
+                    </a:p>
+                  </a:txBody>
+                  <a:tcPr marL="91425" marR="91425" marT="91425" marB="91425">
+                    <a:solidFill>
+                      <a:srgbClr val="CCCCCC"/>
+                    </a:solidFill>
+                  </a:tcPr>
+                </a:tc>
+                <a:tc>
+                  <a:txBody>
+                    <a:bodyPr/>
+                    <a:lstStyle/>
+                    <a:p>
+                      <a:pPr marL="0" lvl="0" indent="0" algn="l" rtl="0">
+                        <a:spcBef>
+                          <a:spcPts val="0"/>
+                        </a:spcBef>
+                        <a:spcAft>
+                          <a:spcPts val="0"/>
+                        </a:spcAft>
+                        <a:buNone/>
+                      </a:pPr>
+                      <a:r>
+                        <a:rPr lang="en" sz="1800" b="1"/>
+                        <a:t>Expected Values</a:t>
+                      </a:r>
+                      <a:endParaRPr sz="1800" b="1"/>
+                    </a:p>
+                  </a:txBody>
+                  <a:tcPr marL="91425" marR="91425" marT="91425" marB="91425">
+                    <a:solidFill>
+                      <a:srgbClr val="CCCCCC"/>
+                    </a:solidFill>
+                  </a:tcPr>
+                </a:tc>
+                <a:extLst>
+                  <a:ext uri="{0D108BD9-81ED-4DB2-BD59-A6C34878D82A}">
+                    <a16:rowId xmlns:a16="http://schemas.microsoft.com/office/drawing/2014/main" val="10000"/>
+                  </a:ext>
+                </a:extLst>
+              </a:tr>
+              <a:tr h="396200">
+                <a:tc>
+                  <a:txBody>
+                    <a:bodyPr/>
+                    <a:lstStyle/>
+                    <a:p>
+                      <a:pPr marL="0" lvl="0" indent="0" algn="l" rtl="0">
+                        <a:spcBef>
+                          <a:spcPts val="0"/>
+                        </a:spcBef>
+                        <a:spcAft>
+                          <a:spcPts val="0"/>
+                        </a:spcAft>
+                        <a:buNone/>
+                      </a:pPr>
+                      <a:endParaRPr sz="1800" dirty="0"/>
+                    </a:p>
+                  </a:txBody>
+                  <a:tcPr marL="91425" marR="91425" marT="91425" marB="91425"/>
+                </a:tc>
+                <a:tc>
+                  <a:txBody>
+                    <a:bodyPr/>
+                    <a:lstStyle/>
+                    <a:p>
+                      <a:pPr marL="0" lvl="0" indent="0" algn="l" rtl="0">
+                        <a:spcBef>
+                          <a:spcPts val="0"/>
+                        </a:spcBef>
+                        <a:spcAft>
+                          <a:spcPts val="0"/>
+                        </a:spcAft>
+                        <a:buNone/>
+                      </a:pPr>
+                      <a:endParaRPr sz="1800" dirty="0"/>
+                    </a:p>
+                  </a:txBody>
+                  <a:tcPr marL="91425" marR="91425" marT="91425" marB="91425"/>
+                </a:tc>
+                <a:extLst>
+                  <a:ext uri="{0D108BD9-81ED-4DB2-BD59-A6C34878D82A}">
+                    <a16:rowId xmlns:a16="http://schemas.microsoft.com/office/drawing/2014/main" val="10001"/>
+                  </a:ext>
+                </a:extLst>
+              </a:tr>
+            </a:tbl>
+          </a:graphicData>
+        </a:graphic>
+      </p:graphicFrame>
+    </p:spTree>
+    <p:extLst>
+      <p:ext uri="{BB962C8B-B14F-4D97-AF65-F5344CB8AC3E}">
+        <p14:creationId xmlns:p14="http://schemas.microsoft.com/office/powerpoint/2010/main" val="1713692142"/>
+      </p:ext>
+    </p:extLst>
+  </p:cSld>
+  <p:clrMapOvr>
+    <a:masterClrMapping/>
+  </p:clrMapOvr>
+</p:sld>
+</file>
+
+<file path=ppt/slides/slide13.xml><?xml version="1.0" encoding="utf-8"?>
+<p:sld xmlns:a="http://schemas.openxmlformats.org/drawingml/2006/main" xmlns:r="http://schemas.openxmlformats.org/officeDocument/2006/relationships" xmlns:p="http://schemas.openxmlformats.org/presentationml/2006/main">
+  <p:cSld>
+    <p:bg>
+      <p:bgPr>
+        <a:solidFill>
+          <a:srgbClr val="D9EAD3"/>
+        </a:solidFill>
+        <a:effectLst/>
+      </p:bgPr>
+    </p:bg>
+    <p:spTree>
+      <p:nvGrpSpPr>
+        <p:cNvPr id="1" name="Shape 83"/>
+        <p:cNvGrpSpPr/>
+        <p:nvPr/>
+      </p:nvGrpSpPr>
+      <p:grpSpPr>
+        <a:xfrm>
+          <a:off x="0" y="0"/>
+          <a:ext cx="0" cy="0"/>
+          <a:chOff x="0" y="0"/>
+          <a:chExt cx="0" cy="0"/>
+        </a:xfrm>
+      </p:grpSpPr>
+      <p:sp>
+        <p:nvSpPr>
+          <p:cNvPr id="84" name="Google Shape;84;p18"/>
+          <p:cNvSpPr txBox="1">
+            <a:spLocks noGrp="1"/>
+          </p:cNvSpPr>
+          <p:nvPr>
+            <p:ph type="title"/>
+          </p:nvPr>
+        </p:nvSpPr>
+        <p:spPr>
+          <a:xfrm>
+            <a:off x="311700" y="445025"/>
+            <a:ext cx="8520600" cy="572700"/>
+          </a:xfrm>
+          <a:prstGeom prst="rect">
+            <a:avLst/>
+          </a:prstGeom>
+        </p:spPr>
+        <p:txBody>
+          <a:bodyPr spcFirstLastPara="1" wrap="square" lIns="91425" tIns="91425" rIns="91425" bIns="91425" anchor="t" anchorCtr="0">
+            <a:noAutofit/>
+          </a:bodyPr>
+          <a:lstStyle/>
+          <a:p>
+            <a:pPr marL="0" lvl="0" indent="0" algn="l" rtl="0">
+              <a:spcBef>
+                <a:spcPts val="0"/>
+              </a:spcBef>
+              <a:spcAft>
+                <a:spcPts val="0"/>
+              </a:spcAft>
+              <a:buNone/>
+            </a:pPr>
+            <a:r>
+              <a:rPr lang="en"/>
+              <a:t>Version Control Evidence</a:t>
+            </a:r>
+            <a:endParaRPr/>
+          </a:p>
+        </p:txBody>
+      </p:sp>
+      <p:sp>
+        <p:nvSpPr>
+          <p:cNvPr id="85" name="Google Shape;85;p18"/>
+          <p:cNvSpPr txBox="1">
+            <a:spLocks noGrp="1"/>
+          </p:cNvSpPr>
+          <p:nvPr>
+            <p:ph type="body" idx="1"/>
+          </p:nvPr>
+        </p:nvSpPr>
+        <p:spPr>
+          <a:xfrm>
+            <a:off x="311700" y="1152475"/>
+            <a:ext cx="8464200" cy="3739200"/>
+          </a:xfrm>
+          <a:prstGeom prst="rect">
+            <a:avLst/>
+          </a:prstGeom>
+        </p:spPr>
+        <p:txBody>
+          <a:bodyPr spcFirstLastPara="1" wrap="square" lIns="91425" tIns="91425" rIns="91425" bIns="91425" anchor="t" anchorCtr="0">
+            <a:noAutofit/>
+          </a:bodyPr>
+          <a:lstStyle/>
+          <a:p>
+            <a:pPr marL="0" lvl="0" indent="0" algn="l" rtl="0">
+              <a:spcBef>
+                <a:spcPts val="0"/>
+              </a:spcBef>
+              <a:spcAft>
+                <a:spcPts val="1600"/>
+              </a:spcAft>
+              <a:buNone/>
+            </a:pPr>
+            <a:r>
+              <a:rPr lang="en" i="1" dirty="0"/>
+              <a:t>Your version control evidence should go here.  </a:t>
+            </a:r>
+            <a:r>
+              <a:rPr lang="en" i="1"/>
+              <a:t>This could be in the form of annotated screenshots which show you you managed this process or you could make a brief screencast explaining how you implemented version control.</a:t>
+            </a:r>
+            <a:endParaRPr i="1" dirty="0"/>
+          </a:p>
+        </p:txBody>
+      </p:sp>
+    </p:spTree>
+  </p:cSld>
+  <p:clrMapOvr>
+    <a:masterClrMapping/>
+  </p:clrMapOvr>
+</p:sld>
+</file>
+
+<file path=ppt/slides/slide14.xml><?xml version="1.0" encoding="utf-8"?>
+<p:sld xmlns:a="http://schemas.openxmlformats.org/drawingml/2006/main" xmlns:r="http://schemas.openxmlformats.org/officeDocument/2006/relationships" xmlns:p="http://schemas.openxmlformats.org/presentationml/2006/main">
+  <p:cSld>
     <p:bg>
       <p:bgPr>
         <a:solidFill>
@@ -7872,7 +9219,7 @@
         </p:nvSpPr>
         <p:spPr>
           <a:xfrm>
-            <a:off x="311700" y="1152475"/>
+            <a:off x="311700" y="1017725"/>
             <a:ext cx="8424300" cy="508237"/>
           </a:xfrm>
           <a:prstGeom prst="rect">
@@ -7904,10 +9251,10 @@
       </p:sp>
       <p:pic>
         <p:nvPicPr>
-          <p:cNvPr id="7" name="Picture 6" descr="A screenshot of a cartoon&#10;&#10;Description automatically generated with medium confidence">
+          <p:cNvPr id="3" name="Picture 2" descr="A screenshot of a computer&#10;&#10;Description automatically generated">
             <a:extLst>
               <a:ext uri="{FF2B5EF4-FFF2-40B4-BE49-F238E27FC236}">
-                <a16:creationId xmlns:a16="http://schemas.microsoft.com/office/drawing/2014/main" id="{059FCAF7-42B9-EC33-23CC-D0AB65EA9094}"/>
+                <a16:creationId xmlns:a16="http://schemas.microsoft.com/office/drawing/2014/main" id="{37176900-3ED2-2A17-D4BC-A5C1D9A40F65}"/>
               </a:ext>
             </a:extLst>
           </p:cNvPr>
@@ -7924,38 +9271,8 @@
         </p:blipFill>
         <p:spPr>
           <a:xfrm>
-            <a:off x="311700" y="1746668"/>
-            <a:ext cx="4602352" cy="2467326"/>
-          </a:xfrm>
-          <a:prstGeom prst="rect">
-            <a:avLst/>
-          </a:prstGeom>
-        </p:spPr>
-      </p:pic>
-      <p:pic>
-        <p:nvPicPr>
-          <p:cNvPr id="9" name="Picture 8" descr="A screenshot of a computer&#10;&#10;Description automatically generated">
-            <a:extLst>
-              <a:ext uri="{FF2B5EF4-FFF2-40B4-BE49-F238E27FC236}">
-                <a16:creationId xmlns:a16="http://schemas.microsoft.com/office/drawing/2014/main" id="{8A267450-5119-A659-4930-551991672E7A}"/>
-              </a:ext>
-            </a:extLst>
-          </p:cNvPr>
-          <p:cNvPicPr>
-            <a:picLocks noChangeAspect="1"/>
-          </p:cNvPicPr>
-          <p:nvPr/>
-        </p:nvPicPr>
-        <p:blipFill>
-          <a:blip r:embed="rId4"/>
-          <a:stretch>
-            <a:fillRect/>
-          </a:stretch>
-        </p:blipFill>
-        <p:spPr>
-          <a:xfrm>
-            <a:off x="5264523" y="1720628"/>
-            <a:ext cx="3471477" cy="2519406"/>
+            <a:off x="1377051" y="1590425"/>
+            <a:ext cx="6389898" cy="3420000"/>
           </a:xfrm>
           <a:prstGeom prst="rect">
             <a:avLst/>
@@ -8039,10 +9356,10 @@
       </p:sp>
       <p:pic>
         <p:nvPicPr>
-          <p:cNvPr id="3" name="Picture 2" descr="Trello screenshot">
+          <p:cNvPr id="6" name="Picture 5" descr="A screenshot of a computer&#10;&#10;Description automatically generated with medium confidence">
             <a:extLst>
               <a:ext uri="{FF2B5EF4-FFF2-40B4-BE49-F238E27FC236}">
-                <a16:creationId xmlns:a16="http://schemas.microsoft.com/office/drawing/2014/main" id="{033C05CA-2783-8878-C17E-805FE2266AB9}"/>
+                <a16:creationId xmlns:a16="http://schemas.microsoft.com/office/drawing/2014/main" id="{5E8D7CB2-A6C8-6771-B040-E23B8C06003A}"/>
               </a:ext>
             </a:extLst>
           </p:cNvPr>
@@ -8059,8 +9376,8 @@
         </p:blipFill>
         <p:spPr>
           <a:xfrm>
-            <a:off x="1331259" y="1223746"/>
-            <a:ext cx="6481482" cy="3474729"/>
+            <a:off x="1186690" y="1278475"/>
+            <a:ext cx="6770620" cy="3420000"/>
           </a:xfrm>
           <a:prstGeom prst="rect">
             <a:avLst/>
@@ -8128,7 +9445,7 @@
             </a:pPr>
             <a:r>
               <a:rPr lang="en" dirty="0"/>
-              <a:t>Component 1 - Test Plan (and screenshot)</a:t>
+              <a:t>Component 1 Ver. 1 - Test Plan (and screenshot)</a:t>
             </a:r>
             <a:endParaRPr dirty="0"/>
           </a:p>
@@ -8293,10 +9610,10 @@
       </p:graphicFrame>
       <p:pic>
         <p:nvPicPr>
-          <p:cNvPr id="3" name="Picture 2" descr="A picture containing text, font, screenshot&#10;&#10;Description automatically generated">
+          <p:cNvPr id="4" name="Picture 3" descr="A screenshot of a computer program&#10;&#10;Description automatically generated with medium confidence">
             <a:extLst>
               <a:ext uri="{FF2B5EF4-FFF2-40B4-BE49-F238E27FC236}">
-                <a16:creationId xmlns:a16="http://schemas.microsoft.com/office/drawing/2014/main" id="{E2D1C4BB-649C-8A9D-949F-11368CC7E0B7}"/>
+                <a16:creationId xmlns:a16="http://schemas.microsoft.com/office/drawing/2014/main" id="{09BDE9DF-2EA4-F9FF-B750-9FF9E9E24B53}"/>
               </a:ext>
             </a:extLst>
           </p:cNvPr>
@@ -8313,38 +9630,8 @@
         </p:blipFill>
         <p:spPr>
           <a:xfrm>
-            <a:off x="385741" y="2570963"/>
-            <a:ext cx="4186259" cy="1092244"/>
-          </a:xfrm>
-          <a:prstGeom prst="rect">
-            <a:avLst/>
-          </a:prstGeom>
-        </p:spPr>
-      </p:pic>
-      <p:pic>
-        <p:nvPicPr>
-          <p:cNvPr id="7" name="Picture 6" descr="Test result">
-            <a:extLst>
-              <a:ext uri="{FF2B5EF4-FFF2-40B4-BE49-F238E27FC236}">
-                <a16:creationId xmlns:a16="http://schemas.microsoft.com/office/drawing/2014/main" id="{375C522E-9BB7-AC5A-988B-65B602406835}"/>
-              </a:ext>
-            </a:extLst>
-          </p:cNvPr>
-          <p:cNvPicPr>
-            <a:picLocks noChangeAspect="1"/>
-          </p:cNvPicPr>
-          <p:nvPr/>
-        </p:nvPicPr>
-        <p:blipFill>
-          <a:blip r:embed="rId4"/>
-          <a:stretch>
-            <a:fillRect/>
-          </a:stretch>
-        </p:blipFill>
-        <p:spPr>
-          <a:xfrm>
-            <a:off x="4572000" y="2570963"/>
-            <a:ext cx="4335748" cy="1577455"/>
+            <a:off x="2171121" y="2571750"/>
+            <a:ext cx="4801757" cy="2411043"/>
           </a:xfrm>
           <a:prstGeom prst="rect">
             <a:avLst/>
@@ -8372,7 +9659,7 @@
     </p:bg>
     <p:spTree>
       <p:nvGrpSpPr>
-        <p:cNvPr id="1" name="Shape 83"/>
+        <p:cNvPr id="1" name="Shape 72"/>
         <p:cNvGrpSpPr/>
         <p:nvPr/>
       </p:nvGrpSpPr>
@@ -8386,7 +9673,7 @@
       </p:grpSpPr>
       <p:sp>
         <p:nvSpPr>
-          <p:cNvPr id="84" name="Google Shape;84;p18"/>
+          <p:cNvPr id="73" name="Google Shape;73;p16"/>
           <p:cNvSpPr txBox="1">
             <a:spLocks noGrp="1"/>
           </p:cNvSpPr>
@@ -8419,60 +9706,19 @@
               <a:buNone/>
             </a:pPr>
             <a:r>
-              <a:rPr lang="en"/>
-              <a:t>Version Control Evidence</a:t>
+              <a:rPr lang="en" dirty="0"/>
+              <a:t>Component _ Ver. _ (Trello screenshot)</a:t>
             </a:r>
-            <a:endParaRPr/>
-          </a:p>
-        </p:txBody>
-      </p:sp>
-      <p:sp>
-        <p:nvSpPr>
-          <p:cNvPr id="85" name="Google Shape;85;p18"/>
-          <p:cNvSpPr txBox="1">
-            <a:spLocks noGrp="1"/>
-          </p:cNvSpPr>
-          <p:nvPr>
-            <p:ph type="body" idx="1"/>
-          </p:nvPr>
-        </p:nvSpPr>
-        <p:spPr>
-          <a:xfrm>
-            <a:off x="311700" y="1152475"/>
-            <a:ext cx="8464200" cy="3739200"/>
-          </a:xfrm>
-          <a:prstGeom prst="rect">
-            <a:avLst/>
-          </a:prstGeom>
-        </p:spPr>
-        <p:txBody>
-          <a:bodyPr spcFirstLastPara="1" wrap="square" lIns="91425" tIns="91425" rIns="91425" bIns="91425" anchor="t" anchorCtr="0">
-            <a:noAutofit/>
-          </a:bodyPr>
-          <a:lstStyle/>
-          <a:p>
-            <a:pPr marL="0" lvl="0" indent="0" algn="l" rtl="0">
-              <a:spcBef>
-                <a:spcPts val="0"/>
-              </a:spcBef>
-              <a:spcAft>
-                <a:spcPts val="1600"/>
-              </a:spcAft>
-              <a:buNone/>
-            </a:pPr>
-            <a:r>
-              <a:rPr lang="en" i="1" dirty="0"/>
-              <a:t>Your version control evidence should go here.  </a:t>
-            </a:r>
-            <a:r>
-              <a:rPr lang="en" i="1"/>
-              <a:t>This could be in the form of annotated screenshots which show you you managed this process or you could make a brief screencast explaining how you implemented version control.</a:t>
-            </a:r>
-            <a:endParaRPr i="1" dirty="0"/>
+            <a:endParaRPr dirty="0"/>
           </a:p>
         </p:txBody>
       </p:sp>
     </p:spTree>
+    <p:extLst>
+      <p:ext uri="{BB962C8B-B14F-4D97-AF65-F5344CB8AC3E}">
+        <p14:creationId xmlns:p14="http://schemas.microsoft.com/office/powerpoint/2010/main" val="578345274"/>
+      </p:ext>
+    </p:extLst>
   </p:cSld>
   <p:clrMapOvr>
     <a:masterClrMapping/>
@@ -9043,6 +10289,14 @@
 </file>
 
 <file path=customXml/item1.xml><?xml version="1.0" encoding="utf-8"?>
+<p:properties xmlns:p="http://schemas.microsoft.com/office/2006/metadata/properties" xmlns:xsi="http://www.w3.org/2001/XMLSchema-instance" xmlns:pc="http://schemas.microsoft.com/office/infopath/2007/PartnerControls">
+  <documentManagement>
+    <_activity xmlns="2b310483-19ef-4f1a-8666-427aba7c04f4" xsi:nil="true"/>
+  </documentManagement>
+</p:properties>
+</file>
+
+<file path=customXml/item2.xml><?xml version="1.0" encoding="utf-8"?>
 <ct:contentTypeSchema xmlns:ct="http://schemas.microsoft.com/office/2006/metadata/contentType" xmlns:ma="http://schemas.microsoft.com/office/2006/metadata/properties/metaAttributes" ct:_="" ma:_="" ma:contentTypeName="Document" ma:contentTypeID="0x010100024DC8DFD6C93447A9C11B519434E451" ma:contentTypeVersion="13" ma:contentTypeDescription="Create a new document." ma:contentTypeScope="" ma:versionID="d78c653d52c678877916f644d9003a4b">
   <xsd:schema xmlns:xsd="http://www.w3.org/2001/XMLSchema" xmlns:xs="http://www.w3.org/2001/XMLSchema" xmlns:p="http://schemas.microsoft.com/office/2006/metadata/properties" xmlns:ns3="2b310483-19ef-4f1a-8666-427aba7c04f4" xmlns:ns4="d316a0db-0591-438e-8093-79f3efde1904" targetNamespace="http://schemas.microsoft.com/office/2006/metadata/properties" ma:root="true" ma:fieldsID="b51e56a0bc6a455bf4c7a7bc9489865b" ns3:_="" ns4:_="">
     <xsd:import namespace="2b310483-19ef-4f1a-8666-427aba7c04f4"/>
@@ -9265,7 +10519,7 @@
 </ct:contentTypeSchema>
 </file>
 
-<file path=customXml/item2.xml><?xml version="1.0" encoding="utf-8"?>
+<file path=customXml/item3.xml><?xml version="1.0" encoding="utf-8"?>
 <?mso-contentType ?>
 <FormTemplates xmlns="http://schemas.microsoft.com/sharepoint/v3/contenttype/forms">
   <Display>DocumentLibraryForm</Display>
@@ -9274,15 +10528,24 @@
 </FormTemplates>
 </file>
 
-<file path=customXml/item3.xml><?xml version="1.0" encoding="utf-8"?>
-<p:properties xmlns:p="http://schemas.microsoft.com/office/2006/metadata/properties" xmlns:xsi="http://www.w3.org/2001/XMLSchema-instance" xmlns:pc="http://schemas.microsoft.com/office/infopath/2007/PartnerControls">
-  <documentManagement>
-    <_activity xmlns="2b310483-19ef-4f1a-8666-427aba7c04f4" xsi:nil="true"/>
-  </documentManagement>
-</p:properties>
+<file path=customXml/itemProps1.xml><?xml version="1.0" encoding="utf-8"?>
+<ds:datastoreItem xmlns:ds="http://schemas.openxmlformats.org/officeDocument/2006/customXml" ds:itemID="{68DCCC3C-0DB3-455E-8505-0D93175A8009}">
+  <ds:schemaRefs>
+    <ds:schemaRef ds:uri="d316a0db-0591-438e-8093-79f3efde1904"/>
+    <ds:schemaRef ds:uri="http://schemas.microsoft.com/office/2006/documentManagement/types"/>
+    <ds:schemaRef ds:uri="2b310483-19ef-4f1a-8666-427aba7c04f4"/>
+    <ds:schemaRef ds:uri="http://www.w3.org/XML/1998/namespace"/>
+    <ds:schemaRef ds:uri="http://purl.org/dc/elements/1.1/"/>
+    <ds:schemaRef ds:uri="http://purl.org/dc/dcmitype/"/>
+    <ds:schemaRef ds:uri="http://purl.org/dc/terms/"/>
+    <ds:schemaRef ds:uri="http://schemas.microsoft.com/office/infopath/2007/PartnerControls"/>
+    <ds:schemaRef ds:uri="http://schemas.openxmlformats.org/package/2006/metadata/core-properties"/>
+    <ds:schemaRef ds:uri="http://schemas.microsoft.com/office/2006/metadata/properties"/>
+  </ds:schemaRefs>
+</ds:datastoreItem>
 </file>
 
-<file path=customXml/itemProps1.xml><?xml version="1.0" encoding="utf-8"?>
+<file path=customXml/itemProps2.xml><?xml version="1.0" encoding="utf-8"?>
 <ds:datastoreItem xmlns:ds="http://schemas.openxmlformats.org/officeDocument/2006/customXml" ds:itemID="{0E32B551-2E7E-4680-9EB8-D0B1C8724946}">
   <ds:schemaRefs>
     <ds:schemaRef ds:uri="http://schemas.microsoft.com/office/2006/metadata/contentType"/>
@@ -9301,27 +10564,10 @@
 </ds:datastoreItem>
 </file>
 
-<file path=customXml/itemProps2.xml><?xml version="1.0" encoding="utf-8"?>
+<file path=customXml/itemProps3.xml><?xml version="1.0" encoding="utf-8"?>
 <ds:datastoreItem xmlns:ds="http://schemas.openxmlformats.org/officeDocument/2006/customXml" ds:itemID="{9B757C8B-782F-4BDF-9F90-4601D3A0F6AF}">
   <ds:schemaRefs>
     <ds:schemaRef ds:uri="http://schemas.microsoft.com/sharepoint/v3/contenttype/forms"/>
   </ds:schemaRefs>
 </ds:datastoreItem>
-</file>
-
-<file path=customXml/itemProps3.xml><?xml version="1.0" encoding="utf-8"?>
-<ds:datastoreItem xmlns:ds="http://schemas.openxmlformats.org/officeDocument/2006/customXml" ds:itemID="{68DCCC3C-0DB3-455E-8505-0D93175A8009}">
-  <ds:schemaRefs>
-    <ds:schemaRef ds:uri="d316a0db-0591-438e-8093-79f3efde1904"/>
-    <ds:schemaRef ds:uri="http://schemas.microsoft.com/office/2006/documentManagement/types"/>
-    <ds:schemaRef ds:uri="2b310483-19ef-4f1a-8666-427aba7c04f4"/>
-    <ds:schemaRef ds:uri="http://www.w3.org/XML/1998/namespace"/>
-    <ds:schemaRef ds:uri="http://purl.org/dc/elements/1.1/"/>
-    <ds:schemaRef ds:uri="http://purl.org/dc/dcmitype/"/>
-    <ds:schemaRef ds:uri="http://purl.org/dc/terms/"/>
-    <ds:schemaRef ds:uri="http://schemas.microsoft.com/office/infopath/2007/PartnerControls"/>
-    <ds:schemaRef ds:uri="http://schemas.openxmlformats.org/package/2006/metadata/core-properties"/>
-    <ds:schemaRef ds:uri="http://schemas.microsoft.com/office/2006/metadata/properties"/>
-  </ds:schemaRefs>
-</ds:datastoreItem>
 </file>
--- a/pizzapowerpoint.pptx
+++ b/pizzapowerpoint.pptx
@@ -5,7 +5,7 @@
     <p:sldMasterId id="2147483659" r:id="rId4"/>
   </p:sldMasterIdLst>
   <p:notesMasterIdLst>
-    <p:notesMasterId r:id="rId19"/>
+    <p:notesMasterId r:id="rId21"/>
   </p:notesMasterIdLst>
   <p:sldIdLst>
     <p:sldId id="256" r:id="rId5"/>
@@ -20,8 +20,10 @@
     <p:sldId id="266" r:id="rId14"/>
     <p:sldId id="268" r:id="rId15"/>
     <p:sldId id="269" r:id="rId16"/>
-    <p:sldId id="261" r:id="rId17"/>
-    <p:sldId id="262" r:id="rId18"/>
+    <p:sldId id="270" r:id="rId17"/>
+    <p:sldId id="271" r:id="rId18"/>
+    <p:sldId id="261" r:id="rId19"/>
+    <p:sldId id="262" r:id="rId20"/>
   </p:sldIdLst>
   <p:sldSz cx="9144000" cy="5143500" type="screen16x9"/>
   <p:notesSz cx="6858000" cy="9144000"/>
@@ -275,6 +277,8 @@
             <p14:sldId id="266"/>
             <p14:sldId id="268"/>
             <p14:sldId id="269"/>
+            <p14:sldId id="270"/>
+            <p14:sldId id="271"/>
           </p14:sldIdLst>
         </p14:section>
         <p14:section name="endbit" id="{C87F78D7-C127-418A-B7F3-358C78397AC6}">
@@ -308,12 +312,152 @@
   <p1510:revLst>
     <p1510:client id="{144C3C78-124B-466C-8FE1-23FD5A90EFF3}" v="4" dt="2023-05-17T09:43:57.921"/>
     <p1510:client id="{6E88F79A-04E8-2644-5D52-BBE8D04264AC}" v="8" dt="2023-05-17T09:17:16.146"/>
+    <p1510:client id="{DC01E7D0-ECC4-24C5-E5BE-DE2A9FB64150}" v="54" dt="2023-05-17T10:21:52.792"/>
   </p1510:revLst>
 </p1510:revInfo>
 </file>
 
 <file path=ppt/changesInfos/changesInfo1.xml><?xml version="1.0" encoding="utf-8"?>
 <pc:chgInfo xmlns:a="http://schemas.openxmlformats.org/drawingml/2006/main" xmlns:r="http://schemas.openxmlformats.org/officeDocument/2006/relationships" xmlns:ac="http://schemas.microsoft.com/office/drawing/2013/main/command" xmlns:pc="http://schemas.microsoft.com/office/powerpoint/2013/main/command">
+  <pc:docChgLst>
+    <pc:chgData name="Eardwulf Ulan" userId="S::18111@my.sanctamaria.school.nz::22607890-71d4-4bf2-b097-b426e6c19788" providerId="AD" clId="Web-{6E88F79A-04E8-2644-5D52-BBE8D04264AC}"/>
+    <pc:docChg chg="modSld">
+      <pc:chgData name="Eardwulf Ulan" userId="S::18111@my.sanctamaria.school.nz::22607890-71d4-4bf2-b097-b426e6c19788" providerId="AD" clId="Web-{6E88F79A-04E8-2644-5D52-BBE8D04264AC}" dt="2023-05-17T09:17:16.146" v="7"/>
+      <pc:docMkLst>
+        <pc:docMk/>
+      </pc:docMkLst>
+      <pc:sldChg chg="modSp">
+        <pc:chgData name="Eardwulf Ulan" userId="S::18111@my.sanctamaria.school.nz::22607890-71d4-4bf2-b097-b426e6c19788" providerId="AD" clId="Web-{6E88F79A-04E8-2644-5D52-BBE8D04264AC}" dt="2023-05-17T09:17:11.380" v="5" actId="20577"/>
+        <pc:sldMkLst>
+          <pc:docMk/>
+          <pc:sldMk cId="0" sldId="256"/>
+        </pc:sldMkLst>
+        <pc:spChg chg="mod">
+          <ac:chgData name="Eardwulf Ulan" userId="S::18111@my.sanctamaria.school.nz::22607890-71d4-4bf2-b097-b426e6c19788" providerId="AD" clId="Web-{6E88F79A-04E8-2644-5D52-BBE8D04264AC}" dt="2023-05-17T09:17:11.380" v="5" actId="20577"/>
+          <ac:spMkLst>
+            <pc:docMk/>
+            <pc:sldMk cId="0" sldId="256"/>
+            <ac:spMk id="55" creationId="{00000000-0000-0000-0000-000000000000}"/>
+          </ac:spMkLst>
+        </pc:spChg>
+      </pc:sldChg>
+      <pc:sldChg chg="delSp">
+        <pc:chgData name="Eardwulf Ulan" userId="S::18111@my.sanctamaria.school.nz::22607890-71d4-4bf2-b097-b426e6c19788" providerId="AD" clId="Web-{6E88F79A-04E8-2644-5D52-BBE8D04264AC}" dt="2023-05-17T09:17:16.146" v="7"/>
+        <pc:sldMkLst>
+          <pc:docMk/>
+          <pc:sldMk cId="0" sldId="258"/>
+        </pc:sldMkLst>
+        <pc:picChg chg="del">
+          <ac:chgData name="Eardwulf Ulan" userId="S::18111@my.sanctamaria.school.nz::22607890-71d4-4bf2-b097-b426e6c19788" providerId="AD" clId="Web-{6E88F79A-04E8-2644-5D52-BBE8D04264AC}" dt="2023-05-17T09:17:14.740" v="6"/>
+          <ac:picMkLst>
+            <pc:docMk/>
+            <pc:sldMk cId="0" sldId="258"/>
+            <ac:picMk id="7" creationId="{059FCAF7-42B9-EC33-23CC-D0AB65EA9094}"/>
+          </ac:picMkLst>
+        </pc:picChg>
+        <pc:picChg chg="del">
+          <ac:chgData name="Eardwulf Ulan" userId="S::18111@my.sanctamaria.school.nz::22607890-71d4-4bf2-b097-b426e6c19788" providerId="AD" clId="Web-{6E88F79A-04E8-2644-5D52-BBE8D04264AC}" dt="2023-05-17T09:17:16.146" v="7"/>
+          <ac:picMkLst>
+            <pc:docMk/>
+            <pc:sldMk cId="0" sldId="258"/>
+            <ac:picMk id="9" creationId="{8A267450-5119-A659-4930-551991672E7A}"/>
+          </ac:picMkLst>
+        </pc:picChg>
+      </pc:sldChg>
+    </pc:docChg>
+  </pc:docChgLst>
+  <pc:docChgLst>
+    <pc:chgData name="Eardwulf Ulan" userId="S::18111@my.sanctamaria.school.nz::22607890-71d4-4bf2-b097-b426e6c19788" providerId="AD" clId="Web-{DC01E7D0-ECC4-24C5-E5BE-DE2A9FB64150}"/>
+    <pc:docChg chg="addSld modSld sldOrd modSection">
+      <pc:chgData name="Eardwulf Ulan" userId="S::18111@my.sanctamaria.school.nz::22607890-71d4-4bf2-b097-b426e6c19788" providerId="AD" clId="Web-{DC01E7D0-ECC4-24C5-E5BE-DE2A9FB64150}" dt="2023-05-17T10:21:52.792" v="44" actId="20577"/>
+      <pc:docMkLst>
+        <pc:docMk/>
+      </pc:docMkLst>
+      <pc:sldChg chg="addSp modSp">
+        <pc:chgData name="Eardwulf Ulan" userId="S::18111@my.sanctamaria.school.nz::22607890-71d4-4bf2-b097-b426e6c19788" providerId="AD" clId="Web-{DC01E7D0-ECC4-24C5-E5BE-DE2A9FB64150}" dt="2023-05-17T10:19:41.320" v="42" actId="1076"/>
+        <pc:sldMkLst>
+          <pc:docMk/>
+          <pc:sldMk cId="3048879607" sldId="266"/>
+        </pc:sldMkLst>
+        <pc:graphicFrameChg chg="mod modGraphic">
+          <ac:chgData name="Eardwulf Ulan" userId="S::18111@my.sanctamaria.school.nz::22607890-71d4-4bf2-b097-b426e6c19788" providerId="AD" clId="Web-{DC01E7D0-ECC4-24C5-E5BE-DE2A9FB64150}" dt="2023-05-17T10:19:10.085" v="32"/>
+          <ac:graphicFrameMkLst>
+            <pc:docMk/>
+            <pc:sldMk cId="3048879607" sldId="266"/>
+            <ac:graphicFrameMk id="79" creationId="{00000000-0000-0000-0000-000000000000}"/>
+          </ac:graphicFrameMkLst>
+        </pc:graphicFrameChg>
+        <pc:picChg chg="add mod">
+          <ac:chgData name="Eardwulf Ulan" userId="S::18111@my.sanctamaria.school.nz::22607890-71d4-4bf2-b097-b426e6c19788" providerId="AD" clId="Web-{DC01E7D0-ECC4-24C5-E5BE-DE2A9FB64150}" dt="2023-05-17T10:19:41.320" v="42" actId="1076"/>
+          <ac:picMkLst>
+            <pc:docMk/>
+            <pc:sldMk cId="3048879607" sldId="266"/>
+            <ac:picMk id="2" creationId="{9BDDC0F9-6AE4-4EE0-1C40-B0BA8AD63F9A}"/>
+          </ac:picMkLst>
+        </pc:picChg>
+        <pc:picChg chg="add mod">
+          <ac:chgData name="Eardwulf Ulan" userId="S::18111@my.sanctamaria.school.nz::22607890-71d4-4bf2-b097-b426e6c19788" providerId="AD" clId="Web-{DC01E7D0-ECC4-24C5-E5BE-DE2A9FB64150}" dt="2023-05-17T10:19:36.945" v="41" actId="1076"/>
+          <ac:picMkLst>
+            <pc:docMk/>
+            <pc:sldMk cId="3048879607" sldId="266"/>
+            <ac:picMk id="3" creationId="{C119085B-8D6B-D96A-A128-A62B3C6E9217}"/>
+          </ac:picMkLst>
+        </pc:picChg>
+      </pc:sldChg>
+      <pc:sldChg chg="addSp modSp">
+        <pc:chgData name="Eardwulf Ulan" userId="S::18111@my.sanctamaria.school.nz::22607890-71d4-4bf2-b097-b426e6c19788" providerId="AD" clId="Web-{DC01E7D0-ECC4-24C5-E5BE-DE2A9FB64150}" dt="2023-05-17T10:15:06.638" v="17" actId="14100"/>
+        <pc:sldMkLst>
+          <pc:docMk/>
+          <pc:sldMk cId="578345274" sldId="267"/>
+        </pc:sldMkLst>
+        <pc:spChg chg="mod">
+          <ac:chgData name="Eardwulf Ulan" userId="S::18111@my.sanctamaria.school.nz::22607890-71d4-4bf2-b097-b426e6c19788" providerId="AD" clId="Web-{DC01E7D0-ECC4-24C5-E5BE-DE2A9FB64150}" dt="2023-05-17T10:13:57.370" v="2" actId="20577"/>
+          <ac:spMkLst>
+            <pc:docMk/>
+            <pc:sldMk cId="578345274" sldId="267"/>
+            <ac:spMk id="73" creationId="{00000000-0000-0000-0000-000000000000}"/>
+          </ac:spMkLst>
+        </pc:spChg>
+        <pc:picChg chg="add mod">
+          <ac:chgData name="Eardwulf Ulan" userId="S::18111@my.sanctamaria.school.nz::22607890-71d4-4bf2-b097-b426e6c19788" providerId="AD" clId="Web-{DC01E7D0-ECC4-24C5-E5BE-DE2A9FB64150}" dt="2023-05-17T10:15:06.638" v="17" actId="14100"/>
+          <ac:picMkLst>
+            <pc:docMk/>
+            <pc:sldMk cId="578345274" sldId="267"/>
+            <ac:picMk id="2" creationId="{EA1F0CD1-3449-0507-DE35-16F879065109}"/>
+          </ac:picMkLst>
+        </pc:picChg>
+      </pc:sldChg>
+      <pc:sldChg chg="modSp">
+        <pc:chgData name="Eardwulf Ulan" userId="S::18111@my.sanctamaria.school.nz::22607890-71d4-4bf2-b097-b426e6c19788" providerId="AD" clId="Web-{DC01E7D0-ECC4-24C5-E5BE-DE2A9FB64150}" dt="2023-05-17T10:21:52.792" v="44" actId="20577"/>
+        <pc:sldMkLst>
+          <pc:docMk/>
+          <pc:sldMk cId="638340319" sldId="268"/>
+        </pc:sldMkLst>
+        <pc:spChg chg="mod">
+          <ac:chgData name="Eardwulf Ulan" userId="S::18111@my.sanctamaria.school.nz::22607890-71d4-4bf2-b097-b426e6c19788" providerId="AD" clId="Web-{DC01E7D0-ECC4-24C5-E5BE-DE2A9FB64150}" dt="2023-05-17T10:21:52.792" v="44" actId="20577"/>
+          <ac:spMkLst>
+            <pc:docMk/>
+            <pc:sldMk cId="638340319" sldId="268"/>
+            <ac:spMk id="73" creationId="{00000000-0000-0000-0000-000000000000}"/>
+          </ac:spMkLst>
+        </pc:spChg>
+      </pc:sldChg>
+      <pc:sldChg chg="add ord replId">
+        <pc:chgData name="Eardwulf Ulan" userId="S::18111@my.sanctamaria.school.nz::22607890-71d4-4bf2-b097-b426e6c19788" providerId="AD" clId="Web-{DC01E7D0-ECC4-24C5-E5BE-DE2A9FB64150}" dt="2023-05-17T10:15:19.393" v="20"/>
+        <pc:sldMkLst>
+          <pc:docMk/>
+          <pc:sldMk cId="2125486748" sldId="270"/>
+        </pc:sldMkLst>
+      </pc:sldChg>
+      <pc:sldChg chg="add replId">
+        <pc:chgData name="Eardwulf Ulan" userId="S::18111@my.sanctamaria.school.nz::22607890-71d4-4bf2-b097-b426e6c19788" providerId="AD" clId="Web-{DC01E7D0-ECC4-24C5-E5BE-DE2A9FB64150}" dt="2023-05-17T10:15:17.435" v="19"/>
+        <pc:sldMkLst>
+          <pc:docMk/>
+          <pc:sldMk cId="1744829088" sldId="271"/>
+        </pc:sldMkLst>
+      </pc:sldChg>
+    </pc:docChg>
+  </pc:docChgLst>
   <pc:docChgLst>
     <pc:chgData name="Eardwulf Ulan" userId="22607890-71d4-4bf2-b097-b426e6c19788" providerId="ADAL" clId="{144C3C78-124B-466C-8FE1-23FD5A90EFF3}"/>
     <pc:docChg chg="custSel addSld modSld sldOrd addSection modSection">
@@ -505,53 +649,6 @@
             <ac:spMk id="78" creationId="{00000000-0000-0000-0000-000000000000}"/>
           </ac:spMkLst>
         </pc:spChg>
-      </pc:sldChg>
-    </pc:docChg>
-  </pc:docChgLst>
-  <pc:docChgLst>
-    <pc:chgData name="Eardwulf Ulan" userId="S::18111@my.sanctamaria.school.nz::22607890-71d4-4bf2-b097-b426e6c19788" providerId="AD" clId="Web-{6E88F79A-04E8-2644-5D52-BBE8D04264AC}"/>
-    <pc:docChg chg="modSld">
-      <pc:chgData name="Eardwulf Ulan" userId="S::18111@my.sanctamaria.school.nz::22607890-71d4-4bf2-b097-b426e6c19788" providerId="AD" clId="Web-{6E88F79A-04E8-2644-5D52-BBE8D04264AC}" dt="2023-05-17T09:17:16.146" v="7"/>
-      <pc:docMkLst>
-        <pc:docMk/>
-      </pc:docMkLst>
-      <pc:sldChg chg="modSp">
-        <pc:chgData name="Eardwulf Ulan" userId="S::18111@my.sanctamaria.school.nz::22607890-71d4-4bf2-b097-b426e6c19788" providerId="AD" clId="Web-{6E88F79A-04E8-2644-5D52-BBE8D04264AC}" dt="2023-05-17T09:17:11.380" v="5" actId="20577"/>
-        <pc:sldMkLst>
-          <pc:docMk/>
-          <pc:sldMk cId="0" sldId="256"/>
-        </pc:sldMkLst>
-        <pc:spChg chg="mod">
-          <ac:chgData name="Eardwulf Ulan" userId="S::18111@my.sanctamaria.school.nz::22607890-71d4-4bf2-b097-b426e6c19788" providerId="AD" clId="Web-{6E88F79A-04E8-2644-5D52-BBE8D04264AC}" dt="2023-05-17T09:17:11.380" v="5" actId="20577"/>
-          <ac:spMkLst>
-            <pc:docMk/>
-            <pc:sldMk cId="0" sldId="256"/>
-            <ac:spMk id="55" creationId="{00000000-0000-0000-0000-000000000000}"/>
-          </ac:spMkLst>
-        </pc:spChg>
-      </pc:sldChg>
-      <pc:sldChg chg="delSp">
-        <pc:chgData name="Eardwulf Ulan" userId="S::18111@my.sanctamaria.school.nz::22607890-71d4-4bf2-b097-b426e6c19788" providerId="AD" clId="Web-{6E88F79A-04E8-2644-5D52-BBE8D04264AC}" dt="2023-05-17T09:17:16.146" v="7"/>
-        <pc:sldMkLst>
-          <pc:docMk/>
-          <pc:sldMk cId="0" sldId="258"/>
-        </pc:sldMkLst>
-        <pc:picChg chg="del">
-          <ac:chgData name="Eardwulf Ulan" userId="S::18111@my.sanctamaria.school.nz::22607890-71d4-4bf2-b097-b426e6c19788" providerId="AD" clId="Web-{6E88F79A-04E8-2644-5D52-BBE8D04264AC}" dt="2023-05-17T09:17:14.740" v="6"/>
-          <ac:picMkLst>
-            <pc:docMk/>
-            <pc:sldMk cId="0" sldId="258"/>
-            <ac:picMk id="7" creationId="{059FCAF7-42B9-EC33-23CC-D0AB65EA9094}"/>
-          </ac:picMkLst>
-        </pc:picChg>
-        <pc:picChg chg="del">
-          <ac:chgData name="Eardwulf Ulan" userId="S::18111@my.sanctamaria.school.nz::22607890-71d4-4bf2-b097-b426e6c19788" providerId="AD" clId="Web-{6E88F79A-04E8-2644-5D52-BBE8D04264AC}" dt="2023-05-17T09:17:16.146" v="7"/>
-          <ac:picMkLst>
-            <pc:docMk/>
-            <pc:sldMk cId="0" sldId="258"/>
-            <ac:picMk id="9" creationId="{8A267450-5119-A659-4930-551991672E7A}"/>
-          </ac:picMkLst>
-        </pc:picChg>
       </pc:sldChg>
     </pc:docChg>
   </pc:docChgLst>
@@ -1435,6 +1532,224 @@
   <p:cSld>
     <p:spTree>
       <p:nvGrpSpPr>
+        <p:cNvPr id="1" name="Shape 69"/>
+        <p:cNvGrpSpPr/>
+        <p:nvPr/>
+      </p:nvGrpSpPr>
+      <p:grpSpPr>
+        <a:xfrm>
+          <a:off x="0" y="0"/>
+          <a:ext cx="0" cy="0"/>
+          <a:chOff x="0" y="0"/>
+          <a:chExt cx="0" cy="0"/>
+        </a:xfrm>
+      </p:grpSpPr>
+      <p:sp>
+        <p:nvSpPr>
+          <p:cNvPr id="70" name="Google Shape;70;gac10fef634_0_16:notes"/>
+          <p:cNvSpPr>
+            <a:spLocks noGrp="1" noRot="1" noChangeAspect="1"/>
+          </p:cNvSpPr>
+          <p:nvPr>
+            <p:ph type="sldImg" idx="2"/>
+          </p:nvPr>
+        </p:nvSpPr>
+        <p:spPr>
+          <a:xfrm>
+            <a:off x="381000" y="685800"/>
+            <a:ext cx="6096000" cy="3429000"/>
+          </a:xfrm>
+          <a:custGeom>
+            <a:avLst/>
+            <a:gdLst/>
+            <a:ahLst/>
+            <a:cxnLst/>
+            <a:rect l="l" t="t" r="r" b="b"/>
+            <a:pathLst>
+              <a:path w="120000" h="120000" extrusionOk="0">
+                <a:moveTo>
+                  <a:pt x="0" y="0"/>
+                </a:moveTo>
+                <a:lnTo>
+                  <a:pt x="120000" y="0"/>
+                </a:lnTo>
+                <a:lnTo>
+                  <a:pt x="120000" y="120000"/>
+                </a:lnTo>
+                <a:lnTo>
+                  <a:pt x="0" y="120000"/>
+                </a:lnTo>
+                <a:close/>
+              </a:path>
+            </a:pathLst>
+          </a:custGeom>
+        </p:spPr>
+      </p:sp>
+      <p:sp>
+        <p:nvSpPr>
+          <p:cNvPr id="71" name="Google Shape;71;gac10fef634_0_16:notes"/>
+          <p:cNvSpPr txBox="1">
+            <a:spLocks noGrp="1"/>
+          </p:cNvSpPr>
+          <p:nvPr>
+            <p:ph type="body" idx="1"/>
+          </p:nvPr>
+        </p:nvSpPr>
+        <p:spPr>
+          <a:xfrm>
+            <a:off x="685800" y="4343400"/>
+            <a:ext cx="5486400" cy="4114800"/>
+          </a:xfrm>
+          <a:prstGeom prst="rect">
+            <a:avLst/>
+          </a:prstGeom>
+        </p:spPr>
+        <p:txBody>
+          <a:bodyPr spcFirstLastPara="1" wrap="square" lIns="91425" tIns="91425" rIns="91425" bIns="91425" anchor="t" anchorCtr="0">
+            <a:noAutofit/>
+          </a:bodyPr>
+          <a:lstStyle/>
+          <a:p>
+            <a:pPr marL="0" lvl="0" indent="0" algn="l" rtl="0">
+              <a:spcBef>
+                <a:spcPts val="0"/>
+              </a:spcBef>
+              <a:spcAft>
+                <a:spcPts val="0"/>
+              </a:spcAft>
+              <a:buNone/>
+            </a:pPr>
+            <a:endParaRPr/>
+          </a:p>
+        </p:txBody>
+      </p:sp>
+    </p:spTree>
+    <p:extLst>
+      <p:ext uri="{BB962C8B-B14F-4D97-AF65-F5344CB8AC3E}">
+        <p14:creationId xmlns:p14="http://schemas.microsoft.com/office/powerpoint/2010/main" val="2488796568"/>
+      </p:ext>
+    </p:extLst>
+  </p:cSld>
+  <p:clrMapOvr>
+    <a:masterClrMapping/>
+  </p:clrMapOvr>
+</p:notes>
+</file>
+
+<file path=ppt/notesSlides/notesSlide14.xml><?xml version="1.0" encoding="utf-8"?>
+<p:notes xmlns:a="http://schemas.openxmlformats.org/drawingml/2006/main" xmlns:r="http://schemas.openxmlformats.org/officeDocument/2006/relationships" xmlns:p="http://schemas.openxmlformats.org/presentationml/2006/main" showMasterSp="0" showMasterPhAnim="0">
+  <p:cSld>
+    <p:spTree>
+      <p:nvGrpSpPr>
+        <p:cNvPr id="1" name="Shape 74"/>
+        <p:cNvGrpSpPr/>
+        <p:nvPr/>
+      </p:nvGrpSpPr>
+      <p:grpSpPr>
+        <a:xfrm>
+          <a:off x="0" y="0"/>
+          <a:ext cx="0" cy="0"/>
+          <a:chOff x="0" y="0"/>
+          <a:chExt cx="0" cy="0"/>
+        </a:xfrm>
+      </p:grpSpPr>
+      <p:sp>
+        <p:nvSpPr>
+          <p:cNvPr id="75" name="Google Shape;75;gac10fef634_0_20:notes"/>
+          <p:cNvSpPr>
+            <a:spLocks noGrp="1" noRot="1" noChangeAspect="1"/>
+          </p:cNvSpPr>
+          <p:nvPr>
+            <p:ph type="sldImg" idx="2"/>
+          </p:nvPr>
+        </p:nvSpPr>
+        <p:spPr>
+          <a:xfrm>
+            <a:off x="381000" y="685800"/>
+            <a:ext cx="6096000" cy="3429000"/>
+          </a:xfrm>
+          <a:custGeom>
+            <a:avLst/>
+            <a:gdLst/>
+            <a:ahLst/>
+            <a:cxnLst/>
+            <a:rect l="l" t="t" r="r" b="b"/>
+            <a:pathLst>
+              <a:path w="120000" h="120000" extrusionOk="0">
+                <a:moveTo>
+                  <a:pt x="0" y="0"/>
+                </a:moveTo>
+                <a:lnTo>
+                  <a:pt x="120000" y="0"/>
+                </a:lnTo>
+                <a:lnTo>
+                  <a:pt x="120000" y="120000"/>
+                </a:lnTo>
+                <a:lnTo>
+                  <a:pt x="0" y="120000"/>
+                </a:lnTo>
+                <a:close/>
+              </a:path>
+            </a:pathLst>
+          </a:custGeom>
+        </p:spPr>
+      </p:sp>
+      <p:sp>
+        <p:nvSpPr>
+          <p:cNvPr id="76" name="Google Shape;76;gac10fef634_0_20:notes"/>
+          <p:cNvSpPr txBox="1">
+            <a:spLocks noGrp="1"/>
+          </p:cNvSpPr>
+          <p:nvPr>
+            <p:ph type="body" idx="1"/>
+          </p:nvPr>
+        </p:nvSpPr>
+        <p:spPr>
+          <a:xfrm>
+            <a:off x="685800" y="4343400"/>
+            <a:ext cx="5486400" cy="4114800"/>
+          </a:xfrm>
+          <a:prstGeom prst="rect">
+            <a:avLst/>
+          </a:prstGeom>
+        </p:spPr>
+        <p:txBody>
+          <a:bodyPr spcFirstLastPara="1" wrap="square" lIns="91425" tIns="91425" rIns="91425" bIns="91425" anchor="t" anchorCtr="0">
+            <a:noAutofit/>
+          </a:bodyPr>
+          <a:lstStyle/>
+          <a:p>
+            <a:pPr marL="0" lvl="0" indent="0" algn="l" rtl="0">
+              <a:spcBef>
+                <a:spcPts val="0"/>
+              </a:spcBef>
+              <a:spcAft>
+                <a:spcPts val="0"/>
+              </a:spcAft>
+              <a:buNone/>
+            </a:pPr>
+            <a:endParaRPr/>
+          </a:p>
+        </p:txBody>
+      </p:sp>
+    </p:spTree>
+    <p:extLst>
+      <p:ext uri="{BB962C8B-B14F-4D97-AF65-F5344CB8AC3E}">
+        <p14:creationId xmlns:p14="http://schemas.microsoft.com/office/powerpoint/2010/main" val="2225728925"/>
+      </p:ext>
+    </p:extLst>
+  </p:cSld>
+  <p:clrMapOvr>
+    <a:masterClrMapping/>
+  </p:clrMapOvr>
+</p:notes>
+</file>
+
+<file path=ppt/notesSlides/notesSlide15.xml><?xml version="1.0" encoding="utf-8"?>
+<p:notes xmlns:a="http://schemas.openxmlformats.org/drawingml/2006/main" xmlns:r="http://schemas.openxmlformats.org/officeDocument/2006/relationships" xmlns:p="http://schemas.openxmlformats.org/presentationml/2006/main" showMasterSp="0" showMasterPhAnim="0">
+  <p:cSld>
+    <p:spTree>
+      <p:nvGrpSpPr>
         <p:cNvPr id="1" name="Shape 80"/>
         <p:cNvGrpSpPr/>
         <p:nvPr/>
@@ -1555,7 +1870,7 @@
 </p:notes>
 </file>
 
-<file path=ppt/notesSlides/notesSlide14.xml><?xml version="1.0" encoding="utf-8"?>
+<file path=ppt/notesSlides/notesSlide16.xml><?xml version="1.0" encoding="utf-8"?>
 <p:notes xmlns:a="http://schemas.openxmlformats.org/drawingml/2006/main" xmlns:r="http://schemas.openxmlformats.org/officeDocument/2006/relationships" xmlns:p="http://schemas.openxmlformats.org/presentationml/2006/main" showMasterSp="0" showMasterPhAnim="0">
   <p:cSld>
     <p:spTree>
@@ -7649,14 +7964,14 @@
           <p:nvPr>
             <p:extLst>
               <p:ext uri="{D42A27DB-BD31-4B8C-83A1-F6EECF244321}">
-                <p14:modId xmlns:p14="http://schemas.microsoft.com/office/powerpoint/2010/main" val="1120046976"/>
+                <p14:modId xmlns:p14="http://schemas.microsoft.com/office/powerpoint/2010/main" val="1167629249"/>
               </p:ext>
             </p:extLst>
           </p:nvPr>
         </p:nvGraphicFramePr>
         <p:xfrm>
           <a:off x="382475" y="1267725"/>
-          <a:ext cx="8520600" cy="914340"/>
+          <a:ext cx="8520600" cy="1462980"/>
         </p:xfrm>
         <a:graphic>
           <a:graphicData uri="http://schemas.openxmlformats.org/drawingml/2006/table">
@@ -7681,7 +7996,7 @@
                   </a:extLst>
                 </a:gridCol>
               </a:tblGrid>
-              <a:tr h="381000">
+              <a:tr h="248718">
                 <a:tc>
                   <a:txBody>
                     <a:bodyPr/>
@@ -7697,10 +8012,10 @@
                         <a:buNone/>
                       </a:pPr>
                       <a:r>
-                        <a:rPr lang="en" sz="1800" b="1"/>
+                        <a:rPr lang="en" sz="1800" b="1" dirty="0"/>
                         <a:t>Test Case</a:t>
                       </a:r>
-                      <a:endParaRPr sz="1800" b="1"/>
+                      <a:endParaRPr sz="1800" b="1" dirty="0"/>
                     </a:p>
                   </a:txBody>
                   <a:tcPr marL="91425" marR="91425" marT="91425" marB="91425">
@@ -7724,10 +8039,10 @@
                         <a:buNone/>
                       </a:pPr>
                       <a:r>
-                        <a:rPr lang="en" sz="1800" b="1"/>
+                        <a:rPr lang="en" sz="1800" b="1" dirty="0"/>
                         <a:t>Expected Values</a:t>
                       </a:r>
-                      <a:endParaRPr sz="1800" b="1"/>
+                      <a:endParaRPr sz="1800" b="1" dirty="0"/>
                     </a:p>
                   </a:txBody>
                   <a:tcPr marL="91425" marR="91425" marT="91425" marB="91425">
@@ -7742,7 +8057,7 @@
                   </a:ext>
                 </a:extLst>
               </a:tr>
-              <a:tr h="396200">
+              <a:tr h="547180">
                 <a:tc>
                   <a:txBody>
                     <a:bodyPr/>
@@ -7757,6 +8072,10 @@
                         </a:spcAft>
                         <a:buNone/>
                       </a:pPr>
+                      <a:r>
+                        <a:rPr lang="en-US" sz="1800" dirty="0"/>
+                        <a:t>Run Program</a:t>
+                      </a:r>
                       <a:endParaRPr sz="1800" dirty="0"/>
                     </a:p>
                   </a:txBody>
@@ -7767,7 +8086,7 @@
                     <a:bodyPr/>
                     <a:lstStyle/>
                     <a:p>
-                      <a:pPr marL="0" lvl="0" indent="0" algn="l" rtl="0">
+                      <a:pPr marL="0" lvl="0" indent="0" algn="l">
                         <a:spcBef>
                           <a:spcPts val="0"/>
                         </a:spcBef>
@@ -7776,7 +8095,16 @@
                         </a:spcAft>
                         <a:buNone/>
                       </a:pPr>
-                      <a:endParaRPr sz="1800" dirty="0"/>
+                      <a:r>
+                        <a:rPr lang="en-NZ" sz="1800" b="0" i="0" u="none" strike="noStrike" noProof="0" dirty="0">
+                          <a:solidFill>
+                            <a:srgbClr val="000000"/>
+                          </a:solidFill>
+                          <a:latin typeface="Arial"/>
+                        </a:rPr>
+                        <a:t>Print welcome message with a randomly generated name – Runs correctly</a:t>
+                      </a:r>
+                      <a:endParaRPr dirty="0"/>
                     </a:p>
                   </a:txBody>
                   <a:tcPr marL="91425" marR="91425" marT="91425" marB="91425"/>
@@ -7791,6 +8119,66 @@
           </a:graphicData>
         </a:graphic>
       </p:graphicFrame>
+      <p:pic>
+        <p:nvPicPr>
+          <p:cNvPr id="2" name="Picture 2" descr="Text&#10;&#10;Description automatically generated">
+            <a:extLst>
+              <a:ext uri="{FF2B5EF4-FFF2-40B4-BE49-F238E27FC236}">
+                <a16:creationId xmlns:a16="http://schemas.microsoft.com/office/drawing/2014/main" id="{9BDDC0F9-6AE4-4EE0-1C40-B0BA8AD63F9A}"/>
+              </a:ext>
+            </a:extLst>
+          </p:cNvPr>
+          <p:cNvPicPr>
+            <a:picLocks noChangeAspect="1"/>
+          </p:cNvPicPr>
+          <p:nvPr/>
+        </p:nvPicPr>
+        <p:blipFill>
+          <a:blip r:embed="rId3"/>
+          <a:stretch>
+            <a:fillRect/>
+          </a:stretch>
+        </p:blipFill>
+        <p:spPr>
+          <a:xfrm>
+            <a:off x="370778" y="2946757"/>
+            <a:ext cx="4199828" cy="1793857"/>
+          </a:xfrm>
+          <a:prstGeom prst="rect">
+            <a:avLst/>
+          </a:prstGeom>
+        </p:spPr>
+      </p:pic>
+      <p:pic>
+        <p:nvPicPr>
+          <p:cNvPr id="3" name="Picture 3" descr="Text&#10;&#10;Description automatically generated">
+            <a:extLst>
+              <a:ext uri="{FF2B5EF4-FFF2-40B4-BE49-F238E27FC236}">
+                <a16:creationId xmlns:a16="http://schemas.microsoft.com/office/drawing/2014/main" id="{C119085B-8D6B-D96A-A128-A62B3C6E9217}"/>
+              </a:ext>
+            </a:extLst>
+          </p:cNvPr>
+          <p:cNvPicPr>
+            <a:picLocks noChangeAspect="1"/>
+          </p:cNvPicPr>
+          <p:nvPr/>
+        </p:nvPicPr>
+        <p:blipFill>
+          <a:blip r:embed="rId4"/>
+          <a:stretch>
+            <a:fillRect/>
+          </a:stretch>
+        </p:blipFill>
+        <p:spPr>
+          <a:xfrm>
+            <a:off x="4573393" y="2809828"/>
+            <a:ext cx="4255584" cy="1991050"/>
+          </a:xfrm>
+          <a:prstGeom prst="rect">
+            <a:avLst/>
+          </a:prstGeom>
+        </p:spPr>
+      </p:pic>
     </p:spTree>
     <p:extLst>
       <p:ext uri="{BB962C8B-B14F-4D97-AF65-F5344CB8AC3E}">
@@ -7864,10 +8252,10 @@
               <a:buNone/>
             </a:pPr>
             <a:r>
-              <a:rPr lang="en" dirty="0"/>
-              <a:t>Component _ Ver. _(Trello screenshot)</a:t>
+              <a:rPr lang="en"/>
+              <a:t>Component 2 Ver. 1(Trello screenshot)</a:t>
             </a:r>
-            <a:endParaRPr dirty="0"/>
+            <a:endParaRPr/>
           </a:p>
         </p:txBody>
       </p:sp>
@@ -8112,6 +8500,301 @@
     </p:bg>
     <p:spTree>
       <p:nvGrpSpPr>
+        <p:cNvPr id="1" name="Shape 72"/>
+        <p:cNvGrpSpPr/>
+        <p:nvPr/>
+      </p:nvGrpSpPr>
+      <p:grpSpPr>
+        <a:xfrm>
+          <a:off x="0" y="0"/>
+          <a:ext cx="0" cy="0"/>
+          <a:chOff x="0" y="0"/>
+          <a:chExt cx="0" cy="0"/>
+        </a:xfrm>
+      </p:grpSpPr>
+      <p:sp>
+        <p:nvSpPr>
+          <p:cNvPr id="73" name="Google Shape;73;p16"/>
+          <p:cNvSpPr txBox="1">
+            <a:spLocks noGrp="1"/>
+          </p:cNvSpPr>
+          <p:nvPr>
+            <p:ph type="title"/>
+          </p:nvPr>
+        </p:nvSpPr>
+        <p:spPr>
+          <a:xfrm>
+            <a:off x="311700" y="445025"/>
+            <a:ext cx="8520600" cy="572700"/>
+          </a:xfrm>
+          <a:prstGeom prst="rect">
+            <a:avLst/>
+          </a:prstGeom>
+        </p:spPr>
+        <p:txBody>
+          <a:bodyPr spcFirstLastPara="1" wrap="square" lIns="91425" tIns="91425" rIns="91425" bIns="91425" anchor="t" anchorCtr="0">
+            <a:noAutofit/>
+          </a:bodyPr>
+          <a:lstStyle/>
+          <a:p>
+            <a:pPr marL="0" lvl="0" indent="0" algn="l" rtl="0">
+              <a:spcBef>
+                <a:spcPts val="0"/>
+              </a:spcBef>
+              <a:spcAft>
+                <a:spcPts val="0"/>
+              </a:spcAft>
+              <a:buNone/>
+            </a:pPr>
+            <a:r>
+              <a:rPr lang="en" dirty="0"/>
+              <a:t>Component _ Ver. _(Trello screenshot)</a:t>
+            </a:r>
+            <a:endParaRPr dirty="0"/>
+          </a:p>
+        </p:txBody>
+      </p:sp>
+    </p:spTree>
+    <p:extLst>
+      <p:ext uri="{BB962C8B-B14F-4D97-AF65-F5344CB8AC3E}">
+        <p14:creationId xmlns:p14="http://schemas.microsoft.com/office/powerpoint/2010/main" val="2125486748"/>
+      </p:ext>
+    </p:extLst>
+  </p:cSld>
+  <p:clrMapOvr>
+    <a:masterClrMapping/>
+  </p:clrMapOvr>
+</p:sld>
+</file>
+
+<file path=ppt/slides/slide14.xml><?xml version="1.0" encoding="utf-8"?>
+<p:sld xmlns:a="http://schemas.openxmlformats.org/drawingml/2006/main" xmlns:r="http://schemas.openxmlformats.org/officeDocument/2006/relationships" xmlns:p="http://schemas.openxmlformats.org/presentationml/2006/main">
+  <p:cSld>
+    <p:spTree>
+      <p:nvGrpSpPr>
+        <p:cNvPr id="1" name="Shape 77"/>
+        <p:cNvGrpSpPr/>
+        <p:nvPr/>
+      </p:nvGrpSpPr>
+      <p:grpSpPr>
+        <a:xfrm>
+          <a:off x="0" y="0"/>
+          <a:ext cx="0" cy="0"/>
+          <a:chOff x="0" y="0"/>
+          <a:chExt cx="0" cy="0"/>
+        </a:xfrm>
+      </p:grpSpPr>
+      <p:sp>
+        <p:nvSpPr>
+          <p:cNvPr id="78" name="Google Shape;78;p17"/>
+          <p:cNvSpPr txBox="1">
+            <a:spLocks noGrp="1"/>
+          </p:cNvSpPr>
+          <p:nvPr>
+            <p:ph type="title"/>
+          </p:nvPr>
+        </p:nvSpPr>
+        <p:spPr>
+          <a:xfrm>
+            <a:off x="311700" y="445025"/>
+            <a:ext cx="8520600" cy="572700"/>
+          </a:xfrm>
+          <a:prstGeom prst="rect">
+            <a:avLst/>
+          </a:prstGeom>
+        </p:spPr>
+        <p:txBody>
+          <a:bodyPr spcFirstLastPara="1" wrap="square" lIns="91425" tIns="91425" rIns="91425" bIns="91425" anchor="t" anchorCtr="0">
+            <a:noAutofit/>
+          </a:bodyPr>
+          <a:lstStyle/>
+          <a:p>
+            <a:pPr marL="0" lvl="0" indent="0" algn="l" rtl="0">
+              <a:spcBef>
+                <a:spcPts val="0"/>
+              </a:spcBef>
+              <a:spcAft>
+                <a:spcPts val="0"/>
+              </a:spcAft>
+              <a:buNone/>
+            </a:pPr>
+            <a:r>
+              <a:rPr lang="en" dirty="0"/>
+              <a:t>Component _ Ver. _ - Test Plan (and screenshot)</a:t>
+            </a:r>
+            <a:endParaRPr dirty="0"/>
+          </a:p>
+        </p:txBody>
+      </p:sp>
+      <p:graphicFrame>
+        <p:nvGraphicFramePr>
+          <p:cNvPr id="79" name="Google Shape;79;p17"/>
+          <p:cNvGraphicFramePr/>
+          <p:nvPr/>
+        </p:nvGraphicFramePr>
+        <p:xfrm>
+          <a:off x="382475" y="1267725"/>
+          <a:ext cx="8520600" cy="914340"/>
+        </p:xfrm>
+        <a:graphic>
+          <a:graphicData uri="http://schemas.openxmlformats.org/drawingml/2006/table">
+            <a:tbl>
+              <a:tblPr>
+                <a:noFill/>
+                <a:tableStyleId>{E1099E06-0E6B-448D-9D27-60429F06E6F4}</a:tableStyleId>
+              </a:tblPr>
+              <a:tblGrid>
+                <a:gridCol w="4196249">
+                  <a:extLst>
+                    <a:ext uri="{9D8B030D-6E8A-4147-A177-3AD203B41FA5}">
+                      <a16:colId xmlns:a16="http://schemas.microsoft.com/office/drawing/2014/main" val="20000"/>
+                    </a:ext>
+                  </a:extLst>
+                </a:gridCol>
+                <a:gridCol w="4324351">
+                  <a:extLst>
+                    <a:ext uri="{9D8B030D-6E8A-4147-A177-3AD203B41FA5}">
+                      <a16:colId xmlns:a16="http://schemas.microsoft.com/office/drawing/2014/main" val="20001"/>
+                    </a:ext>
+                  </a:extLst>
+                </a:gridCol>
+              </a:tblGrid>
+              <a:tr h="381000">
+                <a:tc>
+                  <a:txBody>
+                    <a:bodyPr/>
+                    <a:lstStyle/>
+                    <a:p>
+                      <a:pPr marL="0" lvl="0" indent="0" algn="l" rtl="0">
+                        <a:spcBef>
+                          <a:spcPts val="0"/>
+                        </a:spcBef>
+                        <a:spcAft>
+                          <a:spcPts val="0"/>
+                        </a:spcAft>
+                        <a:buNone/>
+                      </a:pPr>
+                      <a:r>
+                        <a:rPr lang="en" sz="1800" b="1"/>
+                        <a:t>Test Case</a:t>
+                      </a:r>
+                      <a:endParaRPr sz="1800" b="1"/>
+                    </a:p>
+                  </a:txBody>
+                  <a:tcPr marL="91425" marR="91425" marT="91425" marB="91425">
+                    <a:solidFill>
+                      <a:srgbClr val="CCCCCC"/>
+                    </a:solidFill>
+                  </a:tcPr>
+                </a:tc>
+                <a:tc>
+                  <a:txBody>
+                    <a:bodyPr/>
+                    <a:lstStyle/>
+                    <a:p>
+                      <a:pPr marL="0" lvl="0" indent="0" algn="l" rtl="0">
+                        <a:spcBef>
+                          <a:spcPts val="0"/>
+                        </a:spcBef>
+                        <a:spcAft>
+                          <a:spcPts val="0"/>
+                        </a:spcAft>
+                        <a:buNone/>
+                      </a:pPr>
+                      <a:r>
+                        <a:rPr lang="en" sz="1800" b="1"/>
+                        <a:t>Expected Values</a:t>
+                      </a:r>
+                      <a:endParaRPr sz="1800" b="1"/>
+                    </a:p>
+                  </a:txBody>
+                  <a:tcPr marL="91425" marR="91425" marT="91425" marB="91425">
+                    <a:solidFill>
+                      <a:srgbClr val="CCCCCC"/>
+                    </a:solidFill>
+                  </a:tcPr>
+                </a:tc>
+                <a:extLst>
+                  <a:ext uri="{0D108BD9-81ED-4DB2-BD59-A6C34878D82A}">
+                    <a16:rowId xmlns:a16="http://schemas.microsoft.com/office/drawing/2014/main" val="10000"/>
+                  </a:ext>
+                </a:extLst>
+              </a:tr>
+              <a:tr h="396200">
+                <a:tc>
+                  <a:txBody>
+                    <a:bodyPr/>
+                    <a:lstStyle/>
+                    <a:p>
+                      <a:pPr marL="0" lvl="0" indent="0" algn="l" rtl="0">
+                        <a:spcBef>
+                          <a:spcPts val="0"/>
+                        </a:spcBef>
+                        <a:spcAft>
+                          <a:spcPts val="0"/>
+                        </a:spcAft>
+                        <a:buNone/>
+                      </a:pPr>
+                      <a:endParaRPr sz="1800" dirty="0"/>
+                    </a:p>
+                  </a:txBody>
+                  <a:tcPr marL="91425" marR="91425" marT="91425" marB="91425"/>
+                </a:tc>
+                <a:tc>
+                  <a:txBody>
+                    <a:bodyPr/>
+                    <a:lstStyle/>
+                    <a:p>
+                      <a:pPr marL="0" lvl="0" indent="0" algn="l" rtl="0">
+                        <a:spcBef>
+                          <a:spcPts val="0"/>
+                        </a:spcBef>
+                        <a:spcAft>
+                          <a:spcPts val="0"/>
+                        </a:spcAft>
+                        <a:buNone/>
+                      </a:pPr>
+                      <a:endParaRPr sz="1800" dirty="0"/>
+                    </a:p>
+                  </a:txBody>
+                  <a:tcPr marL="91425" marR="91425" marT="91425" marB="91425"/>
+                </a:tc>
+                <a:extLst>
+                  <a:ext uri="{0D108BD9-81ED-4DB2-BD59-A6C34878D82A}">
+                    <a16:rowId xmlns:a16="http://schemas.microsoft.com/office/drawing/2014/main" val="10001"/>
+                  </a:ext>
+                </a:extLst>
+              </a:tr>
+            </a:tbl>
+          </a:graphicData>
+        </a:graphic>
+      </p:graphicFrame>
+    </p:spTree>
+    <p:extLst>
+      <p:ext uri="{BB962C8B-B14F-4D97-AF65-F5344CB8AC3E}">
+        <p14:creationId xmlns:p14="http://schemas.microsoft.com/office/powerpoint/2010/main" val="1744829088"/>
+      </p:ext>
+    </p:extLst>
+  </p:cSld>
+  <p:clrMapOvr>
+    <a:masterClrMapping/>
+  </p:clrMapOvr>
+</p:sld>
+</file>
+
+<file path=ppt/slides/slide15.xml><?xml version="1.0" encoding="utf-8"?>
+<p:sld xmlns:a="http://schemas.openxmlformats.org/drawingml/2006/main" xmlns:r="http://schemas.openxmlformats.org/officeDocument/2006/relationships" xmlns:p="http://schemas.openxmlformats.org/presentationml/2006/main">
+  <p:cSld>
+    <p:bg>
+      <p:bgPr>
+        <a:solidFill>
+          <a:srgbClr val="D9EAD3"/>
+        </a:solidFill>
+        <a:effectLst/>
+      </p:bgPr>
+    </p:bg>
+    <p:spTree>
+      <p:nvGrpSpPr>
         <p:cNvPr id="1" name="Shape 83"/>
         <p:cNvGrpSpPr/>
         <p:nvPr/>
@@ -8220,7 +8903,7 @@
 </p:sld>
 </file>
 
-<file path=ppt/slides/slide14.xml><?xml version="1.0" encoding="utf-8"?>
+<file path=ppt/slides/slide16.xml><?xml version="1.0" encoding="utf-8"?>
 <p:sld xmlns:a="http://schemas.openxmlformats.org/drawingml/2006/main" xmlns:r="http://schemas.openxmlformats.org/officeDocument/2006/relationships" xmlns:p="http://schemas.openxmlformats.org/presentationml/2006/main">
   <p:cSld>
     <p:bg>
@@ -9707,12 +10390,42 @@
             </a:pPr>
             <a:r>
               <a:rPr lang="en" dirty="0"/>
-              <a:t>Component _ Ver. _ (Trello screenshot)</a:t>
+              <a:t>Component 1 Ver. 2 (Trello screenshot)</a:t>
             </a:r>
             <a:endParaRPr dirty="0"/>
           </a:p>
         </p:txBody>
       </p:sp>
+      <p:pic>
+        <p:nvPicPr>
+          <p:cNvPr id="2" name="Picture 2" descr="Graphical user interface, application&#10;&#10;Description automatically generated">
+            <a:extLst>
+              <a:ext uri="{FF2B5EF4-FFF2-40B4-BE49-F238E27FC236}">
+                <a16:creationId xmlns:a16="http://schemas.microsoft.com/office/drawing/2014/main" id="{EA1F0CD1-3449-0507-DE35-16F879065109}"/>
+              </a:ext>
+            </a:extLst>
+          </p:cNvPr>
+          <p:cNvPicPr>
+            <a:picLocks noChangeAspect="1"/>
+          </p:cNvPicPr>
+          <p:nvPr/>
+        </p:nvPicPr>
+        <p:blipFill>
+          <a:blip r:embed="rId3"/>
+          <a:stretch>
+            <a:fillRect/>
+          </a:stretch>
+        </p:blipFill>
+        <p:spPr>
+          <a:xfrm>
+            <a:off x="1248937" y="1332879"/>
+            <a:ext cx="6646126" cy="3341960"/>
+          </a:xfrm>
+          <a:prstGeom prst="rect">
+            <a:avLst/>
+          </a:prstGeom>
+        </p:spPr>
+      </p:pic>
     </p:spTree>
     <p:extLst>
       <p:ext uri="{BB962C8B-B14F-4D97-AF65-F5344CB8AC3E}">
@@ -10289,14 +11002,6 @@
 </file>
 
 <file path=customXml/item1.xml><?xml version="1.0" encoding="utf-8"?>
-<p:properties xmlns:p="http://schemas.microsoft.com/office/2006/metadata/properties" xmlns:xsi="http://www.w3.org/2001/XMLSchema-instance" xmlns:pc="http://schemas.microsoft.com/office/infopath/2007/PartnerControls">
-  <documentManagement>
-    <_activity xmlns="2b310483-19ef-4f1a-8666-427aba7c04f4" xsi:nil="true"/>
-  </documentManagement>
-</p:properties>
-</file>
-
-<file path=customXml/item2.xml><?xml version="1.0" encoding="utf-8"?>
 <ct:contentTypeSchema xmlns:ct="http://schemas.microsoft.com/office/2006/metadata/contentType" xmlns:ma="http://schemas.microsoft.com/office/2006/metadata/properties/metaAttributes" ct:_="" ma:_="" ma:contentTypeName="Document" ma:contentTypeID="0x010100024DC8DFD6C93447A9C11B519434E451" ma:contentTypeVersion="13" ma:contentTypeDescription="Create a new document." ma:contentTypeScope="" ma:versionID="d78c653d52c678877916f644d9003a4b">
   <xsd:schema xmlns:xsd="http://www.w3.org/2001/XMLSchema" xmlns:xs="http://www.w3.org/2001/XMLSchema" xmlns:p="http://schemas.microsoft.com/office/2006/metadata/properties" xmlns:ns3="2b310483-19ef-4f1a-8666-427aba7c04f4" xmlns:ns4="d316a0db-0591-438e-8093-79f3efde1904" targetNamespace="http://schemas.microsoft.com/office/2006/metadata/properties" ma:root="true" ma:fieldsID="b51e56a0bc6a455bf4c7a7bc9489865b" ns3:_="" ns4:_="">
     <xsd:import namespace="2b310483-19ef-4f1a-8666-427aba7c04f4"/>
@@ -10519,6 +11224,14 @@
 </ct:contentTypeSchema>
 </file>
 
+<file path=customXml/item2.xml><?xml version="1.0" encoding="utf-8"?>
+<p:properties xmlns:p="http://schemas.microsoft.com/office/2006/metadata/properties" xmlns:xsi="http://www.w3.org/2001/XMLSchema-instance" xmlns:pc="http://schemas.microsoft.com/office/infopath/2007/PartnerControls">
+  <documentManagement>
+    <_activity xmlns="2b310483-19ef-4f1a-8666-427aba7c04f4" xsi:nil="true"/>
+  </documentManagement>
+</p:properties>
+</file>
+
 <file path=customXml/item3.xml><?xml version="1.0" encoding="utf-8"?>
 <?mso-contentType ?>
 <FormTemplates xmlns="http://schemas.microsoft.com/sharepoint/v3/contenttype/forms">
@@ -10529,23 +11242,6 @@
 </file>
 
 <file path=customXml/itemProps1.xml><?xml version="1.0" encoding="utf-8"?>
-<ds:datastoreItem xmlns:ds="http://schemas.openxmlformats.org/officeDocument/2006/customXml" ds:itemID="{68DCCC3C-0DB3-455E-8505-0D93175A8009}">
-  <ds:schemaRefs>
-    <ds:schemaRef ds:uri="d316a0db-0591-438e-8093-79f3efde1904"/>
-    <ds:schemaRef ds:uri="http://schemas.microsoft.com/office/2006/documentManagement/types"/>
-    <ds:schemaRef ds:uri="2b310483-19ef-4f1a-8666-427aba7c04f4"/>
-    <ds:schemaRef ds:uri="http://www.w3.org/XML/1998/namespace"/>
-    <ds:schemaRef ds:uri="http://purl.org/dc/elements/1.1/"/>
-    <ds:schemaRef ds:uri="http://purl.org/dc/dcmitype/"/>
-    <ds:schemaRef ds:uri="http://purl.org/dc/terms/"/>
-    <ds:schemaRef ds:uri="http://schemas.microsoft.com/office/infopath/2007/PartnerControls"/>
-    <ds:schemaRef ds:uri="http://schemas.openxmlformats.org/package/2006/metadata/core-properties"/>
-    <ds:schemaRef ds:uri="http://schemas.microsoft.com/office/2006/metadata/properties"/>
-  </ds:schemaRefs>
-</ds:datastoreItem>
-</file>
-
-<file path=customXml/itemProps2.xml><?xml version="1.0" encoding="utf-8"?>
 <ds:datastoreItem xmlns:ds="http://schemas.openxmlformats.org/officeDocument/2006/customXml" ds:itemID="{0E32B551-2E7E-4680-9EB8-D0B1C8724946}">
   <ds:schemaRefs>
     <ds:schemaRef ds:uri="http://schemas.microsoft.com/office/2006/metadata/contentType"/>
@@ -10564,6 +11260,23 @@
 </ds:datastoreItem>
 </file>
 
+<file path=customXml/itemProps2.xml><?xml version="1.0" encoding="utf-8"?>
+<ds:datastoreItem xmlns:ds="http://schemas.openxmlformats.org/officeDocument/2006/customXml" ds:itemID="{68DCCC3C-0DB3-455E-8505-0D93175A8009}">
+  <ds:schemaRefs>
+    <ds:schemaRef ds:uri="d316a0db-0591-438e-8093-79f3efde1904"/>
+    <ds:schemaRef ds:uri="http://schemas.microsoft.com/office/2006/documentManagement/types"/>
+    <ds:schemaRef ds:uri="2b310483-19ef-4f1a-8666-427aba7c04f4"/>
+    <ds:schemaRef ds:uri="http://www.w3.org/XML/1998/namespace"/>
+    <ds:schemaRef ds:uri="http://purl.org/dc/elements/1.1/"/>
+    <ds:schemaRef ds:uri="http://purl.org/dc/dcmitype/"/>
+    <ds:schemaRef ds:uri="http://purl.org/dc/terms/"/>
+    <ds:schemaRef ds:uri="http://schemas.microsoft.com/office/infopath/2007/PartnerControls"/>
+    <ds:schemaRef ds:uri="http://schemas.openxmlformats.org/package/2006/metadata/core-properties"/>
+    <ds:schemaRef ds:uri="http://schemas.microsoft.com/office/2006/metadata/properties"/>
+  </ds:schemaRefs>
+</ds:datastoreItem>
+</file>
+
 <file path=customXml/itemProps3.xml><?xml version="1.0" encoding="utf-8"?>
 <ds:datastoreItem xmlns:ds="http://schemas.openxmlformats.org/officeDocument/2006/customXml" ds:itemID="{9B757C8B-782F-4BDF-9F90-4601D3A0F6AF}">
   <ds:schemaRefs>

--- a/pizzapowerpoint.pptx
+++ b/pizzapowerpoint.pptx
@@ -5,7 +5,7 @@
     <p:sldMasterId id="2147483659" r:id="rId4"/>
   </p:sldMasterIdLst>
   <p:notesMasterIdLst>
-    <p:notesMasterId r:id="rId21"/>
+    <p:notesMasterId r:id="rId23"/>
   </p:notesMasterIdLst>
   <p:sldIdLst>
     <p:sldId id="256" r:id="rId5"/>
@@ -22,8 +22,10 @@
     <p:sldId id="269" r:id="rId16"/>
     <p:sldId id="270" r:id="rId17"/>
     <p:sldId id="271" r:id="rId18"/>
-    <p:sldId id="261" r:id="rId19"/>
-    <p:sldId id="262" r:id="rId20"/>
+    <p:sldId id="273" r:id="rId19"/>
+    <p:sldId id="272" r:id="rId20"/>
+    <p:sldId id="261" r:id="rId21"/>
+    <p:sldId id="262" r:id="rId22"/>
   </p:sldIdLst>
   <p:sldSz cx="9144000" cy="5143500" type="screen16x9"/>
   <p:notesSz cx="6858000" cy="9144000"/>
@@ -279,6 +281,8 @@
             <p14:sldId id="269"/>
             <p14:sldId id="270"/>
             <p14:sldId id="271"/>
+            <p14:sldId id="273"/>
+            <p14:sldId id="272"/>
           </p14:sldIdLst>
         </p14:section>
         <p14:section name="endbit" id="{C87F78D7-C127-418A-B7F3-358C78397AC6}">
@@ -311,6 +315,7 @@
 <p1510:revInfo xmlns:a="http://schemas.openxmlformats.org/drawingml/2006/main" xmlns:r="http://schemas.openxmlformats.org/officeDocument/2006/relationships" xmlns:p1510="http://schemas.microsoft.com/office/powerpoint/2015/10/main">
   <p1510:revLst>
     <p1510:client id="{144C3C78-124B-466C-8FE1-23FD5A90EFF3}" v="4" dt="2023-05-17T09:43:57.921"/>
+    <p1510:client id="{2C50332A-7737-936E-7DA5-FCEB92BAE891}" v="557" dt="2023-05-17T21:21:07.673"/>
     <p1510:client id="{6E88F79A-04E8-2644-5D52-BBE8D04264AC}" v="8" dt="2023-05-17T09:17:16.146"/>
     <p1510:client id="{DC01E7D0-ECC4-24C5-E5BE-DE2A9FB64150}" v="54" dt="2023-05-17T10:21:52.792"/>
   </p1510:revLst>
@@ -652,6 +657,130 @@
       </pc:sldChg>
     </pc:docChg>
   </pc:docChgLst>
+  <pc:docChgLst>
+    <pc:chgData name="Eardwulf Ulan" userId="S::18111@my.sanctamaria.school.nz::22607890-71d4-4bf2-b097-b426e6c19788" providerId="AD" clId="Web-{2C50332A-7737-936E-7DA5-FCEB92BAE891}"/>
+    <pc:docChg chg="addSld modSld sldOrd modSection">
+      <pc:chgData name="Eardwulf Ulan" userId="S::18111@my.sanctamaria.school.nz::22607890-71d4-4bf2-b097-b426e6c19788" providerId="AD" clId="Web-{2C50332A-7737-936E-7DA5-FCEB92BAE891}" dt="2023-05-17T21:21:07.673" v="505"/>
+      <pc:docMkLst>
+        <pc:docMk/>
+      </pc:docMkLst>
+      <pc:sldChg chg="modSp">
+        <pc:chgData name="Eardwulf Ulan" userId="S::18111@my.sanctamaria.school.nz::22607890-71d4-4bf2-b097-b426e6c19788" providerId="AD" clId="Web-{2C50332A-7737-936E-7DA5-FCEB92BAE891}" dt="2023-05-17T20:57:07.981" v="1" actId="20577"/>
+        <pc:sldMkLst>
+          <pc:docMk/>
+          <pc:sldMk cId="3048879607" sldId="266"/>
+        </pc:sldMkLst>
+        <pc:spChg chg="mod">
+          <ac:chgData name="Eardwulf Ulan" userId="S::18111@my.sanctamaria.school.nz::22607890-71d4-4bf2-b097-b426e6c19788" providerId="AD" clId="Web-{2C50332A-7737-936E-7DA5-FCEB92BAE891}" dt="2023-05-17T20:57:07.981" v="1" actId="20577"/>
+          <ac:spMkLst>
+            <pc:docMk/>
+            <pc:sldMk cId="3048879607" sldId="266"/>
+            <ac:spMk id="78" creationId="{00000000-0000-0000-0000-000000000000}"/>
+          </ac:spMkLst>
+        </pc:spChg>
+      </pc:sldChg>
+      <pc:sldChg chg="addSp modSp">
+        <pc:chgData name="Eardwulf Ulan" userId="S::18111@my.sanctamaria.school.nz::22607890-71d4-4bf2-b097-b426e6c19788" providerId="AD" clId="Web-{2C50332A-7737-936E-7DA5-FCEB92BAE891}" dt="2023-05-17T21:10:58.394" v="9" actId="1076"/>
+        <pc:sldMkLst>
+          <pc:docMk/>
+          <pc:sldMk cId="638340319" sldId="268"/>
+        </pc:sldMkLst>
+        <pc:picChg chg="add mod">
+          <ac:chgData name="Eardwulf Ulan" userId="S::18111@my.sanctamaria.school.nz::22607890-71d4-4bf2-b097-b426e6c19788" providerId="AD" clId="Web-{2C50332A-7737-936E-7DA5-FCEB92BAE891}" dt="2023-05-17T21:10:58.394" v="9" actId="1076"/>
+          <ac:picMkLst>
+            <pc:docMk/>
+            <pc:sldMk cId="638340319" sldId="268"/>
+            <ac:picMk id="2" creationId="{B1443EFB-72BC-F7B0-9F95-C29001429DB9}"/>
+          </ac:picMkLst>
+        </pc:picChg>
+      </pc:sldChg>
+      <pc:sldChg chg="addSp delSp modSp">
+        <pc:chgData name="Eardwulf Ulan" userId="S::18111@my.sanctamaria.school.nz::22607890-71d4-4bf2-b097-b426e6c19788" providerId="AD" clId="Web-{2C50332A-7737-936E-7DA5-FCEB92BAE891}" dt="2023-05-17T21:20:36.704" v="502" actId="20577"/>
+        <pc:sldMkLst>
+          <pc:docMk/>
+          <pc:sldMk cId="1713692142" sldId="269"/>
+        </pc:sldMkLst>
+        <pc:spChg chg="add mod">
+          <ac:chgData name="Eardwulf Ulan" userId="S::18111@my.sanctamaria.school.nz::22607890-71d4-4bf2-b097-b426e6c19788" providerId="AD" clId="Web-{2C50332A-7737-936E-7DA5-FCEB92BAE891}" dt="2023-05-17T21:20:28.016" v="496" actId="1076"/>
+          <ac:spMkLst>
+            <pc:docMk/>
+            <pc:sldMk cId="1713692142" sldId="269"/>
+            <ac:spMk id="6" creationId="{97808C3A-1741-09D6-6104-4E93834E6011}"/>
+          </ac:spMkLst>
+        </pc:spChg>
+        <pc:spChg chg="add mod">
+          <ac:chgData name="Eardwulf Ulan" userId="S::18111@my.sanctamaria.school.nz::22607890-71d4-4bf2-b097-b426e6c19788" providerId="AD" clId="Web-{2C50332A-7737-936E-7DA5-FCEB92BAE891}" dt="2023-05-17T21:20:36.704" v="502" actId="20577"/>
+          <ac:spMkLst>
+            <pc:docMk/>
+            <pc:sldMk cId="1713692142" sldId="269"/>
+            <ac:spMk id="7" creationId="{34D878B3-2023-B9B9-F40E-9D5B33EF81B6}"/>
+          </ac:spMkLst>
+        </pc:spChg>
+        <pc:spChg chg="mod">
+          <ac:chgData name="Eardwulf Ulan" userId="S::18111@my.sanctamaria.school.nz::22607890-71d4-4bf2-b097-b426e6c19788" providerId="AD" clId="Web-{2C50332A-7737-936E-7DA5-FCEB92BAE891}" dt="2023-05-17T21:10:39.675" v="4" actId="20577"/>
+          <ac:spMkLst>
+            <pc:docMk/>
+            <pc:sldMk cId="1713692142" sldId="269"/>
+            <ac:spMk id="78" creationId="{00000000-0000-0000-0000-000000000000}"/>
+          </ac:spMkLst>
+        </pc:spChg>
+        <pc:graphicFrameChg chg="mod modGraphic">
+          <ac:chgData name="Eardwulf Ulan" userId="S::18111@my.sanctamaria.school.nz::22607890-71d4-4bf2-b097-b426e6c19788" providerId="AD" clId="Web-{2C50332A-7737-936E-7DA5-FCEB92BAE891}" dt="2023-05-17T21:15:54.323" v="435"/>
+          <ac:graphicFrameMkLst>
+            <pc:docMk/>
+            <pc:sldMk cId="1713692142" sldId="269"/>
+            <ac:graphicFrameMk id="79" creationId="{00000000-0000-0000-0000-000000000000}"/>
+          </ac:graphicFrameMkLst>
+        </pc:graphicFrameChg>
+        <pc:picChg chg="add mod">
+          <ac:chgData name="Eardwulf Ulan" userId="S::18111@my.sanctamaria.school.nz::22607890-71d4-4bf2-b097-b426e6c19788" providerId="AD" clId="Web-{2C50332A-7737-936E-7DA5-FCEB92BAE891}" dt="2023-05-17T21:18:22.795" v="456" actId="1076"/>
+          <ac:picMkLst>
+            <pc:docMk/>
+            <pc:sldMk cId="1713692142" sldId="269"/>
+            <ac:picMk id="2" creationId="{7FE463BF-0764-D10B-9DB1-F4F5D805E425}"/>
+          </ac:picMkLst>
+        </pc:picChg>
+        <pc:picChg chg="add del mod">
+          <ac:chgData name="Eardwulf Ulan" userId="S::18111@my.sanctamaria.school.nz::22607890-71d4-4bf2-b097-b426e6c19788" providerId="AD" clId="Web-{2C50332A-7737-936E-7DA5-FCEB92BAE891}" dt="2023-05-17T21:17:11.371" v="444"/>
+          <ac:picMkLst>
+            <pc:docMk/>
+            <pc:sldMk cId="1713692142" sldId="269"/>
+            <ac:picMk id="3" creationId="{4DE2E80E-7366-0F76-DAD9-B949AF7F1B09}"/>
+          </ac:picMkLst>
+        </pc:picChg>
+        <pc:picChg chg="add mod">
+          <ac:chgData name="Eardwulf Ulan" userId="S::18111@my.sanctamaria.school.nz::22607890-71d4-4bf2-b097-b426e6c19788" providerId="AD" clId="Web-{2C50332A-7737-936E-7DA5-FCEB92BAE891}" dt="2023-05-17T21:18:16.044" v="455" actId="1076"/>
+          <ac:picMkLst>
+            <pc:docMk/>
+            <pc:sldMk cId="1713692142" sldId="269"/>
+            <ac:picMk id="4" creationId="{C5B50C23-5A00-9F10-292F-DE572E9993C8}"/>
+          </ac:picMkLst>
+        </pc:picChg>
+        <pc:picChg chg="add mod">
+          <ac:chgData name="Eardwulf Ulan" userId="S::18111@my.sanctamaria.school.nz::22607890-71d4-4bf2-b097-b426e6c19788" providerId="AD" clId="Web-{2C50332A-7737-936E-7DA5-FCEB92BAE891}" dt="2023-05-17T21:18:02.513" v="451" actId="1076"/>
+          <ac:picMkLst>
+            <pc:docMk/>
+            <pc:sldMk cId="1713692142" sldId="269"/>
+            <ac:picMk id="5" creationId="{7047F815-E48A-DE96-37FC-91BEA9EBE2C6}"/>
+          </ac:picMkLst>
+        </pc:picChg>
+      </pc:sldChg>
+      <pc:sldChg chg="add replId">
+        <pc:chgData name="Eardwulf Ulan" userId="S::18111@my.sanctamaria.school.nz::22607890-71d4-4bf2-b097-b426e6c19788" providerId="AD" clId="Web-{2C50332A-7737-936E-7DA5-FCEB92BAE891}" dt="2023-05-17T21:21:01.470" v="503"/>
+        <pc:sldMkLst>
+          <pc:docMk/>
+          <pc:sldMk cId="1649247326" sldId="272"/>
+        </pc:sldMkLst>
+      </pc:sldChg>
+      <pc:sldChg chg="add ord replId">
+        <pc:chgData name="Eardwulf Ulan" userId="S::18111@my.sanctamaria.school.nz::22607890-71d4-4bf2-b097-b426e6c19788" providerId="AD" clId="Web-{2C50332A-7737-936E-7DA5-FCEB92BAE891}" dt="2023-05-17T21:21:07.673" v="505"/>
+        <pc:sldMkLst>
+          <pc:docMk/>
+          <pc:sldMk cId="4142443043" sldId="273"/>
+        </pc:sldMkLst>
+      </pc:sldChg>
+    </pc:docChg>
+  </pc:docChgLst>
 </pc:chgInfo>
 </file>
 
@@ -1750,6 +1879,224 @@
   <p:cSld>
     <p:spTree>
       <p:nvGrpSpPr>
+        <p:cNvPr id="1" name="Shape 69"/>
+        <p:cNvGrpSpPr/>
+        <p:nvPr/>
+      </p:nvGrpSpPr>
+      <p:grpSpPr>
+        <a:xfrm>
+          <a:off x="0" y="0"/>
+          <a:ext cx="0" cy="0"/>
+          <a:chOff x="0" y="0"/>
+          <a:chExt cx="0" cy="0"/>
+        </a:xfrm>
+      </p:grpSpPr>
+      <p:sp>
+        <p:nvSpPr>
+          <p:cNvPr id="70" name="Google Shape;70;gac10fef634_0_16:notes"/>
+          <p:cNvSpPr>
+            <a:spLocks noGrp="1" noRot="1" noChangeAspect="1"/>
+          </p:cNvSpPr>
+          <p:nvPr>
+            <p:ph type="sldImg" idx="2"/>
+          </p:nvPr>
+        </p:nvSpPr>
+        <p:spPr>
+          <a:xfrm>
+            <a:off x="381000" y="685800"/>
+            <a:ext cx="6096000" cy="3429000"/>
+          </a:xfrm>
+          <a:custGeom>
+            <a:avLst/>
+            <a:gdLst/>
+            <a:ahLst/>
+            <a:cxnLst/>
+            <a:rect l="l" t="t" r="r" b="b"/>
+            <a:pathLst>
+              <a:path w="120000" h="120000" extrusionOk="0">
+                <a:moveTo>
+                  <a:pt x="0" y="0"/>
+                </a:moveTo>
+                <a:lnTo>
+                  <a:pt x="120000" y="0"/>
+                </a:lnTo>
+                <a:lnTo>
+                  <a:pt x="120000" y="120000"/>
+                </a:lnTo>
+                <a:lnTo>
+                  <a:pt x="0" y="120000"/>
+                </a:lnTo>
+                <a:close/>
+              </a:path>
+            </a:pathLst>
+          </a:custGeom>
+        </p:spPr>
+      </p:sp>
+      <p:sp>
+        <p:nvSpPr>
+          <p:cNvPr id="71" name="Google Shape;71;gac10fef634_0_16:notes"/>
+          <p:cNvSpPr txBox="1">
+            <a:spLocks noGrp="1"/>
+          </p:cNvSpPr>
+          <p:nvPr>
+            <p:ph type="body" idx="1"/>
+          </p:nvPr>
+        </p:nvSpPr>
+        <p:spPr>
+          <a:xfrm>
+            <a:off x="685800" y="4343400"/>
+            <a:ext cx="5486400" cy="4114800"/>
+          </a:xfrm>
+          <a:prstGeom prst="rect">
+            <a:avLst/>
+          </a:prstGeom>
+        </p:spPr>
+        <p:txBody>
+          <a:bodyPr spcFirstLastPara="1" wrap="square" lIns="91425" tIns="91425" rIns="91425" bIns="91425" anchor="t" anchorCtr="0">
+            <a:noAutofit/>
+          </a:bodyPr>
+          <a:lstStyle/>
+          <a:p>
+            <a:pPr marL="0" lvl="0" indent="0" algn="l" rtl="0">
+              <a:spcBef>
+                <a:spcPts val="0"/>
+              </a:spcBef>
+              <a:spcAft>
+                <a:spcPts val="0"/>
+              </a:spcAft>
+              <a:buNone/>
+            </a:pPr>
+            <a:endParaRPr/>
+          </a:p>
+        </p:txBody>
+      </p:sp>
+    </p:spTree>
+    <p:extLst>
+      <p:ext uri="{BB962C8B-B14F-4D97-AF65-F5344CB8AC3E}">
+        <p14:creationId xmlns:p14="http://schemas.microsoft.com/office/powerpoint/2010/main" val="2465957247"/>
+      </p:ext>
+    </p:extLst>
+  </p:cSld>
+  <p:clrMapOvr>
+    <a:masterClrMapping/>
+  </p:clrMapOvr>
+</p:notes>
+</file>
+
+<file path=ppt/notesSlides/notesSlide16.xml><?xml version="1.0" encoding="utf-8"?>
+<p:notes xmlns:a="http://schemas.openxmlformats.org/drawingml/2006/main" xmlns:r="http://schemas.openxmlformats.org/officeDocument/2006/relationships" xmlns:p="http://schemas.openxmlformats.org/presentationml/2006/main" showMasterSp="0" showMasterPhAnim="0">
+  <p:cSld>
+    <p:spTree>
+      <p:nvGrpSpPr>
+        <p:cNvPr id="1" name="Shape 74"/>
+        <p:cNvGrpSpPr/>
+        <p:nvPr/>
+      </p:nvGrpSpPr>
+      <p:grpSpPr>
+        <a:xfrm>
+          <a:off x="0" y="0"/>
+          <a:ext cx="0" cy="0"/>
+          <a:chOff x="0" y="0"/>
+          <a:chExt cx="0" cy="0"/>
+        </a:xfrm>
+      </p:grpSpPr>
+      <p:sp>
+        <p:nvSpPr>
+          <p:cNvPr id="75" name="Google Shape;75;gac10fef634_0_20:notes"/>
+          <p:cNvSpPr>
+            <a:spLocks noGrp="1" noRot="1" noChangeAspect="1"/>
+          </p:cNvSpPr>
+          <p:nvPr>
+            <p:ph type="sldImg" idx="2"/>
+          </p:nvPr>
+        </p:nvSpPr>
+        <p:spPr>
+          <a:xfrm>
+            <a:off x="381000" y="685800"/>
+            <a:ext cx="6096000" cy="3429000"/>
+          </a:xfrm>
+          <a:custGeom>
+            <a:avLst/>
+            <a:gdLst/>
+            <a:ahLst/>
+            <a:cxnLst/>
+            <a:rect l="l" t="t" r="r" b="b"/>
+            <a:pathLst>
+              <a:path w="120000" h="120000" extrusionOk="0">
+                <a:moveTo>
+                  <a:pt x="0" y="0"/>
+                </a:moveTo>
+                <a:lnTo>
+                  <a:pt x="120000" y="0"/>
+                </a:lnTo>
+                <a:lnTo>
+                  <a:pt x="120000" y="120000"/>
+                </a:lnTo>
+                <a:lnTo>
+                  <a:pt x="0" y="120000"/>
+                </a:lnTo>
+                <a:close/>
+              </a:path>
+            </a:pathLst>
+          </a:custGeom>
+        </p:spPr>
+      </p:sp>
+      <p:sp>
+        <p:nvSpPr>
+          <p:cNvPr id="76" name="Google Shape;76;gac10fef634_0_20:notes"/>
+          <p:cNvSpPr txBox="1">
+            <a:spLocks noGrp="1"/>
+          </p:cNvSpPr>
+          <p:nvPr>
+            <p:ph type="body" idx="1"/>
+          </p:nvPr>
+        </p:nvSpPr>
+        <p:spPr>
+          <a:xfrm>
+            <a:off x="685800" y="4343400"/>
+            <a:ext cx="5486400" cy="4114800"/>
+          </a:xfrm>
+          <a:prstGeom prst="rect">
+            <a:avLst/>
+          </a:prstGeom>
+        </p:spPr>
+        <p:txBody>
+          <a:bodyPr spcFirstLastPara="1" wrap="square" lIns="91425" tIns="91425" rIns="91425" bIns="91425" anchor="t" anchorCtr="0">
+            <a:noAutofit/>
+          </a:bodyPr>
+          <a:lstStyle/>
+          <a:p>
+            <a:pPr marL="0" lvl="0" indent="0" algn="l" rtl="0">
+              <a:spcBef>
+                <a:spcPts val="0"/>
+              </a:spcBef>
+              <a:spcAft>
+                <a:spcPts val="0"/>
+              </a:spcAft>
+              <a:buNone/>
+            </a:pPr>
+            <a:endParaRPr/>
+          </a:p>
+        </p:txBody>
+      </p:sp>
+    </p:spTree>
+    <p:extLst>
+      <p:ext uri="{BB962C8B-B14F-4D97-AF65-F5344CB8AC3E}">
+        <p14:creationId xmlns:p14="http://schemas.microsoft.com/office/powerpoint/2010/main" val="1197454016"/>
+      </p:ext>
+    </p:extLst>
+  </p:cSld>
+  <p:clrMapOvr>
+    <a:masterClrMapping/>
+  </p:clrMapOvr>
+</p:notes>
+</file>
+
+<file path=ppt/notesSlides/notesSlide17.xml><?xml version="1.0" encoding="utf-8"?>
+<p:notes xmlns:a="http://schemas.openxmlformats.org/drawingml/2006/main" xmlns:r="http://schemas.openxmlformats.org/officeDocument/2006/relationships" xmlns:p="http://schemas.openxmlformats.org/presentationml/2006/main" showMasterSp="0" showMasterPhAnim="0">
+  <p:cSld>
+    <p:spTree>
+      <p:nvGrpSpPr>
         <p:cNvPr id="1" name="Shape 80"/>
         <p:cNvGrpSpPr/>
         <p:nvPr/>
@@ -1870,7 +2217,7 @@
 </p:notes>
 </file>
 
-<file path=ppt/notesSlides/notesSlide16.xml><?xml version="1.0" encoding="utf-8"?>
+<file path=ppt/notesSlides/notesSlide18.xml><?xml version="1.0" encoding="utf-8"?>
 <p:notes xmlns:a="http://schemas.openxmlformats.org/drawingml/2006/main" xmlns:r="http://schemas.openxmlformats.org/officeDocument/2006/relationships" xmlns:p="http://schemas.openxmlformats.org/presentationml/2006/main" showMasterSp="0" showMasterPhAnim="0">
   <p:cSld>
     <p:spTree>
@@ -7951,7 +8298,7 @@
             </a:pPr>
             <a:r>
               <a:rPr lang="en" dirty="0"/>
-              <a:t>Component _ Ver. _ - Test Plan (and screenshot)</a:t>
+              <a:t>Component 1 Ver. 2 - Test Plan (and screenshot)</a:t>
             </a:r>
             <a:endParaRPr dirty="0"/>
           </a:p>
@@ -8259,6 +8606,36 @@
           </a:p>
         </p:txBody>
       </p:sp>
+      <p:pic>
+        <p:nvPicPr>
+          <p:cNvPr id="2" name="Picture 2" descr="Graphical user interface, application&#10;&#10;Description automatically generated">
+            <a:extLst>
+              <a:ext uri="{FF2B5EF4-FFF2-40B4-BE49-F238E27FC236}">
+                <a16:creationId xmlns:a16="http://schemas.microsoft.com/office/drawing/2014/main" id="{B1443EFB-72BC-F7B0-9F95-C29001429DB9}"/>
+              </a:ext>
+            </a:extLst>
+          </p:cNvPr>
+          <p:cNvPicPr>
+            <a:picLocks noChangeAspect="1"/>
+          </p:cNvPicPr>
+          <p:nvPr/>
+        </p:nvPicPr>
+        <p:blipFill>
+          <a:blip r:embed="rId3"/>
+          <a:stretch>
+            <a:fillRect/>
+          </a:stretch>
+        </p:blipFill>
+        <p:spPr>
+          <a:xfrm>
+            <a:off x="2542309" y="1160647"/>
+            <a:ext cx="4068040" cy="3800684"/>
+          </a:xfrm>
+          <a:prstGeom prst="rect">
+            <a:avLst/>
+          </a:prstGeom>
+        </p:spPr>
+      </p:pic>
     </p:spTree>
     <p:extLst>
       <p:ext uri="{BB962C8B-B14F-4D97-AF65-F5344CB8AC3E}">
@@ -8325,7 +8702,7 @@
             </a:pPr>
             <a:r>
               <a:rPr lang="en" dirty="0"/>
-              <a:t>Component _ Ver. _ - Test Plan (and screenshot)</a:t>
+              <a:t>Component 2 Ver. 1 - Test Plan (and screenshot)</a:t>
             </a:r>
             <a:endParaRPr dirty="0"/>
           </a:p>
@@ -8335,11 +8712,17 @@
         <p:nvGraphicFramePr>
           <p:cNvPr id="79" name="Google Shape;79;p17"/>
           <p:cNvGraphicFramePr/>
-          <p:nvPr/>
+          <p:nvPr>
+            <p:extLst>
+              <p:ext uri="{D42A27DB-BD31-4B8C-83A1-F6EECF244321}">
+                <p14:modId xmlns:p14="http://schemas.microsoft.com/office/powerpoint/2010/main" val="1639687672"/>
+              </p:ext>
+            </p:extLst>
+          </p:nvPr>
         </p:nvGraphicFramePr>
         <p:xfrm>
           <a:off x="382475" y="1267725"/>
-          <a:ext cx="8520600" cy="914340"/>
+          <a:ext cx="8520600" cy="2011620"/>
         </p:xfrm>
         <a:graphic>
           <a:graphicData uri="http://schemas.openxmlformats.org/drawingml/2006/table">
@@ -8380,10 +8763,10 @@
                         <a:buNone/>
                       </a:pPr>
                       <a:r>
-                        <a:rPr lang="en" sz="1800" b="1"/>
+                        <a:rPr lang="en" sz="1800" b="1" dirty="0"/>
                         <a:t>Test Case</a:t>
                       </a:r>
-                      <a:endParaRPr sz="1800" b="1"/>
+                      <a:endParaRPr sz="1800" b="1" dirty="0"/>
                     </a:p>
                   </a:txBody>
                   <a:tcPr marL="91425" marR="91425" marT="91425" marB="91425">
@@ -8407,10 +8790,10 @@
                         <a:buNone/>
                       </a:pPr>
                       <a:r>
-                        <a:rPr lang="en" sz="1800" b="1"/>
+                        <a:rPr lang="en" sz="1800" b="1" dirty="0"/>
                         <a:t>Expected Values</a:t>
                       </a:r>
-                      <a:endParaRPr sz="1800" b="1"/>
+                      <a:endParaRPr sz="1800" b="1" dirty="0"/>
                     </a:p>
                   </a:txBody>
                   <a:tcPr marL="91425" marR="91425" marT="91425" marB="91425">
@@ -8440,6 +8823,10 @@
                         </a:spcAft>
                         <a:buNone/>
                       </a:pPr>
+                      <a:r>
+                        <a:rPr lang="en-US" sz="1800" dirty="0"/>
+                        <a:t>Run program</a:t>
+                      </a:r>
                       <a:endParaRPr sz="1800" dirty="0"/>
                     </a:p>
                   </a:txBody>
@@ -8459,7 +8846,40 @@
                         </a:spcAft>
                         <a:buNone/>
                       </a:pPr>
-                      <a:endParaRPr sz="1800" dirty="0"/>
+                      <a:r>
+                        <a:rPr lang="en-US" sz="1800" dirty="0"/>
+                        <a:t>If "p" was entered , print "Pickup!".</a:t>
+                      </a:r>
+                    </a:p>
+                    <a:p>
+                      <a:pPr marL="0" lvl="0" indent="0" algn="l">
+                        <a:spcBef>
+                          <a:spcPts val="0"/>
+                        </a:spcBef>
+                        <a:spcAft>
+                          <a:spcPts val="0"/>
+                        </a:spcAft>
+                        <a:buNone/>
+                      </a:pPr>
+                      <a:r>
+                        <a:rPr lang="en-US" sz="1800" dirty="0"/>
+                        <a:t>If "d" was entered, print "Delivery!".</a:t>
+                      </a:r>
+                    </a:p>
+                    <a:p>
+                      <a:pPr marL="0" lvl="0" indent="0" algn="l">
+                        <a:spcBef>
+                          <a:spcPts val="0"/>
+                        </a:spcBef>
+                        <a:spcAft>
+                          <a:spcPts val="0"/>
+                        </a:spcAft>
+                        <a:buNone/>
+                      </a:pPr>
+                      <a:r>
+                        <a:rPr lang="en-US" sz="1800" dirty="0"/>
+                        <a:t>If an unexpected value was selected, print "Invalid response" and allow the user to try again.</a:t>
+                      </a:r>
                     </a:p>
                   </a:txBody>
                   <a:tcPr marL="91425" marR="91425" marT="91425" marB="91425"/>
@@ -8474,6 +8894,189 @@
           </a:graphicData>
         </a:graphic>
       </p:graphicFrame>
+      <p:pic>
+        <p:nvPicPr>
+          <p:cNvPr id="2" name="Picture 2" descr="Text&#10;&#10;Description automatically generated">
+            <a:extLst>
+              <a:ext uri="{FF2B5EF4-FFF2-40B4-BE49-F238E27FC236}">
+                <a16:creationId xmlns:a16="http://schemas.microsoft.com/office/drawing/2014/main" id="{7FE463BF-0764-D10B-9DB1-F4F5D805E425}"/>
+              </a:ext>
+            </a:extLst>
+          </p:cNvPr>
+          <p:cNvPicPr>
+            <a:picLocks noChangeAspect="1"/>
+          </p:cNvPicPr>
+          <p:nvPr/>
+        </p:nvPicPr>
+        <p:blipFill>
+          <a:blip r:embed="rId3"/>
+          <a:stretch>
+            <a:fillRect/>
+          </a:stretch>
+        </p:blipFill>
+        <p:spPr>
+          <a:xfrm>
+            <a:off x="814820" y="2874698"/>
+            <a:ext cx="3418609" cy="2218699"/>
+          </a:xfrm>
+          <a:prstGeom prst="rect">
+            <a:avLst/>
+          </a:prstGeom>
+        </p:spPr>
+      </p:pic>
+      <p:pic>
+        <p:nvPicPr>
+          <p:cNvPr id="4" name="Picture 4" descr="Text&#10;&#10;Description automatically generated">
+            <a:extLst>
+              <a:ext uri="{FF2B5EF4-FFF2-40B4-BE49-F238E27FC236}">
+                <a16:creationId xmlns:a16="http://schemas.microsoft.com/office/drawing/2014/main" id="{C5B50C23-5A00-9F10-292F-DE572E9993C8}"/>
+              </a:ext>
+            </a:extLst>
+          </p:cNvPr>
+          <p:cNvPicPr>
+            <a:picLocks noChangeAspect="1"/>
+          </p:cNvPicPr>
+          <p:nvPr/>
+        </p:nvPicPr>
+        <p:blipFill>
+          <a:blip r:embed="rId4"/>
+          <a:stretch>
+            <a:fillRect/>
+          </a:stretch>
+        </p:blipFill>
+        <p:spPr>
+          <a:xfrm>
+            <a:off x="5429250" y="3354686"/>
+            <a:ext cx="2743200" cy="872528"/>
+          </a:xfrm>
+          <a:prstGeom prst="rect">
+            <a:avLst/>
+          </a:prstGeom>
+        </p:spPr>
+      </p:pic>
+      <p:pic>
+        <p:nvPicPr>
+          <p:cNvPr id="5" name="Picture 5" descr="Text&#10;&#10;Description automatically generated">
+            <a:extLst>
+              <a:ext uri="{FF2B5EF4-FFF2-40B4-BE49-F238E27FC236}">
+                <a16:creationId xmlns:a16="http://schemas.microsoft.com/office/drawing/2014/main" id="{7047F815-E48A-DE96-37FC-91BEA9EBE2C6}"/>
+              </a:ext>
+            </a:extLst>
+          </p:cNvPr>
+          <p:cNvPicPr>
+            <a:picLocks noChangeAspect="1"/>
+          </p:cNvPicPr>
+          <p:nvPr/>
+        </p:nvPicPr>
+        <p:blipFill>
+          <a:blip r:embed="rId5"/>
+          <a:stretch>
+            <a:fillRect/>
+          </a:stretch>
+        </p:blipFill>
+        <p:spPr>
+          <a:xfrm>
+            <a:off x="5429250" y="4314672"/>
+            <a:ext cx="2743200" cy="781355"/>
+          </a:xfrm>
+          <a:prstGeom prst="rect">
+            <a:avLst/>
+          </a:prstGeom>
+        </p:spPr>
+      </p:pic>
+      <p:sp>
+        <p:nvSpPr>
+          <p:cNvPr id="6" name="TextBox 5">
+            <a:extLst>
+              <a:ext uri="{FF2B5EF4-FFF2-40B4-BE49-F238E27FC236}">
+                <a16:creationId xmlns:a16="http://schemas.microsoft.com/office/drawing/2014/main" id="{97808C3A-1741-09D6-6104-4E93834E6011}"/>
+              </a:ext>
+            </a:extLst>
+          </p:cNvPr>
+          <p:cNvSpPr txBox="1"/>
+          <p:nvPr/>
+        </p:nvSpPr>
+        <p:spPr>
+          <a:xfrm>
+            <a:off x="4414837" y="3357562"/>
+            <a:ext cx="1019175" cy="523220"/>
+          </a:xfrm>
+          <a:prstGeom prst="rect">
+            <a:avLst/>
+          </a:prstGeom>
+          <a:noFill/>
+        </p:spPr>
+        <p:txBody>
+          <a:bodyPr rot="0" spcFirstLastPara="0" vertOverflow="overflow" horzOverflow="overflow" vert="horz" wrap="square" lIns="91440" tIns="45720" rIns="91440" bIns="45720" numCol="1" spcCol="0" rtlCol="0" fromWordArt="0" anchor="t" anchorCtr="0" forceAA="0" compatLnSpc="1">
+            <a:prstTxWarp prst="textNoShape">
+              <a:avLst/>
+            </a:prstTxWarp>
+            <a:spAutoFit/>
+          </a:bodyPr>
+          <a:lstStyle/>
+          <a:p>
+            <a:pPr algn="r"/>
+            <a:r>
+              <a:rPr lang="en-US" dirty="0"/>
+              <a:t>Valid input</a:t>
+            </a:r>
+            <a:endParaRPr lang="en-US"/>
+          </a:p>
+          <a:p>
+            <a:pPr algn="r"/>
+            <a:r>
+              <a:rPr lang="en-US" dirty="0"/>
+              <a:t>output</a:t>
+            </a:r>
+          </a:p>
+        </p:txBody>
+      </p:sp>
+      <p:sp>
+        <p:nvSpPr>
+          <p:cNvPr id="7" name="TextBox 6">
+            <a:extLst>
+              <a:ext uri="{FF2B5EF4-FFF2-40B4-BE49-F238E27FC236}">
+                <a16:creationId xmlns:a16="http://schemas.microsoft.com/office/drawing/2014/main" id="{34D878B3-2023-B9B9-F40E-9D5B33EF81B6}"/>
+              </a:ext>
+            </a:extLst>
+          </p:cNvPr>
+          <p:cNvSpPr txBox="1"/>
+          <p:nvPr/>
+        </p:nvSpPr>
+        <p:spPr>
+          <a:xfrm>
+            <a:off x="4271962" y="4310062"/>
+            <a:ext cx="1162050" cy="523220"/>
+          </a:xfrm>
+          <a:prstGeom prst="rect">
+            <a:avLst/>
+          </a:prstGeom>
+          <a:noFill/>
+        </p:spPr>
+        <p:txBody>
+          <a:bodyPr rot="0" spcFirstLastPara="0" vertOverflow="overflow" horzOverflow="overflow" vert="horz" wrap="square" lIns="91440" tIns="45720" rIns="91440" bIns="45720" numCol="1" spcCol="0" rtlCol="0" fromWordArt="0" anchor="t" anchorCtr="0" forceAA="0" compatLnSpc="1">
+            <a:prstTxWarp prst="textNoShape">
+              <a:avLst/>
+            </a:prstTxWarp>
+            <a:spAutoFit/>
+          </a:bodyPr>
+          <a:lstStyle/>
+          <a:p>
+            <a:pPr algn="r"/>
+            <a:r>
+              <a:rPr lang="en-US" dirty="0"/>
+              <a:t>Invalid input</a:t>
+            </a:r>
+          </a:p>
+          <a:p>
+            <a:pPr algn="r"/>
+            <a:r>
+              <a:rPr lang="en-US" dirty="0"/>
+              <a:t>output</a:t>
+            </a:r>
+          </a:p>
+        </p:txBody>
+      </p:sp>
     </p:spTree>
     <p:extLst>
       <p:ext uri="{BB962C8B-B14F-4D97-AF65-F5344CB8AC3E}">
@@ -8795,6 +9398,301 @@
     </p:bg>
     <p:spTree>
       <p:nvGrpSpPr>
+        <p:cNvPr id="1" name="Shape 72"/>
+        <p:cNvGrpSpPr/>
+        <p:nvPr/>
+      </p:nvGrpSpPr>
+      <p:grpSpPr>
+        <a:xfrm>
+          <a:off x="0" y="0"/>
+          <a:ext cx="0" cy="0"/>
+          <a:chOff x="0" y="0"/>
+          <a:chExt cx="0" cy="0"/>
+        </a:xfrm>
+      </p:grpSpPr>
+      <p:sp>
+        <p:nvSpPr>
+          <p:cNvPr id="73" name="Google Shape;73;p16"/>
+          <p:cNvSpPr txBox="1">
+            <a:spLocks noGrp="1"/>
+          </p:cNvSpPr>
+          <p:nvPr>
+            <p:ph type="title"/>
+          </p:nvPr>
+        </p:nvSpPr>
+        <p:spPr>
+          <a:xfrm>
+            <a:off x="311700" y="445025"/>
+            <a:ext cx="8520600" cy="572700"/>
+          </a:xfrm>
+          <a:prstGeom prst="rect">
+            <a:avLst/>
+          </a:prstGeom>
+        </p:spPr>
+        <p:txBody>
+          <a:bodyPr spcFirstLastPara="1" wrap="square" lIns="91425" tIns="91425" rIns="91425" bIns="91425" anchor="t" anchorCtr="0">
+            <a:noAutofit/>
+          </a:bodyPr>
+          <a:lstStyle/>
+          <a:p>
+            <a:pPr marL="0" lvl="0" indent="0" algn="l" rtl="0">
+              <a:spcBef>
+                <a:spcPts val="0"/>
+              </a:spcBef>
+              <a:spcAft>
+                <a:spcPts val="0"/>
+              </a:spcAft>
+              <a:buNone/>
+            </a:pPr>
+            <a:r>
+              <a:rPr lang="en" dirty="0"/>
+              <a:t>Component _ Ver. _(Trello screenshot)</a:t>
+            </a:r>
+            <a:endParaRPr dirty="0"/>
+          </a:p>
+        </p:txBody>
+      </p:sp>
+    </p:spTree>
+    <p:extLst>
+      <p:ext uri="{BB962C8B-B14F-4D97-AF65-F5344CB8AC3E}">
+        <p14:creationId xmlns:p14="http://schemas.microsoft.com/office/powerpoint/2010/main" val="4142443043"/>
+      </p:ext>
+    </p:extLst>
+  </p:cSld>
+  <p:clrMapOvr>
+    <a:masterClrMapping/>
+  </p:clrMapOvr>
+</p:sld>
+</file>
+
+<file path=ppt/slides/slide16.xml><?xml version="1.0" encoding="utf-8"?>
+<p:sld xmlns:a="http://schemas.openxmlformats.org/drawingml/2006/main" xmlns:r="http://schemas.openxmlformats.org/officeDocument/2006/relationships" xmlns:p="http://schemas.openxmlformats.org/presentationml/2006/main">
+  <p:cSld>
+    <p:spTree>
+      <p:nvGrpSpPr>
+        <p:cNvPr id="1" name="Shape 77"/>
+        <p:cNvGrpSpPr/>
+        <p:nvPr/>
+      </p:nvGrpSpPr>
+      <p:grpSpPr>
+        <a:xfrm>
+          <a:off x="0" y="0"/>
+          <a:ext cx="0" cy="0"/>
+          <a:chOff x="0" y="0"/>
+          <a:chExt cx="0" cy="0"/>
+        </a:xfrm>
+      </p:grpSpPr>
+      <p:sp>
+        <p:nvSpPr>
+          <p:cNvPr id="78" name="Google Shape;78;p17"/>
+          <p:cNvSpPr txBox="1">
+            <a:spLocks noGrp="1"/>
+          </p:cNvSpPr>
+          <p:nvPr>
+            <p:ph type="title"/>
+          </p:nvPr>
+        </p:nvSpPr>
+        <p:spPr>
+          <a:xfrm>
+            <a:off x="311700" y="445025"/>
+            <a:ext cx="8520600" cy="572700"/>
+          </a:xfrm>
+          <a:prstGeom prst="rect">
+            <a:avLst/>
+          </a:prstGeom>
+        </p:spPr>
+        <p:txBody>
+          <a:bodyPr spcFirstLastPara="1" wrap="square" lIns="91425" tIns="91425" rIns="91425" bIns="91425" anchor="t" anchorCtr="0">
+            <a:noAutofit/>
+          </a:bodyPr>
+          <a:lstStyle/>
+          <a:p>
+            <a:pPr marL="0" lvl="0" indent="0" algn="l" rtl="0">
+              <a:spcBef>
+                <a:spcPts val="0"/>
+              </a:spcBef>
+              <a:spcAft>
+                <a:spcPts val="0"/>
+              </a:spcAft>
+              <a:buNone/>
+            </a:pPr>
+            <a:r>
+              <a:rPr lang="en" dirty="0"/>
+              <a:t>Component _ Ver. _ - Test Plan (and screenshot)</a:t>
+            </a:r>
+            <a:endParaRPr dirty="0"/>
+          </a:p>
+        </p:txBody>
+      </p:sp>
+      <p:graphicFrame>
+        <p:nvGraphicFramePr>
+          <p:cNvPr id="79" name="Google Shape;79;p17"/>
+          <p:cNvGraphicFramePr/>
+          <p:nvPr/>
+        </p:nvGraphicFramePr>
+        <p:xfrm>
+          <a:off x="382475" y="1267725"/>
+          <a:ext cx="8520600" cy="914340"/>
+        </p:xfrm>
+        <a:graphic>
+          <a:graphicData uri="http://schemas.openxmlformats.org/drawingml/2006/table">
+            <a:tbl>
+              <a:tblPr>
+                <a:noFill/>
+                <a:tableStyleId>{E1099E06-0E6B-448D-9D27-60429F06E6F4}</a:tableStyleId>
+              </a:tblPr>
+              <a:tblGrid>
+                <a:gridCol w="4196249">
+                  <a:extLst>
+                    <a:ext uri="{9D8B030D-6E8A-4147-A177-3AD203B41FA5}">
+                      <a16:colId xmlns:a16="http://schemas.microsoft.com/office/drawing/2014/main" val="20000"/>
+                    </a:ext>
+                  </a:extLst>
+                </a:gridCol>
+                <a:gridCol w="4324351">
+                  <a:extLst>
+                    <a:ext uri="{9D8B030D-6E8A-4147-A177-3AD203B41FA5}">
+                      <a16:colId xmlns:a16="http://schemas.microsoft.com/office/drawing/2014/main" val="20001"/>
+                    </a:ext>
+                  </a:extLst>
+                </a:gridCol>
+              </a:tblGrid>
+              <a:tr h="381000">
+                <a:tc>
+                  <a:txBody>
+                    <a:bodyPr/>
+                    <a:lstStyle/>
+                    <a:p>
+                      <a:pPr marL="0" lvl="0" indent="0" algn="l" rtl="0">
+                        <a:spcBef>
+                          <a:spcPts val="0"/>
+                        </a:spcBef>
+                        <a:spcAft>
+                          <a:spcPts val="0"/>
+                        </a:spcAft>
+                        <a:buNone/>
+                      </a:pPr>
+                      <a:r>
+                        <a:rPr lang="en" sz="1800" b="1"/>
+                        <a:t>Test Case</a:t>
+                      </a:r>
+                      <a:endParaRPr sz="1800" b="1"/>
+                    </a:p>
+                  </a:txBody>
+                  <a:tcPr marL="91425" marR="91425" marT="91425" marB="91425">
+                    <a:solidFill>
+                      <a:srgbClr val="CCCCCC"/>
+                    </a:solidFill>
+                  </a:tcPr>
+                </a:tc>
+                <a:tc>
+                  <a:txBody>
+                    <a:bodyPr/>
+                    <a:lstStyle/>
+                    <a:p>
+                      <a:pPr marL="0" lvl="0" indent="0" algn="l" rtl="0">
+                        <a:spcBef>
+                          <a:spcPts val="0"/>
+                        </a:spcBef>
+                        <a:spcAft>
+                          <a:spcPts val="0"/>
+                        </a:spcAft>
+                        <a:buNone/>
+                      </a:pPr>
+                      <a:r>
+                        <a:rPr lang="en" sz="1800" b="1"/>
+                        <a:t>Expected Values</a:t>
+                      </a:r>
+                      <a:endParaRPr sz="1800" b="1"/>
+                    </a:p>
+                  </a:txBody>
+                  <a:tcPr marL="91425" marR="91425" marT="91425" marB="91425">
+                    <a:solidFill>
+                      <a:srgbClr val="CCCCCC"/>
+                    </a:solidFill>
+                  </a:tcPr>
+                </a:tc>
+                <a:extLst>
+                  <a:ext uri="{0D108BD9-81ED-4DB2-BD59-A6C34878D82A}">
+                    <a16:rowId xmlns:a16="http://schemas.microsoft.com/office/drawing/2014/main" val="10000"/>
+                  </a:ext>
+                </a:extLst>
+              </a:tr>
+              <a:tr h="396200">
+                <a:tc>
+                  <a:txBody>
+                    <a:bodyPr/>
+                    <a:lstStyle/>
+                    <a:p>
+                      <a:pPr marL="0" lvl="0" indent="0" algn="l" rtl="0">
+                        <a:spcBef>
+                          <a:spcPts val="0"/>
+                        </a:spcBef>
+                        <a:spcAft>
+                          <a:spcPts val="0"/>
+                        </a:spcAft>
+                        <a:buNone/>
+                      </a:pPr>
+                      <a:endParaRPr sz="1800" dirty="0"/>
+                    </a:p>
+                  </a:txBody>
+                  <a:tcPr marL="91425" marR="91425" marT="91425" marB="91425"/>
+                </a:tc>
+                <a:tc>
+                  <a:txBody>
+                    <a:bodyPr/>
+                    <a:lstStyle/>
+                    <a:p>
+                      <a:pPr marL="0" lvl="0" indent="0" algn="l" rtl="0">
+                        <a:spcBef>
+                          <a:spcPts val="0"/>
+                        </a:spcBef>
+                        <a:spcAft>
+                          <a:spcPts val="0"/>
+                        </a:spcAft>
+                        <a:buNone/>
+                      </a:pPr>
+                      <a:endParaRPr sz="1800" dirty="0"/>
+                    </a:p>
+                  </a:txBody>
+                  <a:tcPr marL="91425" marR="91425" marT="91425" marB="91425"/>
+                </a:tc>
+                <a:extLst>
+                  <a:ext uri="{0D108BD9-81ED-4DB2-BD59-A6C34878D82A}">
+                    <a16:rowId xmlns:a16="http://schemas.microsoft.com/office/drawing/2014/main" val="10001"/>
+                  </a:ext>
+                </a:extLst>
+              </a:tr>
+            </a:tbl>
+          </a:graphicData>
+        </a:graphic>
+      </p:graphicFrame>
+    </p:spTree>
+    <p:extLst>
+      <p:ext uri="{BB962C8B-B14F-4D97-AF65-F5344CB8AC3E}">
+        <p14:creationId xmlns:p14="http://schemas.microsoft.com/office/powerpoint/2010/main" val="1649247326"/>
+      </p:ext>
+    </p:extLst>
+  </p:cSld>
+  <p:clrMapOvr>
+    <a:masterClrMapping/>
+  </p:clrMapOvr>
+</p:sld>
+</file>
+
+<file path=ppt/slides/slide17.xml><?xml version="1.0" encoding="utf-8"?>
+<p:sld xmlns:a="http://schemas.openxmlformats.org/drawingml/2006/main" xmlns:r="http://schemas.openxmlformats.org/officeDocument/2006/relationships" xmlns:p="http://schemas.openxmlformats.org/presentationml/2006/main">
+  <p:cSld>
+    <p:bg>
+      <p:bgPr>
+        <a:solidFill>
+          <a:srgbClr val="D9EAD3"/>
+        </a:solidFill>
+        <a:effectLst/>
+      </p:bgPr>
+    </p:bg>
+    <p:spTree>
+      <p:nvGrpSpPr>
         <p:cNvPr id="1" name="Shape 83"/>
         <p:cNvGrpSpPr/>
         <p:nvPr/>
@@ -8903,7 +9801,7 @@
 </p:sld>
 </file>
 
-<file path=ppt/slides/slide16.xml><?xml version="1.0" encoding="utf-8"?>
+<file path=ppt/slides/slide18.xml><?xml version="1.0" encoding="utf-8"?>
 <p:sld xmlns:a="http://schemas.openxmlformats.org/drawingml/2006/main" xmlns:r="http://schemas.openxmlformats.org/officeDocument/2006/relationships" xmlns:p="http://schemas.openxmlformats.org/presentationml/2006/main">
   <p:cSld>
     <p:bg>
@@ -11002,6 +11900,23 @@
 </file>
 
 <file path=customXml/item1.xml><?xml version="1.0" encoding="utf-8"?>
+<?mso-contentType ?>
+<FormTemplates xmlns="http://schemas.microsoft.com/sharepoint/v3/contenttype/forms">
+  <Display>DocumentLibraryForm</Display>
+  <Edit>DocumentLibraryForm</Edit>
+  <New>DocumentLibraryForm</New>
+</FormTemplates>
+</file>
+
+<file path=customXml/item2.xml><?xml version="1.0" encoding="utf-8"?>
+<p:properties xmlns:p="http://schemas.microsoft.com/office/2006/metadata/properties" xmlns:xsi="http://www.w3.org/2001/XMLSchema-instance" xmlns:pc="http://schemas.microsoft.com/office/infopath/2007/PartnerControls">
+  <documentManagement>
+    <_activity xmlns="2b310483-19ef-4f1a-8666-427aba7c04f4" xsi:nil="true"/>
+  </documentManagement>
+</p:properties>
+</file>
+
+<file path=customXml/item3.xml><?xml version="1.0" encoding="utf-8"?>
 <ct:contentTypeSchema xmlns:ct="http://schemas.microsoft.com/office/2006/metadata/contentType" xmlns:ma="http://schemas.microsoft.com/office/2006/metadata/properties/metaAttributes" ct:_="" ma:_="" ma:contentTypeName="Document" ma:contentTypeID="0x010100024DC8DFD6C93447A9C11B519434E451" ma:contentTypeVersion="13" ma:contentTypeDescription="Create a new document." ma:contentTypeScope="" ma:versionID="d78c653d52c678877916f644d9003a4b">
   <xsd:schema xmlns:xsd="http://www.w3.org/2001/XMLSchema" xmlns:xs="http://www.w3.org/2001/XMLSchema" xmlns:p="http://schemas.microsoft.com/office/2006/metadata/properties" xmlns:ns3="2b310483-19ef-4f1a-8666-427aba7c04f4" xmlns:ns4="d316a0db-0591-438e-8093-79f3efde1904" targetNamespace="http://schemas.microsoft.com/office/2006/metadata/properties" ma:root="true" ma:fieldsID="b51e56a0bc6a455bf4c7a7bc9489865b" ns3:_="" ns4:_="">
     <xsd:import namespace="2b310483-19ef-4f1a-8666-427aba7c04f4"/>
@@ -11224,38 +12139,10 @@
 </ct:contentTypeSchema>
 </file>
 
-<file path=customXml/item2.xml><?xml version="1.0" encoding="utf-8"?>
-<p:properties xmlns:p="http://schemas.microsoft.com/office/2006/metadata/properties" xmlns:xsi="http://www.w3.org/2001/XMLSchema-instance" xmlns:pc="http://schemas.microsoft.com/office/infopath/2007/PartnerControls">
-  <documentManagement>
-    <_activity xmlns="2b310483-19ef-4f1a-8666-427aba7c04f4" xsi:nil="true"/>
-  </documentManagement>
-</p:properties>
-</file>
-
-<file path=customXml/item3.xml><?xml version="1.0" encoding="utf-8"?>
-<?mso-contentType ?>
-<FormTemplates xmlns="http://schemas.microsoft.com/sharepoint/v3/contenttype/forms">
-  <Display>DocumentLibraryForm</Display>
-  <Edit>DocumentLibraryForm</Edit>
-  <New>DocumentLibraryForm</New>
-</FormTemplates>
-</file>
-
 <file path=customXml/itemProps1.xml><?xml version="1.0" encoding="utf-8"?>
-<ds:datastoreItem xmlns:ds="http://schemas.openxmlformats.org/officeDocument/2006/customXml" ds:itemID="{0E32B551-2E7E-4680-9EB8-D0B1C8724946}">
+<ds:datastoreItem xmlns:ds="http://schemas.openxmlformats.org/officeDocument/2006/customXml" ds:itemID="{9B757C8B-782F-4BDF-9F90-4601D3A0F6AF}">
   <ds:schemaRefs>
-    <ds:schemaRef ds:uri="http://schemas.microsoft.com/office/2006/metadata/contentType"/>
-    <ds:schemaRef ds:uri="http://schemas.microsoft.com/office/2006/metadata/properties/metaAttributes"/>
-    <ds:schemaRef ds:uri="http://www.w3.org/2001/XMLSchema"/>
-    <ds:schemaRef ds:uri="http://schemas.microsoft.com/office/2006/metadata/properties"/>
-    <ds:schemaRef ds:uri="2b310483-19ef-4f1a-8666-427aba7c04f4"/>
-    <ds:schemaRef ds:uri="d316a0db-0591-438e-8093-79f3efde1904"/>
-    <ds:schemaRef ds:uri="http://schemas.microsoft.com/office/2006/documentManagement/types"/>
-    <ds:schemaRef ds:uri="http://schemas.microsoft.com/office/infopath/2007/PartnerControls"/>
-    <ds:schemaRef ds:uri="http://schemas.openxmlformats.org/package/2006/metadata/core-properties"/>
-    <ds:schemaRef ds:uri="http://purl.org/dc/elements/1.1/"/>
-    <ds:schemaRef ds:uri="http://purl.org/dc/terms/"/>
-    <ds:schemaRef ds:uri="http://schemas.microsoft.com/internal/obd"/>
+    <ds:schemaRef ds:uri="http://schemas.microsoft.com/sharepoint/v3/contenttype/forms"/>
   </ds:schemaRefs>
 </ds:datastoreItem>
 </file>
@@ -11278,9 +12165,20 @@
 </file>
 
 <file path=customXml/itemProps3.xml><?xml version="1.0" encoding="utf-8"?>
-<ds:datastoreItem xmlns:ds="http://schemas.openxmlformats.org/officeDocument/2006/customXml" ds:itemID="{9B757C8B-782F-4BDF-9F90-4601D3A0F6AF}">
+<ds:datastoreItem xmlns:ds="http://schemas.openxmlformats.org/officeDocument/2006/customXml" ds:itemID="{0E32B551-2E7E-4680-9EB8-D0B1C8724946}">
   <ds:schemaRefs>
-    <ds:schemaRef ds:uri="http://schemas.microsoft.com/sharepoint/v3/contenttype/forms"/>
+    <ds:schemaRef ds:uri="http://schemas.microsoft.com/office/2006/metadata/contentType"/>
+    <ds:schemaRef ds:uri="http://schemas.microsoft.com/office/2006/metadata/properties/metaAttributes"/>
+    <ds:schemaRef ds:uri="http://www.w3.org/2001/XMLSchema"/>
+    <ds:schemaRef ds:uri="http://schemas.microsoft.com/office/2006/metadata/properties"/>
+    <ds:schemaRef ds:uri="2b310483-19ef-4f1a-8666-427aba7c04f4"/>
+    <ds:schemaRef ds:uri="d316a0db-0591-438e-8093-79f3efde1904"/>
+    <ds:schemaRef ds:uri="http://schemas.microsoft.com/office/2006/documentManagement/types"/>
+    <ds:schemaRef ds:uri="http://schemas.microsoft.com/office/infopath/2007/PartnerControls"/>
+    <ds:schemaRef ds:uri="http://schemas.openxmlformats.org/package/2006/metadata/core-properties"/>
+    <ds:schemaRef ds:uri="http://purl.org/dc/elements/1.1/"/>
+    <ds:schemaRef ds:uri="http://purl.org/dc/terms/"/>
+    <ds:schemaRef ds:uri="http://schemas.microsoft.com/internal/obd"/>
   </ds:schemaRefs>
 </ds:datastoreItem>
 </file>
--- a/pizzapowerpoint.pptx
+++ b/pizzapowerpoint.pptx
@@ -5,7 +5,7 @@
     <p:sldMasterId id="2147483659" r:id="rId4"/>
   </p:sldMasterIdLst>
   <p:notesMasterIdLst>
-    <p:notesMasterId r:id="rId23"/>
+    <p:notesMasterId r:id="rId31"/>
   </p:notesMasterIdLst>
   <p:sldIdLst>
     <p:sldId id="256" r:id="rId5"/>
@@ -24,8 +24,16 @@
     <p:sldId id="271" r:id="rId18"/>
     <p:sldId id="273" r:id="rId19"/>
     <p:sldId id="272" r:id="rId20"/>
-    <p:sldId id="261" r:id="rId21"/>
-    <p:sldId id="262" r:id="rId22"/>
+    <p:sldId id="274" r:id="rId21"/>
+    <p:sldId id="275" r:id="rId22"/>
+    <p:sldId id="276" r:id="rId23"/>
+    <p:sldId id="277" r:id="rId24"/>
+    <p:sldId id="278" r:id="rId25"/>
+    <p:sldId id="279" r:id="rId26"/>
+    <p:sldId id="280" r:id="rId27"/>
+    <p:sldId id="281" r:id="rId28"/>
+    <p:sldId id="261" r:id="rId29"/>
+    <p:sldId id="262" r:id="rId30"/>
   </p:sldIdLst>
   <p:sldSz cx="9144000" cy="5143500" type="screen16x9"/>
   <p:notesSz cx="6858000" cy="9144000"/>
@@ -283,6 +291,14 @@
             <p14:sldId id="271"/>
             <p14:sldId id="273"/>
             <p14:sldId id="272"/>
+            <p14:sldId id="274"/>
+            <p14:sldId id="275"/>
+            <p14:sldId id="276"/>
+            <p14:sldId id="277"/>
+            <p14:sldId id="278"/>
+            <p14:sldId id="279"/>
+            <p14:sldId id="280"/>
+            <p14:sldId id="281"/>
           </p14:sldIdLst>
         </p14:section>
         <p14:section name="endbit" id="{C87F78D7-C127-418A-B7F3-358C78397AC6}">
@@ -315,9 +331,11 @@
 <p1510:revInfo xmlns:a="http://schemas.openxmlformats.org/drawingml/2006/main" xmlns:r="http://schemas.openxmlformats.org/officeDocument/2006/relationships" xmlns:p1510="http://schemas.microsoft.com/office/powerpoint/2015/10/main">
   <p1510:revLst>
     <p1510:client id="{144C3C78-124B-466C-8FE1-23FD5A90EFF3}" v="4" dt="2023-05-17T09:43:57.921"/>
-    <p1510:client id="{2C50332A-7737-936E-7DA5-FCEB92BAE891}" v="557" dt="2023-05-17T21:21:07.673"/>
+    <p1510:client id="{2C50332A-7737-936E-7DA5-FCEB92BAE891}" v="714" dt="2023-05-18T00:03:01.235"/>
+    <p1510:client id="{597EAEB2-F50F-160F-61EB-A2437C088CEE}" v="129" dt="2023-05-18T00:12:22.906"/>
     <p1510:client id="{6E88F79A-04E8-2644-5D52-BBE8D04264AC}" v="8" dt="2023-05-17T09:17:16.146"/>
     <p1510:client id="{DC01E7D0-ECC4-24C5-E5BE-DE2A9FB64150}" v="54" dt="2023-05-17T10:21:52.792"/>
+    <p1510:client id="{EEA164D0-AAA0-D66E-99E2-4DAFD6A87FD6}" v="483" dt="2023-05-18T09:29:03.585"/>
   </p1510:revLst>
 </p1510:revInfo>
 </file>
@@ -366,6 +384,100 @@
             <pc:docMk/>
             <pc:sldMk cId="0" sldId="258"/>
             <ac:picMk id="9" creationId="{8A267450-5119-A659-4930-551991672E7A}"/>
+          </ac:picMkLst>
+        </pc:picChg>
+      </pc:sldChg>
+    </pc:docChg>
+  </pc:docChgLst>
+  <pc:docChgLst>
+    <pc:chgData name="Eardwulf Ulan" userId="S::18111@my.sanctamaria.school.nz::22607890-71d4-4bf2-b097-b426e6c19788" providerId="AD" clId="Web-{597EAEB2-F50F-160F-61EB-A2437C088CEE}"/>
+    <pc:docChg chg="modSld">
+      <pc:chgData name="Eardwulf Ulan" userId="S::18111@my.sanctamaria.school.nz::22607890-71d4-4bf2-b097-b426e6c19788" providerId="AD" clId="Web-{597EAEB2-F50F-160F-61EB-A2437C088CEE}" dt="2023-05-18T00:12:17.453" v="104"/>
+      <pc:docMkLst>
+        <pc:docMk/>
+      </pc:docMkLst>
+      <pc:sldChg chg="modSp">
+        <pc:chgData name="Eardwulf Ulan" userId="S::18111@my.sanctamaria.school.nz::22607890-71d4-4bf2-b097-b426e6c19788" providerId="AD" clId="Web-{597EAEB2-F50F-160F-61EB-A2437C088CEE}" dt="2023-05-18T00:12:00.686" v="90"/>
+        <pc:sldMkLst>
+          <pc:docMk/>
+          <pc:sldMk cId="3048879607" sldId="266"/>
+        </pc:sldMkLst>
+        <pc:graphicFrameChg chg="mod modGraphic">
+          <ac:chgData name="Eardwulf Ulan" userId="S::18111@my.sanctamaria.school.nz::22607890-71d4-4bf2-b097-b426e6c19788" providerId="AD" clId="Web-{597EAEB2-F50F-160F-61EB-A2437C088CEE}" dt="2023-05-18T00:12:00.686" v="90"/>
+          <ac:graphicFrameMkLst>
+            <pc:docMk/>
+            <pc:sldMk cId="3048879607" sldId="266"/>
+            <ac:graphicFrameMk id="79" creationId="{00000000-0000-0000-0000-000000000000}"/>
+          </ac:graphicFrameMkLst>
+        </pc:graphicFrameChg>
+      </pc:sldChg>
+      <pc:sldChg chg="modSp">
+        <pc:chgData name="Eardwulf Ulan" userId="S::18111@my.sanctamaria.school.nz::22607890-71d4-4bf2-b097-b426e6c19788" providerId="AD" clId="Web-{597EAEB2-F50F-160F-61EB-A2437C088CEE}" dt="2023-05-18T00:12:10.015" v="92"/>
+        <pc:sldMkLst>
+          <pc:docMk/>
+          <pc:sldMk cId="1713692142" sldId="269"/>
+        </pc:sldMkLst>
+        <pc:graphicFrameChg chg="mod modGraphic">
+          <ac:chgData name="Eardwulf Ulan" userId="S::18111@my.sanctamaria.school.nz::22607890-71d4-4bf2-b097-b426e6c19788" providerId="AD" clId="Web-{597EAEB2-F50F-160F-61EB-A2437C088CEE}" dt="2023-05-18T00:12:10.015" v="92"/>
+          <ac:graphicFrameMkLst>
+            <pc:docMk/>
+            <pc:sldMk cId="1713692142" sldId="269"/>
+            <ac:graphicFrameMk id="79" creationId="{00000000-0000-0000-0000-000000000000}"/>
+          </ac:graphicFrameMkLst>
+        </pc:graphicFrameChg>
+      </pc:sldChg>
+      <pc:sldChg chg="addSp modSp">
+        <pc:chgData name="Eardwulf Ulan" userId="S::18111@my.sanctamaria.school.nz::22607890-71d4-4bf2-b097-b426e6c19788" providerId="AD" clId="Web-{597EAEB2-F50F-160F-61EB-A2437C088CEE}" dt="2023-05-18T00:12:17.453" v="104"/>
+        <pc:sldMkLst>
+          <pc:docMk/>
+          <pc:sldMk cId="1744829088" sldId="271"/>
+        </pc:sldMkLst>
+        <pc:spChg chg="add mod">
+          <ac:chgData name="Eardwulf Ulan" userId="S::18111@my.sanctamaria.school.nz::22607890-71d4-4bf2-b097-b426e6c19788" providerId="AD" clId="Web-{597EAEB2-F50F-160F-61EB-A2437C088CEE}" dt="2023-05-18T00:09:35.291" v="27" actId="1076"/>
+          <ac:spMkLst>
+            <pc:docMk/>
+            <pc:sldMk cId="1744829088" sldId="271"/>
+            <ac:spMk id="5" creationId="{90F5EE74-B6EB-BA14-5B25-0D2113AFF263}"/>
+          </ac:spMkLst>
+        </pc:spChg>
+        <pc:spChg chg="add mod">
+          <ac:chgData name="Eardwulf Ulan" userId="S::18111@my.sanctamaria.school.nz::22607890-71d4-4bf2-b097-b426e6c19788" providerId="AD" clId="Web-{597EAEB2-F50F-160F-61EB-A2437C088CEE}" dt="2023-05-18T00:09:53.760" v="35" actId="14100"/>
+          <ac:spMkLst>
+            <pc:docMk/>
+            <pc:sldMk cId="1744829088" sldId="271"/>
+            <ac:spMk id="6" creationId="{E3F9A34D-F561-BE90-58AE-A0B824329799}"/>
+          </ac:spMkLst>
+        </pc:spChg>
+        <pc:graphicFrameChg chg="mod modGraphic">
+          <ac:chgData name="Eardwulf Ulan" userId="S::18111@my.sanctamaria.school.nz::22607890-71d4-4bf2-b097-b426e6c19788" providerId="AD" clId="Web-{597EAEB2-F50F-160F-61EB-A2437C088CEE}" dt="2023-05-18T00:12:17.453" v="104"/>
+          <ac:graphicFrameMkLst>
+            <pc:docMk/>
+            <pc:sldMk cId="1744829088" sldId="271"/>
+            <ac:graphicFrameMk id="79" creationId="{00000000-0000-0000-0000-000000000000}"/>
+          </ac:graphicFrameMkLst>
+        </pc:graphicFrameChg>
+        <pc:picChg chg="mod">
+          <ac:chgData name="Eardwulf Ulan" userId="S::18111@my.sanctamaria.school.nz::22607890-71d4-4bf2-b097-b426e6c19788" providerId="AD" clId="Web-{597EAEB2-F50F-160F-61EB-A2437C088CEE}" dt="2023-05-18T00:08:38.585" v="8" actId="1076"/>
+          <ac:picMkLst>
+            <pc:docMk/>
+            <pc:sldMk cId="1744829088" sldId="271"/>
+            <ac:picMk id="2" creationId="{B56E88FD-1437-5CE3-DB07-3D1049B39886}"/>
+          </ac:picMkLst>
+        </pc:picChg>
+        <pc:picChg chg="mod">
+          <ac:chgData name="Eardwulf Ulan" userId="S::18111@my.sanctamaria.school.nz::22607890-71d4-4bf2-b097-b426e6c19788" providerId="AD" clId="Web-{597EAEB2-F50F-160F-61EB-A2437C088CEE}" dt="2023-05-18T00:08:25.522" v="4" actId="1076"/>
+          <ac:picMkLst>
+            <pc:docMk/>
+            <pc:sldMk cId="1744829088" sldId="271"/>
+            <ac:picMk id="3" creationId="{C1ABCF39-DA20-BF54-AF3D-5898B138441A}"/>
+          </ac:picMkLst>
+        </pc:picChg>
+        <pc:picChg chg="add mod">
+          <ac:chgData name="Eardwulf Ulan" userId="S::18111@my.sanctamaria.school.nz::22607890-71d4-4bf2-b097-b426e6c19788" providerId="AD" clId="Web-{597EAEB2-F50F-160F-61EB-A2437C088CEE}" dt="2023-05-18T00:08:36.523" v="7" actId="1076"/>
+          <ac:picMkLst>
+            <pc:docMk/>
+            <pc:sldMk cId="1744829088" sldId="271"/>
+            <ac:picMk id="4" creationId="{3BC4EC35-42FC-1134-F922-409FA29628BB}"/>
           </ac:picMkLst>
         </pc:picChg>
       </pc:sldChg>
@@ -459,6 +571,331 @@
         <pc:sldMkLst>
           <pc:docMk/>
           <pc:sldMk cId="1744829088" sldId="271"/>
+        </pc:sldMkLst>
+      </pc:sldChg>
+    </pc:docChg>
+  </pc:docChgLst>
+  <pc:docChgLst>
+    <pc:chgData name="Eardwulf Ulan" userId="S::18111@my.sanctamaria.school.nz::22607890-71d4-4bf2-b097-b426e6c19788" providerId="AD" clId="Web-{EEA164D0-AAA0-D66E-99E2-4DAFD6A87FD6}"/>
+    <pc:docChg chg="addSld modSld sldOrd modSection">
+      <pc:chgData name="Eardwulf Ulan" userId="S::18111@my.sanctamaria.school.nz::22607890-71d4-4bf2-b097-b426e6c19788" providerId="AD" clId="Web-{EEA164D0-AAA0-D66E-99E2-4DAFD6A87FD6}" dt="2023-05-18T09:29:03.585" v="386"/>
+      <pc:docMkLst>
+        <pc:docMk/>
+      </pc:docMkLst>
+      <pc:sldChg chg="modSp">
+        <pc:chgData name="Eardwulf Ulan" userId="S::18111@my.sanctamaria.school.nz::22607890-71d4-4bf2-b097-b426e6c19788" providerId="AD" clId="Web-{EEA164D0-AAA0-D66E-99E2-4DAFD6A87FD6}" dt="2023-05-18T09:26:43.456" v="352"/>
+        <pc:sldMkLst>
+          <pc:docMk/>
+          <pc:sldMk cId="0" sldId="260"/>
+        </pc:sldMkLst>
+        <pc:graphicFrameChg chg="mod modGraphic">
+          <ac:chgData name="Eardwulf Ulan" userId="S::18111@my.sanctamaria.school.nz::22607890-71d4-4bf2-b097-b426e6c19788" providerId="AD" clId="Web-{EEA164D0-AAA0-D66E-99E2-4DAFD6A87FD6}" dt="2023-05-18T09:26:43.456" v="352"/>
+          <ac:graphicFrameMkLst>
+            <pc:docMk/>
+            <pc:sldMk cId="0" sldId="260"/>
+            <ac:graphicFrameMk id="79" creationId="{00000000-0000-0000-0000-000000000000}"/>
+          </ac:graphicFrameMkLst>
+        </pc:graphicFrameChg>
+      </pc:sldChg>
+      <pc:sldChg chg="modSp">
+        <pc:chgData name="Eardwulf Ulan" userId="S::18111@my.sanctamaria.school.nz::22607890-71d4-4bf2-b097-b426e6c19788" providerId="AD" clId="Web-{EEA164D0-AAA0-D66E-99E2-4DAFD6A87FD6}" dt="2023-05-18T09:26:37.347" v="346"/>
+        <pc:sldMkLst>
+          <pc:docMk/>
+          <pc:sldMk cId="1744829088" sldId="271"/>
+        </pc:sldMkLst>
+        <pc:graphicFrameChg chg="mod modGraphic">
+          <ac:chgData name="Eardwulf Ulan" userId="S::18111@my.sanctamaria.school.nz::22607890-71d4-4bf2-b097-b426e6c19788" providerId="AD" clId="Web-{EEA164D0-AAA0-D66E-99E2-4DAFD6A87FD6}" dt="2023-05-18T09:26:37.347" v="346"/>
+          <ac:graphicFrameMkLst>
+            <pc:docMk/>
+            <pc:sldMk cId="1744829088" sldId="271"/>
+            <ac:graphicFrameMk id="79" creationId="{00000000-0000-0000-0000-000000000000}"/>
+          </ac:graphicFrameMkLst>
+        </pc:graphicFrameChg>
+      </pc:sldChg>
+      <pc:sldChg chg="addSp delSp modSp">
+        <pc:chgData name="Eardwulf Ulan" userId="S::18111@my.sanctamaria.school.nz::22607890-71d4-4bf2-b097-b426e6c19788" providerId="AD" clId="Web-{EEA164D0-AAA0-D66E-99E2-4DAFD6A87FD6}" dt="2023-05-18T09:26:34.987" v="344"/>
+        <pc:sldMkLst>
+          <pc:docMk/>
+          <pc:sldMk cId="1649247326" sldId="272"/>
+        </pc:sldMkLst>
+        <pc:spChg chg="add del mod">
+          <ac:chgData name="Eardwulf Ulan" userId="S::18111@my.sanctamaria.school.nz::22607890-71d4-4bf2-b097-b426e6c19788" providerId="AD" clId="Web-{EEA164D0-AAA0-D66E-99E2-4DAFD6A87FD6}" dt="2023-05-18T08:21:58.650" v="101"/>
+          <ac:spMkLst>
+            <pc:docMk/>
+            <pc:sldMk cId="1649247326" sldId="272"/>
+            <ac:spMk id="5" creationId="{3B9EAB73-2F5A-B3FF-B73D-1F8E7AF6B965}"/>
+          </ac:spMkLst>
+        </pc:spChg>
+        <pc:spChg chg="add">
+          <ac:chgData name="Eardwulf Ulan" userId="S::18111@my.sanctamaria.school.nz::22607890-71d4-4bf2-b097-b426e6c19788" providerId="AD" clId="Web-{EEA164D0-AAA0-D66E-99E2-4DAFD6A87FD6}" dt="2023-05-18T08:22:00.150" v="102"/>
+          <ac:spMkLst>
+            <pc:docMk/>
+            <pc:sldMk cId="1649247326" sldId="272"/>
+            <ac:spMk id="6" creationId="{378EAFEE-9BF6-9448-18CD-A16E899C7EBE}"/>
+          </ac:spMkLst>
+        </pc:spChg>
+        <pc:spChg chg="add mod">
+          <ac:chgData name="Eardwulf Ulan" userId="S::18111@my.sanctamaria.school.nz::22607890-71d4-4bf2-b097-b426e6c19788" providerId="AD" clId="Web-{EEA164D0-AAA0-D66E-99E2-4DAFD6A87FD6}" dt="2023-05-18T08:22:11.931" v="109" actId="1076"/>
+          <ac:spMkLst>
+            <pc:docMk/>
+            <pc:sldMk cId="1649247326" sldId="272"/>
+            <ac:spMk id="7" creationId="{378EAFEE-9BF6-9448-18CD-A16E899C7EBE}"/>
+          </ac:spMkLst>
+        </pc:spChg>
+        <pc:spChg chg="mod">
+          <ac:chgData name="Eardwulf Ulan" userId="S::18111@my.sanctamaria.school.nz::22607890-71d4-4bf2-b097-b426e6c19788" providerId="AD" clId="Web-{EEA164D0-AAA0-D66E-99E2-4DAFD6A87FD6}" dt="2023-05-18T08:15:03.342" v="7" actId="20577"/>
+          <ac:spMkLst>
+            <pc:docMk/>
+            <pc:sldMk cId="1649247326" sldId="272"/>
+            <ac:spMk id="78" creationId="{00000000-0000-0000-0000-000000000000}"/>
+          </ac:spMkLst>
+        </pc:spChg>
+        <pc:graphicFrameChg chg="mod modGraphic">
+          <ac:chgData name="Eardwulf Ulan" userId="S::18111@my.sanctamaria.school.nz::22607890-71d4-4bf2-b097-b426e6c19788" providerId="AD" clId="Web-{EEA164D0-AAA0-D66E-99E2-4DAFD6A87FD6}" dt="2023-05-18T09:26:34.987" v="344"/>
+          <ac:graphicFrameMkLst>
+            <pc:docMk/>
+            <pc:sldMk cId="1649247326" sldId="272"/>
+            <ac:graphicFrameMk id="79" creationId="{00000000-0000-0000-0000-000000000000}"/>
+          </ac:graphicFrameMkLst>
+        </pc:graphicFrameChg>
+        <pc:picChg chg="add mod">
+          <ac:chgData name="Eardwulf Ulan" userId="S::18111@my.sanctamaria.school.nz::22607890-71d4-4bf2-b097-b426e6c19788" providerId="AD" clId="Web-{EEA164D0-AAA0-D66E-99E2-4DAFD6A87FD6}" dt="2023-05-18T08:21:02.383" v="82" actId="1076"/>
+          <ac:picMkLst>
+            <pc:docMk/>
+            <pc:sldMk cId="1649247326" sldId="272"/>
+            <ac:picMk id="2" creationId="{7D382FEC-BA22-385B-288A-A8F112038222}"/>
+          </ac:picMkLst>
+        </pc:picChg>
+        <pc:picChg chg="add mod">
+          <ac:chgData name="Eardwulf Ulan" userId="S::18111@my.sanctamaria.school.nz::22607890-71d4-4bf2-b097-b426e6c19788" providerId="AD" clId="Web-{EEA164D0-AAA0-D66E-99E2-4DAFD6A87FD6}" dt="2023-05-18T08:21:22.055" v="87" actId="1076"/>
+          <ac:picMkLst>
+            <pc:docMk/>
+            <pc:sldMk cId="1649247326" sldId="272"/>
+            <ac:picMk id="3" creationId="{8D25A59A-9139-DC47-D808-951BAD5B66F4}"/>
+          </ac:picMkLst>
+        </pc:picChg>
+        <pc:picChg chg="add mod">
+          <ac:chgData name="Eardwulf Ulan" userId="S::18111@my.sanctamaria.school.nz::22607890-71d4-4bf2-b097-b426e6c19788" providerId="AD" clId="Web-{EEA164D0-AAA0-D66E-99E2-4DAFD6A87FD6}" dt="2023-05-18T08:21:25.258" v="88" actId="1076"/>
+          <ac:picMkLst>
+            <pc:docMk/>
+            <pc:sldMk cId="1649247326" sldId="272"/>
+            <ac:picMk id="4" creationId="{68A22336-453A-D10B-8E13-C54BA32949EE}"/>
+          </ac:picMkLst>
+        </pc:picChg>
+      </pc:sldChg>
+      <pc:sldChg chg="addSp modSp">
+        <pc:chgData name="Eardwulf Ulan" userId="S::18111@my.sanctamaria.school.nz::22607890-71d4-4bf2-b097-b426e6c19788" providerId="AD" clId="Web-{EEA164D0-AAA0-D66E-99E2-4DAFD6A87FD6}" dt="2023-05-18T08:18:38.582" v="16" actId="1076"/>
+        <pc:sldMkLst>
+          <pc:docMk/>
+          <pc:sldMk cId="4142443043" sldId="273"/>
+        </pc:sldMkLst>
+        <pc:spChg chg="mod">
+          <ac:chgData name="Eardwulf Ulan" userId="S::18111@my.sanctamaria.school.nz::22607890-71d4-4bf2-b097-b426e6c19788" providerId="AD" clId="Web-{EEA164D0-AAA0-D66E-99E2-4DAFD6A87FD6}" dt="2023-05-18T08:14:58.170" v="5" actId="20577"/>
+          <ac:spMkLst>
+            <pc:docMk/>
+            <pc:sldMk cId="4142443043" sldId="273"/>
+            <ac:spMk id="73" creationId="{00000000-0000-0000-0000-000000000000}"/>
+          </ac:spMkLst>
+        </pc:spChg>
+        <pc:picChg chg="add mod">
+          <ac:chgData name="Eardwulf Ulan" userId="S::18111@my.sanctamaria.school.nz::22607890-71d4-4bf2-b097-b426e6c19788" providerId="AD" clId="Web-{EEA164D0-AAA0-D66E-99E2-4DAFD6A87FD6}" dt="2023-05-18T08:18:38.582" v="16" actId="1076"/>
+          <ac:picMkLst>
+            <pc:docMk/>
+            <pc:sldMk cId="4142443043" sldId="273"/>
+            <ac:picMk id="2" creationId="{FD887152-09C6-2354-1AB6-C3BF4D22E33F}"/>
+          </ac:picMkLst>
+        </pc:picChg>
+      </pc:sldChg>
+      <pc:sldChg chg="addSp modSp add ord replId">
+        <pc:chgData name="Eardwulf Ulan" userId="S::18111@my.sanctamaria.school.nz::22607890-71d4-4bf2-b097-b426e6c19788" providerId="AD" clId="Web-{EEA164D0-AAA0-D66E-99E2-4DAFD6A87FD6}" dt="2023-05-18T08:43:37.678" v="127" actId="14100"/>
+        <pc:sldMkLst>
+          <pc:docMk/>
+          <pc:sldMk cId="2017980198" sldId="274"/>
+        </pc:sldMkLst>
+        <pc:spChg chg="mod">
+          <ac:chgData name="Eardwulf Ulan" userId="S::18111@my.sanctamaria.school.nz::22607890-71d4-4bf2-b097-b426e6c19788" providerId="AD" clId="Web-{EEA164D0-AAA0-D66E-99E2-4DAFD6A87FD6}" dt="2023-05-18T08:36:01.694" v="114" actId="20577"/>
+          <ac:spMkLst>
+            <pc:docMk/>
+            <pc:sldMk cId="2017980198" sldId="274"/>
+            <ac:spMk id="73" creationId="{00000000-0000-0000-0000-000000000000}"/>
+          </ac:spMkLst>
+        </pc:spChg>
+        <pc:picChg chg="add mod">
+          <ac:chgData name="Eardwulf Ulan" userId="S::18111@my.sanctamaria.school.nz::22607890-71d4-4bf2-b097-b426e6c19788" providerId="AD" clId="Web-{EEA164D0-AAA0-D66E-99E2-4DAFD6A87FD6}" dt="2023-05-18T08:43:37.678" v="127" actId="14100"/>
+          <ac:picMkLst>
+            <pc:docMk/>
+            <pc:sldMk cId="2017980198" sldId="274"/>
+            <ac:picMk id="2" creationId="{22E9413C-7316-7F1F-0999-EA9287DF16DC}"/>
+          </ac:picMkLst>
+        </pc:picChg>
+      </pc:sldChg>
+      <pc:sldChg chg="addSp modSp add replId">
+        <pc:chgData name="Eardwulf Ulan" userId="S::18111@my.sanctamaria.school.nz::22607890-71d4-4bf2-b097-b426e6c19788" providerId="AD" clId="Web-{EEA164D0-AAA0-D66E-99E2-4DAFD6A87FD6}" dt="2023-05-18T09:26:32.394" v="342"/>
+        <pc:sldMkLst>
+          <pc:docMk/>
+          <pc:sldMk cId="3284167590" sldId="275"/>
+        </pc:sldMkLst>
+        <pc:spChg chg="add mod">
+          <ac:chgData name="Eardwulf Ulan" userId="S::18111@my.sanctamaria.school.nz::22607890-71d4-4bf2-b097-b426e6c19788" providerId="AD" clId="Web-{EEA164D0-AAA0-D66E-99E2-4DAFD6A87FD6}" dt="2023-05-18T08:59:37.954" v="268" actId="1076"/>
+          <ac:spMkLst>
+            <pc:docMk/>
+            <pc:sldMk cId="3284167590" sldId="275"/>
+            <ac:spMk id="4" creationId="{08B95181-9156-AF20-B4E8-BB9AB8A4000B}"/>
+          </ac:spMkLst>
+        </pc:spChg>
+        <pc:spChg chg="add mod">
+          <ac:chgData name="Eardwulf Ulan" userId="S::18111@my.sanctamaria.school.nz::22607890-71d4-4bf2-b097-b426e6c19788" providerId="AD" clId="Web-{EEA164D0-AAA0-D66E-99E2-4DAFD6A87FD6}" dt="2023-05-18T09:00:07.096" v="280" actId="20577"/>
+          <ac:spMkLst>
+            <pc:docMk/>
+            <pc:sldMk cId="3284167590" sldId="275"/>
+            <ac:spMk id="5" creationId="{FB45AA05-0A38-231B-8D5A-5A47FDF06CA7}"/>
+          </ac:spMkLst>
+        </pc:spChg>
+        <pc:spChg chg="add mod">
+          <ac:chgData name="Eardwulf Ulan" userId="S::18111@my.sanctamaria.school.nz::22607890-71d4-4bf2-b097-b426e6c19788" providerId="AD" clId="Web-{EEA164D0-AAA0-D66E-99E2-4DAFD6A87FD6}" dt="2023-05-18T09:00:28.440" v="285" actId="20577"/>
+          <ac:spMkLst>
+            <pc:docMk/>
+            <pc:sldMk cId="3284167590" sldId="275"/>
+            <ac:spMk id="6" creationId="{2BFEE5C3-8457-6B0F-130A-8B25EEC99964}"/>
+          </ac:spMkLst>
+        </pc:spChg>
+        <pc:spChg chg="mod">
+          <ac:chgData name="Eardwulf Ulan" userId="S::18111@my.sanctamaria.school.nz::22607890-71d4-4bf2-b097-b426e6c19788" providerId="AD" clId="Web-{EEA164D0-AAA0-D66E-99E2-4DAFD6A87FD6}" dt="2023-05-18T08:36:06.084" v="116" actId="20577"/>
+          <ac:spMkLst>
+            <pc:docMk/>
+            <pc:sldMk cId="3284167590" sldId="275"/>
+            <ac:spMk id="78" creationId="{00000000-0000-0000-0000-000000000000}"/>
+          </ac:spMkLst>
+        </pc:spChg>
+        <pc:graphicFrameChg chg="mod modGraphic">
+          <ac:chgData name="Eardwulf Ulan" userId="S::18111@my.sanctamaria.school.nz::22607890-71d4-4bf2-b097-b426e6c19788" providerId="AD" clId="Web-{EEA164D0-AAA0-D66E-99E2-4DAFD6A87FD6}" dt="2023-05-18T09:26:32.394" v="342"/>
+          <ac:graphicFrameMkLst>
+            <pc:docMk/>
+            <pc:sldMk cId="3284167590" sldId="275"/>
+            <ac:graphicFrameMk id="79" creationId="{00000000-0000-0000-0000-000000000000}"/>
+          </ac:graphicFrameMkLst>
+        </pc:graphicFrameChg>
+        <pc:picChg chg="add mod">
+          <ac:chgData name="Eardwulf Ulan" userId="S::18111@my.sanctamaria.school.nz::22607890-71d4-4bf2-b097-b426e6c19788" providerId="AD" clId="Web-{EEA164D0-AAA0-D66E-99E2-4DAFD6A87FD6}" dt="2023-05-18T08:59:05.406" v="258" actId="14100"/>
+          <ac:picMkLst>
+            <pc:docMk/>
+            <pc:sldMk cId="3284167590" sldId="275"/>
+            <ac:picMk id="2" creationId="{790F979F-0B12-7298-2373-248ABE0AE681}"/>
+          </ac:picMkLst>
+        </pc:picChg>
+        <pc:picChg chg="add mod">
+          <ac:chgData name="Eardwulf Ulan" userId="S::18111@my.sanctamaria.school.nz::22607890-71d4-4bf2-b097-b426e6c19788" providerId="AD" clId="Web-{EEA164D0-AAA0-D66E-99E2-4DAFD6A87FD6}" dt="2023-05-18T08:59:08.360" v="259" actId="1076"/>
+          <ac:picMkLst>
+            <pc:docMk/>
+            <pc:sldMk cId="3284167590" sldId="275"/>
+            <ac:picMk id="3" creationId="{19ACC1F2-D1AB-CA17-E206-6295B6CA9D74}"/>
+          </ac:picMkLst>
+        </pc:picChg>
+      </pc:sldChg>
+      <pc:sldChg chg="modSp add ord replId">
+        <pc:chgData name="Eardwulf Ulan" userId="S::18111@my.sanctamaria.school.nz::22607890-71d4-4bf2-b097-b426e6c19788" providerId="AD" clId="Web-{EEA164D0-AAA0-D66E-99E2-4DAFD6A87FD6}" dt="2023-05-18T09:20:20.915" v="290" actId="20577"/>
+        <pc:sldMkLst>
+          <pc:docMk/>
+          <pc:sldMk cId="3902562159" sldId="276"/>
+        </pc:sldMkLst>
+        <pc:spChg chg="mod">
+          <ac:chgData name="Eardwulf Ulan" userId="S::18111@my.sanctamaria.school.nz::22607890-71d4-4bf2-b097-b426e6c19788" providerId="AD" clId="Web-{EEA164D0-AAA0-D66E-99E2-4DAFD6A87FD6}" dt="2023-05-18T09:20:20.915" v="290" actId="20577"/>
+          <ac:spMkLst>
+            <pc:docMk/>
+            <pc:sldMk cId="3902562159" sldId="276"/>
+            <ac:spMk id="73" creationId="{00000000-0000-0000-0000-000000000000}"/>
+          </ac:spMkLst>
+        </pc:spChg>
+      </pc:sldChg>
+      <pc:sldChg chg="addSp modSp add replId">
+        <pc:chgData name="Eardwulf Ulan" userId="S::18111@my.sanctamaria.school.nz::22607890-71d4-4bf2-b097-b426e6c19788" providerId="AD" clId="Web-{EEA164D0-AAA0-D66E-99E2-4DAFD6A87FD6}" dt="2023-05-18T09:28:52.491" v="381" actId="1076"/>
+        <pc:sldMkLst>
+          <pc:docMk/>
+          <pc:sldMk cId="2665935881" sldId="277"/>
+        </pc:sldMkLst>
+        <pc:spChg chg="add mod">
+          <ac:chgData name="Eardwulf Ulan" userId="S::18111@my.sanctamaria.school.nz::22607890-71d4-4bf2-b097-b426e6c19788" providerId="AD" clId="Web-{EEA164D0-AAA0-D66E-99E2-4DAFD6A87FD6}" dt="2023-05-18T09:28:29.709" v="376" actId="1076"/>
+          <ac:spMkLst>
+            <pc:docMk/>
+            <pc:sldMk cId="2665935881" sldId="277"/>
+            <ac:spMk id="5" creationId="{62DC65C4-D94E-777E-173B-EEE6ADC04844}"/>
+          </ac:spMkLst>
+        </pc:spChg>
+        <pc:spChg chg="add mod">
+          <ac:chgData name="Eardwulf Ulan" userId="S::18111@my.sanctamaria.school.nz::22607890-71d4-4bf2-b097-b426e6c19788" providerId="AD" clId="Web-{EEA164D0-AAA0-D66E-99E2-4DAFD6A87FD6}" dt="2023-05-18T09:28:29.709" v="377" actId="1076"/>
+          <ac:spMkLst>
+            <pc:docMk/>
+            <pc:sldMk cId="2665935881" sldId="277"/>
+            <ac:spMk id="7" creationId="{142C84BD-5FEB-F71A-172C-AF0DB993AE4C}"/>
+          </ac:spMkLst>
+        </pc:spChg>
+        <pc:spChg chg="add mod">
+          <ac:chgData name="Eardwulf Ulan" userId="S::18111@my.sanctamaria.school.nz::22607890-71d4-4bf2-b097-b426e6c19788" providerId="AD" clId="Web-{EEA164D0-AAA0-D66E-99E2-4DAFD6A87FD6}" dt="2023-05-18T09:28:29.709" v="378" actId="1076"/>
+          <ac:spMkLst>
+            <pc:docMk/>
+            <pc:sldMk cId="2665935881" sldId="277"/>
+            <ac:spMk id="9" creationId="{F843199D-5A47-416C-0FE9-E170D5DB0C29}"/>
+          </ac:spMkLst>
+        </pc:spChg>
+        <pc:spChg chg="mod ord">
+          <ac:chgData name="Eardwulf Ulan" userId="S::18111@my.sanctamaria.school.nz::22607890-71d4-4bf2-b097-b426e6c19788" providerId="AD" clId="Web-{EEA164D0-AAA0-D66E-99E2-4DAFD6A87FD6}" dt="2023-05-18T09:27:49.583" v="366"/>
+          <ac:spMkLst>
+            <pc:docMk/>
+            <pc:sldMk cId="2665935881" sldId="277"/>
+            <ac:spMk id="78" creationId="{00000000-0000-0000-0000-000000000000}"/>
+          </ac:spMkLst>
+        </pc:spChg>
+        <pc:graphicFrameChg chg="mod modGraphic">
+          <ac:chgData name="Eardwulf Ulan" userId="S::18111@my.sanctamaria.school.nz::22607890-71d4-4bf2-b097-b426e6c19788" providerId="AD" clId="Web-{EEA164D0-AAA0-D66E-99E2-4DAFD6A87FD6}" dt="2023-05-18T09:27:37.661" v="364" actId="1076"/>
+          <ac:graphicFrameMkLst>
+            <pc:docMk/>
+            <pc:sldMk cId="2665935881" sldId="277"/>
+            <ac:graphicFrameMk id="79" creationId="{00000000-0000-0000-0000-000000000000}"/>
+          </ac:graphicFrameMkLst>
+        </pc:graphicFrameChg>
+        <pc:picChg chg="add mod">
+          <ac:chgData name="Eardwulf Ulan" userId="S::18111@my.sanctamaria.school.nz::22607890-71d4-4bf2-b097-b426e6c19788" providerId="AD" clId="Web-{EEA164D0-AAA0-D66E-99E2-4DAFD6A87FD6}" dt="2023-05-18T09:28:05.943" v="371" actId="1076"/>
+          <ac:picMkLst>
+            <pc:docMk/>
+            <pc:sldMk cId="2665935881" sldId="277"/>
+            <ac:picMk id="2" creationId="{B11AB543-2BFF-3FCF-C1EC-CDCBB3ECC63E}"/>
+          </ac:picMkLst>
+        </pc:picChg>
+        <pc:picChg chg="add mod">
+          <ac:chgData name="Eardwulf Ulan" userId="S::18111@my.sanctamaria.school.nz::22607890-71d4-4bf2-b097-b426e6c19788" providerId="AD" clId="Web-{EEA164D0-AAA0-D66E-99E2-4DAFD6A87FD6}" dt="2023-05-18T09:28:52.491" v="381" actId="1076"/>
+          <ac:picMkLst>
+            <pc:docMk/>
+            <pc:sldMk cId="2665935881" sldId="277"/>
+            <ac:picMk id="3" creationId="{7CC92D5C-BBC4-A142-6097-B77B5CA0115F}"/>
+          </ac:picMkLst>
+        </pc:picChg>
+      </pc:sldChg>
+      <pc:sldChg chg="add ord replId">
+        <pc:chgData name="Eardwulf Ulan" userId="S::18111@my.sanctamaria.school.nz::22607890-71d4-4bf2-b097-b426e6c19788" providerId="AD" clId="Web-{EEA164D0-AAA0-D66E-99E2-4DAFD6A87FD6}" dt="2023-05-18T09:20:16.181" v="288"/>
+        <pc:sldMkLst>
+          <pc:docMk/>
+          <pc:sldMk cId="1323765978" sldId="278"/>
+        </pc:sldMkLst>
+      </pc:sldChg>
+      <pc:sldChg chg="add replId">
+        <pc:chgData name="Eardwulf Ulan" userId="S::18111@my.sanctamaria.school.nz::22607890-71d4-4bf2-b097-b426e6c19788" providerId="AD" clId="Web-{EEA164D0-AAA0-D66E-99E2-4DAFD6A87FD6}" dt="2023-05-18T09:20:15.337" v="287"/>
+        <pc:sldMkLst>
+          <pc:docMk/>
+          <pc:sldMk cId="2047372433" sldId="279"/>
+        </pc:sldMkLst>
+      </pc:sldChg>
+      <pc:sldChg chg="add ord replId">
+        <pc:chgData name="Eardwulf Ulan" userId="S::18111@my.sanctamaria.school.nz::22607890-71d4-4bf2-b097-b426e6c19788" providerId="AD" clId="Web-{EEA164D0-AAA0-D66E-99E2-4DAFD6A87FD6}" dt="2023-05-18T09:29:03.585" v="386"/>
+        <pc:sldMkLst>
+          <pc:docMk/>
+          <pc:sldMk cId="4093940346" sldId="280"/>
+        </pc:sldMkLst>
+      </pc:sldChg>
+      <pc:sldChg chg="add replId">
+        <pc:chgData name="Eardwulf Ulan" userId="S::18111@my.sanctamaria.school.nz::22607890-71d4-4bf2-b097-b426e6c19788" providerId="AD" clId="Web-{EEA164D0-AAA0-D66E-99E2-4DAFD6A87FD6}" dt="2023-05-18T09:29:01.522" v="385"/>
+        <pc:sldMkLst>
+          <pc:docMk/>
+          <pc:sldMk cId="3748886745" sldId="281"/>
         </pc:sldMkLst>
       </pc:sldChg>
     </pc:docChg>
@@ -660,7 +1097,7 @@
   <pc:docChgLst>
     <pc:chgData name="Eardwulf Ulan" userId="S::18111@my.sanctamaria.school.nz::22607890-71d4-4bf2-b097-b426e6c19788" providerId="AD" clId="Web-{2C50332A-7737-936E-7DA5-FCEB92BAE891}"/>
     <pc:docChg chg="addSld modSld sldOrd modSection">
-      <pc:chgData name="Eardwulf Ulan" userId="S::18111@my.sanctamaria.school.nz::22607890-71d4-4bf2-b097-b426e6c19788" providerId="AD" clId="Web-{2C50332A-7737-936E-7DA5-FCEB92BAE891}" dt="2023-05-17T21:21:07.673" v="505"/>
+      <pc:chgData name="Eardwulf Ulan" userId="S::18111@my.sanctamaria.school.nz::22607890-71d4-4bf2-b097-b426e6c19788" providerId="AD" clId="Web-{2C50332A-7737-936E-7DA5-FCEB92BAE891}" dt="2023-05-18T00:03:01.235" v="648" actId="14100"/>
       <pc:docMkLst>
         <pc:docMk/>
       </pc:docMkLst>
@@ -680,11 +1117,19 @@
         </pc:spChg>
       </pc:sldChg>
       <pc:sldChg chg="addSp modSp">
-        <pc:chgData name="Eardwulf Ulan" userId="S::18111@my.sanctamaria.school.nz::22607890-71d4-4bf2-b097-b426e6c19788" providerId="AD" clId="Web-{2C50332A-7737-936E-7DA5-FCEB92BAE891}" dt="2023-05-17T21:10:58.394" v="9" actId="1076"/>
+        <pc:chgData name="Eardwulf Ulan" userId="S::18111@my.sanctamaria.school.nz::22607890-71d4-4bf2-b097-b426e6c19788" providerId="AD" clId="Web-{2C50332A-7737-936E-7DA5-FCEB92BAE891}" dt="2023-05-17T23:52:13.939" v="510" actId="20577"/>
         <pc:sldMkLst>
           <pc:docMk/>
           <pc:sldMk cId="638340319" sldId="268"/>
         </pc:sldMkLst>
+        <pc:spChg chg="mod">
+          <ac:chgData name="Eardwulf Ulan" userId="S::18111@my.sanctamaria.school.nz::22607890-71d4-4bf2-b097-b426e6c19788" providerId="AD" clId="Web-{2C50332A-7737-936E-7DA5-FCEB92BAE891}" dt="2023-05-17T23:52:13.939" v="510" actId="20577"/>
+          <ac:spMkLst>
+            <pc:docMk/>
+            <pc:sldMk cId="638340319" sldId="268"/>
+            <ac:spMk id="73" creationId="{00000000-0000-0000-0000-000000000000}"/>
+          </ac:spMkLst>
+        </pc:spChg>
         <pc:picChg chg="add mod">
           <ac:chgData name="Eardwulf Ulan" userId="S::18111@my.sanctamaria.school.nz::22607890-71d4-4bf2-b097-b426e6c19788" providerId="AD" clId="Web-{2C50332A-7737-936E-7DA5-FCEB92BAE891}" dt="2023-05-17T21:10:58.394" v="9" actId="1076"/>
           <ac:picMkLst>
@@ -695,13 +1140,13 @@
         </pc:picChg>
       </pc:sldChg>
       <pc:sldChg chg="addSp delSp modSp">
-        <pc:chgData name="Eardwulf Ulan" userId="S::18111@my.sanctamaria.school.nz::22607890-71d4-4bf2-b097-b426e6c19788" providerId="AD" clId="Web-{2C50332A-7737-936E-7DA5-FCEB92BAE891}" dt="2023-05-17T21:20:36.704" v="502" actId="20577"/>
+        <pc:chgData name="Eardwulf Ulan" userId="S::18111@my.sanctamaria.school.nz::22607890-71d4-4bf2-b097-b426e6c19788" providerId="AD" clId="Web-{2C50332A-7737-936E-7DA5-FCEB92BAE891}" dt="2023-05-18T00:00:37.560" v="549" actId="1076"/>
         <pc:sldMkLst>
           <pc:docMk/>
           <pc:sldMk cId="1713692142" sldId="269"/>
         </pc:sldMkLst>
         <pc:spChg chg="add mod">
-          <ac:chgData name="Eardwulf Ulan" userId="S::18111@my.sanctamaria.school.nz::22607890-71d4-4bf2-b097-b426e6c19788" providerId="AD" clId="Web-{2C50332A-7737-936E-7DA5-FCEB92BAE891}" dt="2023-05-17T21:20:28.016" v="496" actId="1076"/>
+          <ac:chgData name="Eardwulf Ulan" userId="S::18111@my.sanctamaria.school.nz::22607890-71d4-4bf2-b097-b426e6c19788" providerId="AD" clId="Web-{2C50332A-7737-936E-7DA5-FCEB92BAE891}" dt="2023-05-18T00:00:37.544" v="548" actId="1076"/>
           <ac:spMkLst>
             <pc:docMk/>
             <pc:sldMk cId="1713692142" sldId="269"/>
@@ -709,7 +1154,7 @@
           </ac:spMkLst>
         </pc:spChg>
         <pc:spChg chg="add mod">
-          <ac:chgData name="Eardwulf Ulan" userId="S::18111@my.sanctamaria.school.nz::22607890-71d4-4bf2-b097-b426e6c19788" providerId="AD" clId="Web-{2C50332A-7737-936E-7DA5-FCEB92BAE891}" dt="2023-05-17T21:20:36.704" v="502" actId="20577"/>
+          <ac:chgData name="Eardwulf Ulan" userId="S::18111@my.sanctamaria.school.nz::22607890-71d4-4bf2-b097-b426e6c19788" providerId="AD" clId="Web-{2C50332A-7737-936E-7DA5-FCEB92BAE891}" dt="2023-05-18T00:00:37.560" v="549" actId="1076"/>
           <ac:spMkLst>
             <pc:docMk/>
             <pc:sldMk cId="1713692142" sldId="269"/>
@@ -725,7 +1170,7 @@
           </ac:spMkLst>
         </pc:spChg>
         <pc:graphicFrameChg chg="mod modGraphic">
-          <ac:chgData name="Eardwulf Ulan" userId="S::18111@my.sanctamaria.school.nz::22607890-71d4-4bf2-b097-b426e6c19788" providerId="AD" clId="Web-{2C50332A-7737-936E-7DA5-FCEB92BAE891}" dt="2023-05-17T21:15:54.323" v="435"/>
+          <ac:chgData name="Eardwulf Ulan" userId="S::18111@my.sanctamaria.school.nz::22607890-71d4-4bf2-b097-b426e6c19788" providerId="AD" clId="Web-{2C50332A-7737-936E-7DA5-FCEB92BAE891}" dt="2023-05-18T00:00:05.481" v="540"/>
           <ac:graphicFrameMkLst>
             <pc:docMk/>
             <pc:sldMk cId="1713692142" sldId="269"/>
@@ -733,7 +1178,7 @@
           </ac:graphicFrameMkLst>
         </pc:graphicFrameChg>
         <pc:picChg chg="add mod">
-          <ac:chgData name="Eardwulf Ulan" userId="S::18111@my.sanctamaria.school.nz::22607890-71d4-4bf2-b097-b426e6c19788" providerId="AD" clId="Web-{2C50332A-7737-936E-7DA5-FCEB92BAE891}" dt="2023-05-17T21:18:22.795" v="456" actId="1076"/>
+          <ac:chgData name="Eardwulf Ulan" userId="S::18111@my.sanctamaria.school.nz::22607890-71d4-4bf2-b097-b426e6c19788" providerId="AD" clId="Web-{2C50332A-7737-936E-7DA5-FCEB92BAE891}" dt="2023-05-18T00:00:26.403" v="545" actId="1076"/>
           <ac:picMkLst>
             <pc:docMk/>
             <pc:sldMk cId="1713692142" sldId="269"/>
@@ -749,7 +1194,7 @@
           </ac:picMkLst>
         </pc:picChg>
         <pc:picChg chg="add mod">
-          <ac:chgData name="Eardwulf Ulan" userId="S::18111@my.sanctamaria.school.nz::22607890-71d4-4bf2-b097-b426e6c19788" providerId="AD" clId="Web-{2C50332A-7737-936E-7DA5-FCEB92BAE891}" dt="2023-05-17T21:18:16.044" v="455" actId="1076"/>
+          <ac:chgData name="Eardwulf Ulan" userId="S::18111@my.sanctamaria.school.nz::22607890-71d4-4bf2-b097-b426e6c19788" providerId="AD" clId="Web-{2C50332A-7737-936E-7DA5-FCEB92BAE891}" dt="2023-05-18T00:00:37.528" v="546" actId="1076"/>
           <ac:picMkLst>
             <pc:docMk/>
             <pc:sldMk cId="1713692142" sldId="269"/>
@@ -757,11 +1202,73 @@
           </ac:picMkLst>
         </pc:picChg>
         <pc:picChg chg="add mod">
-          <ac:chgData name="Eardwulf Ulan" userId="S::18111@my.sanctamaria.school.nz::22607890-71d4-4bf2-b097-b426e6c19788" providerId="AD" clId="Web-{2C50332A-7737-936E-7DA5-FCEB92BAE891}" dt="2023-05-17T21:18:02.513" v="451" actId="1076"/>
+          <ac:chgData name="Eardwulf Ulan" userId="S::18111@my.sanctamaria.school.nz::22607890-71d4-4bf2-b097-b426e6c19788" providerId="AD" clId="Web-{2C50332A-7737-936E-7DA5-FCEB92BAE891}" dt="2023-05-18T00:00:37.544" v="547" actId="1076"/>
           <ac:picMkLst>
             <pc:docMk/>
             <pc:sldMk cId="1713692142" sldId="269"/>
             <ac:picMk id="5" creationId="{7047F815-E48A-DE96-37FC-91BEA9EBE2C6}"/>
+          </ac:picMkLst>
+        </pc:picChg>
+      </pc:sldChg>
+      <pc:sldChg chg="addSp modSp">
+        <pc:chgData name="Eardwulf Ulan" userId="S::18111@my.sanctamaria.school.nz::22607890-71d4-4bf2-b097-b426e6c19788" providerId="AD" clId="Web-{2C50332A-7737-936E-7DA5-FCEB92BAE891}" dt="2023-05-17T23:59:38.324" v="520" actId="14100"/>
+        <pc:sldMkLst>
+          <pc:docMk/>
+          <pc:sldMk cId="2125486748" sldId="270"/>
+        </pc:sldMkLst>
+        <pc:spChg chg="mod">
+          <ac:chgData name="Eardwulf Ulan" userId="S::18111@my.sanctamaria.school.nz::22607890-71d4-4bf2-b097-b426e6c19788" providerId="AD" clId="Web-{2C50332A-7737-936E-7DA5-FCEB92BAE891}" dt="2023-05-17T23:52:09.595" v="509" actId="20577"/>
+          <ac:spMkLst>
+            <pc:docMk/>
+            <pc:sldMk cId="2125486748" sldId="270"/>
+            <ac:spMk id="73" creationId="{00000000-0000-0000-0000-000000000000}"/>
+          </ac:spMkLst>
+        </pc:spChg>
+        <pc:picChg chg="add mod">
+          <ac:chgData name="Eardwulf Ulan" userId="S::18111@my.sanctamaria.school.nz::22607890-71d4-4bf2-b097-b426e6c19788" providerId="AD" clId="Web-{2C50332A-7737-936E-7DA5-FCEB92BAE891}" dt="2023-05-17T23:59:38.324" v="520" actId="14100"/>
+          <ac:picMkLst>
+            <pc:docMk/>
+            <pc:sldMk cId="2125486748" sldId="270"/>
+            <ac:picMk id="2" creationId="{7F9BC6D3-ADC9-8763-04E5-002ADC395F4C}"/>
+          </ac:picMkLst>
+        </pc:picChg>
+      </pc:sldChg>
+      <pc:sldChg chg="addSp modSp">
+        <pc:chgData name="Eardwulf Ulan" userId="S::18111@my.sanctamaria.school.nz::22607890-71d4-4bf2-b097-b426e6c19788" providerId="AD" clId="Web-{2C50332A-7737-936E-7DA5-FCEB92BAE891}" dt="2023-05-18T00:03:01.235" v="648" actId="14100"/>
+        <pc:sldMkLst>
+          <pc:docMk/>
+          <pc:sldMk cId="1744829088" sldId="271"/>
+        </pc:sldMkLst>
+        <pc:spChg chg="mod">
+          <ac:chgData name="Eardwulf Ulan" userId="S::18111@my.sanctamaria.school.nz::22607890-71d4-4bf2-b097-b426e6c19788" providerId="AD" clId="Web-{2C50332A-7737-936E-7DA5-FCEB92BAE891}" dt="2023-05-17T23:56:23.554" v="515" actId="20577"/>
+          <ac:spMkLst>
+            <pc:docMk/>
+            <pc:sldMk cId="1744829088" sldId="271"/>
+            <ac:spMk id="78" creationId="{00000000-0000-0000-0000-000000000000}"/>
+          </ac:spMkLst>
+        </pc:spChg>
+        <pc:graphicFrameChg chg="mod modGraphic">
+          <ac:chgData name="Eardwulf Ulan" userId="S::18111@my.sanctamaria.school.nz::22607890-71d4-4bf2-b097-b426e6c19788" providerId="AD" clId="Web-{2C50332A-7737-936E-7DA5-FCEB92BAE891}" dt="2023-05-18T00:02:05.468" v="639"/>
+          <ac:graphicFrameMkLst>
+            <pc:docMk/>
+            <pc:sldMk cId="1744829088" sldId="271"/>
+            <ac:graphicFrameMk id="79" creationId="{00000000-0000-0000-0000-000000000000}"/>
+          </ac:graphicFrameMkLst>
+        </pc:graphicFrameChg>
+        <pc:picChg chg="add mod">
+          <ac:chgData name="Eardwulf Ulan" userId="S::18111@my.sanctamaria.school.nz::22607890-71d4-4bf2-b097-b426e6c19788" providerId="AD" clId="Web-{2C50332A-7737-936E-7DA5-FCEB92BAE891}" dt="2023-05-18T00:03:01.235" v="648" actId="14100"/>
+          <ac:picMkLst>
+            <pc:docMk/>
+            <pc:sldMk cId="1744829088" sldId="271"/>
+            <ac:picMk id="2" creationId="{B56E88FD-1437-5CE3-DB07-3D1049B39886}"/>
+          </ac:picMkLst>
+        </pc:picChg>
+        <pc:picChg chg="add mod">
+          <ac:chgData name="Eardwulf Ulan" userId="S::18111@my.sanctamaria.school.nz::22607890-71d4-4bf2-b097-b426e6c19788" providerId="AD" clId="Web-{2C50332A-7737-936E-7DA5-FCEB92BAE891}" dt="2023-05-18T00:02:54.703" v="646" actId="1076"/>
+          <ac:picMkLst>
+            <pc:docMk/>
+            <pc:sldMk cId="1744829088" sldId="271"/>
+            <ac:picMk id="3" creationId="{C1ABCF39-DA20-BF54-AF3D-5898B138441A}"/>
           </ac:picMkLst>
         </pc:picChg>
       </pc:sldChg>
@@ -772,12 +1279,20 @@
           <pc:sldMk cId="1649247326" sldId="272"/>
         </pc:sldMkLst>
       </pc:sldChg>
-      <pc:sldChg chg="add ord replId">
-        <pc:chgData name="Eardwulf Ulan" userId="S::18111@my.sanctamaria.school.nz::22607890-71d4-4bf2-b097-b426e6c19788" providerId="AD" clId="Web-{2C50332A-7737-936E-7DA5-FCEB92BAE891}" dt="2023-05-17T21:21:07.673" v="505"/>
+      <pc:sldChg chg="modSp add ord replId">
+        <pc:chgData name="Eardwulf Ulan" userId="S::18111@my.sanctamaria.school.nz::22607890-71d4-4bf2-b097-b426e6c19788" providerId="AD" clId="Web-{2C50332A-7737-936E-7DA5-FCEB92BAE891}" dt="2023-05-17T23:52:23.001" v="511" actId="20577"/>
         <pc:sldMkLst>
           <pc:docMk/>
           <pc:sldMk cId="4142443043" sldId="273"/>
         </pc:sldMkLst>
+        <pc:spChg chg="mod">
+          <ac:chgData name="Eardwulf Ulan" userId="S::18111@my.sanctamaria.school.nz::22607890-71d4-4bf2-b097-b426e6c19788" providerId="AD" clId="Web-{2C50332A-7737-936E-7DA5-FCEB92BAE891}" dt="2023-05-17T23:52:23.001" v="511" actId="20577"/>
+          <ac:spMkLst>
+            <pc:docMk/>
+            <pc:sldMk cId="4142443043" sldId="273"/>
+            <ac:spMk id="73" creationId="{00000000-0000-0000-0000-000000000000}"/>
+          </ac:spMkLst>
+        </pc:spChg>
       </pc:sldChg>
     </pc:docChg>
   </pc:docChgLst>
@@ -2097,7 +2612,7 @@
   <p:cSld>
     <p:spTree>
       <p:nvGrpSpPr>
-        <p:cNvPr id="1" name="Shape 80"/>
+        <p:cNvPr id="1" name="Shape 69"/>
         <p:cNvGrpSpPr/>
         <p:nvPr/>
       </p:nvGrpSpPr>
@@ -2111,7 +2626,7 @@
       </p:grpSpPr>
       <p:sp>
         <p:nvSpPr>
-          <p:cNvPr id="81" name="Google Shape;81;gac10fef634_0_25:notes"/>
+          <p:cNvPr id="70" name="Google Shape;70;gac10fef634_0_16:notes"/>
           <p:cNvSpPr>
             <a:spLocks noGrp="1" noRot="1" noChangeAspect="1"/>
           </p:cNvSpPr>
@@ -2152,7 +2667,7 @@
       </p:sp>
       <p:sp>
         <p:nvSpPr>
-          <p:cNvPr id="82" name="Google Shape;82;gac10fef634_0_25:notes"/>
+          <p:cNvPr id="71" name="Google Shape;71;gac10fef634_0_16:notes"/>
           <p:cNvSpPr txBox="1">
             <a:spLocks noGrp="1"/>
           </p:cNvSpPr>
@@ -2182,27 +2697,6 @@
               <a:spcAft>
                 <a:spcPts val="0"/>
               </a:spcAft>
-              <a:buClr>
-                <a:schemeClr val="dk1"/>
-              </a:buClr>
-              <a:buSzPts val="1100"/>
-              <a:buFont typeface="Arial"/>
-              <a:buNone/>
-            </a:pPr>
-            <a:r>
-              <a:rPr lang="en"/>
-              <a:t>Your version control evidence should go here.  This could be in the form of annotated screenshots which show you you managed this process or you could make a brief screencast explaining how you implemented version control.</a:t>
-            </a:r>
-            <a:endParaRPr/>
-          </a:p>
-          <a:p>
-            <a:pPr marL="0" lvl="0" indent="0" algn="l" rtl="0">
-              <a:spcBef>
-                <a:spcPts val="0"/>
-              </a:spcBef>
-              <a:spcAft>
-                <a:spcPts val="0"/>
-              </a:spcAft>
               <a:buNone/>
             </a:pPr>
             <a:endParaRPr/>
@@ -2210,6 +2704,11 @@
         </p:txBody>
       </p:sp>
     </p:spTree>
+    <p:extLst>
+      <p:ext uri="{BB962C8B-B14F-4D97-AF65-F5344CB8AC3E}">
+        <p14:creationId xmlns:p14="http://schemas.microsoft.com/office/powerpoint/2010/main" val="2397988010"/>
+      </p:ext>
+    </p:extLst>
   </p:cSld>
   <p:clrMapOvr>
     <a:masterClrMapping/>
@@ -2222,7 +2721,7 @@
   <p:cSld>
     <p:spTree>
       <p:nvGrpSpPr>
-        <p:cNvPr id="1" name="Shape 86"/>
+        <p:cNvPr id="1" name="Shape 74"/>
         <p:cNvGrpSpPr/>
         <p:nvPr/>
       </p:nvGrpSpPr>
@@ -2236,7 +2735,7 @@
       </p:grpSpPr>
       <p:sp>
         <p:nvSpPr>
-          <p:cNvPr id="87" name="Google Shape;87;gac10fef634_0_30:notes"/>
+          <p:cNvPr id="75" name="Google Shape;75;gac10fef634_0_20:notes"/>
           <p:cNvSpPr>
             <a:spLocks noGrp="1" noRot="1" noChangeAspect="1"/>
           </p:cNvSpPr>
@@ -2277,7 +2776,7 @@
       </p:sp>
       <p:sp>
         <p:nvSpPr>
-          <p:cNvPr id="88" name="Google Shape;88;gac10fef634_0_30:notes"/>
+          <p:cNvPr id="76" name="Google Shape;76;gac10fef634_0_20:notes"/>
           <p:cNvSpPr txBox="1">
             <a:spLocks noGrp="1"/>
           </p:cNvSpPr>
@@ -2309,15 +2808,125 @@
               </a:spcAft>
               <a:buNone/>
             </a:pPr>
-            <a:r>
-              <a:rPr lang="en"/>
-              <a:t>Discusses how the information from planning, testing and trialling of components assisted in the development of a high-quality outcome</a:t>
-            </a:r>
             <a:endParaRPr/>
           </a:p>
         </p:txBody>
       </p:sp>
     </p:spTree>
+    <p:extLst>
+      <p:ext uri="{BB962C8B-B14F-4D97-AF65-F5344CB8AC3E}">
+        <p14:creationId xmlns:p14="http://schemas.microsoft.com/office/powerpoint/2010/main" val="1726442028"/>
+      </p:ext>
+    </p:extLst>
+  </p:cSld>
+  <p:clrMapOvr>
+    <a:masterClrMapping/>
+  </p:clrMapOvr>
+</p:notes>
+</file>
+
+<file path=ppt/notesSlides/notesSlide19.xml><?xml version="1.0" encoding="utf-8"?>
+<p:notes xmlns:a="http://schemas.openxmlformats.org/drawingml/2006/main" xmlns:r="http://schemas.openxmlformats.org/officeDocument/2006/relationships" xmlns:p="http://schemas.openxmlformats.org/presentationml/2006/main" showMasterSp="0" showMasterPhAnim="0">
+  <p:cSld>
+    <p:spTree>
+      <p:nvGrpSpPr>
+        <p:cNvPr id="1" name="Shape 69"/>
+        <p:cNvGrpSpPr/>
+        <p:nvPr/>
+      </p:nvGrpSpPr>
+      <p:grpSpPr>
+        <a:xfrm>
+          <a:off x="0" y="0"/>
+          <a:ext cx="0" cy="0"/>
+          <a:chOff x="0" y="0"/>
+          <a:chExt cx="0" cy="0"/>
+        </a:xfrm>
+      </p:grpSpPr>
+      <p:sp>
+        <p:nvSpPr>
+          <p:cNvPr id="70" name="Google Shape;70;gac10fef634_0_16:notes"/>
+          <p:cNvSpPr>
+            <a:spLocks noGrp="1" noRot="1" noChangeAspect="1"/>
+          </p:cNvSpPr>
+          <p:nvPr>
+            <p:ph type="sldImg" idx="2"/>
+          </p:nvPr>
+        </p:nvSpPr>
+        <p:spPr>
+          <a:xfrm>
+            <a:off x="381000" y="685800"/>
+            <a:ext cx="6096000" cy="3429000"/>
+          </a:xfrm>
+          <a:custGeom>
+            <a:avLst/>
+            <a:gdLst/>
+            <a:ahLst/>
+            <a:cxnLst/>
+            <a:rect l="l" t="t" r="r" b="b"/>
+            <a:pathLst>
+              <a:path w="120000" h="120000" extrusionOk="0">
+                <a:moveTo>
+                  <a:pt x="0" y="0"/>
+                </a:moveTo>
+                <a:lnTo>
+                  <a:pt x="120000" y="0"/>
+                </a:lnTo>
+                <a:lnTo>
+                  <a:pt x="120000" y="120000"/>
+                </a:lnTo>
+                <a:lnTo>
+                  <a:pt x="0" y="120000"/>
+                </a:lnTo>
+                <a:close/>
+              </a:path>
+            </a:pathLst>
+          </a:custGeom>
+        </p:spPr>
+      </p:sp>
+      <p:sp>
+        <p:nvSpPr>
+          <p:cNvPr id="71" name="Google Shape;71;gac10fef634_0_16:notes"/>
+          <p:cNvSpPr txBox="1">
+            <a:spLocks noGrp="1"/>
+          </p:cNvSpPr>
+          <p:nvPr>
+            <p:ph type="body" idx="1"/>
+          </p:nvPr>
+        </p:nvSpPr>
+        <p:spPr>
+          <a:xfrm>
+            <a:off x="685800" y="4343400"/>
+            <a:ext cx="5486400" cy="4114800"/>
+          </a:xfrm>
+          <a:prstGeom prst="rect">
+            <a:avLst/>
+          </a:prstGeom>
+        </p:spPr>
+        <p:txBody>
+          <a:bodyPr spcFirstLastPara="1" wrap="square" lIns="91425" tIns="91425" rIns="91425" bIns="91425" anchor="t" anchorCtr="0">
+            <a:noAutofit/>
+          </a:bodyPr>
+          <a:lstStyle/>
+          <a:p>
+            <a:pPr marL="0" lvl="0" indent="0" algn="l" rtl="0">
+              <a:spcBef>
+                <a:spcPts val="0"/>
+              </a:spcBef>
+              <a:spcAft>
+                <a:spcPts val="0"/>
+              </a:spcAft>
+              <a:buNone/>
+            </a:pPr>
+            <a:endParaRPr/>
+          </a:p>
+        </p:txBody>
+      </p:sp>
+    </p:spTree>
+    <p:extLst>
+      <p:ext uri="{BB962C8B-B14F-4D97-AF65-F5344CB8AC3E}">
+        <p14:creationId xmlns:p14="http://schemas.microsoft.com/office/powerpoint/2010/main" val="1969114121"/>
+      </p:ext>
+    </p:extLst>
   </p:cSld>
   <p:clrMapOvr>
     <a:masterClrMapping/>
@@ -2431,6 +3040,784 @@
         <p14:creationId xmlns:p14="http://schemas.microsoft.com/office/powerpoint/2010/main" val="944026448"/>
       </p:ext>
     </p:extLst>
+  </p:cSld>
+  <p:clrMapOvr>
+    <a:masterClrMapping/>
+  </p:clrMapOvr>
+</p:notes>
+</file>
+
+<file path=ppt/notesSlides/notesSlide20.xml><?xml version="1.0" encoding="utf-8"?>
+<p:notes xmlns:a="http://schemas.openxmlformats.org/drawingml/2006/main" xmlns:r="http://schemas.openxmlformats.org/officeDocument/2006/relationships" xmlns:p="http://schemas.openxmlformats.org/presentationml/2006/main" showMasterSp="0" showMasterPhAnim="0">
+  <p:cSld>
+    <p:spTree>
+      <p:nvGrpSpPr>
+        <p:cNvPr id="1" name="Shape 74"/>
+        <p:cNvGrpSpPr/>
+        <p:nvPr/>
+      </p:nvGrpSpPr>
+      <p:grpSpPr>
+        <a:xfrm>
+          <a:off x="0" y="0"/>
+          <a:ext cx="0" cy="0"/>
+          <a:chOff x="0" y="0"/>
+          <a:chExt cx="0" cy="0"/>
+        </a:xfrm>
+      </p:grpSpPr>
+      <p:sp>
+        <p:nvSpPr>
+          <p:cNvPr id="75" name="Google Shape;75;gac10fef634_0_20:notes"/>
+          <p:cNvSpPr>
+            <a:spLocks noGrp="1" noRot="1" noChangeAspect="1"/>
+          </p:cNvSpPr>
+          <p:nvPr>
+            <p:ph type="sldImg" idx="2"/>
+          </p:nvPr>
+        </p:nvSpPr>
+        <p:spPr>
+          <a:xfrm>
+            <a:off x="381000" y="685800"/>
+            <a:ext cx="6096000" cy="3429000"/>
+          </a:xfrm>
+          <a:custGeom>
+            <a:avLst/>
+            <a:gdLst/>
+            <a:ahLst/>
+            <a:cxnLst/>
+            <a:rect l="l" t="t" r="r" b="b"/>
+            <a:pathLst>
+              <a:path w="120000" h="120000" extrusionOk="0">
+                <a:moveTo>
+                  <a:pt x="0" y="0"/>
+                </a:moveTo>
+                <a:lnTo>
+                  <a:pt x="120000" y="0"/>
+                </a:lnTo>
+                <a:lnTo>
+                  <a:pt x="120000" y="120000"/>
+                </a:lnTo>
+                <a:lnTo>
+                  <a:pt x="0" y="120000"/>
+                </a:lnTo>
+                <a:close/>
+              </a:path>
+            </a:pathLst>
+          </a:custGeom>
+        </p:spPr>
+      </p:sp>
+      <p:sp>
+        <p:nvSpPr>
+          <p:cNvPr id="76" name="Google Shape;76;gac10fef634_0_20:notes"/>
+          <p:cNvSpPr txBox="1">
+            <a:spLocks noGrp="1"/>
+          </p:cNvSpPr>
+          <p:nvPr>
+            <p:ph type="body" idx="1"/>
+          </p:nvPr>
+        </p:nvSpPr>
+        <p:spPr>
+          <a:xfrm>
+            <a:off x="685800" y="4343400"/>
+            <a:ext cx="5486400" cy="4114800"/>
+          </a:xfrm>
+          <a:prstGeom prst="rect">
+            <a:avLst/>
+          </a:prstGeom>
+        </p:spPr>
+        <p:txBody>
+          <a:bodyPr spcFirstLastPara="1" wrap="square" lIns="91425" tIns="91425" rIns="91425" bIns="91425" anchor="t" anchorCtr="0">
+            <a:noAutofit/>
+          </a:bodyPr>
+          <a:lstStyle/>
+          <a:p>
+            <a:pPr marL="0" lvl="0" indent="0" algn="l" rtl="0">
+              <a:spcBef>
+                <a:spcPts val="0"/>
+              </a:spcBef>
+              <a:spcAft>
+                <a:spcPts val="0"/>
+              </a:spcAft>
+              <a:buNone/>
+            </a:pPr>
+            <a:endParaRPr/>
+          </a:p>
+        </p:txBody>
+      </p:sp>
+    </p:spTree>
+    <p:extLst>
+      <p:ext uri="{BB962C8B-B14F-4D97-AF65-F5344CB8AC3E}">
+        <p14:creationId xmlns:p14="http://schemas.microsoft.com/office/powerpoint/2010/main" val="1181844950"/>
+      </p:ext>
+    </p:extLst>
+  </p:cSld>
+  <p:clrMapOvr>
+    <a:masterClrMapping/>
+  </p:clrMapOvr>
+</p:notes>
+</file>
+
+<file path=ppt/notesSlides/notesSlide21.xml><?xml version="1.0" encoding="utf-8"?>
+<p:notes xmlns:a="http://schemas.openxmlformats.org/drawingml/2006/main" xmlns:r="http://schemas.openxmlformats.org/officeDocument/2006/relationships" xmlns:p="http://schemas.openxmlformats.org/presentationml/2006/main" showMasterSp="0" showMasterPhAnim="0">
+  <p:cSld>
+    <p:spTree>
+      <p:nvGrpSpPr>
+        <p:cNvPr id="1" name="Shape 69"/>
+        <p:cNvGrpSpPr/>
+        <p:nvPr/>
+      </p:nvGrpSpPr>
+      <p:grpSpPr>
+        <a:xfrm>
+          <a:off x="0" y="0"/>
+          <a:ext cx="0" cy="0"/>
+          <a:chOff x="0" y="0"/>
+          <a:chExt cx="0" cy="0"/>
+        </a:xfrm>
+      </p:grpSpPr>
+      <p:sp>
+        <p:nvSpPr>
+          <p:cNvPr id="70" name="Google Shape;70;gac10fef634_0_16:notes"/>
+          <p:cNvSpPr>
+            <a:spLocks noGrp="1" noRot="1" noChangeAspect="1"/>
+          </p:cNvSpPr>
+          <p:nvPr>
+            <p:ph type="sldImg" idx="2"/>
+          </p:nvPr>
+        </p:nvSpPr>
+        <p:spPr>
+          <a:xfrm>
+            <a:off x="381000" y="685800"/>
+            <a:ext cx="6096000" cy="3429000"/>
+          </a:xfrm>
+          <a:custGeom>
+            <a:avLst/>
+            <a:gdLst/>
+            <a:ahLst/>
+            <a:cxnLst/>
+            <a:rect l="l" t="t" r="r" b="b"/>
+            <a:pathLst>
+              <a:path w="120000" h="120000" extrusionOk="0">
+                <a:moveTo>
+                  <a:pt x="0" y="0"/>
+                </a:moveTo>
+                <a:lnTo>
+                  <a:pt x="120000" y="0"/>
+                </a:lnTo>
+                <a:lnTo>
+                  <a:pt x="120000" y="120000"/>
+                </a:lnTo>
+                <a:lnTo>
+                  <a:pt x="0" y="120000"/>
+                </a:lnTo>
+                <a:close/>
+              </a:path>
+            </a:pathLst>
+          </a:custGeom>
+        </p:spPr>
+      </p:sp>
+      <p:sp>
+        <p:nvSpPr>
+          <p:cNvPr id="71" name="Google Shape;71;gac10fef634_0_16:notes"/>
+          <p:cNvSpPr txBox="1">
+            <a:spLocks noGrp="1"/>
+          </p:cNvSpPr>
+          <p:nvPr>
+            <p:ph type="body" idx="1"/>
+          </p:nvPr>
+        </p:nvSpPr>
+        <p:spPr>
+          <a:xfrm>
+            <a:off x="685800" y="4343400"/>
+            <a:ext cx="5486400" cy="4114800"/>
+          </a:xfrm>
+          <a:prstGeom prst="rect">
+            <a:avLst/>
+          </a:prstGeom>
+        </p:spPr>
+        <p:txBody>
+          <a:bodyPr spcFirstLastPara="1" wrap="square" lIns="91425" tIns="91425" rIns="91425" bIns="91425" anchor="t" anchorCtr="0">
+            <a:noAutofit/>
+          </a:bodyPr>
+          <a:lstStyle/>
+          <a:p>
+            <a:pPr marL="0" lvl="0" indent="0" algn="l" rtl="0">
+              <a:spcBef>
+                <a:spcPts val="0"/>
+              </a:spcBef>
+              <a:spcAft>
+                <a:spcPts val="0"/>
+              </a:spcAft>
+              <a:buNone/>
+            </a:pPr>
+            <a:endParaRPr/>
+          </a:p>
+        </p:txBody>
+      </p:sp>
+    </p:spTree>
+    <p:extLst>
+      <p:ext uri="{BB962C8B-B14F-4D97-AF65-F5344CB8AC3E}">
+        <p14:creationId xmlns:p14="http://schemas.microsoft.com/office/powerpoint/2010/main" val="3739529894"/>
+      </p:ext>
+    </p:extLst>
+  </p:cSld>
+  <p:clrMapOvr>
+    <a:masterClrMapping/>
+  </p:clrMapOvr>
+</p:notes>
+</file>
+
+<file path=ppt/notesSlides/notesSlide22.xml><?xml version="1.0" encoding="utf-8"?>
+<p:notes xmlns:a="http://schemas.openxmlformats.org/drawingml/2006/main" xmlns:r="http://schemas.openxmlformats.org/officeDocument/2006/relationships" xmlns:p="http://schemas.openxmlformats.org/presentationml/2006/main" showMasterSp="0" showMasterPhAnim="0">
+  <p:cSld>
+    <p:spTree>
+      <p:nvGrpSpPr>
+        <p:cNvPr id="1" name="Shape 74"/>
+        <p:cNvGrpSpPr/>
+        <p:nvPr/>
+      </p:nvGrpSpPr>
+      <p:grpSpPr>
+        <a:xfrm>
+          <a:off x="0" y="0"/>
+          <a:ext cx="0" cy="0"/>
+          <a:chOff x="0" y="0"/>
+          <a:chExt cx="0" cy="0"/>
+        </a:xfrm>
+      </p:grpSpPr>
+      <p:sp>
+        <p:nvSpPr>
+          <p:cNvPr id="75" name="Google Shape;75;gac10fef634_0_20:notes"/>
+          <p:cNvSpPr>
+            <a:spLocks noGrp="1" noRot="1" noChangeAspect="1"/>
+          </p:cNvSpPr>
+          <p:nvPr>
+            <p:ph type="sldImg" idx="2"/>
+          </p:nvPr>
+        </p:nvSpPr>
+        <p:spPr>
+          <a:xfrm>
+            <a:off x="381000" y="685800"/>
+            <a:ext cx="6096000" cy="3429000"/>
+          </a:xfrm>
+          <a:custGeom>
+            <a:avLst/>
+            <a:gdLst/>
+            <a:ahLst/>
+            <a:cxnLst/>
+            <a:rect l="l" t="t" r="r" b="b"/>
+            <a:pathLst>
+              <a:path w="120000" h="120000" extrusionOk="0">
+                <a:moveTo>
+                  <a:pt x="0" y="0"/>
+                </a:moveTo>
+                <a:lnTo>
+                  <a:pt x="120000" y="0"/>
+                </a:lnTo>
+                <a:lnTo>
+                  <a:pt x="120000" y="120000"/>
+                </a:lnTo>
+                <a:lnTo>
+                  <a:pt x="0" y="120000"/>
+                </a:lnTo>
+                <a:close/>
+              </a:path>
+            </a:pathLst>
+          </a:custGeom>
+        </p:spPr>
+      </p:sp>
+      <p:sp>
+        <p:nvSpPr>
+          <p:cNvPr id="76" name="Google Shape;76;gac10fef634_0_20:notes"/>
+          <p:cNvSpPr txBox="1">
+            <a:spLocks noGrp="1"/>
+          </p:cNvSpPr>
+          <p:nvPr>
+            <p:ph type="body" idx="1"/>
+          </p:nvPr>
+        </p:nvSpPr>
+        <p:spPr>
+          <a:xfrm>
+            <a:off x="685800" y="4343400"/>
+            <a:ext cx="5486400" cy="4114800"/>
+          </a:xfrm>
+          <a:prstGeom prst="rect">
+            <a:avLst/>
+          </a:prstGeom>
+        </p:spPr>
+        <p:txBody>
+          <a:bodyPr spcFirstLastPara="1" wrap="square" lIns="91425" tIns="91425" rIns="91425" bIns="91425" anchor="t" anchorCtr="0">
+            <a:noAutofit/>
+          </a:bodyPr>
+          <a:lstStyle/>
+          <a:p>
+            <a:pPr marL="0" lvl="0" indent="0" algn="l" rtl="0">
+              <a:spcBef>
+                <a:spcPts val="0"/>
+              </a:spcBef>
+              <a:spcAft>
+                <a:spcPts val="0"/>
+              </a:spcAft>
+              <a:buNone/>
+            </a:pPr>
+            <a:endParaRPr/>
+          </a:p>
+        </p:txBody>
+      </p:sp>
+    </p:spTree>
+    <p:extLst>
+      <p:ext uri="{BB962C8B-B14F-4D97-AF65-F5344CB8AC3E}">
+        <p14:creationId xmlns:p14="http://schemas.microsoft.com/office/powerpoint/2010/main" val="1580674512"/>
+      </p:ext>
+    </p:extLst>
+  </p:cSld>
+  <p:clrMapOvr>
+    <a:masterClrMapping/>
+  </p:clrMapOvr>
+</p:notes>
+</file>
+
+<file path=ppt/notesSlides/notesSlide23.xml><?xml version="1.0" encoding="utf-8"?>
+<p:notes xmlns:a="http://schemas.openxmlformats.org/drawingml/2006/main" xmlns:r="http://schemas.openxmlformats.org/officeDocument/2006/relationships" xmlns:p="http://schemas.openxmlformats.org/presentationml/2006/main" showMasterSp="0" showMasterPhAnim="0">
+  <p:cSld>
+    <p:spTree>
+      <p:nvGrpSpPr>
+        <p:cNvPr id="1" name="Shape 69"/>
+        <p:cNvGrpSpPr/>
+        <p:nvPr/>
+      </p:nvGrpSpPr>
+      <p:grpSpPr>
+        <a:xfrm>
+          <a:off x="0" y="0"/>
+          <a:ext cx="0" cy="0"/>
+          <a:chOff x="0" y="0"/>
+          <a:chExt cx="0" cy="0"/>
+        </a:xfrm>
+      </p:grpSpPr>
+      <p:sp>
+        <p:nvSpPr>
+          <p:cNvPr id="70" name="Google Shape;70;gac10fef634_0_16:notes"/>
+          <p:cNvSpPr>
+            <a:spLocks noGrp="1" noRot="1" noChangeAspect="1"/>
+          </p:cNvSpPr>
+          <p:nvPr>
+            <p:ph type="sldImg" idx="2"/>
+          </p:nvPr>
+        </p:nvSpPr>
+        <p:spPr>
+          <a:xfrm>
+            <a:off x="381000" y="685800"/>
+            <a:ext cx="6096000" cy="3429000"/>
+          </a:xfrm>
+          <a:custGeom>
+            <a:avLst/>
+            <a:gdLst/>
+            <a:ahLst/>
+            <a:cxnLst/>
+            <a:rect l="l" t="t" r="r" b="b"/>
+            <a:pathLst>
+              <a:path w="120000" h="120000" extrusionOk="0">
+                <a:moveTo>
+                  <a:pt x="0" y="0"/>
+                </a:moveTo>
+                <a:lnTo>
+                  <a:pt x="120000" y="0"/>
+                </a:lnTo>
+                <a:lnTo>
+                  <a:pt x="120000" y="120000"/>
+                </a:lnTo>
+                <a:lnTo>
+                  <a:pt x="0" y="120000"/>
+                </a:lnTo>
+                <a:close/>
+              </a:path>
+            </a:pathLst>
+          </a:custGeom>
+        </p:spPr>
+      </p:sp>
+      <p:sp>
+        <p:nvSpPr>
+          <p:cNvPr id="71" name="Google Shape;71;gac10fef634_0_16:notes"/>
+          <p:cNvSpPr txBox="1">
+            <a:spLocks noGrp="1"/>
+          </p:cNvSpPr>
+          <p:nvPr>
+            <p:ph type="body" idx="1"/>
+          </p:nvPr>
+        </p:nvSpPr>
+        <p:spPr>
+          <a:xfrm>
+            <a:off x="685800" y="4343400"/>
+            <a:ext cx="5486400" cy="4114800"/>
+          </a:xfrm>
+          <a:prstGeom prst="rect">
+            <a:avLst/>
+          </a:prstGeom>
+        </p:spPr>
+        <p:txBody>
+          <a:bodyPr spcFirstLastPara="1" wrap="square" lIns="91425" tIns="91425" rIns="91425" bIns="91425" anchor="t" anchorCtr="0">
+            <a:noAutofit/>
+          </a:bodyPr>
+          <a:lstStyle/>
+          <a:p>
+            <a:pPr marL="0" lvl="0" indent="0" algn="l" rtl="0">
+              <a:spcBef>
+                <a:spcPts val="0"/>
+              </a:spcBef>
+              <a:spcAft>
+                <a:spcPts val="0"/>
+              </a:spcAft>
+              <a:buNone/>
+            </a:pPr>
+            <a:endParaRPr/>
+          </a:p>
+        </p:txBody>
+      </p:sp>
+    </p:spTree>
+    <p:extLst>
+      <p:ext uri="{BB962C8B-B14F-4D97-AF65-F5344CB8AC3E}">
+        <p14:creationId xmlns:p14="http://schemas.microsoft.com/office/powerpoint/2010/main" val="1349250753"/>
+      </p:ext>
+    </p:extLst>
+  </p:cSld>
+  <p:clrMapOvr>
+    <a:masterClrMapping/>
+  </p:clrMapOvr>
+</p:notes>
+</file>
+
+<file path=ppt/notesSlides/notesSlide24.xml><?xml version="1.0" encoding="utf-8"?>
+<p:notes xmlns:a="http://schemas.openxmlformats.org/drawingml/2006/main" xmlns:r="http://schemas.openxmlformats.org/officeDocument/2006/relationships" xmlns:p="http://schemas.openxmlformats.org/presentationml/2006/main" showMasterSp="0" showMasterPhAnim="0">
+  <p:cSld>
+    <p:spTree>
+      <p:nvGrpSpPr>
+        <p:cNvPr id="1" name="Shape 74"/>
+        <p:cNvGrpSpPr/>
+        <p:nvPr/>
+      </p:nvGrpSpPr>
+      <p:grpSpPr>
+        <a:xfrm>
+          <a:off x="0" y="0"/>
+          <a:ext cx="0" cy="0"/>
+          <a:chOff x="0" y="0"/>
+          <a:chExt cx="0" cy="0"/>
+        </a:xfrm>
+      </p:grpSpPr>
+      <p:sp>
+        <p:nvSpPr>
+          <p:cNvPr id="75" name="Google Shape;75;gac10fef634_0_20:notes"/>
+          <p:cNvSpPr>
+            <a:spLocks noGrp="1" noRot="1" noChangeAspect="1"/>
+          </p:cNvSpPr>
+          <p:nvPr>
+            <p:ph type="sldImg" idx="2"/>
+          </p:nvPr>
+        </p:nvSpPr>
+        <p:spPr>
+          <a:xfrm>
+            <a:off x="381000" y="685800"/>
+            <a:ext cx="6096000" cy="3429000"/>
+          </a:xfrm>
+          <a:custGeom>
+            <a:avLst/>
+            <a:gdLst/>
+            <a:ahLst/>
+            <a:cxnLst/>
+            <a:rect l="l" t="t" r="r" b="b"/>
+            <a:pathLst>
+              <a:path w="120000" h="120000" extrusionOk="0">
+                <a:moveTo>
+                  <a:pt x="0" y="0"/>
+                </a:moveTo>
+                <a:lnTo>
+                  <a:pt x="120000" y="0"/>
+                </a:lnTo>
+                <a:lnTo>
+                  <a:pt x="120000" y="120000"/>
+                </a:lnTo>
+                <a:lnTo>
+                  <a:pt x="0" y="120000"/>
+                </a:lnTo>
+                <a:close/>
+              </a:path>
+            </a:pathLst>
+          </a:custGeom>
+        </p:spPr>
+      </p:sp>
+      <p:sp>
+        <p:nvSpPr>
+          <p:cNvPr id="76" name="Google Shape;76;gac10fef634_0_20:notes"/>
+          <p:cNvSpPr txBox="1">
+            <a:spLocks noGrp="1"/>
+          </p:cNvSpPr>
+          <p:nvPr>
+            <p:ph type="body" idx="1"/>
+          </p:nvPr>
+        </p:nvSpPr>
+        <p:spPr>
+          <a:xfrm>
+            <a:off x="685800" y="4343400"/>
+            <a:ext cx="5486400" cy="4114800"/>
+          </a:xfrm>
+          <a:prstGeom prst="rect">
+            <a:avLst/>
+          </a:prstGeom>
+        </p:spPr>
+        <p:txBody>
+          <a:bodyPr spcFirstLastPara="1" wrap="square" lIns="91425" tIns="91425" rIns="91425" bIns="91425" anchor="t" anchorCtr="0">
+            <a:noAutofit/>
+          </a:bodyPr>
+          <a:lstStyle/>
+          <a:p>
+            <a:pPr marL="0" lvl="0" indent="0" algn="l" rtl="0">
+              <a:spcBef>
+                <a:spcPts val="0"/>
+              </a:spcBef>
+              <a:spcAft>
+                <a:spcPts val="0"/>
+              </a:spcAft>
+              <a:buNone/>
+            </a:pPr>
+            <a:endParaRPr/>
+          </a:p>
+        </p:txBody>
+      </p:sp>
+    </p:spTree>
+    <p:extLst>
+      <p:ext uri="{BB962C8B-B14F-4D97-AF65-F5344CB8AC3E}">
+        <p14:creationId xmlns:p14="http://schemas.microsoft.com/office/powerpoint/2010/main" val="542338526"/>
+      </p:ext>
+    </p:extLst>
+  </p:cSld>
+  <p:clrMapOvr>
+    <a:masterClrMapping/>
+  </p:clrMapOvr>
+</p:notes>
+</file>
+
+<file path=ppt/notesSlides/notesSlide25.xml><?xml version="1.0" encoding="utf-8"?>
+<p:notes xmlns:a="http://schemas.openxmlformats.org/drawingml/2006/main" xmlns:r="http://schemas.openxmlformats.org/officeDocument/2006/relationships" xmlns:p="http://schemas.openxmlformats.org/presentationml/2006/main" showMasterSp="0" showMasterPhAnim="0">
+  <p:cSld>
+    <p:spTree>
+      <p:nvGrpSpPr>
+        <p:cNvPr id="1" name="Shape 80"/>
+        <p:cNvGrpSpPr/>
+        <p:nvPr/>
+      </p:nvGrpSpPr>
+      <p:grpSpPr>
+        <a:xfrm>
+          <a:off x="0" y="0"/>
+          <a:ext cx="0" cy="0"/>
+          <a:chOff x="0" y="0"/>
+          <a:chExt cx="0" cy="0"/>
+        </a:xfrm>
+      </p:grpSpPr>
+      <p:sp>
+        <p:nvSpPr>
+          <p:cNvPr id="81" name="Google Shape;81;gac10fef634_0_25:notes"/>
+          <p:cNvSpPr>
+            <a:spLocks noGrp="1" noRot="1" noChangeAspect="1"/>
+          </p:cNvSpPr>
+          <p:nvPr>
+            <p:ph type="sldImg" idx="2"/>
+          </p:nvPr>
+        </p:nvSpPr>
+        <p:spPr>
+          <a:xfrm>
+            <a:off x="381000" y="685800"/>
+            <a:ext cx="6096000" cy="3429000"/>
+          </a:xfrm>
+          <a:custGeom>
+            <a:avLst/>
+            <a:gdLst/>
+            <a:ahLst/>
+            <a:cxnLst/>
+            <a:rect l="l" t="t" r="r" b="b"/>
+            <a:pathLst>
+              <a:path w="120000" h="120000" extrusionOk="0">
+                <a:moveTo>
+                  <a:pt x="0" y="0"/>
+                </a:moveTo>
+                <a:lnTo>
+                  <a:pt x="120000" y="0"/>
+                </a:lnTo>
+                <a:lnTo>
+                  <a:pt x="120000" y="120000"/>
+                </a:lnTo>
+                <a:lnTo>
+                  <a:pt x="0" y="120000"/>
+                </a:lnTo>
+                <a:close/>
+              </a:path>
+            </a:pathLst>
+          </a:custGeom>
+        </p:spPr>
+      </p:sp>
+      <p:sp>
+        <p:nvSpPr>
+          <p:cNvPr id="82" name="Google Shape;82;gac10fef634_0_25:notes"/>
+          <p:cNvSpPr txBox="1">
+            <a:spLocks noGrp="1"/>
+          </p:cNvSpPr>
+          <p:nvPr>
+            <p:ph type="body" idx="1"/>
+          </p:nvPr>
+        </p:nvSpPr>
+        <p:spPr>
+          <a:xfrm>
+            <a:off x="685800" y="4343400"/>
+            <a:ext cx="5486400" cy="4114800"/>
+          </a:xfrm>
+          <a:prstGeom prst="rect">
+            <a:avLst/>
+          </a:prstGeom>
+        </p:spPr>
+        <p:txBody>
+          <a:bodyPr spcFirstLastPara="1" wrap="square" lIns="91425" tIns="91425" rIns="91425" bIns="91425" anchor="t" anchorCtr="0">
+            <a:noAutofit/>
+          </a:bodyPr>
+          <a:lstStyle/>
+          <a:p>
+            <a:pPr marL="0" lvl="0" indent="0" algn="l" rtl="0">
+              <a:spcBef>
+                <a:spcPts val="0"/>
+              </a:spcBef>
+              <a:spcAft>
+                <a:spcPts val="0"/>
+              </a:spcAft>
+              <a:buClr>
+                <a:schemeClr val="dk1"/>
+              </a:buClr>
+              <a:buSzPts val="1100"/>
+              <a:buFont typeface="Arial"/>
+              <a:buNone/>
+            </a:pPr>
+            <a:r>
+              <a:rPr lang="en"/>
+              <a:t>Your version control evidence should go here.  This could be in the form of annotated screenshots which show you you managed this process or you could make a brief screencast explaining how you implemented version control.</a:t>
+            </a:r>
+            <a:endParaRPr/>
+          </a:p>
+          <a:p>
+            <a:pPr marL="0" lvl="0" indent="0" algn="l" rtl="0">
+              <a:spcBef>
+                <a:spcPts val="0"/>
+              </a:spcBef>
+              <a:spcAft>
+                <a:spcPts val="0"/>
+              </a:spcAft>
+              <a:buNone/>
+            </a:pPr>
+            <a:endParaRPr/>
+          </a:p>
+        </p:txBody>
+      </p:sp>
+    </p:spTree>
+  </p:cSld>
+  <p:clrMapOvr>
+    <a:masterClrMapping/>
+  </p:clrMapOvr>
+</p:notes>
+</file>
+
+<file path=ppt/notesSlides/notesSlide26.xml><?xml version="1.0" encoding="utf-8"?>
+<p:notes xmlns:a="http://schemas.openxmlformats.org/drawingml/2006/main" xmlns:r="http://schemas.openxmlformats.org/officeDocument/2006/relationships" xmlns:p="http://schemas.openxmlformats.org/presentationml/2006/main" showMasterSp="0" showMasterPhAnim="0">
+  <p:cSld>
+    <p:spTree>
+      <p:nvGrpSpPr>
+        <p:cNvPr id="1" name="Shape 86"/>
+        <p:cNvGrpSpPr/>
+        <p:nvPr/>
+      </p:nvGrpSpPr>
+      <p:grpSpPr>
+        <a:xfrm>
+          <a:off x="0" y="0"/>
+          <a:ext cx="0" cy="0"/>
+          <a:chOff x="0" y="0"/>
+          <a:chExt cx="0" cy="0"/>
+        </a:xfrm>
+      </p:grpSpPr>
+      <p:sp>
+        <p:nvSpPr>
+          <p:cNvPr id="87" name="Google Shape;87;gac10fef634_0_30:notes"/>
+          <p:cNvSpPr>
+            <a:spLocks noGrp="1" noRot="1" noChangeAspect="1"/>
+          </p:cNvSpPr>
+          <p:nvPr>
+            <p:ph type="sldImg" idx="2"/>
+          </p:nvPr>
+        </p:nvSpPr>
+        <p:spPr>
+          <a:xfrm>
+            <a:off x="381000" y="685800"/>
+            <a:ext cx="6096000" cy="3429000"/>
+          </a:xfrm>
+          <a:custGeom>
+            <a:avLst/>
+            <a:gdLst/>
+            <a:ahLst/>
+            <a:cxnLst/>
+            <a:rect l="l" t="t" r="r" b="b"/>
+            <a:pathLst>
+              <a:path w="120000" h="120000" extrusionOk="0">
+                <a:moveTo>
+                  <a:pt x="0" y="0"/>
+                </a:moveTo>
+                <a:lnTo>
+                  <a:pt x="120000" y="0"/>
+                </a:lnTo>
+                <a:lnTo>
+                  <a:pt x="120000" y="120000"/>
+                </a:lnTo>
+                <a:lnTo>
+                  <a:pt x="0" y="120000"/>
+                </a:lnTo>
+                <a:close/>
+              </a:path>
+            </a:pathLst>
+          </a:custGeom>
+        </p:spPr>
+      </p:sp>
+      <p:sp>
+        <p:nvSpPr>
+          <p:cNvPr id="88" name="Google Shape;88;gac10fef634_0_30:notes"/>
+          <p:cNvSpPr txBox="1">
+            <a:spLocks noGrp="1"/>
+          </p:cNvSpPr>
+          <p:nvPr>
+            <p:ph type="body" idx="1"/>
+          </p:nvPr>
+        </p:nvSpPr>
+        <p:spPr>
+          <a:xfrm>
+            <a:off x="685800" y="4343400"/>
+            <a:ext cx="5486400" cy="4114800"/>
+          </a:xfrm>
+          <a:prstGeom prst="rect">
+            <a:avLst/>
+          </a:prstGeom>
+        </p:spPr>
+        <p:txBody>
+          <a:bodyPr spcFirstLastPara="1" wrap="square" lIns="91425" tIns="91425" rIns="91425" bIns="91425" anchor="t" anchorCtr="0">
+            <a:noAutofit/>
+          </a:bodyPr>
+          <a:lstStyle/>
+          <a:p>
+            <a:pPr marL="0" lvl="0" indent="0" algn="l" rtl="0">
+              <a:spcBef>
+                <a:spcPts val="0"/>
+              </a:spcBef>
+              <a:spcAft>
+                <a:spcPts val="0"/>
+              </a:spcAft>
+              <a:buNone/>
+            </a:pPr>
+            <a:r>
+              <a:rPr lang="en"/>
+              <a:t>Discusses how the information from planning, testing and trialling of components assisted in the development of a high-quality outcome</a:t>
+            </a:r>
+            <a:endParaRPr/>
+          </a:p>
+        </p:txBody>
+      </p:sp>
+    </p:spTree>
   </p:cSld>
   <p:clrMapOvr>
     <a:masterClrMapping/>
@@ -8077,7 +9464,7 @@
               <a:buNone/>
             </a:pPr>
             <a:r>
-              <a:rPr lang="en" sz="2000" b="1" dirty="0">
+              <a:rPr lang="en" sz="2000" b="1">
                 <a:solidFill>
                   <a:srgbClr val="274E13"/>
                 </a:solidFill>
@@ -8085,7 +9472,7 @@
               <a:t>Link to GitHub Repository: </a:t>
             </a:r>
             <a:r>
-              <a:rPr lang="en-NZ" sz="2000" b="1" dirty="0">
+              <a:rPr lang="en-NZ" sz="2000" b="1">
                 <a:solidFill>
                   <a:srgbClr val="274E13"/>
                 </a:solidFill>
@@ -8093,7 +9480,7 @@
               </a:rPr>
               <a:t>GitHub</a:t>
             </a:r>
-            <a:endParaRPr sz="2000" b="1" dirty="0">
+            <a:endParaRPr sz="2000" b="1">
               <a:solidFill>
                 <a:srgbClr val="274E13"/>
               </a:solidFill>
@@ -8117,7 +9504,7 @@
               <a:buFont typeface="Arial"/>
               <a:buNone/>
             </a:pPr>
-            <a:endParaRPr sz="2000" dirty="0">
+            <a:endParaRPr sz="2000">
               <a:solidFill>
                 <a:srgbClr val="274E13"/>
               </a:solidFill>
@@ -8135,7 +9522,7 @@
               <a:buNone/>
             </a:pPr>
             <a:r>
-              <a:rPr lang="en" sz="2000" b="1" dirty="0">
+              <a:rPr lang="en" sz="2000" b="1">
                 <a:solidFill>
                   <a:srgbClr val="274E13"/>
                 </a:solidFill>
@@ -8143,7 +9530,7 @@
               <a:t>Links to Trello board / project management tools: </a:t>
             </a:r>
             <a:r>
-              <a:rPr lang="en-NZ" sz="2000" b="1" dirty="0">
+              <a:rPr lang="en-NZ" sz="2000" b="1">
                 <a:solidFill>
                   <a:srgbClr val="274E13"/>
                 </a:solidFill>
@@ -8152,7 +9539,7 @@
               <a:t>Trello Board</a:t>
             </a:r>
             <a:r>
-              <a:rPr lang="en-NZ" sz="2000" b="1" dirty="0">
+              <a:rPr lang="en-NZ" sz="2000" b="1">
                 <a:solidFill>
                   <a:srgbClr val="274E13"/>
                 </a:solidFill>
@@ -8207,14 +9594,14 @@
                         <a:buNone/>
                       </a:pPr>
                       <a:r>
-                        <a:rPr lang="en" sz="2000" b="1" i="1" dirty="0">
+                        <a:rPr lang="en" sz="2000" b="1" i="1">
                           <a:solidFill>
                             <a:srgbClr val="990000"/>
                           </a:solidFill>
                         </a:rPr>
                         <a:t>You MUST provide evidence showing how the problem has been decomposed, how the components have been developed and trialled, and of how they have been assembled and tested to create a final, working outcome.</a:t>
                       </a:r>
-                      <a:endParaRPr sz="2000" b="1" i="1" dirty="0">
+                      <a:endParaRPr sz="2000" b="1" i="1">
                         <a:solidFill>
                           <a:srgbClr val="990000"/>
                         </a:solidFill>
@@ -8297,10 +9684,10 @@
               <a:buNone/>
             </a:pPr>
             <a:r>
-              <a:rPr lang="en" dirty="0"/>
+              <a:rPr lang="en"/>
               <a:t>Component 1 Ver. 2 - Test Plan (and screenshot)</a:t>
             </a:r>
-            <a:endParaRPr dirty="0"/>
+            <a:endParaRPr/>
           </a:p>
         </p:txBody>
       </p:sp>
@@ -8311,7 +9698,7 @@
           <p:nvPr>
             <p:extLst>
               <p:ext uri="{D42A27DB-BD31-4B8C-83A1-F6EECF244321}">
-                <p14:modId xmlns:p14="http://schemas.microsoft.com/office/powerpoint/2010/main" val="1167629249"/>
+                <p14:modId xmlns:p14="http://schemas.microsoft.com/office/powerpoint/2010/main" val="1081528765"/>
               </p:ext>
             </p:extLst>
           </p:nvPr>
@@ -8359,10 +9746,10 @@
                         <a:buNone/>
                       </a:pPr>
                       <a:r>
-                        <a:rPr lang="en" sz="1800" b="1" dirty="0"/>
+                        <a:rPr lang="en" sz="1800" b="1"/>
                         <a:t>Test Case</a:t>
                       </a:r>
-                      <a:endParaRPr sz="1800" b="1" dirty="0"/>
+                      <a:endParaRPr sz="1800" b="1"/>
                     </a:p>
                   </a:txBody>
                   <a:tcPr marL="91425" marR="91425" marT="91425" marB="91425">
@@ -8386,10 +9773,10 @@
                         <a:buNone/>
                       </a:pPr>
                       <a:r>
-                        <a:rPr lang="en" sz="1800" b="1" dirty="0"/>
+                        <a:rPr lang="en" sz="1800" b="1"/>
                         <a:t>Expected Values</a:t>
                       </a:r>
-                      <a:endParaRPr sz="1800" b="1" dirty="0"/>
+                      <a:endParaRPr sz="1800" b="1"/>
                     </a:p>
                   </a:txBody>
                   <a:tcPr marL="91425" marR="91425" marT="91425" marB="91425">
@@ -8420,10 +9807,10 @@
                         <a:buNone/>
                       </a:pPr>
                       <a:r>
-                        <a:rPr lang="en-US" sz="1800" dirty="0"/>
+                        <a:rPr lang="en-US" sz="1800"/>
                         <a:t>Run Program</a:t>
                       </a:r>
-                      <a:endParaRPr sz="1800" dirty="0"/>
+                      <a:endParaRPr sz="1800"/>
                     </a:p>
                   </a:txBody>
                   <a:tcPr marL="91425" marR="91425" marT="91425" marB="91425"/>
@@ -8443,15 +9830,15 @@
                         <a:buNone/>
                       </a:pPr>
                       <a:r>
-                        <a:rPr lang="en-NZ" sz="1800" b="0" i="0" u="none" strike="noStrike" noProof="0" dirty="0">
+                        <a:rPr lang="en-NZ" sz="1800" b="0" i="0" u="none" strike="noStrike" noProof="0">
                           <a:solidFill>
                             <a:srgbClr val="000000"/>
                           </a:solidFill>
                           <a:latin typeface="Arial"/>
                         </a:rPr>
-                        <a:t>Print welcome message with a randomly generated name – Runs correctly</a:t>
+                        <a:t>Print welcome message with a randomly generated name. Runs correctly</a:t>
                       </a:r>
-                      <a:endParaRPr dirty="0"/>
+                      <a:endParaRPr/>
                     </a:p>
                   </a:txBody>
                   <a:tcPr marL="91425" marR="91425" marT="91425" marB="91425"/>
@@ -8589,18 +9976,9 @@
           </a:bodyPr>
           <a:lstStyle/>
           <a:p>
-            <a:pPr marL="0" lvl="0" indent="0" algn="l" rtl="0">
-              <a:spcBef>
-                <a:spcPts val="0"/>
-              </a:spcBef>
-              <a:spcAft>
-                <a:spcPts val="0"/>
-              </a:spcAft>
-              <a:buNone/>
-            </a:pPr>
             <a:r>
               <a:rPr lang="en"/>
-              <a:t>Component 2 Ver. 1(Trello screenshot)</a:t>
+              <a:t>Component 2 Ver. 1 (Trello screenshot)</a:t>
             </a:r>
             <a:endParaRPr/>
           </a:p>
@@ -8701,8 +10079,1093 @@
               <a:buNone/>
             </a:pPr>
             <a:r>
+              <a:rPr lang="en"/>
+              <a:t>Component 2 Ver. 1 - Test Plan (and screenshot)</a:t>
+            </a:r>
+            <a:endParaRPr/>
+          </a:p>
+        </p:txBody>
+      </p:sp>
+      <p:graphicFrame>
+        <p:nvGraphicFramePr>
+          <p:cNvPr id="79" name="Google Shape;79;p17"/>
+          <p:cNvGraphicFramePr/>
+          <p:nvPr>
+            <p:extLst>
+              <p:ext uri="{D42A27DB-BD31-4B8C-83A1-F6EECF244321}">
+                <p14:modId xmlns:p14="http://schemas.microsoft.com/office/powerpoint/2010/main" val="2486649734"/>
+              </p:ext>
+            </p:extLst>
+          </p:nvPr>
+        </p:nvGraphicFramePr>
+        <p:xfrm>
+          <a:off x="382475" y="1012231"/>
+          <a:ext cx="8520600" cy="1462980"/>
+        </p:xfrm>
+        <a:graphic>
+          <a:graphicData uri="http://schemas.openxmlformats.org/drawingml/2006/table">
+            <a:tbl>
+              <a:tblPr>
+                <a:noFill/>
+                <a:tableStyleId>{E1099E06-0E6B-448D-9D27-60429F06E6F4}</a:tableStyleId>
+              </a:tblPr>
+              <a:tblGrid>
+                <a:gridCol w="4196249">
+                  <a:extLst>
+                    <a:ext uri="{9D8B030D-6E8A-4147-A177-3AD203B41FA5}">
+                      <a16:colId xmlns:a16="http://schemas.microsoft.com/office/drawing/2014/main" val="20000"/>
+                    </a:ext>
+                  </a:extLst>
+                </a:gridCol>
+                <a:gridCol w="4324351">
+                  <a:extLst>
+                    <a:ext uri="{9D8B030D-6E8A-4147-A177-3AD203B41FA5}">
+                      <a16:colId xmlns:a16="http://schemas.microsoft.com/office/drawing/2014/main" val="20001"/>
+                    </a:ext>
+                  </a:extLst>
+                </a:gridCol>
+              </a:tblGrid>
+              <a:tr h="381000">
+                <a:tc>
+                  <a:txBody>
+                    <a:bodyPr/>
+                    <a:lstStyle/>
+                    <a:p>
+                      <a:pPr marL="0" lvl="0" indent="0" algn="l" rtl="0">
+                        <a:spcBef>
+                          <a:spcPts val="0"/>
+                        </a:spcBef>
+                        <a:spcAft>
+                          <a:spcPts val="0"/>
+                        </a:spcAft>
+                        <a:buNone/>
+                      </a:pPr>
+                      <a:r>
+                        <a:rPr lang="en" sz="1800" b="1"/>
+                        <a:t>Test Case</a:t>
+                      </a:r>
+                      <a:endParaRPr sz="1800" b="1"/>
+                    </a:p>
+                  </a:txBody>
+                  <a:tcPr marL="91425" marR="91425" marT="91425" marB="91425">
+                    <a:solidFill>
+                      <a:srgbClr val="CCCCCC"/>
+                    </a:solidFill>
+                  </a:tcPr>
+                </a:tc>
+                <a:tc>
+                  <a:txBody>
+                    <a:bodyPr/>
+                    <a:lstStyle/>
+                    <a:p>
+                      <a:pPr marL="0" lvl="0" indent="0" algn="l" rtl="0">
+                        <a:spcBef>
+                          <a:spcPts val="0"/>
+                        </a:spcBef>
+                        <a:spcAft>
+                          <a:spcPts val="0"/>
+                        </a:spcAft>
+                        <a:buNone/>
+                      </a:pPr>
+                      <a:r>
+                        <a:rPr lang="en" sz="1800" b="1"/>
+                        <a:t>Expected Values</a:t>
+                      </a:r>
+                      <a:endParaRPr sz="1800" b="1"/>
+                    </a:p>
+                  </a:txBody>
+                  <a:tcPr marL="91425" marR="91425" marT="91425" marB="91425">
+                    <a:solidFill>
+                      <a:srgbClr val="CCCCCC"/>
+                    </a:solidFill>
+                  </a:tcPr>
+                </a:tc>
+                <a:extLst>
+                  <a:ext uri="{0D108BD9-81ED-4DB2-BD59-A6C34878D82A}">
+                    <a16:rowId xmlns:a16="http://schemas.microsoft.com/office/drawing/2014/main" val="10000"/>
+                  </a:ext>
+                </a:extLst>
+              </a:tr>
+              <a:tr h="396200">
+                <a:tc>
+                  <a:txBody>
+                    <a:bodyPr/>
+                    <a:lstStyle/>
+                    <a:p>
+                      <a:pPr marL="0" lvl="0" indent="0" algn="l" rtl="0">
+                        <a:spcBef>
+                          <a:spcPts val="0"/>
+                        </a:spcBef>
+                        <a:spcAft>
+                          <a:spcPts val="0"/>
+                        </a:spcAft>
+                        <a:buNone/>
+                      </a:pPr>
+                      <a:r>
+                        <a:rPr lang="en-US" sz="1800"/>
+                        <a:t>Run program</a:t>
+                      </a:r>
+                      <a:endParaRPr sz="1800"/>
+                    </a:p>
+                  </a:txBody>
+                  <a:tcPr marL="91425" marR="91425" marT="91425" marB="91425"/>
+                </a:tc>
+                <a:tc>
+                  <a:txBody>
+                    <a:bodyPr/>
+                    <a:lstStyle/>
+                    <a:p>
+                      <a:pPr marL="0" lvl="0" indent="0" algn="l" rtl="0">
+                        <a:spcBef>
+                          <a:spcPts val="0"/>
+                        </a:spcBef>
+                        <a:spcAft>
+                          <a:spcPts val="0"/>
+                        </a:spcAft>
+                        <a:buNone/>
+                      </a:pPr>
+                      <a:r>
+                        <a:rPr lang="en-US" sz="1800"/>
+                        <a:t>If "p" was entered , print "Pickup!".</a:t>
+                      </a:r>
+                    </a:p>
+                    <a:p>
+                      <a:pPr marL="0" lvl="0" indent="0" algn="l">
+                        <a:spcBef>
+                          <a:spcPts val="0"/>
+                        </a:spcBef>
+                        <a:spcAft>
+                          <a:spcPts val="0"/>
+                        </a:spcAft>
+                        <a:buNone/>
+                      </a:pPr>
+                      <a:r>
+                        <a:rPr lang="en-US" sz="1800"/>
+                        <a:t>If "d" was entered, print "Delivery!".</a:t>
+                      </a:r>
+                    </a:p>
+                    <a:p>
+                      <a:pPr marL="0" lvl="0" indent="0" algn="l">
+                        <a:spcBef>
+                          <a:spcPts val="0"/>
+                        </a:spcBef>
+                        <a:spcAft>
+                          <a:spcPts val="0"/>
+                        </a:spcAft>
+                        <a:buNone/>
+                      </a:pPr>
+                      <a:r>
+                        <a:rPr lang="en-US" sz="1800"/>
+                        <a:t>Runs correctly.</a:t>
+                      </a:r>
+                    </a:p>
+                  </a:txBody>
+                  <a:tcPr marL="91425" marR="91425" marT="91425" marB="91425"/>
+                </a:tc>
+                <a:extLst>
+                  <a:ext uri="{0D108BD9-81ED-4DB2-BD59-A6C34878D82A}">
+                    <a16:rowId xmlns:a16="http://schemas.microsoft.com/office/drawing/2014/main" val="10001"/>
+                  </a:ext>
+                </a:extLst>
+              </a:tr>
+            </a:tbl>
+          </a:graphicData>
+        </a:graphic>
+      </p:graphicFrame>
+      <p:pic>
+        <p:nvPicPr>
+          <p:cNvPr id="2" name="Picture 2" descr="Text&#10;&#10;Description automatically generated">
+            <a:extLst>
+              <a:ext uri="{FF2B5EF4-FFF2-40B4-BE49-F238E27FC236}">
+                <a16:creationId xmlns:a16="http://schemas.microsoft.com/office/drawing/2014/main" id="{7FE463BF-0764-D10B-9DB1-F4F5D805E425}"/>
+              </a:ext>
+            </a:extLst>
+          </p:cNvPr>
+          <p:cNvPicPr>
+            <a:picLocks noChangeAspect="1"/>
+          </p:cNvPicPr>
+          <p:nvPr/>
+        </p:nvPicPr>
+        <p:blipFill>
+          <a:blip r:embed="rId3"/>
+          <a:stretch>
+            <a:fillRect/>
+          </a:stretch>
+        </p:blipFill>
+        <p:spPr>
+          <a:xfrm>
+            <a:off x="814820" y="2684198"/>
+            <a:ext cx="3418609" cy="2218699"/>
+          </a:xfrm>
+          <a:prstGeom prst="rect">
+            <a:avLst/>
+          </a:prstGeom>
+        </p:spPr>
+      </p:pic>
+      <p:pic>
+        <p:nvPicPr>
+          <p:cNvPr id="4" name="Picture 4" descr="Text&#10;&#10;Description automatically generated">
+            <a:extLst>
+              <a:ext uri="{FF2B5EF4-FFF2-40B4-BE49-F238E27FC236}">
+                <a16:creationId xmlns:a16="http://schemas.microsoft.com/office/drawing/2014/main" id="{C5B50C23-5A00-9F10-292F-DE572E9993C8}"/>
+              </a:ext>
+            </a:extLst>
+          </p:cNvPr>
+          <p:cNvPicPr>
+            <a:picLocks noChangeAspect="1"/>
+          </p:cNvPicPr>
+          <p:nvPr/>
+        </p:nvPicPr>
+        <p:blipFill>
+          <a:blip r:embed="rId4"/>
+          <a:stretch>
+            <a:fillRect/>
+          </a:stretch>
+        </p:blipFill>
+        <p:spPr>
+          <a:xfrm>
+            <a:off x="5533159" y="2965027"/>
+            <a:ext cx="2743200" cy="872528"/>
+          </a:xfrm>
+          <a:prstGeom prst="rect">
+            <a:avLst/>
+          </a:prstGeom>
+        </p:spPr>
+      </p:pic>
+      <p:pic>
+        <p:nvPicPr>
+          <p:cNvPr id="5" name="Picture 5" descr="Text&#10;&#10;Description automatically generated">
+            <a:extLst>
+              <a:ext uri="{FF2B5EF4-FFF2-40B4-BE49-F238E27FC236}">
+                <a16:creationId xmlns:a16="http://schemas.microsoft.com/office/drawing/2014/main" id="{7047F815-E48A-DE96-37FC-91BEA9EBE2C6}"/>
+              </a:ext>
+            </a:extLst>
+          </p:cNvPr>
+          <p:cNvPicPr>
+            <a:picLocks noChangeAspect="1"/>
+          </p:cNvPicPr>
+          <p:nvPr/>
+        </p:nvPicPr>
+        <p:blipFill>
+          <a:blip r:embed="rId5"/>
+          <a:stretch>
+            <a:fillRect/>
+          </a:stretch>
+        </p:blipFill>
+        <p:spPr>
+          <a:xfrm>
+            <a:off x="5533159" y="3925013"/>
+            <a:ext cx="2743200" cy="781355"/>
+          </a:xfrm>
+          <a:prstGeom prst="rect">
+            <a:avLst/>
+          </a:prstGeom>
+        </p:spPr>
+      </p:pic>
+      <p:sp>
+        <p:nvSpPr>
+          <p:cNvPr id="6" name="TextBox 5">
+            <a:extLst>
+              <a:ext uri="{FF2B5EF4-FFF2-40B4-BE49-F238E27FC236}">
+                <a16:creationId xmlns:a16="http://schemas.microsoft.com/office/drawing/2014/main" id="{97808C3A-1741-09D6-6104-4E93834E6011}"/>
+              </a:ext>
+            </a:extLst>
+          </p:cNvPr>
+          <p:cNvSpPr txBox="1"/>
+          <p:nvPr/>
+        </p:nvSpPr>
+        <p:spPr>
+          <a:xfrm>
+            <a:off x="4518746" y="2967903"/>
+            <a:ext cx="1019175" cy="523220"/>
+          </a:xfrm>
+          <a:prstGeom prst="rect">
+            <a:avLst/>
+          </a:prstGeom>
+          <a:noFill/>
+        </p:spPr>
+        <p:txBody>
+          <a:bodyPr rot="0" spcFirstLastPara="0" vertOverflow="overflow" horzOverflow="overflow" vert="horz" wrap="square" lIns="91440" tIns="45720" rIns="91440" bIns="45720" numCol="1" spcCol="0" rtlCol="0" fromWordArt="0" anchor="t" anchorCtr="0" forceAA="0" compatLnSpc="1">
+            <a:prstTxWarp prst="textNoShape">
+              <a:avLst/>
+            </a:prstTxWarp>
+            <a:spAutoFit/>
+          </a:bodyPr>
+          <a:lstStyle/>
+          <a:p>
+            <a:pPr algn="r"/>
+            <a:r>
+              <a:rPr lang="en-US"/>
+              <a:t>Valid input</a:t>
+            </a:r>
+          </a:p>
+          <a:p>
+            <a:pPr algn="r"/>
+            <a:r>
+              <a:rPr lang="en-US"/>
+              <a:t>output</a:t>
+            </a:r>
+          </a:p>
+        </p:txBody>
+      </p:sp>
+      <p:sp>
+        <p:nvSpPr>
+          <p:cNvPr id="7" name="TextBox 6">
+            <a:extLst>
+              <a:ext uri="{FF2B5EF4-FFF2-40B4-BE49-F238E27FC236}">
+                <a16:creationId xmlns:a16="http://schemas.microsoft.com/office/drawing/2014/main" id="{34D878B3-2023-B9B9-F40E-9D5B33EF81B6}"/>
+              </a:ext>
+            </a:extLst>
+          </p:cNvPr>
+          <p:cNvSpPr txBox="1"/>
+          <p:nvPr/>
+        </p:nvSpPr>
+        <p:spPr>
+          <a:xfrm>
+            <a:off x="4375871" y="3920403"/>
+            <a:ext cx="1162050" cy="523220"/>
+          </a:xfrm>
+          <a:prstGeom prst="rect">
+            <a:avLst/>
+          </a:prstGeom>
+          <a:noFill/>
+        </p:spPr>
+        <p:txBody>
+          <a:bodyPr rot="0" spcFirstLastPara="0" vertOverflow="overflow" horzOverflow="overflow" vert="horz" wrap="square" lIns="91440" tIns="45720" rIns="91440" bIns="45720" numCol="1" spcCol="0" rtlCol="0" fromWordArt="0" anchor="t" anchorCtr="0" forceAA="0" compatLnSpc="1">
+            <a:prstTxWarp prst="textNoShape">
+              <a:avLst/>
+            </a:prstTxWarp>
+            <a:spAutoFit/>
+          </a:bodyPr>
+          <a:lstStyle/>
+          <a:p>
+            <a:pPr algn="r"/>
+            <a:r>
+              <a:rPr lang="en-US"/>
+              <a:t>Invalid input</a:t>
+            </a:r>
+          </a:p>
+          <a:p>
+            <a:pPr algn="r"/>
+            <a:r>
+              <a:rPr lang="en-US"/>
+              <a:t>output</a:t>
+            </a:r>
+          </a:p>
+        </p:txBody>
+      </p:sp>
+    </p:spTree>
+    <p:extLst>
+      <p:ext uri="{BB962C8B-B14F-4D97-AF65-F5344CB8AC3E}">
+        <p14:creationId xmlns:p14="http://schemas.microsoft.com/office/powerpoint/2010/main" val="1713692142"/>
+      </p:ext>
+    </p:extLst>
+  </p:cSld>
+  <p:clrMapOvr>
+    <a:masterClrMapping/>
+  </p:clrMapOvr>
+</p:sld>
+</file>
+
+<file path=ppt/slides/slide13.xml><?xml version="1.0" encoding="utf-8"?>
+<p:sld xmlns:a="http://schemas.openxmlformats.org/drawingml/2006/main" xmlns:r="http://schemas.openxmlformats.org/officeDocument/2006/relationships" xmlns:p="http://schemas.openxmlformats.org/presentationml/2006/main">
+  <p:cSld>
+    <p:bg>
+      <p:bgPr>
+        <a:solidFill>
+          <a:srgbClr val="D9EAD3"/>
+        </a:solidFill>
+        <a:effectLst/>
+      </p:bgPr>
+    </p:bg>
+    <p:spTree>
+      <p:nvGrpSpPr>
+        <p:cNvPr id="1" name="Shape 72"/>
+        <p:cNvGrpSpPr/>
+        <p:nvPr/>
+      </p:nvGrpSpPr>
+      <p:grpSpPr>
+        <a:xfrm>
+          <a:off x="0" y="0"/>
+          <a:ext cx="0" cy="0"/>
+          <a:chOff x="0" y="0"/>
+          <a:chExt cx="0" cy="0"/>
+        </a:xfrm>
+      </p:grpSpPr>
+      <p:sp>
+        <p:nvSpPr>
+          <p:cNvPr id="73" name="Google Shape;73;p16"/>
+          <p:cNvSpPr txBox="1">
+            <a:spLocks noGrp="1"/>
+          </p:cNvSpPr>
+          <p:nvPr>
+            <p:ph type="title"/>
+          </p:nvPr>
+        </p:nvSpPr>
+        <p:spPr>
+          <a:xfrm>
+            <a:off x="311700" y="445025"/>
+            <a:ext cx="8520600" cy="572700"/>
+          </a:xfrm>
+          <a:prstGeom prst="rect">
+            <a:avLst/>
+          </a:prstGeom>
+        </p:spPr>
+        <p:txBody>
+          <a:bodyPr spcFirstLastPara="1" wrap="square" lIns="91425" tIns="91425" rIns="91425" bIns="91425" anchor="t" anchorCtr="0">
+            <a:noAutofit/>
+          </a:bodyPr>
+          <a:lstStyle/>
+          <a:p>
+            <a:r>
+              <a:rPr lang="en"/>
+              <a:t>Component 2 Ver. 2 (Trello screenshot)</a:t>
+            </a:r>
+            <a:endParaRPr/>
+          </a:p>
+        </p:txBody>
+      </p:sp>
+      <p:pic>
+        <p:nvPicPr>
+          <p:cNvPr id="2" name="Picture 2" descr="Graphical user interface, application&#10;&#10;Description automatically generated">
+            <a:extLst>
+              <a:ext uri="{FF2B5EF4-FFF2-40B4-BE49-F238E27FC236}">
+                <a16:creationId xmlns:a16="http://schemas.microsoft.com/office/drawing/2014/main" id="{7F9BC6D3-ADC9-8763-04E5-002ADC395F4C}"/>
+              </a:ext>
+            </a:extLst>
+          </p:cNvPr>
+          <p:cNvPicPr>
+            <a:picLocks noChangeAspect="1"/>
+          </p:cNvPicPr>
+          <p:nvPr/>
+        </p:nvPicPr>
+        <p:blipFill>
+          <a:blip r:embed="rId3"/>
+          <a:stretch>
+            <a:fillRect/>
+          </a:stretch>
+        </p:blipFill>
+        <p:spPr>
+          <a:xfrm>
+            <a:off x="2542310" y="1150198"/>
+            <a:ext cx="4059380" cy="3795603"/>
+          </a:xfrm>
+          <a:prstGeom prst="rect">
+            <a:avLst/>
+          </a:prstGeom>
+        </p:spPr>
+      </p:pic>
+    </p:spTree>
+    <p:extLst>
+      <p:ext uri="{BB962C8B-B14F-4D97-AF65-F5344CB8AC3E}">
+        <p14:creationId xmlns:p14="http://schemas.microsoft.com/office/powerpoint/2010/main" val="2125486748"/>
+      </p:ext>
+    </p:extLst>
+  </p:cSld>
+  <p:clrMapOvr>
+    <a:masterClrMapping/>
+  </p:clrMapOvr>
+</p:sld>
+</file>
+
+<file path=ppt/slides/slide14.xml><?xml version="1.0" encoding="utf-8"?>
+<p:sld xmlns:a="http://schemas.openxmlformats.org/drawingml/2006/main" xmlns:r="http://schemas.openxmlformats.org/officeDocument/2006/relationships" xmlns:p="http://schemas.openxmlformats.org/presentationml/2006/main">
+  <p:cSld>
+    <p:spTree>
+      <p:nvGrpSpPr>
+        <p:cNvPr id="1" name="Shape 77"/>
+        <p:cNvGrpSpPr/>
+        <p:nvPr/>
+      </p:nvGrpSpPr>
+      <p:grpSpPr>
+        <a:xfrm>
+          <a:off x="0" y="0"/>
+          <a:ext cx="0" cy="0"/>
+          <a:chOff x="0" y="0"/>
+          <a:chExt cx="0" cy="0"/>
+        </a:xfrm>
+      </p:grpSpPr>
+      <p:sp>
+        <p:nvSpPr>
+          <p:cNvPr id="78" name="Google Shape;78;p17"/>
+          <p:cNvSpPr txBox="1">
+            <a:spLocks noGrp="1"/>
+          </p:cNvSpPr>
+          <p:nvPr>
+            <p:ph type="title"/>
+          </p:nvPr>
+        </p:nvSpPr>
+        <p:spPr>
+          <a:xfrm>
+            <a:off x="311700" y="445025"/>
+            <a:ext cx="8520600" cy="572700"/>
+          </a:xfrm>
+          <a:prstGeom prst="rect">
+            <a:avLst/>
+          </a:prstGeom>
+        </p:spPr>
+        <p:txBody>
+          <a:bodyPr spcFirstLastPara="1" wrap="square" lIns="91425" tIns="91425" rIns="91425" bIns="91425" anchor="t" anchorCtr="0">
+            <a:noAutofit/>
+          </a:bodyPr>
+          <a:lstStyle/>
+          <a:p>
+            <a:r>
+              <a:rPr lang="en"/>
+              <a:t>Component 2 Ver. 2 - Test Plan (and screenshot)</a:t>
+            </a:r>
+            <a:endParaRPr/>
+          </a:p>
+        </p:txBody>
+      </p:sp>
+      <p:graphicFrame>
+        <p:nvGraphicFramePr>
+          <p:cNvPr id="79" name="Google Shape;79;p17"/>
+          <p:cNvGraphicFramePr/>
+          <p:nvPr>
+            <p:extLst>
+              <p:ext uri="{D42A27DB-BD31-4B8C-83A1-F6EECF244321}">
+                <p14:modId xmlns:p14="http://schemas.microsoft.com/office/powerpoint/2010/main" val="1339646675"/>
+              </p:ext>
+            </p:extLst>
+          </p:nvPr>
+        </p:nvGraphicFramePr>
+        <p:xfrm>
+          <a:off x="304543" y="3363225"/>
+          <a:ext cx="8520600" cy="1584900"/>
+        </p:xfrm>
+        <a:graphic>
+          <a:graphicData uri="http://schemas.openxmlformats.org/drawingml/2006/table">
+            <a:tbl>
+              <a:tblPr>
+                <a:noFill/>
+                <a:tableStyleId>{E1099E06-0E6B-448D-9D27-60429F06E6F4}</a:tableStyleId>
+              </a:tblPr>
+              <a:tblGrid>
+                <a:gridCol w="4196249">
+                  <a:extLst>
+                    <a:ext uri="{9D8B030D-6E8A-4147-A177-3AD203B41FA5}">
+                      <a16:colId xmlns:a16="http://schemas.microsoft.com/office/drawing/2014/main" val="20000"/>
+                    </a:ext>
+                  </a:extLst>
+                </a:gridCol>
+                <a:gridCol w="4324351">
+                  <a:extLst>
+                    <a:ext uri="{9D8B030D-6E8A-4147-A177-3AD203B41FA5}">
+                      <a16:colId xmlns:a16="http://schemas.microsoft.com/office/drawing/2014/main" val="20001"/>
+                    </a:ext>
+                  </a:extLst>
+                </a:gridCol>
+              </a:tblGrid>
+              <a:tr h="381000">
+                <a:tc>
+                  <a:txBody>
+                    <a:bodyPr/>
+                    <a:lstStyle/>
+                    <a:p>
+                      <a:pPr marL="0" lvl="0" indent="0" algn="l" rtl="0">
+                        <a:spcBef>
+                          <a:spcPts val="0"/>
+                        </a:spcBef>
+                        <a:spcAft>
+                          <a:spcPts val="0"/>
+                        </a:spcAft>
+                        <a:buNone/>
+                      </a:pPr>
+                      <a:r>
+                        <a:rPr lang="en" sz="1600" b="1" dirty="0"/>
+                        <a:t>Test Case</a:t>
+                      </a:r>
+                      <a:endParaRPr sz="1600" b="1" dirty="0"/>
+                    </a:p>
+                  </a:txBody>
+                  <a:tcPr marL="91425" marR="91425" marT="91425" marB="91425">
+                    <a:solidFill>
+                      <a:srgbClr val="CCCCCC"/>
+                    </a:solidFill>
+                  </a:tcPr>
+                </a:tc>
+                <a:tc>
+                  <a:txBody>
+                    <a:bodyPr/>
+                    <a:lstStyle/>
+                    <a:p>
+                      <a:pPr marL="0" lvl="0" indent="0" algn="l" rtl="0">
+                        <a:spcBef>
+                          <a:spcPts val="0"/>
+                        </a:spcBef>
+                        <a:spcAft>
+                          <a:spcPts val="0"/>
+                        </a:spcAft>
+                        <a:buNone/>
+                      </a:pPr>
+                      <a:r>
+                        <a:rPr lang="en" sz="1600" b="1" dirty="0"/>
+                        <a:t>Expected Values</a:t>
+                      </a:r>
+                      <a:endParaRPr sz="1600" b="1" dirty="0"/>
+                    </a:p>
+                  </a:txBody>
+                  <a:tcPr marL="91425" marR="91425" marT="91425" marB="91425">
+                    <a:solidFill>
+                      <a:srgbClr val="CCCCCC"/>
+                    </a:solidFill>
+                  </a:tcPr>
+                </a:tc>
+                <a:extLst>
+                  <a:ext uri="{0D108BD9-81ED-4DB2-BD59-A6C34878D82A}">
+                    <a16:rowId xmlns:a16="http://schemas.microsoft.com/office/drawing/2014/main" val="10000"/>
+                  </a:ext>
+                </a:extLst>
+              </a:tr>
+              <a:tr h="396200">
+                <a:tc>
+                  <a:txBody>
+                    <a:bodyPr/>
+                    <a:lstStyle/>
+                    <a:p>
+                      <a:pPr marL="0" lvl="0" indent="0" algn="l" rtl="0">
+                        <a:spcBef>
+                          <a:spcPts val="0"/>
+                        </a:spcBef>
+                        <a:spcAft>
+                          <a:spcPts val="0"/>
+                        </a:spcAft>
+                        <a:buNone/>
+                      </a:pPr>
+                      <a:r>
+                        <a:rPr lang="en-US" sz="1600" dirty="0"/>
+                        <a:t>Run Program</a:t>
+                      </a:r>
+                      <a:endParaRPr sz="1600" dirty="0"/>
+                    </a:p>
+                  </a:txBody>
+                  <a:tcPr marL="91425" marR="91425" marT="91425" marB="91425"/>
+                </a:tc>
+                <a:tc>
+                  <a:txBody>
+                    <a:bodyPr/>
+                    <a:lstStyle/>
+                    <a:p>
+                      <a:pPr marL="0" lvl="0" indent="0" algn="l">
+                        <a:spcBef>
+                          <a:spcPts val="0"/>
+                        </a:spcBef>
+                        <a:spcAft>
+                          <a:spcPts val="0"/>
+                        </a:spcAft>
+                        <a:buNone/>
+                      </a:pPr>
+                      <a:r>
+                        <a:rPr lang="en-US" sz="1600" b="0" i="0" u="none" strike="noStrike" noProof="0" dirty="0">
+                          <a:solidFill>
+                            <a:srgbClr val="000000"/>
+                          </a:solidFill>
+                          <a:latin typeface="Arial"/>
+                        </a:rPr>
+                        <a:t>If "p" was entered , print "Pickup!".</a:t>
+                      </a:r>
+                    </a:p>
+                    <a:p>
+                      <a:pPr marL="0" lvl="0" indent="0" algn="l">
+                        <a:spcBef>
+                          <a:spcPts val="0"/>
+                        </a:spcBef>
+                        <a:spcAft>
+                          <a:spcPts val="0"/>
+                        </a:spcAft>
+                        <a:buNone/>
+                      </a:pPr>
+                      <a:r>
+                        <a:rPr lang="en-US" sz="1600" b="0" i="0" u="none" strike="noStrike" noProof="0" dirty="0">
+                          <a:solidFill>
+                            <a:srgbClr val="000000"/>
+                          </a:solidFill>
+                          <a:latin typeface="Arial"/>
+                        </a:rPr>
+                        <a:t>If "d" was entered, print "Delivery!".</a:t>
+                      </a:r>
+                    </a:p>
+                    <a:p>
+                      <a:pPr marL="0" lvl="0" indent="0" algn="l">
+                        <a:spcBef>
+                          <a:spcPts val="0"/>
+                        </a:spcBef>
+                        <a:spcAft>
+                          <a:spcPts val="0"/>
+                        </a:spcAft>
+                        <a:buNone/>
+                      </a:pPr>
+                      <a:r>
+                        <a:rPr lang="en-US" sz="1600" b="0" i="0" u="none" strike="noStrike" noProof="0" dirty="0">
+                          <a:solidFill>
+                            <a:srgbClr val="000000"/>
+                          </a:solidFill>
+                          <a:latin typeface="Arial"/>
+                        </a:rPr>
+                        <a:t>If a different value was entered, print "Invalid response". Runs correctly.</a:t>
+                      </a:r>
+                      <a:endParaRPr lang="en-US" dirty="0"/>
+                    </a:p>
+                  </a:txBody>
+                  <a:tcPr marL="91425" marR="91425" marT="91425" marB="91425"/>
+                </a:tc>
+                <a:extLst>
+                  <a:ext uri="{0D108BD9-81ED-4DB2-BD59-A6C34878D82A}">
+                    <a16:rowId xmlns:a16="http://schemas.microsoft.com/office/drawing/2014/main" val="10001"/>
+                  </a:ext>
+                </a:extLst>
+              </a:tr>
+            </a:tbl>
+          </a:graphicData>
+        </a:graphic>
+      </p:graphicFrame>
+      <p:pic>
+        <p:nvPicPr>
+          <p:cNvPr id="2" name="Picture 2" descr="Text&#10;&#10;Description automatically generated">
+            <a:extLst>
+              <a:ext uri="{FF2B5EF4-FFF2-40B4-BE49-F238E27FC236}">
+                <a16:creationId xmlns:a16="http://schemas.microsoft.com/office/drawing/2014/main" id="{B56E88FD-1437-5CE3-DB07-3D1049B39886}"/>
+              </a:ext>
+            </a:extLst>
+          </p:cNvPr>
+          <p:cNvPicPr>
+            <a:picLocks noChangeAspect="1"/>
+          </p:cNvPicPr>
+          <p:nvPr/>
+        </p:nvPicPr>
+        <p:blipFill>
+          <a:blip r:embed="rId3"/>
+          <a:stretch>
+            <a:fillRect/>
+          </a:stretch>
+        </p:blipFill>
+        <p:spPr>
+          <a:xfrm>
+            <a:off x="4575259" y="1019096"/>
+            <a:ext cx="3262745" cy="1048312"/>
+          </a:xfrm>
+          <a:prstGeom prst="rect">
+            <a:avLst/>
+          </a:prstGeom>
+        </p:spPr>
+      </p:pic>
+      <p:pic>
+        <p:nvPicPr>
+          <p:cNvPr id="3" name="Picture 3" descr="Text&#10;&#10;Description automatically generated">
+            <a:extLst>
+              <a:ext uri="{FF2B5EF4-FFF2-40B4-BE49-F238E27FC236}">
+                <a16:creationId xmlns:a16="http://schemas.microsoft.com/office/drawing/2014/main" id="{C1ABCF39-DA20-BF54-AF3D-5898B138441A}"/>
+              </a:ext>
+            </a:extLst>
+          </p:cNvPr>
+          <p:cNvPicPr>
+            <a:picLocks noChangeAspect="1"/>
+          </p:cNvPicPr>
+          <p:nvPr/>
+        </p:nvPicPr>
+        <p:blipFill>
+          <a:blip r:embed="rId4"/>
+          <a:stretch>
+            <a:fillRect/>
+          </a:stretch>
+        </p:blipFill>
+        <p:spPr>
+          <a:xfrm>
+            <a:off x="936405" y="1019841"/>
+            <a:ext cx="3132859" cy="2302392"/>
+          </a:xfrm>
+          <a:prstGeom prst="rect">
+            <a:avLst/>
+          </a:prstGeom>
+        </p:spPr>
+      </p:pic>
+      <p:pic>
+        <p:nvPicPr>
+          <p:cNvPr id="4" name="Picture 4" descr="Text&#10;&#10;Description automatically generated">
+            <a:extLst>
+              <a:ext uri="{FF2B5EF4-FFF2-40B4-BE49-F238E27FC236}">
+                <a16:creationId xmlns:a16="http://schemas.microsoft.com/office/drawing/2014/main" id="{3BC4EC35-42FC-1134-F922-409FA29628BB}"/>
+              </a:ext>
+            </a:extLst>
+          </p:cNvPr>
+          <p:cNvPicPr>
+            <a:picLocks noChangeAspect="1"/>
+          </p:cNvPicPr>
+          <p:nvPr/>
+        </p:nvPicPr>
+        <p:blipFill>
+          <a:blip r:embed="rId5"/>
+          <a:stretch>
+            <a:fillRect/>
+          </a:stretch>
+        </p:blipFill>
+        <p:spPr>
+          <a:xfrm>
+            <a:off x="4572000" y="2349248"/>
+            <a:ext cx="3267635" cy="962715"/>
+          </a:xfrm>
+          <a:prstGeom prst="rect">
+            <a:avLst/>
+          </a:prstGeom>
+        </p:spPr>
+      </p:pic>
+      <p:sp>
+        <p:nvSpPr>
+          <p:cNvPr id="5" name="TextBox 4">
+            <a:extLst>
+              <a:ext uri="{FF2B5EF4-FFF2-40B4-BE49-F238E27FC236}">
+                <a16:creationId xmlns:a16="http://schemas.microsoft.com/office/drawing/2014/main" id="{90F5EE74-B6EB-BA14-5B25-0D2113AFF263}"/>
+              </a:ext>
+            </a:extLst>
+          </p:cNvPr>
+          <p:cNvSpPr txBox="1"/>
+          <p:nvPr/>
+        </p:nvSpPr>
+        <p:spPr>
+          <a:xfrm>
+            <a:off x="7839635" y="1021977"/>
+            <a:ext cx="1042148" cy="523220"/>
+          </a:xfrm>
+          <a:prstGeom prst="rect">
+            <a:avLst/>
+          </a:prstGeom>
+          <a:noFill/>
+        </p:spPr>
+        <p:txBody>
+          <a:bodyPr rot="0" spcFirstLastPara="0" vertOverflow="overflow" horzOverflow="overflow" vert="horz" wrap="square" lIns="91440" tIns="45720" rIns="91440" bIns="45720" numCol="1" spcCol="0" rtlCol="0" fromWordArt="0" anchor="t" anchorCtr="0" forceAA="0" compatLnSpc="1">
+            <a:prstTxWarp prst="textNoShape">
+              <a:avLst/>
+            </a:prstTxWarp>
+            <a:spAutoFit/>
+          </a:bodyPr>
+          <a:lstStyle/>
+          <a:p>
+            <a:r>
+              <a:rPr lang="en-US"/>
+              <a:t>Valid input</a:t>
+            </a:r>
+          </a:p>
+          <a:p>
+            <a:r>
+              <a:rPr lang="en-US"/>
+              <a:t>output</a:t>
+            </a:r>
+          </a:p>
+        </p:txBody>
+      </p:sp>
+      <p:sp>
+        <p:nvSpPr>
+          <p:cNvPr id="6" name="TextBox 5">
+            <a:extLst>
+              <a:ext uri="{FF2B5EF4-FFF2-40B4-BE49-F238E27FC236}">
+                <a16:creationId xmlns:a16="http://schemas.microsoft.com/office/drawing/2014/main" id="{E3F9A34D-F561-BE90-58AE-A0B824329799}"/>
+              </a:ext>
+            </a:extLst>
+          </p:cNvPr>
+          <p:cNvSpPr txBox="1"/>
+          <p:nvPr/>
+        </p:nvSpPr>
+        <p:spPr>
+          <a:xfrm>
+            <a:off x="7839635" y="2346512"/>
+            <a:ext cx="1156448" cy="523220"/>
+          </a:xfrm>
+          <a:prstGeom prst="rect">
+            <a:avLst/>
+          </a:prstGeom>
+          <a:noFill/>
+        </p:spPr>
+        <p:txBody>
+          <a:bodyPr rot="0" spcFirstLastPara="0" vertOverflow="overflow" horzOverflow="overflow" vert="horz" wrap="square" lIns="91440" tIns="45720" rIns="91440" bIns="45720" numCol="1" spcCol="0" rtlCol="0" fromWordArt="0" anchor="t" anchorCtr="0" forceAA="0" compatLnSpc="1">
+            <a:prstTxWarp prst="textNoShape">
+              <a:avLst/>
+            </a:prstTxWarp>
+            <a:spAutoFit/>
+          </a:bodyPr>
+          <a:lstStyle/>
+          <a:p>
+            <a:r>
+              <a:rPr lang="en-US"/>
+              <a:t>Invalid input</a:t>
+            </a:r>
+          </a:p>
+          <a:p>
+            <a:r>
+              <a:rPr lang="en-US"/>
+              <a:t>output</a:t>
+            </a:r>
+          </a:p>
+        </p:txBody>
+      </p:sp>
+    </p:spTree>
+    <p:extLst>
+      <p:ext uri="{BB962C8B-B14F-4D97-AF65-F5344CB8AC3E}">
+        <p14:creationId xmlns:p14="http://schemas.microsoft.com/office/powerpoint/2010/main" val="1744829088"/>
+      </p:ext>
+    </p:extLst>
+  </p:cSld>
+  <p:clrMapOvr>
+    <a:masterClrMapping/>
+  </p:clrMapOvr>
+</p:sld>
+</file>
+
+<file path=ppt/slides/slide15.xml><?xml version="1.0" encoding="utf-8"?>
+<p:sld xmlns:a="http://schemas.openxmlformats.org/drawingml/2006/main" xmlns:r="http://schemas.openxmlformats.org/officeDocument/2006/relationships" xmlns:p="http://schemas.openxmlformats.org/presentationml/2006/main">
+  <p:cSld>
+    <p:bg>
+      <p:bgPr>
+        <a:solidFill>
+          <a:srgbClr val="D9EAD3"/>
+        </a:solidFill>
+        <a:effectLst/>
+      </p:bgPr>
+    </p:bg>
+    <p:spTree>
+      <p:nvGrpSpPr>
+        <p:cNvPr id="1" name="Shape 72"/>
+        <p:cNvGrpSpPr/>
+        <p:nvPr/>
+      </p:nvGrpSpPr>
+      <p:grpSpPr>
+        <a:xfrm>
+          <a:off x="0" y="0"/>
+          <a:ext cx="0" cy="0"/>
+          <a:chOff x="0" y="0"/>
+          <a:chExt cx="0" cy="0"/>
+        </a:xfrm>
+      </p:grpSpPr>
+      <p:sp>
+        <p:nvSpPr>
+          <p:cNvPr id="73" name="Google Shape;73;p16"/>
+          <p:cNvSpPr txBox="1">
+            <a:spLocks noGrp="1"/>
+          </p:cNvSpPr>
+          <p:nvPr>
+            <p:ph type="title"/>
+          </p:nvPr>
+        </p:nvSpPr>
+        <p:spPr>
+          <a:xfrm>
+            <a:off x="311700" y="445025"/>
+            <a:ext cx="8520600" cy="572700"/>
+          </a:xfrm>
+          <a:prstGeom prst="rect">
+            <a:avLst/>
+          </a:prstGeom>
+        </p:spPr>
+        <p:txBody>
+          <a:bodyPr spcFirstLastPara="1" wrap="square" lIns="91425" tIns="91425" rIns="91425" bIns="91425" anchor="t" anchorCtr="0">
+            <a:noAutofit/>
+          </a:bodyPr>
+          <a:lstStyle/>
+          <a:p>
+            <a:r>
               <a:rPr lang="en" dirty="0"/>
-              <a:t>Component 2 Ver. 1 - Test Plan (and screenshot)</a:t>
+              <a:t>Component 2 Ver. 3 (Trello screenshot)</a:t>
+            </a:r>
+            <a:endParaRPr dirty="0"/>
+          </a:p>
+        </p:txBody>
+      </p:sp>
+      <p:pic>
+        <p:nvPicPr>
+          <p:cNvPr id="2" name="Picture 2" descr="Graphical user interface, application&#10;&#10;Description automatically generated">
+            <a:extLst>
+              <a:ext uri="{FF2B5EF4-FFF2-40B4-BE49-F238E27FC236}">
+                <a16:creationId xmlns:a16="http://schemas.microsoft.com/office/drawing/2014/main" id="{FD887152-09C6-2354-1AB6-C3BF4D22E33F}"/>
+              </a:ext>
+            </a:extLst>
+          </p:cNvPr>
+          <p:cNvPicPr>
+            <a:picLocks noChangeAspect="1"/>
+          </p:cNvPicPr>
+          <p:nvPr/>
+        </p:nvPicPr>
+        <p:blipFill>
+          <a:blip r:embed="rId3"/>
+          <a:stretch>
+            <a:fillRect/>
+          </a:stretch>
+        </p:blipFill>
+        <p:spPr>
+          <a:xfrm>
+            <a:off x="2559205" y="1018942"/>
+            <a:ext cx="4018621" cy="4018621"/>
+          </a:xfrm>
+          <a:prstGeom prst="rect">
+            <a:avLst/>
+          </a:prstGeom>
+        </p:spPr>
+      </p:pic>
+    </p:spTree>
+    <p:extLst>
+      <p:ext uri="{BB962C8B-B14F-4D97-AF65-F5344CB8AC3E}">
+        <p14:creationId xmlns:p14="http://schemas.microsoft.com/office/powerpoint/2010/main" val="4142443043"/>
+      </p:ext>
+    </p:extLst>
+  </p:cSld>
+  <p:clrMapOvr>
+    <a:masterClrMapping/>
+  </p:clrMapOvr>
+</p:sld>
+</file>
+
+<file path=ppt/slides/slide16.xml><?xml version="1.0" encoding="utf-8"?>
+<p:sld xmlns:a="http://schemas.openxmlformats.org/drawingml/2006/main" xmlns:r="http://schemas.openxmlformats.org/officeDocument/2006/relationships" xmlns:p="http://schemas.openxmlformats.org/presentationml/2006/main">
+  <p:cSld>
+    <p:spTree>
+      <p:nvGrpSpPr>
+        <p:cNvPr id="1" name="Shape 77"/>
+        <p:cNvGrpSpPr/>
+        <p:nvPr/>
+      </p:nvGrpSpPr>
+      <p:grpSpPr>
+        <a:xfrm>
+          <a:off x="0" y="0"/>
+          <a:ext cx="0" cy="0"/>
+          <a:chOff x="0" y="0"/>
+          <a:chExt cx="0" cy="0"/>
+        </a:xfrm>
+      </p:grpSpPr>
+      <p:sp>
+        <p:nvSpPr>
+          <p:cNvPr id="78" name="Google Shape;78;p17"/>
+          <p:cNvSpPr txBox="1">
+            <a:spLocks noGrp="1"/>
+          </p:cNvSpPr>
+          <p:nvPr>
+            <p:ph type="title"/>
+          </p:nvPr>
+        </p:nvSpPr>
+        <p:spPr>
+          <a:xfrm>
+            <a:off x="311700" y="445025"/>
+            <a:ext cx="8520600" cy="572700"/>
+          </a:xfrm>
+          <a:prstGeom prst="rect">
+            <a:avLst/>
+          </a:prstGeom>
+        </p:spPr>
+        <p:txBody>
+          <a:bodyPr spcFirstLastPara="1" wrap="square" lIns="91425" tIns="91425" rIns="91425" bIns="91425" anchor="t" anchorCtr="0">
+            <a:noAutofit/>
+          </a:bodyPr>
+          <a:lstStyle/>
+          <a:p>
+            <a:pPr marL="0" lvl="0" indent="0" algn="l" rtl="0">
+              <a:spcBef>
+                <a:spcPts val="0"/>
+              </a:spcBef>
+              <a:spcAft>
+                <a:spcPts val="0"/>
+              </a:spcAft>
+              <a:buNone/>
+            </a:pPr>
+            <a:r>
+              <a:rPr lang="en" dirty="0"/>
+              <a:t>Component 2 Ver. 3 - Test Plan (and screenshot)</a:t>
             </a:r>
             <a:endParaRPr dirty="0"/>
           </a:p>
@@ -8715,14 +11178,14 @@
           <p:nvPr>
             <p:extLst>
               <p:ext uri="{D42A27DB-BD31-4B8C-83A1-F6EECF244321}">
-                <p14:modId xmlns:p14="http://schemas.microsoft.com/office/powerpoint/2010/main" val="1639687672"/>
+                <p14:modId xmlns:p14="http://schemas.microsoft.com/office/powerpoint/2010/main" val="728028378"/>
               </p:ext>
             </p:extLst>
           </p:nvPr>
         </p:nvGraphicFramePr>
         <p:xfrm>
           <a:off x="382475" y="1267725"/>
-          <a:ext cx="8520600" cy="2011620"/>
+          <a:ext cx="8520600" cy="1615380"/>
         </p:xfrm>
         <a:graphic>
           <a:graphicData uri="http://schemas.openxmlformats.org/drawingml/2006/table">
@@ -8825,7 +11288,7 @@
                       </a:pPr>
                       <a:r>
                         <a:rPr lang="en-US" sz="1800" dirty="0"/>
-                        <a:t>Run program</a:t>
+                        <a:t>Run Program</a:t>
                       </a:r>
                       <a:endParaRPr sz="1800" dirty="0"/>
                     </a:p>
@@ -8837,7 +11300,7 @@
                     <a:bodyPr/>
                     <a:lstStyle/>
                     <a:p>
-                      <a:pPr marL="0" lvl="0" indent="0" algn="l" rtl="0">
+                      <a:pPr marL="0" lvl="0" indent="0" algn="l">
                         <a:spcBef>
                           <a:spcPts val="0"/>
                         </a:spcBef>
@@ -8847,8 +11310,13 @@
                         <a:buNone/>
                       </a:pPr>
                       <a:r>
-                        <a:rPr lang="en-US" sz="1800" dirty="0"/>
-                        <a:t>If "p" was entered , print "Pickup!".</a:t>
+                        <a:rPr lang="en-US" sz="1600" b="0" i="0" u="none" strike="noStrike" noProof="0" dirty="0">
+                          <a:solidFill>
+                            <a:srgbClr val="000000"/>
+                          </a:solidFill>
+                          <a:latin typeface="Arial"/>
+                        </a:rPr>
+                        <a:t>If "1" was entered , print "Pickup!".</a:t>
                       </a:r>
                     </a:p>
                     <a:p>
@@ -8862,8 +11330,13 @@
                         <a:buNone/>
                       </a:pPr>
                       <a:r>
-                        <a:rPr lang="en-US" sz="1800" dirty="0"/>
-                        <a:t>If "d" was entered, print "Delivery!".</a:t>
+                        <a:rPr lang="en-US" sz="1600" b="0" i="0" u="none" strike="noStrike" noProof="0" dirty="0">
+                          <a:solidFill>
+                            <a:srgbClr val="000000"/>
+                          </a:solidFill>
+                          <a:latin typeface="Arial"/>
+                        </a:rPr>
+                        <a:t>If "2" was entered, print "Delivery!".</a:t>
                       </a:r>
                     </a:p>
                     <a:p>
@@ -8877,9 +11350,15 @@
                         <a:buNone/>
                       </a:pPr>
                       <a:r>
-                        <a:rPr lang="en-US" sz="1800" dirty="0"/>
-                        <a:t>If an unexpected value was selected, print "Invalid response" and allow the user to try again.</a:t>
+                        <a:rPr lang="en-US" sz="1600" b="0" i="0" u="none" strike="noStrike" noProof="0" dirty="0">
+                          <a:solidFill>
+                            <a:srgbClr val="000000"/>
+                          </a:solidFill>
+                          <a:latin typeface="Arial"/>
+                        </a:rPr>
+                        <a:t>If a different value was entered, print "Invalid response". Runs correctly.</a:t>
                       </a:r>
+                      <a:endParaRPr dirty="0"/>
                     </a:p>
                   </a:txBody>
                   <a:tcPr marL="91425" marR="91425" marT="91425" marB="91425"/>
@@ -8899,7 +11378,7 @@
           <p:cNvPr id="2" name="Picture 2" descr="Text&#10;&#10;Description automatically generated">
             <a:extLst>
               <a:ext uri="{FF2B5EF4-FFF2-40B4-BE49-F238E27FC236}">
-                <a16:creationId xmlns:a16="http://schemas.microsoft.com/office/drawing/2014/main" id="{7FE463BF-0764-D10B-9DB1-F4F5D805E425}"/>
+                <a16:creationId xmlns:a16="http://schemas.microsoft.com/office/drawing/2014/main" id="{7D382FEC-BA22-385B-288A-A8F112038222}"/>
               </a:ext>
             </a:extLst>
           </p:cNvPr>
@@ -8916,8 +11395,8 @@
         </p:blipFill>
         <p:spPr>
           <a:xfrm>
-            <a:off x="814820" y="2874698"/>
-            <a:ext cx="3418609" cy="2218699"/>
+            <a:off x="370778" y="3024483"/>
+            <a:ext cx="2743200" cy="1812645"/>
           </a:xfrm>
           <a:prstGeom prst="rect">
             <a:avLst/>
@@ -8926,10 +11405,10 @@
       </p:pic>
       <p:pic>
         <p:nvPicPr>
-          <p:cNvPr id="4" name="Picture 4" descr="Text&#10;&#10;Description automatically generated">
+          <p:cNvPr id="3" name="Picture 3" descr="Text&#10;&#10;Description automatically generated">
             <a:extLst>
               <a:ext uri="{FF2B5EF4-FFF2-40B4-BE49-F238E27FC236}">
-                <a16:creationId xmlns:a16="http://schemas.microsoft.com/office/drawing/2014/main" id="{C5B50C23-5A00-9F10-292F-DE572E9993C8}"/>
+                <a16:creationId xmlns:a16="http://schemas.microsoft.com/office/drawing/2014/main" id="{8D25A59A-9139-DC47-D808-951BAD5B66F4}"/>
               </a:ext>
             </a:extLst>
           </p:cNvPr>
@@ -8946,8 +11425,8 @@
         </p:blipFill>
         <p:spPr>
           <a:xfrm>
-            <a:off x="5429250" y="3354686"/>
-            <a:ext cx="2743200" cy="872528"/>
+            <a:off x="3249186" y="3026651"/>
+            <a:ext cx="2743200" cy="1459832"/>
           </a:xfrm>
           <a:prstGeom prst="rect">
             <a:avLst/>
@@ -8956,10 +11435,10 @@
       </p:pic>
       <p:pic>
         <p:nvPicPr>
-          <p:cNvPr id="5" name="Picture 5" descr="Text&#10;&#10;Description automatically generated">
+          <p:cNvPr id="4" name="Picture 4" descr="Text&#10;&#10;Description automatically generated">
             <a:extLst>
               <a:ext uri="{FF2B5EF4-FFF2-40B4-BE49-F238E27FC236}">
-                <a16:creationId xmlns:a16="http://schemas.microsoft.com/office/drawing/2014/main" id="{7047F815-E48A-DE96-37FC-91BEA9EBE2C6}"/>
+                <a16:creationId xmlns:a16="http://schemas.microsoft.com/office/drawing/2014/main" id="{68A22336-453A-D10B-8E13-C54BA32949EE}"/>
               </a:ext>
             </a:extLst>
           </p:cNvPr>
@@ -8976,8 +11455,8 @@
         </p:blipFill>
         <p:spPr>
           <a:xfrm>
-            <a:off x="5429250" y="4314672"/>
-            <a:ext cx="2743200" cy="781355"/>
+            <a:off x="6106687" y="3027011"/>
+            <a:ext cx="2798956" cy="1459113"/>
           </a:xfrm>
           <a:prstGeom prst="rect">
             <a:avLst/>
@@ -8986,10 +11465,10 @@
       </p:pic>
       <p:sp>
         <p:nvSpPr>
-          <p:cNvPr id="6" name="TextBox 5">
+          <p:cNvPr id="6" name="TextBox 1">
             <a:extLst>
               <a:ext uri="{FF2B5EF4-FFF2-40B4-BE49-F238E27FC236}">
-                <a16:creationId xmlns:a16="http://schemas.microsoft.com/office/drawing/2014/main" id="{97808C3A-1741-09D6-6104-4E93834E6011}"/>
+                <a16:creationId xmlns:a16="http://schemas.microsoft.com/office/drawing/2014/main" id="{378EAFEE-9BF6-9448-18CD-A16E899C7EBE}"/>
               </a:ext>
             </a:extLst>
           </p:cNvPr>
@@ -8998,8 +11477,8 @@
         </p:nvSpPr>
         <p:spPr>
           <a:xfrm>
-            <a:off x="4414837" y="3357562"/>
-            <a:ext cx="1019175" cy="523220"/>
+            <a:off x="3247792" y="4488366"/>
+            <a:ext cx="2743199" cy="523220"/>
           </a:xfrm>
           <a:prstGeom prst="rect">
             <a:avLst/>
@@ -9007,23 +11486,248 @@
           <a:noFill/>
         </p:spPr>
         <p:txBody>
-          <a:bodyPr rot="0" spcFirstLastPara="0" vertOverflow="overflow" horzOverflow="overflow" vert="horz" wrap="square" lIns="91440" tIns="45720" rIns="91440" bIns="45720" numCol="1" spcCol="0" rtlCol="0" fromWordArt="0" anchor="t" anchorCtr="0" forceAA="0" compatLnSpc="1">
+          <a:bodyPr rot="0" spcFirstLastPara="0" vert="horz" wrap="square" lIns="91440" tIns="45720" rIns="91440" bIns="45720" numCol="1" spcCol="0" rtlCol="0" fromWordArt="0" anchor="t" anchorCtr="0" forceAA="0" compatLnSpc="1">
             <a:prstTxWarp prst="textNoShape">
               <a:avLst/>
             </a:prstTxWarp>
             <a:spAutoFit/>
           </a:bodyPr>
-          <a:lstStyle/>
+          <a:lstStyle>
+            <a:defPPr marR="0" lvl="0" algn="l" rtl="0">
+              <a:lnSpc>
+                <a:spcPct val="100000"/>
+              </a:lnSpc>
+              <a:spcBef>
+                <a:spcPts val="0"/>
+              </a:spcBef>
+              <a:spcAft>
+                <a:spcPts val="0"/>
+              </a:spcAft>
+            </a:defPPr>
+            <a:lvl1pPr marR="0" lvl="0" algn="l" rtl="0">
+              <a:lnSpc>
+                <a:spcPct val="100000"/>
+              </a:lnSpc>
+              <a:spcBef>
+                <a:spcPts val="0"/>
+              </a:spcBef>
+              <a:spcAft>
+                <a:spcPts val="0"/>
+              </a:spcAft>
+              <a:buClr>
+                <a:srgbClr val="000000"/>
+              </a:buClr>
+              <a:buFont typeface="Arial"/>
+              <a:defRPr sz="1400" b="0" i="0" u="none" strike="noStrike" cap="none">
+                <a:solidFill>
+                  <a:srgbClr val="000000"/>
+                </a:solidFill>
+                <a:latin typeface="Arial"/>
+                <a:ea typeface="Arial"/>
+                <a:cs typeface="Arial"/>
+                <a:sym typeface="Arial"/>
+              </a:defRPr>
+            </a:lvl1pPr>
+            <a:lvl2pPr marR="0" lvl="1" algn="l" rtl="0">
+              <a:lnSpc>
+                <a:spcPct val="100000"/>
+              </a:lnSpc>
+              <a:spcBef>
+                <a:spcPts val="0"/>
+              </a:spcBef>
+              <a:spcAft>
+                <a:spcPts val="0"/>
+              </a:spcAft>
+              <a:buClr>
+                <a:srgbClr val="000000"/>
+              </a:buClr>
+              <a:buFont typeface="Arial"/>
+              <a:defRPr sz="1400" b="0" i="0" u="none" strike="noStrike" cap="none">
+                <a:solidFill>
+                  <a:srgbClr val="000000"/>
+                </a:solidFill>
+                <a:latin typeface="Arial"/>
+                <a:ea typeface="Arial"/>
+                <a:cs typeface="Arial"/>
+                <a:sym typeface="Arial"/>
+              </a:defRPr>
+            </a:lvl2pPr>
+            <a:lvl3pPr marR="0" lvl="2" algn="l" rtl="0">
+              <a:lnSpc>
+                <a:spcPct val="100000"/>
+              </a:lnSpc>
+              <a:spcBef>
+                <a:spcPts val="0"/>
+              </a:spcBef>
+              <a:spcAft>
+                <a:spcPts val="0"/>
+              </a:spcAft>
+              <a:buClr>
+                <a:srgbClr val="000000"/>
+              </a:buClr>
+              <a:buFont typeface="Arial"/>
+              <a:defRPr sz="1400" b="0" i="0" u="none" strike="noStrike" cap="none">
+                <a:solidFill>
+                  <a:srgbClr val="000000"/>
+                </a:solidFill>
+                <a:latin typeface="Arial"/>
+                <a:ea typeface="Arial"/>
+                <a:cs typeface="Arial"/>
+                <a:sym typeface="Arial"/>
+              </a:defRPr>
+            </a:lvl3pPr>
+            <a:lvl4pPr marR="0" lvl="3" algn="l" rtl="0">
+              <a:lnSpc>
+                <a:spcPct val="100000"/>
+              </a:lnSpc>
+              <a:spcBef>
+                <a:spcPts val="0"/>
+              </a:spcBef>
+              <a:spcAft>
+                <a:spcPts val="0"/>
+              </a:spcAft>
+              <a:buClr>
+                <a:srgbClr val="000000"/>
+              </a:buClr>
+              <a:buFont typeface="Arial"/>
+              <a:defRPr sz="1400" b="0" i="0" u="none" strike="noStrike" cap="none">
+                <a:solidFill>
+                  <a:srgbClr val="000000"/>
+                </a:solidFill>
+                <a:latin typeface="Arial"/>
+                <a:ea typeface="Arial"/>
+                <a:cs typeface="Arial"/>
+                <a:sym typeface="Arial"/>
+              </a:defRPr>
+            </a:lvl4pPr>
+            <a:lvl5pPr marR="0" lvl="4" algn="l" rtl="0">
+              <a:lnSpc>
+                <a:spcPct val="100000"/>
+              </a:lnSpc>
+              <a:spcBef>
+                <a:spcPts val="0"/>
+              </a:spcBef>
+              <a:spcAft>
+                <a:spcPts val="0"/>
+              </a:spcAft>
+              <a:buClr>
+                <a:srgbClr val="000000"/>
+              </a:buClr>
+              <a:buFont typeface="Arial"/>
+              <a:defRPr sz="1400" b="0" i="0" u="none" strike="noStrike" cap="none">
+                <a:solidFill>
+                  <a:srgbClr val="000000"/>
+                </a:solidFill>
+                <a:latin typeface="Arial"/>
+                <a:ea typeface="Arial"/>
+                <a:cs typeface="Arial"/>
+                <a:sym typeface="Arial"/>
+              </a:defRPr>
+            </a:lvl5pPr>
+            <a:lvl6pPr marR="0" lvl="5" algn="l" rtl="0">
+              <a:lnSpc>
+                <a:spcPct val="100000"/>
+              </a:lnSpc>
+              <a:spcBef>
+                <a:spcPts val="0"/>
+              </a:spcBef>
+              <a:spcAft>
+                <a:spcPts val="0"/>
+              </a:spcAft>
+              <a:buClr>
+                <a:srgbClr val="000000"/>
+              </a:buClr>
+              <a:buFont typeface="Arial"/>
+              <a:defRPr sz="1400" b="0" i="0" u="none" strike="noStrike" cap="none">
+                <a:solidFill>
+                  <a:srgbClr val="000000"/>
+                </a:solidFill>
+                <a:latin typeface="Arial"/>
+                <a:ea typeface="Arial"/>
+                <a:cs typeface="Arial"/>
+                <a:sym typeface="Arial"/>
+              </a:defRPr>
+            </a:lvl6pPr>
+            <a:lvl7pPr marR="0" lvl="6" algn="l" rtl="0">
+              <a:lnSpc>
+                <a:spcPct val="100000"/>
+              </a:lnSpc>
+              <a:spcBef>
+                <a:spcPts val="0"/>
+              </a:spcBef>
+              <a:spcAft>
+                <a:spcPts val="0"/>
+              </a:spcAft>
+              <a:buClr>
+                <a:srgbClr val="000000"/>
+              </a:buClr>
+              <a:buFont typeface="Arial"/>
+              <a:defRPr sz="1400" b="0" i="0" u="none" strike="noStrike" cap="none">
+                <a:solidFill>
+                  <a:srgbClr val="000000"/>
+                </a:solidFill>
+                <a:latin typeface="Arial"/>
+                <a:ea typeface="Arial"/>
+                <a:cs typeface="Arial"/>
+                <a:sym typeface="Arial"/>
+              </a:defRPr>
+            </a:lvl7pPr>
+            <a:lvl8pPr marR="0" lvl="7" algn="l" rtl="0">
+              <a:lnSpc>
+                <a:spcPct val="100000"/>
+              </a:lnSpc>
+              <a:spcBef>
+                <a:spcPts val="0"/>
+              </a:spcBef>
+              <a:spcAft>
+                <a:spcPts val="0"/>
+              </a:spcAft>
+              <a:buClr>
+                <a:srgbClr val="000000"/>
+              </a:buClr>
+              <a:buFont typeface="Arial"/>
+              <a:defRPr sz="1400" b="0" i="0" u="none" strike="noStrike" cap="none">
+                <a:solidFill>
+                  <a:srgbClr val="000000"/>
+                </a:solidFill>
+                <a:latin typeface="Arial"/>
+                <a:ea typeface="Arial"/>
+                <a:cs typeface="Arial"/>
+                <a:sym typeface="Arial"/>
+              </a:defRPr>
+            </a:lvl8pPr>
+            <a:lvl9pPr marR="0" lvl="8" algn="l" rtl="0">
+              <a:lnSpc>
+                <a:spcPct val="100000"/>
+              </a:lnSpc>
+              <a:spcBef>
+                <a:spcPts val="0"/>
+              </a:spcBef>
+              <a:spcAft>
+                <a:spcPts val="0"/>
+              </a:spcAft>
+              <a:buClr>
+                <a:srgbClr val="000000"/>
+              </a:buClr>
+              <a:buFont typeface="Arial"/>
+              <a:defRPr sz="1400" b="0" i="0" u="none" strike="noStrike" cap="none">
+                <a:solidFill>
+                  <a:srgbClr val="000000"/>
+                </a:solidFill>
+                <a:latin typeface="Arial"/>
+                <a:ea typeface="Arial"/>
+                <a:cs typeface="Arial"/>
+                <a:sym typeface="Arial"/>
+              </a:defRPr>
+            </a:lvl9pPr>
+          </a:lstStyle>
           <a:p>
-            <a:pPr algn="r"/>
             <a:r>
               <a:rPr lang="en-US" dirty="0"/>
               <a:t>Valid input</a:t>
             </a:r>
-            <a:endParaRPr lang="en-US"/>
           </a:p>
           <a:p>
-            <a:pPr algn="r"/>
             <a:r>
               <a:rPr lang="en-US" dirty="0"/>
               <a:t>output</a:t>
@@ -9033,10 +11737,10 @@
       </p:sp>
       <p:sp>
         <p:nvSpPr>
-          <p:cNvPr id="7" name="TextBox 6">
+          <p:cNvPr id="7" name="TextBox 1">
             <a:extLst>
               <a:ext uri="{FF2B5EF4-FFF2-40B4-BE49-F238E27FC236}">
-                <a16:creationId xmlns:a16="http://schemas.microsoft.com/office/drawing/2014/main" id="{34D878B3-2023-B9B9-F40E-9D5B33EF81B6}"/>
+                <a16:creationId xmlns:a16="http://schemas.microsoft.com/office/drawing/2014/main" id="{378EAFEE-9BF6-9448-18CD-A16E899C7EBE}"/>
               </a:ext>
             </a:extLst>
           </p:cNvPr>
@@ -9045,8 +11749,8 @@
         </p:nvSpPr>
         <p:spPr>
           <a:xfrm>
-            <a:off x="4271962" y="4310062"/>
-            <a:ext cx="1162050" cy="523220"/>
+            <a:off x="6108777" y="4484881"/>
+            <a:ext cx="2743199" cy="523220"/>
           </a:xfrm>
           <a:prstGeom prst="rect">
             <a:avLst/>
@@ -9054,22 +11758,248 @@
           <a:noFill/>
         </p:spPr>
         <p:txBody>
-          <a:bodyPr rot="0" spcFirstLastPara="0" vertOverflow="overflow" horzOverflow="overflow" vert="horz" wrap="square" lIns="91440" tIns="45720" rIns="91440" bIns="45720" numCol="1" spcCol="0" rtlCol="0" fromWordArt="0" anchor="t" anchorCtr="0" forceAA="0" compatLnSpc="1">
+          <a:bodyPr rot="0" spcFirstLastPara="0" vert="horz" wrap="square" lIns="91440" tIns="45720" rIns="91440" bIns="45720" numCol="1" spcCol="0" rtlCol="0" fromWordArt="0" anchor="t" anchorCtr="0" forceAA="0" compatLnSpc="1">
             <a:prstTxWarp prst="textNoShape">
               <a:avLst/>
             </a:prstTxWarp>
             <a:spAutoFit/>
           </a:bodyPr>
-          <a:lstStyle/>
+          <a:lstStyle>
+            <a:defPPr marR="0" lvl="0" algn="l" rtl="0">
+              <a:lnSpc>
+                <a:spcPct val="100000"/>
+              </a:lnSpc>
+              <a:spcBef>
+                <a:spcPts val="0"/>
+              </a:spcBef>
+              <a:spcAft>
+                <a:spcPts val="0"/>
+              </a:spcAft>
+            </a:defPPr>
+            <a:lvl1pPr marR="0" lvl="0" algn="l" rtl="0">
+              <a:lnSpc>
+                <a:spcPct val="100000"/>
+              </a:lnSpc>
+              <a:spcBef>
+                <a:spcPts val="0"/>
+              </a:spcBef>
+              <a:spcAft>
+                <a:spcPts val="0"/>
+              </a:spcAft>
+              <a:buClr>
+                <a:srgbClr val="000000"/>
+              </a:buClr>
+              <a:buFont typeface="Arial"/>
+              <a:defRPr sz="1400" b="0" i="0" u="none" strike="noStrike" cap="none">
+                <a:solidFill>
+                  <a:srgbClr val="000000"/>
+                </a:solidFill>
+                <a:latin typeface="Arial"/>
+                <a:ea typeface="Arial"/>
+                <a:cs typeface="Arial"/>
+                <a:sym typeface="Arial"/>
+              </a:defRPr>
+            </a:lvl1pPr>
+            <a:lvl2pPr marR="0" lvl="1" algn="l" rtl="0">
+              <a:lnSpc>
+                <a:spcPct val="100000"/>
+              </a:lnSpc>
+              <a:spcBef>
+                <a:spcPts val="0"/>
+              </a:spcBef>
+              <a:spcAft>
+                <a:spcPts val="0"/>
+              </a:spcAft>
+              <a:buClr>
+                <a:srgbClr val="000000"/>
+              </a:buClr>
+              <a:buFont typeface="Arial"/>
+              <a:defRPr sz="1400" b="0" i="0" u="none" strike="noStrike" cap="none">
+                <a:solidFill>
+                  <a:srgbClr val="000000"/>
+                </a:solidFill>
+                <a:latin typeface="Arial"/>
+                <a:ea typeface="Arial"/>
+                <a:cs typeface="Arial"/>
+                <a:sym typeface="Arial"/>
+              </a:defRPr>
+            </a:lvl2pPr>
+            <a:lvl3pPr marR="0" lvl="2" algn="l" rtl="0">
+              <a:lnSpc>
+                <a:spcPct val="100000"/>
+              </a:lnSpc>
+              <a:spcBef>
+                <a:spcPts val="0"/>
+              </a:spcBef>
+              <a:spcAft>
+                <a:spcPts val="0"/>
+              </a:spcAft>
+              <a:buClr>
+                <a:srgbClr val="000000"/>
+              </a:buClr>
+              <a:buFont typeface="Arial"/>
+              <a:defRPr sz="1400" b="0" i="0" u="none" strike="noStrike" cap="none">
+                <a:solidFill>
+                  <a:srgbClr val="000000"/>
+                </a:solidFill>
+                <a:latin typeface="Arial"/>
+                <a:ea typeface="Arial"/>
+                <a:cs typeface="Arial"/>
+                <a:sym typeface="Arial"/>
+              </a:defRPr>
+            </a:lvl3pPr>
+            <a:lvl4pPr marR="0" lvl="3" algn="l" rtl="0">
+              <a:lnSpc>
+                <a:spcPct val="100000"/>
+              </a:lnSpc>
+              <a:spcBef>
+                <a:spcPts val="0"/>
+              </a:spcBef>
+              <a:spcAft>
+                <a:spcPts val="0"/>
+              </a:spcAft>
+              <a:buClr>
+                <a:srgbClr val="000000"/>
+              </a:buClr>
+              <a:buFont typeface="Arial"/>
+              <a:defRPr sz="1400" b="0" i="0" u="none" strike="noStrike" cap="none">
+                <a:solidFill>
+                  <a:srgbClr val="000000"/>
+                </a:solidFill>
+                <a:latin typeface="Arial"/>
+                <a:ea typeface="Arial"/>
+                <a:cs typeface="Arial"/>
+                <a:sym typeface="Arial"/>
+              </a:defRPr>
+            </a:lvl4pPr>
+            <a:lvl5pPr marR="0" lvl="4" algn="l" rtl="0">
+              <a:lnSpc>
+                <a:spcPct val="100000"/>
+              </a:lnSpc>
+              <a:spcBef>
+                <a:spcPts val="0"/>
+              </a:spcBef>
+              <a:spcAft>
+                <a:spcPts val="0"/>
+              </a:spcAft>
+              <a:buClr>
+                <a:srgbClr val="000000"/>
+              </a:buClr>
+              <a:buFont typeface="Arial"/>
+              <a:defRPr sz="1400" b="0" i="0" u="none" strike="noStrike" cap="none">
+                <a:solidFill>
+                  <a:srgbClr val="000000"/>
+                </a:solidFill>
+                <a:latin typeface="Arial"/>
+                <a:ea typeface="Arial"/>
+                <a:cs typeface="Arial"/>
+                <a:sym typeface="Arial"/>
+              </a:defRPr>
+            </a:lvl5pPr>
+            <a:lvl6pPr marR="0" lvl="5" algn="l" rtl="0">
+              <a:lnSpc>
+                <a:spcPct val="100000"/>
+              </a:lnSpc>
+              <a:spcBef>
+                <a:spcPts val="0"/>
+              </a:spcBef>
+              <a:spcAft>
+                <a:spcPts val="0"/>
+              </a:spcAft>
+              <a:buClr>
+                <a:srgbClr val="000000"/>
+              </a:buClr>
+              <a:buFont typeface="Arial"/>
+              <a:defRPr sz="1400" b="0" i="0" u="none" strike="noStrike" cap="none">
+                <a:solidFill>
+                  <a:srgbClr val="000000"/>
+                </a:solidFill>
+                <a:latin typeface="Arial"/>
+                <a:ea typeface="Arial"/>
+                <a:cs typeface="Arial"/>
+                <a:sym typeface="Arial"/>
+              </a:defRPr>
+            </a:lvl6pPr>
+            <a:lvl7pPr marR="0" lvl="6" algn="l" rtl="0">
+              <a:lnSpc>
+                <a:spcPct val="100000"/>
+              </a:lnSpc>
+              <a:spcBef>
+                <a:spcPts val="0"/>
+              </a:spcBef>
+              <a:spcAft>
+                <a:spcPts val="0"/>
+              </a:spcAft>
+              <a:buClr>
+                <a:srgbClr val="000000"/>
+              </a:buClr>
+              <a:buFont typeface="Arial"/>
+              <a:defRPr sz="1400" b="0" i="0" u="none" strike="noStrike" cap="none">
+                <a:solidFill>
+                  <a:srgbClr val="000000"/>
+                </a:solidFill>
+                <a:latin typeface="Arial"/>
+                <a:ea typeface="Arial"/>
+                <a:cs typeface="Arial"/>
+                <a:sym typeface="Arial"/>
+              </a:defRPr>
+            </a:lvl7pPr>
+            <a:lvl8pPr marR="0" lvl="7" algn="l" rtl="0">
+              <a:lnSpc>
+                <a:spcPct val="100000"/>
+              </a:lnSpc>
+              <a:spcBef>
+                <a:spcPts val="0"/>
+              </a:spcBef>
+              <a:spcAft>
+                <a:spcPts val="0"/>
+              </a:spcAft>
+              <a:buClr>
+                <a:srgbClr val="000000"/>
+              </a:buClr>
+              <a:buFont typeface="Arial"/>
+              <a:defRPr sz="1400" b="0" i="0" u="none" strike="noStrike" cap="none">
+                <a:solidFill>
+                  <a:srgbClr val="000000"/>
+                </a:solidFill>
+                <a:latin typeface="Arial"/>
+                <a:ea typeface="Arial"/>
+                <a:cs typeface="Arial"/>
+                <a:sym typeface="Arial"/>
+              </a:defRPr>
+            </a:lvl8pPr>
+            <a:lvl9pPr marR="0" lvl="8" algn="l" rtl="0">
+              <a:lnSpc>
+                <a:spcPct val="100000"/>
+              </a:lnSpc>
+              <a:spcBef>
+                <a:spcPts val="0"/>
+              </a:spcBef>
+              <a:spcAft>
+                <a:spcPts val="0"/>
+              </a:spcAft>
+              <a:buClr>
+                <a:srgbClr val="000000"/>
+              </a:buClr>
+              <a:buFont typeface="Arial"/>
+              <a:defRPr sz="1400" b="0" i="0" u="none" strike="noStrike" cap="none">
+                <a:solidFill>
+                  <a:srgbClr val="000000"/>
+                </a:solidFill>
+                <a:latin typeface="Arial"/>
+                <a:ea typeface="Arial"/>
+                <a:cs typeface="Arial"/>
+                <a:sym typeface="Arial"/>
+              </a:defRPr>
+            </a:lvl9pPr>
+          </a:lstStyle>
           <a:p>
-            <a:pPr algn="r"/>
             <a:r>
               <a:rPr lang="en-US" dirty="0"/>
               <a:t>Invalid input</a:t>
             </a:r>
           </a:p>
           <a:p>
-            <a:pPr algn="r"/>
             <a:r>
               <a:rPr lang="en-US" dirty="0"/>
               <a:t>output</a:t>
@@ -9080,7 +12010,7 @@
     </p:spTree>
     <p:extLst>
       <p:ext uri="{BB962C8B-B14F-4D97-AF65-F5344CB8AC3E}">
-        <p14:creationId xmlns:p14="http://schemas.microsoft.com/office/powerpoint/2010/main" val="1713692142"/>
+        <p14:creationId xmlns:p14="http://schemas.microsoft.com/office/powerpoint/2010/main" val="1649247326"/>
       </p:ext>
     </p:extLst>
   </p:cSld>
@@ -9090,7 +12020,7 @@
 </p:sld>
 </file>
 
-<file path=ppt/slides/slide13.xml><?xml version="1.0" encoding="utf-8"?>
+<file path=ppt/slides/slide17.xml><?xml version="1.0" encoding="utf-8"?>
 <p:sld xmlns:a="http://schemas.openxmlformats.org/drawingml/2006/main" xmlns:r="http://schemas.openxmlformats.org/officeDocument/2006/relationships" xmlns:p="http://schemas.openxmlformats.org/presentationml/2006/main">
   <p:cSld>
     <p:bg>
@@ -9140,27 +12070,48 @@
           </a:bodyPr>
           <a:lstStyle/>
           <a:p>
-            <a:pPr marL="0" lvl="0" indent="0" algn="l" rtl="0">
-              <a:spcBef>
-                <a:spcPts val="0"/>
-              </a:spcBef>
-              <a:spcAft>
-                <a:spcPts val="0"/>
-              </a:spcAft>
-              <a:buNone/>
-            </a:pPr>
             <a:r>
               <a:rPr lang="en" dirty="0"/>
-              <a:t>Component _ Ver. _(Trello screenshot)</a:t>
+              <a:t>Component 2 Ver. 4 (Trello screenshot)</a:t>
             </a:r>
             <a:endParaRPr dirty="0"/>
           </a:p>
         </p:txBody>
       </p:sp>
+      <p:pic>
+        <p:nvPicPr>
+          <p:cNvPr id="2" name="Picture 2" descr="Graphical user interface, application&#10;&#10;Description automatically generated">
+            <a:extLst>
+              <a:ext uri="{FF2B5EF4-FFF2-40B4-BE49-F238E27FC236}">
+                <a16:creationId xmlns:a16="http://schemas.microsoft.com/office/drawing/2014/main" id="{22E9413C-7316-7F1F-0999-EA9287DF16DC}"/>
+              </a:ext>
+            </a:extLst>
+          </p:cNvPr>
+          <p:cNvPicPr>
+            <a:picLocks noChangeAspect="1"/>
+          </p:cNvPicPr>
+          <p:nvPr/>
+        </p:nvPicPr>
+        <p:blipFill>
+          <a:blip r:embed="rId3"/>
+          <a:stretch>
+            <a:fillRect/>
+          </a:stretch>
+        </p:blipFill>
+        <p:spPr>
+          <a:xfrm>
+            <a:off x="2426785" y="1220581"/>
+            <a:ext cx="4283461" cy="3782610"/>
+          </a:xfrm>
+          <a:prstGeom prst="rect">
+            <a:avLst/>
+          </a:prstGeom>
+        </p:spPr>
+      </p:pic>
     </p:spTree>
     <p:extLst>
       <p:ext uri="{BB962C8B-B14F-4D97-AF65-F5344CB8AC3E}">
-        <p14:creationId xmlns:p14="http://schemas.microsoft.com/office/powerpoint/2010/main" val="2125486748"/>
+        <p14:creationId xmlns:p14="http://schemas.microsoft.com/office/powerpoint/2010/main" val="2017980198"/>
       </p:ext>
     </p:extLst>
   </p:cSld>
@@ -9170,7 +12121,7 @@
 </p:sld>
 </file>
 
-<file path=ppt/slides/slide14.xml><?xml version="1.0" encoding="utf-8"?>
+<file path=ppt/slides/slide18.xml><?xml version="1.0" encoding="utf-8"?>
 <p:sld xmlns:a="http://schemas.openxmlformats.org/drawingml/2006/main" xmlns:r="http://schemas.openxmlformats.org/officeDocument/2006/relationships" xmlns:p="http://schemas.openxmlformats.org/presentationml/2006/main">
   <p:cSld>
     <p:spTree>
@@ -9223,9 +12174,1317 @@
             </a:pPr>
             <a:r>
               <a:rPr lang="en" dirty="0"/>
+              <a:t>Component 2 Ver. 4 - Test Plan (and screenshot)</a:t>
+            </a:r>
+            <a:endParaRPr dirty="0"/>
+          </a:p>
+        </p:txBody>
+      </p:sp>
+      <p:graphicFrame>
+        <p:nvGraphicFramePr>
+          <p:cNvPr id="79" name="Google Shape;79;p17"/>
+          <p:cNvGraphicFramePr/>
+          <p:nvPr>
+            <p:extLst>
+              <p:ext uri="{D42A27DB-BD31-4B8C-83A1-F6EECF244321}">
+                <p14:modId xmlns:p14="http://schemas.microsoft.com/office/powerpoint/2010/main" val="1300845646"/>
+              </p:ext>
+            </p:extLst>
+          </p:nvPr>
+        </p:nvGraphicFramePr>
+        <p:xfrm>
+          <a:off x="369384" y="961792"/>
+          <a:ext cx="8520598" cy="1615380"/>
+        </p:xfrm>
+        <a:graphic>
+          <a:graphicData uri="http://schemas.openxmlformats.org/drawingml/2006/table">
+            <a:tbl>
+              <a:tblPr>
+                <a:noFill/>
+                <a:tableStyleId>{E1099E06-0E6B-448D-9D27-60429F06E6F4}</a:tableStyleId>
+              </a:tblPr>
+              <a:tblGrid>
+                <a:gridCol w="1735408">
+                  <a:extLst>
+                    <a:ext uri="{9D8B030D-6E8A-4147-A177-3AD203B41FA5}">
+                      <a16:colId xmlns:a16="http://schemas.microsoft.com/office/drawing/2014/main" val="20000"/>
+                    </a:ext>
+                  </a:extLst>
+                </a:gridCol>
+                <a:gridCol w="6785190">
+                  <a:extLst>
+                    <a:ext uri="{9D8B030D-6E8A-4147-A177-3AD203B41FA5}">
+                      <a16:colId xmlns:a16="http://schemas.microsoft.com/office/drawing/2014/main" val="20001"/>
+                    </a:ext>
+                  </a:extLst>
+                </a:gridCol>
+              </a:tblGrid>
+              <a:tr h="424807">
+                <a:tc>
+                  <a:txBody>
+                    <a:bodyPr/>
+                    <a:lstStyle/>
+                    <a:p>
+                      <a:pPr marL="0" lvl="0" indent="0" algn="l" rtl="0">
+                        <a:spcBef>
+                          <a:spcPts val="0"/>
+                        </a:spcBef>
+                        <a:spcAft>
+                          <a:spcPts val="0"/>
+                        </a:spcAft>
+                        <a:buNone/>
+                      </a:pPr>
+                      <a:r>
+                        <a:rPr lang="en" sz="1800" b="1" dirty="0"/>
+                        <a:t>Test Case</a:t>
+                      </a:r>
+                      <a:endParaRPr sz="1800" b="1" dirty="0"/>
+                    </a:p>
+                  </a:txBody>
+                  <a:tcPr marL="91425" marR="91425" marT="91425" marB="91425">
+                    <a:solidFill>
+                      <a:srgbClr val="CCCCCC"/>
+                    </a:solidFill>
+                  </a:tcPr>
+                </a:tc>
+                <a:tc>
+                  <a:txBody>
+                    <a:bodyPr/>
+                    <a:lstStyle/>
+                    <a:p>
+                      <a:pPr marL="0" lvl="0" indent="0" algn="l" rtl="0">
+                        <a:spcBef>
+                          <a:spcPts val="0"/>
+                        </a:spcBef>
+                        <a:spcAft>
+                          <a:spcPts val="0"/>
+                        </a:spcAft>
+                        <a:buNone/>
+                      </a:pPr>
+                      <a:r>
+                        <a:rPr lang="en" sz="1800" b="1" dirty="0"/>
+                        <a:t>Expected Values</a:t>
+                      </a:r>
+                      <a:endParaRPr sz="1800" b="1" dirty="0"/>
+                    </a:p>
+                  </a:txBody>
+                  <a:tcPr marL="91425" marR="91425" marT="91425" marB="91425">
+                    <a:solidFill>
+                      <a:srgbClr val="CCCCCC"/>
+                    </a:solidFill>
+                  </a:tcPr>
+                </a:tc>
+                <a:extLst>
+                  <a:ext uri="{0D108BD9-81ED-4DB2-BD59-A6C34878D82A}">
+                    <a16:rowId xmlns:a16="http://schemas.microsoft.com/office/drawing/2014/main" val="10000"/>
+                  </a:ext>
+                </a:extLst>
+              </a:tr>
+              <a:tr h="1150248">
+                <a:tc>
+                  <a:txBody>
+                    <a:bodyPr/>
+                    <a:lstStyle/>
+                    <a:p>
+                      <a:pPr marL="0" lvl="0" indent="0" algn="l" rtl="0">
+                        <a:spcBef>
+                          <a:spcPts val="0"/>
+                        </a:spcBef>
+                        <a:spcAft>
+                          <a:spcPts val="0"/>
+                        </a:spcAft>
+                        <a:buNone/>
+                      </a:pPr>
+                      <a:r>
+                        <a:rPr lang="en-US" sz="1800" dirty="0"/>
+                        <a:t>Run Program</a:t>
+                      </a:r>
+                      <a:endParaRPr sz="1800" dirty="0"/>
+                    </a:p>
+                  </a:txBody>
+                  <a:tcPr marL="91425" marR="91425" marT="91425" marB="91425"/>
+                </a:tc>
+                <a:tc>
+                  <a:txBody>
+                    <a:bodyPr/>
+                    <a:lstStyle/>
+                    <a:p>
+                      <a:pPr marL="0" lvl="0" indent="0" algn="l">
+                        <a:spcBef>
+                          <a:spcPts val="0"/>
+                        </a:spcBef>
+                        <a:spcAft>
+                          <a:spcPts val="0"/>
+                        </a:spcAft>
+                        <a:buNone/>
+                      </a:pPr>
+                      <a:r>
+                        <a:rPr lang="en-US" sz="1600" b="0" i="0" u="none" strike="noStrike" noProof="0" dirty="0">
+                          <a:solidFill>
+                            <a:srgbClr val="000000"/>
+                          </a:solidFill>
+                          <a:latin typeface="Arial"/>
+                        </a:rPr>
+                        <a:t>If "1" was entered , print "Pickup!".</a:t>
+                      </a:r>
+                    </a:p>
+                    <a:p>
+                      <a:pPr marL="0" lvl="0" indent="0" algn="l">
+                        <a:spcBef>
+                          <a:spcPts val="0"/>
+                        </a:spcBef>
+                        <a:spcAft>
+                          <a:spcPts val="0"/>
+                        </a:spcAft>
+                        <a:buNone/>
+                      </a:pPr>
+                      <a:r>
+                        <a:rPr lang="en-US" sz="1600" b="0" i="0" u="none" strike="noStrike" noProof="0" dirty="0">
+                          <a:solidFill>
+                            <a:srgbClr val="000000"/>
+                          </a:solidFill>
+                          <a:latin typeface="Arial"/>
+                        </a:rPr>
+                        <a:t>If "2" was entered, print "Delivery!".</a:t>
+                      </a:r>
+                    </a:p>
+                    <a:p>
+                      <a:pPr marL="0" lvl="0" indent="0" algn="l">
+                        <a:spcBef>
+                          <a:spcPts val="0"/>
+                        </a:spcBef>
+                        <a:spcAft>
+                          <a:spcPts val="0"/>
+                        </a:spcAft>
+                        <a:buNone/>
+                      </a:pPr>
+                      <a:r>
+                        <a:rPr lang="en-US" sz="1600" b="0" i="0" u="none" strike="noStrike" noProof="0" dirty="0">
+                          <a:solidFill>
+                            <a:srgbClr val="000000"/>
+                          </a:solidFill>
+                          <a:latin typeface="Arial"/>
+                        </a:rPr>
+                        <a:t>If a different value was entered, print "Invalid response" and re-run component. Bug when a number other than 1 or 2 is entered.</a:t>
+                      </a:r>
+                      <a:endParaRPr dirty="0"/>
+                    </a:p>
+                  </a:txBody>
+                  <a:tcPr marL="91425" marR="91425" marT="91425" marB="91425"/>
+                </a:tc>
+                <a:extLst>
+                  <a:ext uri="{0D108BD9-81ED-4DB2-BD59-A6C34878D82A}">
+                    <a16:rowId xmlns:a16="http://schemas.microsoft.com/office/drawing/2014/main" val="10001"/>
+                  </a:ext>
+                </a:extLst>
+              </a:tr>
+            </a:tbl>
+          </a:graphicData>
+        </a:graphic>
+      </p:graphicFrame>
+      <p:pic>
+        <p:nvPicPr>
+          <p:cNvPr id="2" name="Picture 2" descr="Text&#10;&#10;Description automatically generated">
+            <a:extLst>
+              <a:ext uri="{FF2B5EF4-FFF2-40B4-BE49-F238E27FC236}">
+                <a16:creationId xmlns:a16="http://schemas.microsoft.com/office/drawing/2014/main" id="{790F979F-0B12-7298-2373-248ABE0AE681}"/>
+              </a:ext>
+            </a:extLst>
+          </p:cNvPr>
+          <p:cNvPicPr>
+            <a:picLocks noChangeAspect="1"/>
+          </p:cNvPicPr>
+          <p:nvPr/>
+        </p:nvPicPr>
+        <p:blipFill>
+          <a:blip r:embed="rId3"/>
+          <a:stretch>
+            <a:fillRect/>
+          </a:stretch>
+        </p:blipFill>
+        <p:spPr>
+          <a:xfrm>
+            <a:off x="4573394" y="2682954"/>
+            <a:ext cx="3300760" cy="2265708"/>
+          </a:xfrm>
+          <a:prstGeom prst="rect">
+            <a:avLst/>
+          </a:prstGeom>
+        </p:spPr>
+      </p:pic>
+      <p:pic>
+        <p:nvPicPr>
+          <p:cNvPr id="3" name="Picture 3" descr="Text&#10;&#10;Description automatically generated">
+            <a:extLst>
+              <a:ext uri="{FF2B5EF4-FFF2-40B4-BE49-F238E27FC236}">
+                <a16:creationId xmlns:a16="http://schemas.microsoft.com/office/drawing/2014/main" id="{19ACC1F2-D1AB-CA17-E206-6295B6CA9D74}"/>
+              </a:ext>
+            </a:extLst>
+          </p:cNvPr>
+          <p:cNvPicPr>
+            <a:picLocks noChangeAspect="1"/>
+          </p:cNvPicPr>
+          <p:nvPr/>
+        </p:nvPicPr>
+        <p:blipFill>
+          <a:blip r:embed="rId4"/>
+          <a:stretch>
+            <a:fillRect/>
+          </a:stretch>
+        </p:blipFill>
+        <p:spPr>
+          <a:xfrm>
+            <a:off x="719254" y="2624574"/>
+            <a:ext cx="2541085" cy="2382468"/>
+          </a:xfrm>
+          <a:prstGeom prst="rect">
+            <a:avLst/>
+          </a:prstGeom>
+        </p:spPr>
+      </p:pic>
+      <p:sp>
+        <p:nvSpPr>
+          <p:cNvPr id="4" name="TextBox 3">
+            <a:extLst>
+              <a:ext uri="{FF2B5EF4-FFF2-40B4-BE49-F238E27FC236}">
+                <a16:creationId xmlns:a16="http://schemas.microsoft.com/office/drawing/2014/main" id="{08B95181-9156-AF20-B4E8-BB9AB8A4000B}"/>
+              </a:ext>
+            </a:extLst>
+          </p:cNvPr>
+          <p:cNvSpPr txBox="1"/>
+          <p:nvPr/>
+        </p:nvSpPr>
+        <p:spPr>
+          <a:xfrm>
+            <a:off x="7875548" y="3658993"/>
+            <a:ext cx="1140212" cy="307777"/>
+          </a:xfrm>
+          <a:prstGeom prst="rect">
+            <a:avLst/>
+          </a:prstGeom>
+          <a:noFill/>
+        </p:spPr>
+        <p:txBody>
+          <a:bodyPr rot="0" spcFirstLastPara="0" vertOverflow="overflow" horzOverflow="overflow" vert="horz" wrap="square" lIns="91440" tIns="45720" rIns="91440" bIns="45720" numCol="1" spcCol="0" rtlCol="0" fromWordArt="0" anchor="t" anchorCtr="0" forceAA="0" compatLnSpc="1">
+            <a:prstTxWarp prst="textNoShape">
+              <a:avLst/>
+            </a:prstTxWarp>
+            <a:spAutoFit/>
+          </a:bodyPr>
+          <a:lstStyle/>
+          <a:p>
+            <a:r>
+              <a:rPr lang="en-US" dirty="0"/>
+              <a:t>Invalid input</a:t>
+            </a:r>
+          </a:p>
+        </p:txBody>
+      </p:sp>
+      <p:sp>
+        <p:nvSpPr>
+          <p:cNvPr id="5" name="TextBox 4">
+            <a:extLst>
+              <a:ext uri="{FF2B5EF4-FFF2-40B4-BE49-F238E27FC236}">
+                <a16:creationId xmlns:a16="http://schemas.microsoft.com/office/drawing/2014/main" id="{FB45AA05-0A38-231B-8D5A-5A47FDF06CA7}"/>
+              </a:ext>
+            </a:extLst>
+          </p:cNvPr>
+          <p:cNvSpPr txBox="1"/>
+          <p:nvPr/>
+        </p:nvSpPr>
+        <p:spPr>
+          <a:xfrm>
+            <a:off x="7875547" y="4118980"/>
+            <a:ext cx="1418992" cy="307777"/>
+          </a:xfrm>
+          <a:prstGeom prst="rect">
+            <a:avLst/>
+          </a:prstGeom>
+          <a:noFill/>
+        </p:spPr>
+        <p:txBody>
+          <a:bodyPr rot="0" spcFirstLastPara="0" vertOverflow="overflow" horzOverflow="overflow" vert="horz" wrap="square" lIns="91440" tIns="45720" rIns="91440" bIns="45720" numCol="1" spcCol="0" rtlCol="0" fromWordArt="0" anchor="t" anchorCtr="0" forceAA="0" compatLnSpc="1">
+            <a:prstTxWarp prst="textNoShape">
+              <a:avLst/>
+            </a:prstTxWarp>
+            <a:spAutoFit/>
+          </a:bodyPr>
+          <a:lstStyle/>
+          <a:p>
+            <a:r>
+              <a:rPr lang="en-US" dirty="0"/>
+              <a:t>Invalid number</a:t>
+            </a:r>
+          </a:p>
+        </p:txBody>
+      </p:sp>
+      <p:sp>
+        <p:nvSpPr>
+          <p:cNvPr id="6" name="TextBox 5">
+            <a:extLst>
+              <a:ext uri="{FF2B5EF4-FFF2-40B4-BE49-F238E27FC236}">
+                <a16:creationId xmlns:a16="http://schemas.microsoft.com/office/drawing/2014/main" id="{2BFEE5C3-8457-6B0F-130A-8B25EEC99964}"/>
+              </a:ext>
+            </a:extLst>
+          </p:cNvPr>
+          <p:cNvSpPr txBox="1"/>
+          <p:nvPr/>
+        </p:nvSpPr>
+        <p:spPr>
+          <a:xfrm>
+            <a:off x="7875547" y="4578968"/>
+            <a:ext cx="1140212" cy="307777"/>
+          </a:xfrm>
+          <a:prstGeom prst="rect">
+            <a:avLst/>
+          </a:prstGeom>
+          <a:noFill/>
+        </p:spPr>
+        <p:txBody>
+          <a:bodyPr rot="0" spcFirstLastPara="0" vertOverflow="overflow" horzOverflow="overflow" vert="horz" wrap="square" lIns="91440" tIns="45720" rIns="91440" bIns="45720" numCol="1" spcCol="0" rtlCol="0" fromWordArt="0" anchor="t" anchorCtr="0" forceAA="0" compatLnSpc="1">
+            <a:prstTxWarp prst="textNoShape">
+              <a:avLst/>
+            </a:prstTxWarp>
+            <a:spAutoFit/>
+          </a:bodyPr>
+          <a:lstStyle/>
+          <a:p>
+            <a:r>
+              <a:rPr lang="en-US" dirty="0"/>
+              <a:t>Valid input</a:t>
+            </a:r>
+          </a:p>
+        </p:txBody>
+      </p:sp>
+    </p:spTree>
+    <p:extLst>
+      <p:ext uri="{BB962C8B-B14F-4D97-AF65-F5344CB8AC3E}">
+        <p14:creationId xmlns:p14="http://schemas.microsoft.com/office/powerpoint/2010/main" val="3284167590"/>
+      </p:ext>
+    </p:extLst>
+  </p:cSld>
+  <p:clrMapOvr>
+    <a:masterClrMapping/>
+  </p:clrMapOvr>
+</p:sld>
+</file>
+
+<file path=ppt/slides/slide19.xml><?xml version="1.0" encoding="utf-8"?>
+<p:sld xmlns:a="http://schemas.openxmlformats.org/drawingml/2006/main" xmlns:r="http://schemas.openxmlformats.org/officeDocument/2006/relationships" xmlns:p="http://schemas.openxmlformats.org/presentationml/2006/main">
+  <p:cSld>
+    <p:bg>
+      <p:bgPr>
+        <a:solidFill>
+          <a:srgbClr val="D9EAD3"/>
+        </a:solidFill>
+        <a:effectLst/>
+      </p:bgPr>
+    </p:bg>
+    <p:spTree>
+      <p:nvGrpSpPr>
+        <p:cNvPr id="1" name="Shape 72"/>
+        <p:cNvGrpSpPr/>
+        <p:nvPr/>
+      </p:nvGrpSpPr>
+      <p:grpSpPr>
+        <a:xfrm>
+          <a:off x="0" y="0"/>
+          <a:ext cx="0" cy="0"/>
+          <a:chOff x="0" y="0"/>
+          <a:chExt cx="0" cy="0"/>
+        </a:xfrm>
+      </p:grpSpPr>
+      <p:sp>
+        <p:nvSpPr>
+          <p:cNvPr id="73" name="Google Shape;73;p16"/>
+          <p:cNvSpPr txBox="1">
+            <a:spLocks noGrp="1"/>
+          </p:cNvSpPr>
+          <p:nvPr>
+            <p:ph type="title"/>
+          </p:nvPr>
+        </p:nvSpPr>
+        <p:spPr>
+          <a:xfrm>
+            <a:off x="311700" y="445025"/>
+            <a:ext cx="8520600" cy="572700"/>
+          </a:xfrm>
+          <a:prstGeom prst="rect">
+            <a:avLst/>
+          </a:prstGeom>
+        </p:spPr>
+        <p:txBody>
+          <a:bodyPr spcFirstLastPara="1" wrap="square" lIns="91425" tIns="91425" rIns="91425" bIns="91425" anchor="t" anchorCtr="0">
+            <a:noAutofit/>
+          </a:bodyPr>
+          <a:lstStyle/>
+          <a:p>
+            <a:r>
+              <a:rPr lang="en" dirty="0"/>
+              <a:t>Component 2 Ver. 5 (Trello screenshot)</a:t>
+            </a:r>
+            <a:endParaRPr dirty="0"/>
+          </a:p>
+        </p:txBody>
+      </p:sp>
+    </p:spTree>
+    <p:extLst>
+      <p:ext uri="{BB962C8B-B14F-4D97-AF65-F5344CB8AC3E}">
+        <p14:creationId xmlns:p14="http://schemas.microsoft.com/office/powerpoint/2010/main" val="3902562159"/>
+      </p:ext>
+    </p:extLst>
+  </p:cSld>
+  <p:clrMapOvr>
+    <a:masterClrMapping/>
+  </p:clrMapOvr>
+</p:sld>
+</file>
+
+<file path=ppt/slides/slide2.xml><?xml version="1.0" encoding="utf-8"?>
+<p:sld xmlns:a="http://schemas.openxmlformats.org/drawingml/2006/main" xmlns:r="http://schemas.openxmlformats.org/officeDocument/2006/relationships" xmlns:p="http://schemas.openxmlformats.org/presentationml/2006/main">
+  <p:cSld>
+    <p:bg>
+      <p:bgPr>
+        <a:solidFill>
+          <a:srgbClr val="EAD1DC"/>
+        </a:solidFill>
+        <a:effectLst/>
+      </p:bgPr>
+    </p:bg>
+    <p:spTree>
+      <p:nvGrpSpPr>
+        <p:cNvPr id="1" name="Shape 60"/>
+        <p:cNvGrpSpPr/>
+        <p:nvPr/>
+      </p:nvGrpSpPr>
+      <p:grpSpPr>
+        <a:xfrm>
+          <a:off x="0" y="0"/>
+          <a:ext cx="0" cy="0"/>
+          <a:chOff x="0" y="0"/>
+          <a:chExt cx="0" cy="0"/>
+        </a:xfrm>
+      </p:grpSpPr>
+      <p:sp>
+        <p:nvSpPr>
+          <p:cNvPr id="61" name="Google Shape;61;p14"/>
+          <p:cNvSpPr txBox="1">
+            <a:spLocks noGrp="1"/>
+          </p:cNvSpPr>
+          <p:nvPr>
+            <p:ph type="title"/>
+          </p:nvPr>
+        </p:nvSpPr>
+        <p:spPr>
+          <a:xfrm>
+            <a:off x="311700" y="445025"/>
+            <a:ext cx="8520600" cy="572700"/>
+          </a:xfrm>
+          <a:prstGeom prst="rect">
+            <a:avLst/>
+          </a:prstGeom>
+          <a:noFill/>
+          <a:ln>
+            <a:noFill/>
+          </a:ln>
+        </p:spPr>
+        <p:txBody>
+          <a:bodyPr spcFirstLastPara="1" wrap="square" lIns="91425" tIns="91425" rIns="91425" bIns="91425" anchor="t" anchorCtr="0">
+            <a:noAutofit/>
+          </a:bodyPr>
+          <a:lstStyle/>
+          <a:p>
+            <a:pPr marL="0" lvl="0" indent="0" algn="l" rtl="0">
+              <a:spcBef>
+                <a:spcPts val="0"/>
+              </a:spcBef>
+              <a:spcAft>
+                <a:spcPts val="0"/>
+              </a:spcAft>
+              <a:buNone/>
+            </a:pPr>
+            <a:r>
+              <a:rPr lang="en" b="1">
+                <a:solidFill>
+                  <a:srgbClr val="4C1130"/>
+                </a:solidFill>
+              </a:rPr>
+              <a:t>Relevant Implications -  Functionality</a:t>
+            </a:r>
+            <a:endParaRPr b="1">
+              <a:solidFill>
+                <a:srgbClr val="4C1130"/>
+              </a:solidFill>
+            </a:endParaRPr>
+          </a:p>
+        </p:txBody>
+      </p:sp>
+      <p:sp>
+        <p:nvSpPr>
+          <p:cNvPr id="62" name="Google Shape;62;p14"/>
+          <p:cNvSpPr txBox="1">
+            <a:spLocks noGrp="1"/>
+          </p:cNvSpPr>
+          <p:nvPr>
+            <p:ph type="body" idx="1"/>
+          </p:nvPr>
+        </p:nvSpPr>
+        <p:spPr>
+          <a:xfrm>
+            <a:off x="311700" y="1165725"/>
+            <a:ext cx="8520600" cy="3416400"/>
+          </a:xfrm>
+          <a:prstGeom prst="rect">
+            <a:avLst/>
+          </a:prstGeom>
+          <a:noFill/>
+          <a:ln>
+            <a:noFill/>
+          </a:ln>
+        </p:spPr>
+        <p:txBody>
+          <a:bodyPr spcFirstLastPara="1" wrap="square" lIns="91425" tIns="91425" rIns="91425" bIns="91425" anchor="t" anchorCtr="0">
+            <a:noAutofit/>
+          </a:bodyPr>
+          <a:lstStyle/>
+          <a:p>
+            <a:pPr marL="0" indent="0">
+              <a:lnSpc>
+                <a:spcPct val="100000"/>
+              </a:lnSpc>
+              <a:buClr>
+                <a:schemeClr val="dk1"/>
+              </a:buClr>
+              <a:buSzPts val="1100"/>
+              <a:buNone/>
+            </a:pPr>
+            <a:r>
+              <a:rPr lang="en" i="1">
+                <a:solidFill>
+                  <a:srgbClr val="741B47"/>
+                </a:solidFill>
+              </a:rPr>
+              <a:t>Explain the relevant implications here. Please </a:t>
+            </a:r>
+            <a:r>
+              <a:rPr lang="en" i="1" u="sng">
+                <a:solidFill>
+                  <a:schemeClr val="hlink"/>
+                </a:solidFill>
+                <a:hlinkClick r:id="rId3"/>
+              </a:rPr>
+              <a:t>watch this video</a:t>
+            </a:r>
+            <a:r>
+              <a:rPr lang="en" i="1">
+                <a:solidFill>
+                  <a:srgbClr val="741B47"/>
+                </a:solidFill>
+              </a:rPr>
+              <a:t> to learn how to do this.</a:t>
+            </a:r>
+          </a:p>
+          <a:p>
+            <a:pPr marL="0" lvl="0" indent="0" algn="l" rtl="0">
+              <a:lnSpc>
+                <a:spcPct val="100000"/>
+              </a:lnSpc>
+              <a:spcBef>
+                <a:spcPts val="0"/>
+              </a:spcBef>
+              <a:spcAft>
+                <a:spcPts val="0"/>
+              </a:spcAft>
+              <a:buClr>
+                <a:schemeClr val="dk1"/>
+              </a:buClr>
+              <a:buSzPts val="1100"/>
+              <a:buFont typeface="Arial"/>
+              <a:buNone/>
+            </a:pPr>
+            <a:endParaRPr lang="en-NZ" sz="1100"/>
+          </a:p>
+          <a:p>
+            <a:pPr marL="0" lvl="0" indent="0" algn="l" rtl="0">
+              <a:lnSpc>
+                <a:spcPct val="100000"/>
+              </a:lnSpc>
+              <a:spcBef>
+                <a:spcPts val="0"/>
+              </a:spcBef>
+              <a:spcAft>
+                <a:spcPts val="0"/>
+              </a:spcAft>
+              <a:buClr>
+                <a:schemeClr val="dk1"/>
+              </a:buClr>
+              <a:buSzPts val="1100"/>
+              <a:buFont typeface="Arial"/>
+              <a:buNone/>
+            </a:pPr>
+            <a:r>
+              <a:rPr lang="en-NZ" sz="1600"/>
+              <a:t>The functionality of a program refers to if the program works properly when given either expected or unexpected information. An example of this is if a program is meant to receive a specific word (using the word “word” as an example), the program has to be able to work when given the </a:t>
+            </a:r>
+            <a:r>
+              <a:rPr lang="en-NZ" sz="1600" b="1"/>
+              <a:t>expected</a:t>
+            </a:r>
+            <a:r>
+              <a:rPr lang="en-NZ" sz="1600"/>
+              <a:t> input (“word”), if given a slight variation of the intended input (this is referred to as a </a:t>
+            </a:r>
+            <a:r>
+              <a:rPr lang="en-NZ" sz="1600" b="1"/>
+              <a:t>boundary</a:t>
+            </a:r>
+            <a:r>
+              <a:rPr lang="en-NZ" sz="1600"/>
+              <a:t> case), the program should also work, and if given something </a:t>
+            </a:r>
+            <a:r>
+              <a:rPr lang="en-NZ" sz="1600" b="1"/>
+              <a:t>unexpected</a:t>
+            </a:r>
+            <a:r>
+              <a:rPr lang="en-NZ" sz="1600"/>
+              <a:t> like a number, the program should not crash. </a:t>
+            </a:r>
+          </a:p>
+          <a:p>
+            <a:pPr marL="0" lvl="0" indent="0" algn="l" rtl="0">
+              <a:lnSpc>
+                <a:spcPct val="100000"/>
+              </a:lnSpc>
+              <a:spcBef>
+                <a:spcPts val="0"/>
+              </a:spcBef>
+              <a:spcAft>
+                <a:spcPts val="0"/>
+              </a:spcAft>
+              <a:buClr>
+                <a:schemeClr val="dk1"/>
+              </a:buClr>
+              <a:buSzPts val="1100"/>
+              <a:buFont typeface="Arial"/>
+              <a:buNone/>
+            </a:pPr>
+            <a:endParaRPr lang="en-NZ" sz="1600"/>
+          </a:p>
+          <a:p>
+            <a:pPr marL="0" lvl="0" indent="0" algn="l" rtl="0">
+              <a:lnSpc>
+                <a:spcPct val="100000"/>
+              </a:lnSpc>
+              <a:spcBef>
+                <a:spcPts val="0"/>
+              </a:spcBef>
+              <a:spcAft>
+                <a:spcPts val="0"/>
+              </a:spcAft>
+              <a:buClr>
+                <a:schemeClr val="dk1"/>
+              </a:buClr>
+              <a:buSzPts val="1100"/>
+              <a:buFont typeface="Arial"/>
+              <a:buNone/>
+            </a:pPr>
+            <a:r>
+              <a:rPr lang="en-NZ" sz="1600"/>
+              <a:t>A programs functionality is important because if an input outside of the expected is input and the program breaks (via a crash or incorrect output), then users will become frustrated. Programs with input parameters only within the expected will be of limited use and could cause harm to users or the developer’s reputation.</a:t>
+            </a:r>
+            <a:endParaRPr sz="1100"/>
+          </a:p>
+        </p:txBody>
+      </p:sp>
+    </p:spTree>
+    <p:extLst>
+      <p:ext uri="{BB962C8B-B14F-4D97-AF65-F5344CB8AC3E}">
+        <p14:creationId xmlns:p14="http://schemas.microsoft.com/office/powerpoint/2010/main" val="2285988864"/>
+      </p:ext>
+    </p:extLst>
+  </p:cSld>
+  <p:clrMapOvr>
+    <a:masterClrMapping/>
+  </p:clrMapOvr>
+</p:sld>
+</file>
+
+<file path=ppt/slides/slide20.xml><?xml version="1.0" encoding="utf-8"?>
+<p:sld xmlns:a="http://schemas.openxmlformats.org/drawingml/2006/main" xmlns:r="http://schemas.openxmlformats.org/officeDocument/2006/relationships" xmlns:p="http://schemas.openxmlformats.org/presentationml/2006/main">
+  <p:cSld>
+    <p:spTree>
+      <p:nvGrpSpPr>
+        <p:cNvPr id="1" name="Shape 77"/>
+        <p:cNvGrpSpPr/>
+        <p:nvPr/>
+      </p:nvGrpSpPr>
+      <p:grpSpPr>
+        <a:xfrm>
+          <a:off x="0" y="0"/>
+          <a:ext cx="0" cy="0"/>
+          <a:chOff x="0" y="0"/>
+          <a:chExt cx="0" cy="0"/>
+        </a:xfrm>
+      </p:grpSpPr>
+      <p:graphicFrame>
+        <p:nvGraphicFramePr>
+          <p:cNvPr id="79" name="Google Shape;79;p17"/>
+          <p:cNvGraphicFramePr/>
+          <p:nvPr>
+            <p:extLst>
+              <p:ext uri="{D42A27DB-BD31-4B8C-83A1-F6EECF244321}">
+                <p14:modId xmlns:p14="http://schemas.microsoft.com/office/powerpoint/2010/main" val="3518933602"/>
+              </p:ext>
+            </p:extLst>
+          </p:nvPr>
+        </p:nvGraphicFramePr>
+        <p:xfrm>
+          <a:off x="243085" y="3525847"/>
+          <a:ext cx="8520598" cy="1615380"/>
+        </p:xfrm>
+        <a:graphic>
+          <a:graphicData uri="http://schemas.openxmlformats.org/drawingml/2006/table">
+            <a:tbl>
+              <a:tblPr>
+                <a:noFill/>
+                <a:tableStyleId>{E1099E06-0E6B-448D-9D27-60429F06E6F4}</a:tableStyleId>
+              </a:tblPr>
+              <a:tblGrid>
+                <a:gridCol w="1575109">
+                  <a:extLst>
+                    <a:ext uri="{9D8B030D-6E8A-4147-A177-3AD203B41FA5}">
+                      <a16:colId xmlns:a16="http://schemas.microsoft.com/office/drawing/2014/main" val="20000"/>
+                    </a:ext>
+                  </a:extLst>
+                </a:gridCol>
+                <a:gridCol w="6945489">
+                  <a:extLst>
+                    <a:ext uri="{9D8B030D-6E8A-4147-A177-3AD203B41FA5}">
+                      <a16:colId xmlns:a16="http://schemas.microsoft.com/office/drawing/2014/main" val="20001"/>
+                    </a:ext>
+                  </a:extLst>
+                </a:gridCol>
+              </a:tblGrid>
+              <a:tr h="443231">
+                <a:tc>
+                  <a:txBody>
+                    <a:bodyPr/>
+                    <a:lstStyle/>
+                    <a:p>
+                      <a:pPr marL="0" lvl="0" indent="0" algn="l" rtl="0">
+                        <a:spcBef>
+                          <a:spcPts val="0"/>
+                        </a:spcBef>
+                        <a:spcAft>
+                          <a:spcPts val="0"/>
+                        </a:spcAft>
+                        <a:buNone/>
+                      </a:pPr>
+                      <a:r>
+                        <a:rPr lang="en" sz="1800" b="1" dirty="0"/>
+                        <a:t>Test Case</a:t>
+                      </a:r>
+                      <a:endParaRPr sz="1800" b="1" dirty="0"/>
+                    </a:p>
+                  </a:txBody>
+                  <a:tcPr marL="91425" marR="91425" marT="91425" marB="91425">
+                    <a:solidFill>
+                      <a:srgbClr val="CCCCCC"/>
+                    </a:solidFill>
+                  </a:tcPr>
+                </a:tc>
+                <a:tc>
+                  <a:txBody>
+                    <a:bodyPr/>
+                    <a:lstStyle/>
+                    <a:p>
+                      <a:pPr marL="0" lvl="0" indent="0" algn="l" rtl="0">
+                        <a:spcBef>
+                          <a:spcPts val="0"/>
+                        </a:spcBef>
+                        <a:spcAft>
+                          <a:spcPts val="0"/>
+                        </a:spcAft>
+                        <a:buNone/>
+                      </a:pPr>
+                      <a:r>
+                        <a:rPr lang="en" sz="1800" b="1" dirty="0"/>
+                        <a:t>Expected Values</a:t>
+                      </a:r>
+                      <a:endParaRPr sz="1800" b="1" dirty="0"/>
+                    </a:p>
+                  </a:txBody>
+                  <a:tcPr marL="91425" marR="91425" marT="91425" marB="91425">
+                    <a:solidFill>
+                      <a:srgbClr val="CCCCCC"/>
+                    </a:solidFill>
+                  </a:tcPr>
+                </a:tc>
+                <a:extLst>
+                  <a:ext uri="{0D108BD9-81ED-4DB2-BD59-A6C34878D82A}">
+                    <a16:rowId xmlns:a16="http://schemas.microsoft.com/office/drawing/2014/main" val="10000"/>
+                  </a:ext>
+                </a:extLst>
+              </a:tr>
+              <a:tr h="1131946">
+                <a:tc>
+                  <a:txBody>
+                    <a:bodyPr/>
+                    <a:lstStyle/>
+                    <a:p>
+                      <a:pPr marL="0" lvl="0" indent="0" algn="l">
+                        <a:spcBef>
+                          <a:spcPts val="0"/>
+                        </a:spcBef>
+                        <a:spcAft>
+                          <a:spcPts val="0"/>
+                        </a:spcAft>
+                        <a:buNone/>
+                      </a:pPr>
+                      <a:r>
+                        <a:rPr lang="en-US" sz="1800" dirty="0"/>
+                        <a:t>Run Program</a:t>
+                      </a:r>
+                      <a:endParaRPr dirty="0"/>
+                    </a:p>
+                  </a:txBody>
+                  <a:tcPr marL="91425" marR="91425" marT="91425" marB="91425"/>
+                </a:tc>
+                <a:tc>
+                  <a:txBody>
+                    <a:bodyPr/>
+                    <a:lstStyle/>
+                    <a:p>
+                      <a:pPr marL="0" lvl="0" indent="0" algn="l">
+                        <a:spcBef>
+                          <a:spcPts val="0"/>
+                        </a:spcBef>
+                        <a:spcAft>
+                          <a:spcPts val="0"/>
+                        </a:spcAft>
+                        <a:buNone/>
+                      </a:pPr>
+                      <a:r>
+                        <a:rPr lang="en-US" sz="1600" b="0" i="0" u="none" strike="noStrike" noProof="0" dirty="0">
+                          <a:solidFill>
+                            <a:srgbClr val="000000"/>
+                          </a:solidFill>
+                          <a:latin typeface="Arial"/>
+                        </a:rPr>
+                        <a:t>If "1" was entered , print "Pickup!".</a:t>
+                      </a:r>
+                    </a:p>
+                    <a:p>
+                      <a:pPr marL="0" lvl="0" indent="0" algn="l">
+                        <a:spcBef>
+                          <a:spcPts val="0"/>
+                        </a:spcBef>
+                        <a:spcAft>
+                          <a:spcPts val="0"/>
+                        </a:spcAft>
+                        <a:buNone/>
+                      </a:pPr>
+                      <a:r>
+                        <a:rPr lang="en-US" sz="1600" b="0" i="0" u="none" strike="noStrike" noProof="0" dirty="0">
+                          <a:solidFill>
+                            <a:srgbClr val="000000"/>
+                          </a:solidFill>
+                          <a:latin typeface="Arial"/>
+                        </a:rPr>
+                        <a:t>If "2" was entered, print "Delivery!".</a:t>
+                      </a:r>
+                    </a:p>
+                    <a:p>
+                      <a:pPr marL="0" lvl="0" indent="0" algn="l">
+                        <a:spcBef>
+                          <a:spcPts val="0"/>
+                        </a:spcBef>
+                        <a:spcAft>
+                          <a:spcPts val="0"/>
+                        </a:spcAft>
+                        <a:buNone/>
+                      </a:pPr>
+                      <a:r>
+                        <a:rPr lang="en-US" sz="1600" b="0" i="0" u="none" strike="noStrike" noProof="0" dirty="0">
+                          <a:solidFill>
+                            <a:srgbClr val="000000"/>
+                          </a:solidFill>
+                          <a:latin typeface="Arial"/>
+                        </a:rPr>
+                        <a:t>If a different value was entered, print "Invalid response" and re-run component. Runs correctly.</a:t>
+                      </a:r>
+                      <a:endParaRPr dirty="0"/>
+                    </a:p>
+                  </a:txBody>
+                  <a:tcPr marL="91425" marR="91425" marT="91425" marB="91425"/>
+                </a:tc>
+                <a:extLst>
+                  <a:ext uri="{0D108BD9-81ED-4DB2-BD59-A6C34878D82A}">
+                    <a16:rowId xmlns:a16="http://schemas.microsoft.com/office/drawing/2014/main" val="10001"/>
+                  </a:ext>
+                </a:extLst>
+              </a:tr>
+            </a:tbl>
+          </a:graphicData>
+        </a:graphic>
+      </p:graphicFrame>
+      <p:pic>
+        <p:nvPicPr>
+          <p:cNvPr id="2" name="Picture 2" descr="Text&#10;&#10;Description automatically generated">
+            <a:extLst>
+              <a:ext uri="{FF2B5EF4-FFF2-40B4-BE49-F238E27FC236}">
+                <a16:creationId xmlns:a16="http://schemas.microsoft.com/office/drawing/2014/main" id="{B11AB543-2BFF-3FCF-C1EC-CDCBB3ECC63E}"/>
+              </a:ext>
+            </a:extLst>
+          </p:cNvPr>
+          <p:cNvPicPr>
+            <a:picLocks noChangeAspect="1"/>
+          </p:cNvPicPr>
+          <p:nvPr/>
+        </p:nvPicPr>
+        <p:blipFill>
+          <a:blip r:embed="rId3"/>
+          <a:stretch>
+            <a:fillRect/>
+          </a:stretch>
+        </p:blipFill>
+        <p:spPr>
+          <a:xfrm>
+            <a:off x="4949748" y="1110927"/>
+            <a:ext cx="2743200" cy="2155000"/>
+          </a:xfrm>
+          <a:prstGeom prst="rect">
+            <a:avLst/>
+          </a:prstGeom>
+        </p:spPr>
+      </p:pic>
+      <p:pic>
+        <p:nvPicPr>
+          <p:cNvPr id="3" name="Picture 3" descr="Text&#10;&#10;Description automatically generated">
+            <a:extLst>
+              <a:ext uri="{FF2B5EF4-FFF2-40B4-BE49-F238E27FC236}">
+                <a16:creationId xmlns:a16="http://schemas.microsoft.com/office/drawing/2014/main" id="{7CC92D5C-BBC4-A142-6097-B77B5CA0115F}"/>
+              </a:ext>
+            </a:extLst>
+          </p:cNvPr>
+          <p:cNvPicPr>
+            <a:picLocks noChangeAspect="1"/>
+          </p:cNvPicPr>
+          <p:nvPr/>
+        </p:nvPicPr>
+        <p:blipFill>
+          <a:blip r:embed="rId4"/>
+          <a:stretch>
+            <a:fillRect/>
+          </a:stretch>
+        </p:blipFill>
+        <p:spPr>
+          <a:xfrm>
+            <a:off x="1005004" y="1031562"/>
+            <a:ext cx="2185640" cy="2334640"/>
+          </a:xfrm>
+          <a:prstGeom prst="rect">
+            <a:avLst/>
+          </a:prstGeom>
+        </p:spPr>
+      </p:pic>
+      <p:sp>
+        <p:nvSpPr>
+          <p:cNvPr id="78" name="Google Shape;78;p17"/>
+          <p:cNvSpPr txBox="1">
+            <a:spLocks noGrp="1"/>
+          </p:cNvSpPr>
+          <p:nvPr>
+            <p:ph type="title"/>
+          </p:nvPr>
+        </p:nvSpPr>
+        <p:spPr>
+          <a:xfrm>
+            <a:off x="311700" y="445025"/>
+            <a:ext cx="8520600" cy="572700"/>
+          </a:xfrm>
+          <a:prstGeom prst="rect">
+            <a:avLst/>
+          </a:prstGeom>
+        </p:spPr>
+        <p:txBody>
+          <a:bodyPr spcFirstLastPara="1" wrap="square" lIns="91425" tIns="91425" rIns="91425" bIns="91425" anchor="t" anchorCtr="0">
+            <a:noAutofit/>
+          </a:bodyPr>
+          <a:lstStyle/>
+          <a:p>
+            <a:pPr marL="0" lvl="0" indent="0" algn="l" rtl="0">
+              <a:spcBef>
+                <a:spcPts val="0"/>
+              </a:spcBef>
+              <a:spcAft>
+                <a:spcPts val="0"/>
+              </a:spcAft>
+              <a:buNone/>
+            </a:pPr>
+            <a:r>
+              <a:rPr lang="en" dirty="0"/>
+              <a:t>Component 2 Ver. 5 - Test Plan (and screenshot)</a:t>
+            </a:r>
+            <a:endParaRPr dirty="0"/>
+          </a:p>
+        </p:txBody>
+      </p:sp>
+      <p:sp>
+        <p:nvSpPr>
+          <p:cNvPr id="5" name="TextBox 4">
+            <a:extLst>
+              <a:ext uri="{FF2B5EF4-FFF2-40B4-BE49-F238E27FC236}">
+                <a16:creationId xmlns:a16="http://schemas.microsoft.com/office/drawing/2014/main" id="{62DC65C4-D94E-777E-173B-EEE6ADC04844}"/>
+              </a:ext>
+            </a:extLst>
+          </p:cNvPr>
+          <p:cNvSpPr txBox="1"/>
+          <p:nvPr/>
+        </p:nvSpPr>
+        <p:spPr>
+          <a:xfrm>
+            <a:off x="7680402" y="1895706"/>
+            <a:ext cx="1140212" cy="307777"/>
+          </a:xfrm>
+          <a:prstGeom prst="rect">
+            <a:avLst/>
+          </a:prstGeom>
+          <a:noFill/>
+        </p:spPr>
+        <p:txBody>
+          <a:bodyPr rot="0" spcFirstLastPara="0" vertOverflow="overflow" horzOverflow="overflow" vert="horz" wrap="square" lIns="91440" tIns="45720" rIns="91440" bIns="45720" numCol="1" spcCol="0" rtlCol="0" fromWordArt="0" anchor="t" anchorCtr="0" forceAA="0" compatLnSpc="1">
+            <a:prstTxWarp prst="textNoShape">
+              <a:avLst/>
+            </a:prstTxWarp>
+            <a:spAutoFit/>
+          </a:bodyPr>
+          <a:lstStyle/>
+          <a:p>
+            <a:r>
+              <a:rPr lang="en-US" dirty="0"/>
+              <a:t>Invalid input</a:t>
+            </a:r>
+          </a:p>
+        </p:txBody>
+      </p:sp>
+      <p:sp>
+        <p:nvSpPr>
+          <p:cNvPr id="7" name="TextBox 6">
+            <a:extLst>
+              <a:ext uri="{FF2B5EF4-FFF2-40B4-BE49-F238E27FC236}">
+                <a16:creationId xmlns:a16="http://schemas.microsoft.com/office/drawing/2014/main" id="{142C84BD-5FEB-F71A-172C-AF0DB993AE4C}"/>
+              </a:ext>
+            </a:extLst>
+          </p:cNvPr>
+          <p:cNvSpPr txBox="1"/>
+          <p:nvPr/>
+        </p:nvSpPr>
+        <p:spPr>
+          <a:xfrm>
+            <a:off x="7680401" y="2355693"/>
+            <a:ext cx="1418992" cy="307777"/>
+          </a:xfrm>
+          <a:prstGeom prst="rect">
+            <a:avLst/>
+          </a:prstGeom>
+          <a:noFill/>
+        </p:spPr>
+        <p:txBody>
+          <a:bodyPr rot="0" spcFirstLastPara="0" vertOverflow="overflow" horzOverflow="overflow" vert="horz" wrap="square" lIns="91440" tIns="45720" rIns="91440" bIns="45720" numCol="1" spcCol="0" rtlCol="0" fromWordArt="0" anchor="t" anchorCtr="0" forceAA="0" compatLnSpc="1">
+            <a:prstTxWarp prst="textNoShape">
+              <a:avLst/>
+            </a:prstTxWarp>
+            <a:spAutoFit/>
+          </a:bodyPr>
+          <a:lstStyle/>
+          <a:p>
+            <a:r>
+              <a:rPr lang="en-US" dirty="0"/>
+              <a:t>Invalid number</a:t>
+            </a:r>
+          </a:p>
+        </p:txBody>
+      </p:sp>
+      <p:sp>
+        <p:nvSpPr>
+          <p:cNvPr id="9" name="TextBox 8">
+            <a:extLst>
+              <a:ext uri="{FF2B5EF4-FFF2-40B4-BE49-F238E27FC236}">
+                <a16:creationId xmlns:a16="http://schemas.microsoft.com/office/drawing/2014/main" id="{F843199D-5A47-416C-0FE9-E170D5DB0C29}"/>
+              </a:ext>
+            </a:extLst>
+          </p:cNvPr>
+          <p:cNvSpPr txBox="1"/>
+          <p:nvPr/>
+        </p:nvSpPr>
+        <p:spPr>
+          <a:xfrm>
+            <a:off x="7680401" y="2815681"/>
+            <a:ext cx="1140212" cy="307777"/>
+          </a:xfrm>
+          <a:prstGeom prst="rect">
+            <a:avLst/>
+          </a:prstGeom>
+          <a:noFill/>
+        </p:spPr>
+        <p:txBody>
+          <a:bodyPr rot="0" spcFirstLastPara="0" vertOverflow="overflow" horzOverflow="overflow" vert="horz" wrap="square" lIns="91440" tIns="45720" rIns="91440" bIns="45720" numCol="1" spcCol="0" rtlCol="0" fromWordArt="0" anchor="t" anchorCtr="0" forceAA="0" compatLnSpc="1">
+            <a:prstTxWarp prst="textNoShape">
+              <a:avLst/>
+            </a:prstTxWarp>
+            <a:spAutoFit/>
+          </a:bodyPr>
+          <a:lstStyle/>
+          <a:p>
+            <a:r>
+              <a:rPr lang="en-US" dirty="0"/>
+              <a:t>Valid input</a:t>
+            </a:r>
+          </a:p>
+        </p:txBody>
+      </p:sp>
+    </p:spTree>
+    <p:extLst>
+      <p:ext uri="{BB962C8B-B14F-4D97-AF65-F5344CB8AC3E}">
+        <p14:creationId xmlns:p14="http://schemas.microsoft.com/office/powerpoint/2010/main" val="2665935881"/>
+      </p:ext>
+    </p:extLst>
+  </p:cSld>
+  <p:clrMapOvr>
+    <a:masterClrMapping/>
+  </p:clrMapOvr>
+</p:sld>
+</file>
+
+<file path=ppt/slides/slide21.xml><?xml version="1.0" encoding="utf-8"?>
+<p:sld xmlns:a="http://schemas.openxmlformats.org/drawingml/2006/main" xmlns:r="http://schemas.openxmlformats.org/officeDocument/2006/relationships" xmlns:p="http://schemas.openxmlformats.org/presentationml/2006/main">
+  <p:cSld>
+    <p:bg>
+      <p:bgPr>
+        <a:solidFill>
+          <a:srgbClr val="D9EAD3"/>
+        </a:solidFill>
+        <a:effectLst/>
+      </p:bgPr>
+    </p:bg>
+    <p:spTree>
+      <p:nvGrpSpPr>
+        <p:cNvPr id="1" name="Shape 72"/>
+        <p:cNvGrpSpPr/>
+        <p:nvPr/>
+      </p:nvGrpSpPr>
+      <p:grpSpPr>
+        <a:xfrm>
+          <a:off x="0" y="0"/>
+          <a:ext cx="0" cy="0"/>
+          <a:chOff x="0" y="0"/>
+          <a:chExt cx="0" cy="0"/>
+        </a:xfrm>
+      </p:grpSpPr>
+      <p:sp>
+        <p:nvSpPr>
+          <p:cNvPr id="73" name="Google Shape;73;p16"/>
+          <p:cNvSpPr txBox="1">
+            <a:spLocks noGrp="1"/>
+          </p:cNvSpPr>
+          <p:nvPr>
+            <p:ph type="title"/>
+          </p:nvPr>
+        </p:nvSpPr>
+        <p:spPr>
+          <a:xfrm>
+            <a:off x="311700" y="445025"/>
+            <a:ext cx="8520600" cy="572700"/>
+          </a:xfrm>
+          <a:prstGeom prst="rect">
+            <a:avLst/>
+          </a:prstGeom>
+        </p:spPr>
+        <p:txBody>
+          <a:bodyPr spcFirstLastPara="1" wrap="square" lIns="91425" tIns="91425" rIns="91425" bIns="91425" anchor="t" anchorCtr="0">
+            <a:noAutofit/>
+          </a:bodyPr>
+          <a:lstStyle/>
+          <a:p>
+            <a:r>
+              <a:rPr lang="en"/>
+              <a:t>Component _ Ver. _ (Trello screenshot)</a:t>
+            </a:r>
+            <a:endParaRPr/>
+          </a:p>
+        </p:txBody>
+      </p:sp>
+    </p:spTree>
+    <p:extLst>
+      <p:ext uri="{BB962C8B-B14F-4D97-AF65-F5344CB8AC3E}">
+        <p14:creationId xmlns:p14="http://schemas.microsoft.com/office/powerpoint/2010/main" val="1323765978"/>
+      </p:ext>
+    </p:extLst>
+  </p:cSld>
+  <p:clrMapOvr>
+    <a:masterClrMapping/>
+  </p:clrMapOvr>
+</p:sld>
+</file>
+
+<file path=ppt/slides/slide22.xml><?xml version="1.0" encoding="utf-8"?>
+<p:sld xmlns:a="http://schemas.openxmlformats.org/drawingml/2006/main" xmlns:r="http://schemas.openxmlformats.org/officeDocument/2006/relationships" xmlns:p="http://schemas.openxmlformats.org/presentationml/2006/main">
+  <p:cSld>
+    <p:spTree>
+      <p:nvGrpSpPr>
+        <p:cNvPr id="1" name="Shape 77"/>
+        <p:cNvGrpSpPr/>
+        <p:nvPr/>
+      </p:nvGrpSpPr>
+      <p:grpSpPr>
+        <a:xfrm>
+          <a:off x="0" y="0"/>
+          <a:ext cx="0" cy="0"/>
+          <a:chOff x="0" y="0"/>
+          <a:chExt cx="0" cy="0"/>
+        </a:xfrm>
+      </p:grpSpPr>
+      <p:sp>
+        <p:nvSpPr>
+          <p:cNvPr id="78" name="Google Shape;78;p17"/>
+          <p:cNvSpPr txBox="1">
+            <a:spLocks noGrp="1"/>
+          </p:cNvSpPr>
+          <p:nvPr>
+            <p:ph type="title"/>
+          </p:nvPr>
+        </p:nvSpPr>
+        <p:spPr>
+          <a:xfrm>
+            <a:off x="311700" y="445025"/>
+            <a:ext cx="8520600" cy="572700"/>
+          </a:xfrm>
+          <a:prstGeom prst="rect">
+            <a:avLst/>
+          </a:prstGeom>
+        </p:spPr>
+        <p:txBody>
+          <a:bodyPr spcFirstLastPara="1" wrap="square" lIns="91425" tIns="91425" rIns="91425" bIns="91425" anchor="t" anchorCtr="0">
+            <a:noAutofit/>
+          </a:bodyPr>
+          <a:lstStyle/>
+          <a:p>
+            <a:pPr marL="0" lvl="0" indent="0" algn="l" rtl="0">
+              <a:spcBef>
+                <a:spcPts val="0"/>
+              </a:spcBef>
+              <a:spcAft>
+                <a:spcPts val="0"/>
+              </a:spcAft>
+              <a:buNone/>
+            </a:pPr>
+            <a:r>
+              <a:rPr lang="en"/>
               <a:t>Component _ Ver. _ - Test Plan (and screenshot)</a:t>
             </a:r>
-            <a:endParaRPr dirty="0"/>
+            <a:endParaRPr/>
           </a:p>
         </p:txBody>
       </p:sp>
@@ -9338,7 +13597,7 @@
                         </a:spcAft>
                         <a:buNone/>
                       </a:pPr>
-                      <a:endParaRPr sz="1800" dirty="0"/>
+                      <a:endParaRPr sz="1800"/>
                     </a:p>
                   </a:txBody>
                   <a:tcPr marL="91425" marR="91425" marT="91425" marB="91425"/>
@@ -9357,7 +13616,7 @@
                         </a:spcAft>
                         <a:buNone/>
                       </a:pPr>
-                      <a:endParaRPr sz="1800" dirty="0"/>
+                      <a:endParaRPr sz="1800"/>
                     </a:p>
                   </a:txBody>
                   <a:tcPr marL="91425" marR="91425" marT="91425" marB="91425"/>
@@ -9375,7 +13634,7 @@
     </p:spTree>
     <p:extLst>
       <p:ext uri="{BB962C8B-B14F-4D97-AF65-F5344CB8AC3E}">
-        <p14:creationId xmlns:p14="http://schemas.microsoft.com/office/powerpoint/2010/main" val="1744829088"/>
+        <p14:creationId xmlns:p14="http://schemas.microsoft.com/office/powerpoint/2010/main" val="2047372433"/>
       </p:ext>
     </p:extLst>
   </p:cSld>
@@ -9385,7 +13644,7 @@
 </p:sld>
 </file>
 
-<file path=ppt/slides/slide15.xml><?xml version="1.0" encoding="utf-8"?>
+<file path=ppt/slides/slide23.xml><?xml version="1.0" encoding="utf-8"?>
 <p:sld xmlns:a="http://schemas.openxmlformats.org/drawingml/2006/main" xmlns:r="http://schemas.openxmlformats.org/officeDocument/2006/relationships" xmlns:p="http://schemas.openxmlformats.org/presentationml/2006/main">
   <p:cSld>
     <p:bg>
@@ -9435,27 +13694,18 @@
           </a:bodyPr>
           <a:lstStyle/>
           <a:p>
-            <a:pPr marL="0" lvl="0" indent="0" algn="l" rtl="0">
-              <a:spcBef>
-                <a:spcPts val="0"/>
-              </a:spcBef>
-              <a:spcAft>
-                <a:spcPts val="0"/>
-              </a:spcAft>
-              <a:buNone/>
-            </a:pPr>
             <a:r>
-              <a:rPr lang="en" dirty="0"/>
-              <a:t>Component _ Ver. _(Trello screenshot)</a:t>
+              <a:rPr lang="en"/>
+              <a:t>Component _ Ver. _ (Trello screenshot)</a:t>
             </a:r>
-            <a:endParaRPr dirty="0"/>
+            <a:endParaRPr/>
           </a:p>
         </p:txBody>
       </p:sp>
     </p:spTree>
     <p:extLst>
       <p:ext uri="{BB962C8B-B14F-4D97-AF65-F5344CB8AC3E}">
-        <p14:creationId xmlns:p14="http://schemas.microsoft.com/office/powerpoint/2010/main" val="4142443043"/>
+        <p14:creationId xmlns:p14="http://schemas.microsoft.com/office/powerpoint/2010/main" val="4093940346"/>
       </p:ext>
     </p:extLst>
   </p:cSld>
@@ -9465,7 +13715,7 @@
 </p:sld>
 </file>
 
-<file path=ppt/slides/slide16.xml><?xml version="1.0" encoding="utf-8"?>
+<file path=ppt/slides/slide24.xml><?xml version="1.0" encoding="utf-8"?>
 <p:sld xmlns:a="http://schemas.openxmlformats.org/drawingml/2006/main" xmlns:r="http://schemas.openxmlformats.org/officeDocument/2006/relationships" xmlns:p="http://schemas.openxmlformats.org/presentationml/2006/main">
   <p:cSld>
     <p:spTree>
@@ -9517,10 +13767,10 @@
               <a:buNone/>
             </a:pPr>
             <a:r>
-              <a:rPr lang="en" dirty="0"/>
+              <a:rPr lang="en"/>
               <a:t>Component _ Ver. _ - Test Plan (and screenshot)</a:t>
             </a:r>
-            <a:endParaRPr dirty="0"/>
+            <a:endParaRPr/>
           </a:p>
         </p:txBody>
       </p:sp>
@@ -9633,7 +13883,7 @@
                         </a:spcAft>
                         <a:buNone/>
                       </a:pPr>
-                      <a:endParaRPr sz="1800" dirty="0"/>
+                      <a:endParaRPr sz="1800"/>
                     </a:p>
                   </a:txBody>
                   <a:tcPr marL="91425" marR="91425" marT="91425" marB="91425"/>
@@ -9652,7 +13902,7 @@
                         </a:spcAft>
                         <a:buNone/>
                       </a:pPr>
-                      <a:endParaRPr sz="1800" dirty="0"/>
+                      <a:endParaRPr sz="1800"/>
                     </a:p>
                   </a:txBody>
                   <a:tcPr marL="91425" marR="91425" marT="91425" marB="91425"/>
@@ -9670,7 +13920,7 @@
     </p:spTree>
     <p:extLst>
       <p:ext uri="{BB962C8B-B14F-4D97-AF65-F5344CB8AC3E}">
-        <p14:creationId xmlns:p14="http://schemas.microsoft.com/office/powerpoint/2010/main" val="1649247326"/>
+        <p14:creationId xmlns:p14="http://schemas.microsoft.com/office/powerpoint/2010/main" val="3748886745"/>
       </p:ext>
     </p:extLst>
   </p:cSld>
@@ -9680,7 +13930,7 @@
 </p:sld>
 </file>
 
-<file path=ppt/slides/slide17.xml><?xml version="1.0" encoding="utf-8"?>
+<file path=ppt/slides/slide25.xml><?xml version="1.0" encoding="utf-8"?>
 <p:sld xmlns:a="http://schemas.openxmlformats.org/drawingml/2006/main" xmlns:r="http://schemas.openxmlformats.org/officeDocument/2006/relationships" xmlns:p="http://schemas.openxmlformats.org/presentationml/2006/main">
   <p:cSld>
     <p:bg>
@@ -9782,14 +14032,10 @@
               <a:buNone/>
             </a:pPr>
             <a:r>
-              <a:rPr lang="en" i="1" dirty="0"/>
-              <a:t>Your version control evidence should go here.  </a:t>
+              <a:rPr lang="en" i="1"/>
+              <a:t>Your version control evidence should go here.  This could be in the form of annotated screenshots which show you you managed this process or you could make a brief screencast explaining how you implemented version control.</a:t>
             </a:r>
-            <a:r>
-              <a:rPr lang="en" i="1"/>
-              <a:t>This could be in the form of annotated screenshots which show you you managed this process or you could make a brief screencast explaining how you implemented version control.</a:t>
-            </a:r>
-            <a:endParaRPr i="1" dirty="0"/>
+            <a:endParaRPr i="1"/>
           </a:p>
         </p:txBody>
       </p:sp>
@@ -9801,7 +14047,7 @@
 </p:sld>
 </file>
 
-<file path=ppt/slides/slide18.xml><?xml version="1.0" encoding="utf-8"?>
+<file path=ppt/slides/slide26.xml><?xml version="1.0" encoding="utf-8"?>
 <p:sld xmlns:a="http://schemas.openxmlformats.org/drawingml/2006/main" xmlns:r="http://schemas.openxmlformats.org/officeDocument/2006/relationships" xmlns:p="http://schemas.openxmlformats.org/presentationml/2006/main">
   <p:cSld>
     <p:bg>
@@ -9873,276 +14119,6 @@
         </p:txBody>
       </p:sp>
     </p:spTree>
-  </p:cSld>
-  <p:clrMapOvr>
-    <a:masterClrMapping/>
-  </p:clrMapOvr>
-</p:sld>
-</file>
-
-<file path=ppt/slides/slide2.xml><?xml version="1.0" encoding="utf-8"?>
-<p:sld xmlns:a="http://schemas.openxmlformats.org/drawingml/2006/main" xmlns:r="http://schemas.openxmlformats.org/officeDocument/2006/relationships" xmlns:p="http://schemas.openxmlformats.org/presentationml/2006/main">
-  <p:cSld>
-    <p:bg>
-      <p:bgPr>
-        <a:solidFill>
-          <a:srgbClr val="EAD1DC"/>
-        </a:solidFill>
-        <a:effectLst/>
-      </p:bgPr>
-    </p:bg>
-    <p:spTree>
-      <p:nvGrpSpPr>
-        <p:cNvPr id="1" name="Shape 60"/>
-        <p:cNvGrpSpPr/>
-        <p:nvPr/>
-      </p:nvGrpSpPr>
-      <p:grpSpPr>
-        <a:xfrm>
-          <a:off x="0" y="0"/>
-          <a:ext cx="0" cy="0"/>
-          <a:chOff x="0" y="0"/>
-          <a:chExt cx="0" cy="0"/>
-        </a:xfrm>
-      </p:grpSpPr>
-      <p:sp>
-        <p:nvSpPr>
-          <p:cNvPr id="61" name="Google Shape;61;p14"/>
-          <p:cNvSpPr txBox="1">
-            <a:spLocks noGrp="1"/>
-          </p:cNvSpPr>
-          <p:nvPr>
-            <p:ph type="title"/>
-          </p:nvPr>
-        </p:nvSpPr>
-        <p:spPr>
-          <a:xfrm>
-            <a:off x="311700" y="445025"/>
-            <a:ext cx="8520600" cy="572700"/>
-          </a:xfrm>
-          <a:prstGeom prst="rect">
-            <a:avLst/>
-          </a:prstGeom>
-          <a:noFill/>
-          <a:ln>
-            <a:noFill/>
-          </a:ln>
-        </p:spPr>
-        <p:txBody>
-          <a:bodyPr spcFirstLastPara="1" wrap="square" lIns="91425" tIns="91425" rIns="91425" bIns="91425" anchor="t" anchorCtr="0">
-            <a:noAutofit/>
-          </a:bodyPr>
-          <a:lstStyle/>
-          <a:p>
-            <a:pPr marL="0" lvl="0" indent="0" algn="l" rtl="0">
-              <a:spcBef>
-                <a:spcPts val="0"/>
-              </a:spcBef>
-              <a:spcAft>
-                <a:spcPts val="0"/>
-              </a:spcAft>
-              <a:buNone/>
-            </a:pPr>
-            <a:r>
-              <a:rPr lang="en" b="1" dirty="0">
-                <a:solidFill>
-                  <a:srgbClr val="4C1130"/>
-                </a:solidFill>
-              </a:rPr>
-              <a:t>Relevant Implications -  Functionality</a:t>
-            </a:r>
-            <a:endParaRPr b="1" dirty="0">
-              <a:solidFill>
-                <a:srgbClr val="4C1130"/>
-              </a:solidFill>
-            </a:endParaRPr>
-          </a:p>
-        </p:txBody>
-      </p:sp>
-      <p:sp>
-        <p:nvSpPr>
-          <p:cNvPr id="62" name="Google Shape;62;p14"/>
-          <p:cNvSpPr txBox="1">
-            <a:spLocks noGrp="1"/>
-          </p:cNvSpPr>
-          <p:nvPr>
-            <p:ph type="body" idx="1"/>
-          </p:nvPr>
-        </p:nvSpPr>
-        <p:spPr>
-          <a:xfrm>
-            <a:off x="311700" y="1165725"/>
-            <a:ext cx="8520600" cy="3416400"/>
-          </a:xfrm>
-          <a:prstGeom prst="rect">
-            <a:avLst/>
-          </a:prstGeom>
-          <a:noFill/>
-          <a:ln>
-            <a:noFill/>
-          </a:ln>
-        </p:spPr>
-        <p:txBody>
-          <a:bodyPr spcFirstLastPara="1" wrap="square" lIns="91425" tIns="91425" rIns="91425" bIns="91425" anchor="t" anchorCtr="0">
-            <a:noAutofit/>
-          </a:bodyPr>
-          <a:lstStyle/>
-          <a:p>
-            <a:pPr marL="0" indent="0">
-              <a:lnSpc>
-                <a:spcPct val="100000"/>
-              </a:lnSpc>
-              <a:buClr>
-                <a:schemeClr val="dk1"/>
-              </a:buClr>
-              <a:buSzPts val="1100"/>
-              <a:buNone/>
-            </a:pPr>
-            <a:r>
-              <a:rPr lang="en" i="1" dirty="0">
-                <a:solidFill>
-                  <a:srgbClr val="741B47"/>
-                </a:solidFill>
-              </a:rPr>
-              <a:t>Explain the relevant implications here. Please </a:t>
-            </a:r>
-            <a:r>
-              <a:rPr lang="en" i="1" u="sng" dirty="0">
-                <a:solidFill>
-                  <a:schemeClr val="hlink"/>
-                </a:solidFill>
-                <a:hlinkClick r:id="rId3"/>
-              </a:rPr>
-              <a:t>watch this video</a:t>
-            </a:r>
-            <a:r>
-              <a:rPr lang="en" i="1" dirty="0">
-                <a:solidFill>
-                  <a:srgbClr val="741B47"/>
-                </a:solidFill>
-              </a:rPr>
-              <a:t> to learn how to do this.</a:t>
-            </a:r>
-          </a:p>
-          <a:p>
-            <a:pPr marL="0" lvl="0" indent="0" algn="l" rtl="0">
-              <a:lnSpc>
-                <a:spcPct val="100000"/>
-              </a:lnSpc>
-              <a:spcBef>
-                <a:spcPts val="0"/>
-              </a:spcBef>
-              <a:spcAft>
-                <a:spcPts val="0"/>
-              </a:spcAft>
-              <a:buClr>
-                <a:schemeClr val="dk1"/>
-              </a:buClr>
-              <a:buSzPts val="1100"/>
-              <a:buFont typeface="Arial"/>
-              <a:buNone/>
-            </a:pPr>
-            <a:endParaRPr lang="en-NZ" sz="1100" dirty="0"/>
-          </a:p>
-          <a:p>
-            <a:pPr marL="0" lvl="0" indent="0" algn="l" rtl="0">
-              <a:lnSpc>
-                <a:spcPct val="100000"/>
-              </a:lnSpc>
-              <a:spcBef>
-                <a:spcPts val="0"/>
-              </a:spcBef>
-              <a:spcAft>
-                <a:spcPts val="0"/>
-              </a:spcAft>
-              <a:buClr>
-                <a:schemeClr val="dk1"/>
-              </a:buClr>
-              <a:buSzPts val="1100"/>
-              <a:buFont typeface="Arial"/>
-              <a:buNone/>
-            </a:pPr>
-            <a:r>
-              <a:rPr lang="en-NZ" sz="1600" dirty="0"/>
-              <a:t>The functionality of a program refers to if the program works properly when given either expected or unexpected information. An example of this is if a program is meant to receive a specific word (using the word “word” as an example), the program has to be able to work when given the </a:t>
-            </a:r>
-            <a:r>
-              <a:rPr lang="en-NZ" sz="1600" b="1" dirty="0"/>
-              <a:t>expected</a:t>
-            </a:r>
-            <a:r>
-              <a:rPr lang="en-NZ" sz="1600" dirty="0"/>
-              <a:t> input (“word”), if given a slight variation of the intended input (this is referred to as a </a:t>
-            </a:r>
-            <a:r>
-              <a:rPr lang="en-NZ" sz="1600" b="1" dirty="0"/>
-              <a:t>boundary</a:t>
-            </a:r>
-            <a:r>
-              <a:rPr lang="en-NZ" sz="1600" dirty="0"/>
-              <a:t> case), the program should also work, and if given something </a:t>
-            </a:r>
-            <a:r>
-              <a:rPr lang="en-NZ" sz="1600" b="1" dirty="0"/>
-              <a:t>unexpected</a:t>
-            </a:r>
-            <a:r>
-              <a:rPr lang="en-NZ" sz="1600" dirty="0"/>
-              <a:t> like a number, the program should not crash. </a:t>
-            </a:r>
-          </a:p>
-          <a:p>
-            <a:pPr marL="0" lvl="0" indent="0" algn="l" rtl="0">
-              <a:lnSpc>
-                <a:spcPct val="100000"/>
-              </a:lnSpc>
-              <a:spcBef>
-                <a:spcPts val="0"/>
-              </a:spcBef>
-              <a:spcAft>
-                <a:spcPts val="0"/>
-              </a:spcAft>
-              <a:buClr>
-                <a:schemeClr val="dk1"/>
-              </a:buClr>
-              <a:buSzPts val="1100"/>
-              <a:buFont typeface="Arial"/>
-              <a:buNone/>
-            </a:pPr>
-            <a:endParaRPr lang="en-NZ" sz="1600" dirty="0"/>
-          </a:p>
-          <a:p>
-            <a:pPr marL="0" lvl="0" indent="0" algn="l" rtl="0">
-              <a:lnSpc>
-                <a:spcPct val="100000"/>
-              </a:lnSpc>
-              <a:spcBef>
-                <a:spcPts val="0"/>
-              </a:spcBef>
-              <a:spcAft>
-                <a:spcPts val="0"/>
-              </a:spcAft>
-              <a:buClr>
-                <a:schemeClr val="dk1"/>
-              </a:buClr>
-              <a:buSzPts val="1100"/>
-              <a:buFont typeface="Arial"/>
-              <a:buNone/>
-            </a:pPr>
-            <a:r>
-              <a:rPr lang="en-NZ" sz="1600" dirty="0"/>
-              <a:t>A programs functionality is important because if an input outside of the expected is input and the program breaks (via a crash or incorrect output), then users will become frustrated. Programs with input parameters only within the expected will be of limited use and could cause harm to users or the developer’s reputation.</a:t>
-            </a:r>
-            <a:endParaRPr sz="1100" dirty="0"/>
-          </a:p>
-        </p:txBody>
-      </p:sp>
-    </p:spTree>
-    <p:extLst>
-      <p:ext uri="{BB962C8B-B14F-4D97-AF65-F5344CB8AC3E}">
-        <p14:creationId xmlns:p14="http://schemas.microsoft.com/office/powerpoint/2010/main" val="2285988864"/>
-      </p:ext>
-    </p:extLst>
   </p:cSld>
   <p:clrMapOvr>
     <a:masterClrMapping/>
@@ -10214,14 +14190,14 @@
               <a:buNone/>
             </a:pPr>
             <a:r>
-              <a:rPr lang="en" b="1" dirty="0">
+              <a:rPr lang="en" b="1">
                 <a:solidFill>
                   <a:srgbClr val="4C1130"/>
                 </a:solidFill>
               </a:rPr>
               <a:t>Relevant Implications - Usability</a:t>
             </a:r>
-            <a:endParaRPr b="1" dirty="0">
+            <a:endParaRPr b="1">
               <a:solidFill>
                 <a:srgbClr val="4C1130"/>
               </a:solidFill>
@@ -10276,14 +14252,14 @@
               <a:buNone/>
             </a:pPr>
             <a:r>
-              <a:rPr lang="en" i="1" dirty="0">
+              <a:rPr lang="en" i="1">
                 <a:solidFill>
                   <a:srgbClr val="741B47"/>
                 </a:solidFill>
               </a:rPr>
               <a:t>Explain the relevant implications here.  </a:t>
             </a:r>
-            <a:endParaRPr lang="en-NZ" sz="1100" dirty="0"/>
+            <a:endParaRPr lang="en-NZ" sz="1100"/>
           </a:p>
           <a:p>
             <a:pPr marL="0" lvl="0" indent="0" algn="l" rtl="0">
@@ -10303,7 +14279,7 @@
               <a:buFont typeface="Arial"/>
               <a:buNone/>
             </a:pPr>
-            <a:endParaRPr lang="en-NZ" sz="1600" dirty="0"/>
+            <a:endParaRPr lang="en-NZ" sz="1600"/>
           </a:p>
           <a:p>
             <a:pPr marL="0" lvl="0" indent="0" algn="l" rtl="0">
@@ -10324,7 +14300,7 @@
               <a:buNone/>
             </a:pPr>
             <a:r>
-              <a:rPr lang="en-NZ" sz="1600" dirty="0"/>
+              <a:rPr lang="en-NZ" sz="1600"/>
               <a:t>Usability is how easy a program is for a user to understand and utilise efficiently. This includes making understandable instructions that the user can read quickly, and making an errors cause and possible solutions to clear.</a:t>
             </a:r>
           </a:p>
@@ -10346,7 +14322,7 @@
               <a:buFont typeface="Arial"/>
               <a:buNone/>
             </a:pPr>
-            <a:endParaRPr lang="en-NZ" sz="1600" dirty="0"/>
+            <a:endParaRPr lang="en-NZ" sz="1600"/>
           </a:p>
           <a:p>
             <a:pPr marL="0" lvl="0" indent="0" algn="l" rtl="0">
@@ -10367,7 +14343,7 @@
               <a:buNone/>
             </a:pPr>
             <a:r>
-              <a:rPr lang="en-NZ" sz="1600" dirty="0"/>
+              <a:rPr lang="en-NZ" sz="1600"/>
               <a:t>Usability matters because if the intended userbase is unable to utilise a program efficiently, then they become frustrated or confused on how to properly use the program. This may result in users seeking alternatives to your program that provide better ease-of-use</a:t>
             </a:r>
           </a:p>
@@ -10445,14 +14421,14 @@
               <a:buNone/>
             </a:pPr>
             <a:r>
-              <a:rPr lang="en" b="1" dirty="0">
+              <a:rPr lang="en" b="1">
                 <a:solidFill>
                   <a:srgbClr val="4C1130"/>
                 </a:solidFill>
               </a:rPr>
               <a:t>Relevant Implications -</a:t>
             </a:r>
-            <a:endParaRPr b="1" dirty="0">
+            <a:endParaRPr b="1">
               <a:solidFill>
                 <a:srgbClr val="4C1130"/>
               </a:solidFill>
@@ -10507,14 +14483,14 @@
               <a:buNone/>
             </a:pPr>
             <a:r>
-              <a:rPr lang="en" i="1" dirty="0">
+              <a:rPr lang="en" i="1">
                 <a:solidFill>
                   <a:srgbClr val="741B47"/>
                 </a:solidFill>
               </a:rPr>
               <a:t>Explain the relevant implications here.  </a:t>
             </a:r>
-            <a:endParaRPr lang="en-NZ" sz="1100" dirty="0"/>
+            <a:endParaRPr lang="en-NZ" sz="1100"/>
           </a:p>
           <a:p>
             <a:pPr marL="0" lvl="0" indent="0" algn="l" rtl="0">
@@ -10534,7 +14510,7 @@
               <a:buFont typeface="Arial"/>
               <a:buNone/>
             </a:pPr>
-            <a:endParaRPr lang="en-NZ" sz="1600" dirty="0"/>
+            <a:endParaRPr lang="en-NZ" sz="1600"/>
           </a:p>
         </p:txBody>
       </p:sp>
@@ -10615,14 +14591,14 @@
               <a:buNone/>
             </a:pPr>
             <a:r>
-              <a:rPr lang="en" b="1" dirty="0">
+              <a:rPr lang="en" b="1">
                 <a:solidFill>
                   <a:srgbClr val="4C1130"/>
                 </a:solidFill>
               </a:rPr>
               <a:t>Relevant Implications -</a:t>
             </a:r>
-            <a:endParaRPr b="1" dirty="0">
+            <a:endParaRPr b="1">
               <a:solidFill>
                 <a:srgbClr val="4C1130"/>
               </a:solidFill>
@@ -10677,14 +14653,14 @@
               <a:buNone/>
             </a:pPr>
             <a:r>
-              <a:rPr lang="en" i="1" dirty="0">
+              <a:rPr lang="en" i="1">
                 <a:solidFill>
                   <a:srgbClr val="741B47"/>
                 </a:solidFill>
               </a:rPr>
               <a:t>Explain the relevant implications here.  </a:t>
             </a:r>
-            <a:endParaRPr lang="en-NZ" sz="1100" dirty="0"/>
+            <a:endParaRPr lang="en-NZ" sz="1100"/>
           </a:p>
           <a:p>
             <a:pPr marL="0" lvl="0" indent="0" algn="l" rtl="0">
@@ -10704,7 +14680,7 @@
               <a:buFont typeface="Arial"/>
               <a:buNone/>
             </a:pPr>
-            <a:endParaRPr lang="en-NZ" sz="1600" dirty="0"/>
+            <a:endParaRPr lang="en-NZ" sz="1600"/>
           </a:p>
         </p:txBody>
       </p:sp>
@@ -10823,10 +14799,10 @@
               <a:buNone/>
             </a:pPr>
             <a:r>
-              <a:rPr lang="en" i="1" dirty="0"/>
+              <a:rPr lang="en" i="1"/>
               <a:t>Paste screenshots of your initial Trello board / task decomposition on this slide.</a:t>
             </a:r>
-            <a:endParaRPr i="1" dirty="0"/>
+            <a:endParaRPr i="1"/>
           </a:p>
         </p:txBody>
       </p:sp>
@@ -11025,10 +15001,10 @@
               <a:buNone/>
             </a:pPr>
             <a:r>
-              <a:rPr lang="en" dirty="0"/>
+              <a:rPr lang="en"/>
               <a:t>Component 1 Ver. 1 - Test Plan (and screenshot)</a:t>
             </a:r>
-            <a:endParaRPr dirty="0"/>
+            <a:endParaRPr/>
           </a:p>
         </p:txBody>
       </p:sp>
@@ -11039,7 +15015,7 @@
           <p:nvPr>
             <p:extLst>
               <p:ext uri="{D42A27DB-BD31-4B8C-83A1-F6EECF244321}">
-                <p14:modId xmlns:p14="http://schemas.microsoft.com/office/powerpoint/2010/main" val="3154895241"/>
+                <p14:modId xmlns:p14="http://schemas.microsoft.com/office/powerpoint/2010/main" val="2177841771"/>
               </p:ext>
             </p:extLst>
           </p:nvPr>
@@ -11087,10 +15063,10 @@
                         <a:buNone/>
                       </a:pPr>
                       <a:r>
-                        <a:rPr lang="en" sz="1800" b="1"/>
+                        <a:rPr lang="en" sz="1800" b="1" dirty="0"/>
                         <a:t>Test Case</a:t>
                       </a:r>
-                      <a:endParaRPr sz="1800" b="1"/>
+                      <a:endParaRPr sz="1800" b="1" dirty="0"/>
                     </a:p>
                   </a:txBody>
                   <a:tcPr marL="91425" marR="91425" marT="91425" marB="91425">
@@ -11114,10 +15090,10 @@
                         <a:buNone/>
                       </a:pPr>
                       <a:r>
-                        <a:rPr lang="en" sz="1800" b="1"/>
+                        <a:rPr lang="en" sz="1800" b="1" dirty="0"/>
                         <a:t>Expected Values</a:t>
                       </a:r>
-                      <a:endParaRPr sz="1800" b="1"/>
+                      <a:endParaRPr sz="1800" b="1" dirty="0"/>
                     </a:p>
                   </a:txBody>
                   <a:tcPr marL="91425" marR="91425" marT="91425" marB="91425">
@@ -11172,7 +15148,7 @@
                       </a:pPr>
                       <a:r>
                         <a:rPr lang="en-NZ" sz="1800" dirty="0"/>
-                        <a:t>Print welcome message with a randomly generated name – Runs correctly</a:t>
+                        <a:t>Print welcome message with a randomly generated name. Runs correctly.</a:t>
                       </a:r>
                       <a:endParaRPr sz="1800" dirty="0"/>
                     </a:p>
@@ -11287,10 +15263,10 @@
               <a:buNone/>
             </a:pPr>
             <a:r>
-              <a:rPr lang="en" dirty="0"/>
+              <a:rPr lang="en"/>
               <a:t>Component 1 Ver. 2 (Trello screenshot)</a:t>
             </a:r>
-            <a:endParaRPr dirty="0"/>
+            <a:endParaRPr/>
           </a:p>
         </p:txBody>
       </p:sp>
@@ -11900,15 +15876,6 @@
 </file>
 
 <file path=customXml/item1.xml><?xml version="1.0" encoding="utf-8"?>
-<?mso-contentType ?>
-<FormTemplates xmlns="http://schemas.microsoft.com/sharepoint/v3/contenttype/forms">
-  <Display>DocumentLibraryForm</Display>
-  <Edit>DocumentLibraryForm</Edit>
-  <New>DocumentLibraryForm</New>
-</FormTemplates>
-</file>
-
-<file path=customXml/item2.xml><?xml version="1.0" encoding="utf-8"?>
 <p:properties xmlns:p="http://schemas.microsoft.com/office/2006/metadata/properties" xmlns:xsi="http://www.w3.org/2001/XMLSchema-instance" xmlns:pc="http://schemas.microsoft.com/office/infopath/2007/PartnerControls">
   <documentManagement>
     <_activity xmlns="2b310483-19ef-4f1a-8666-427aba7c04f4" xsi:nil="true"/>
@@ -11916,7 +15883,7 @@
 </p:properties>
 </file>
 
-<file path=customXml/item3.xml><?xml version="1.0" encoding="utf-8"?>
+<file path=customXml/item2.xml><?xml version="1.0" encoding="utf-8"?>
 <ct:contentTypeSchema xmlns:ct="http://schemas.microsoft.com/office/2006/metadata/contentType" xmlns:ma="http://schemas.microsoft.com/office/2006/metadata/properties/metaAttributes" ct:_="" ma:_="" ma:contentTypeName="Document" ma:contentTypeID="0x010100024DC8DFD6C93447A9C11B519434E451" ma:contentTypeVersion="13" ma:contentTypeDescription="Create a new document." ma:contentTypeScope="" ma:versionID="d78c653d52c678877916f644d9003a4b">
   <xsd:schema xmlns:xsd="http://www.w3.org/2001/XMLSchema" xmlns:xs="http://www.w3.org/2001/XMLSchema" xmlns:p="http://schemas.microsoft.com/office/2006/metadata/properties" xmlns:ns3="2b310483-19ef-4f1a-8666-427aba7c04f4" xmlns:ns4="d316a0db-0591-438e-8093-79f3efde1904" targetNamespace="http://schemas.microsoft.com/office/2006/metadata/properties" ma:root="true" ma:fieldsID="b51e56a0bc6a455bf4c7a7bc9489865b" ns3:_="" ns4:_="">
     <xsd:import namespace="2b310483-19ef-4f1a-8666-427aba7c04f4"/>
@@ -12139,46 +16106,55 @@
 </ct:contentTypeSchema>
 </file>
 
+<file path=customXml/item3.xml><?xml version="1.0" encoding="utf-8"?>
+<?mso-contentType ?>
+<FormTemplates xmlns="http://schemas.microsoft.com/sharepoint/v3/contenttype/forms">
+  <Display>DocumentLibraryForm</Display>
+  <Edit>DocumentLibraryForm</Edit>
+  <New>DocumentLibraryForm</New>
+</FormTemplates>
+</file>
+
 <file path=customXml/itemProps1.xml><?xml version="1.0" encoding="utf-8"?>
+<ds:datastoreItem xmlns:ds="http://schemas.openxmlformats.org/officeDocument/2006/customXml" ds:itemID="{68DCCC3C-0DB3-455E-8505-0D93175A8009}">
+  <ds:schemaRefs>
+    <ds:schemaRef ds:uri="2b310483-19ef-4f1a-8666-427aba7c04f4"/>
+    <ds:schemaRef ds:uri="d316a0db-0591-438e-8093-79f3efde1904"/>
+    <ds:schemaRef ds:uri="http://purl.org/dc/dcmitype/"/>
+    <ds:schemaRef ds:uri="http://purl.org/dc/elements/1.1/"/>
+    <ds:schemaRef ds:uri="http://purl.org/dc/terms/"/>
+    <ds:schemaRef ds:uri="http://schemas.microsoft.com/office/2006/documentManagement/types"/>
+    <ds:schemaRef ds:uri="http://schemas.microsoft.com/office/2006/metadata/properties"/>
+    <ds:schemaRef ds:uri="http://schemas.microsoft.com/office/infopath/2007/PartnerControls"/>
+    <ds:schemaRef ds:uri="http://schemas.openxmlformats.org/package/2006/metadata/core-properties"/>
+    <ds:schemaRef ds:uri="http://www.w3.org/XML/1998/namespace"/>
+  </ds:schemaRefs>
+</ds:datastoreItem>
+</file>
+
+<file path=customXml/itemProps2.xml><?xml version="1.0" encoding="utf-8"?>
+<ds:datastoreItem xmlns:ds="http://schemas.openxmlformats.org/officeDocument/2006/customXml" ds:itemID="{0E32B551-2E7E-4680-9EB8-D0B1C8724946}">
+  <ds:schemaRefs>
+    <ds:schemaRef ds:uri="2b310483-19ef-4f1a-8666-427aba7c04f4"/>
+    <ds:schemaRef ds:uri="d316a0db-0591-438e-8093-79f3efde1904"/>
+    <ds:schemaRef ds:uri="http://purl.org/dc/elements/1.1/"/>
+    <ds:schemaRef ds:uri="http://purl.org/dc/terms/"/>
+    <ds:schemaRef ds:uri="http://schemas.microsoft.com/internal/obd"/>
+    <ds:schemaRef ds:uri="http://schemas.microsoft.com/office/2006/documentManagement/types"/>
+    <ds:schemaRef ds:uri="http://schemas.microsoft.com/office/2006/metadata/contentType"/>
+    <ds:schemaRef ds:uri="http://schemas.microsoft.com/office/2006/metadata/properties"/>
+    <ds:schemaRef ds:uri="http://schemas.microsoft.com/office/2006/metadata/properties/metaAttributes"/>
+    <ds:schemaRef ds:uri="http://schemas.microsoft.com/office/infopath/2007/PartnerControls"/>
+    <ds:schemaRef ds:uri="http://schemas.openxmlformats.org/package/2006/metadata/core-properties"/>
+    <ds:schemaRef ds:uri="http://www.w3.org/2001/XMLSchema"/>
+  </ds:schemaRefs>
+</ds:datastoreItem>
+</file>
+
+<file path=customXml/itemProps3.xml><?xml version="1.0" encoding="utf-8"?>
 <ds:datastoreItem xmlns:ds="http://schemas.openxmlformats.org/officeDocument/2006/customXml" ds:itemID="{9B757C8B-782F-4BDF-9F90-4601D3A0F6AF}">
   <ds:schemaRefs>
     <ds:schemaRef ds:uri="http://schemas.microsoft.com/sharepoint/v3/contenttype/forms"/>
   </ds:schemaRefs>
 </ds:datastoreItem>
-</file>
-
-<file path=customXml/itemProps2.xml><?xml version="1.0" encoding="utf-8"?>
-<ds:datastoreItem xmlns:ds="http://schemas.openxmlformats.org/officeDocument/2006/customXml" ds:itemID="{68DCCC3C-0DB3-455E-8505-0D93175A8009}">
-  <ds:schemaRefs>
-    <ds:schemaRef ds:uri="d316a0db-0591-438e-8093-79f3efde1904"/>
-    <ds:schemaRef ds:uri="http://schemas.microsoft.com/office/2006/documentManagement/types"/>
-    <ds:schemaRef ds:uri="2b310483-19ef-4f1a-8666-427aba7c04f4"/>
-    <ds:schemaRef ds:uri="http://www.w3.org/XML/1998/namespace"/>
-    <ds:schemaRef ds:uri="http://purl.org/dc/elements/1.1/"/>
-    <ds:schemaRef ds:uri="http://purl.org/dc/dcmitype/"/>
-    <ds:schemaRef ds:uri="http://purl.org/dc/terms/"/>
-    <ds:schemaRef ds:uri="http://schemas.microsoft.com/office/infopath/2007/PartnerControls"/>
-    <ds:schemaRef ds:uri="http://schemas.openxmlformats.org/package/2006/metadata/core-properties"/>
-    <ds:schemaRef ds:uri="http://schemas.microsoft.com/office/2006/metadata/properties"/>
-  </ds:schemaRefs>
-</ds:datastoreItem>
-</file>
-
-<file path=customXml/itemProps3.xml><?xml version="1.0" encoding="utf-8"?>
-<ds:datastoreItem xmlns:ds="http://schemas.openxmlformats.org/officeDocument/2006/customXml" ds:itemID="{0E32B551-2E7E-4680-9EB8-D0B1C8724946}">
-  <ds:schemaRefs>
-    <ds:schemaRef ds:uri="http://schemas.microsoft.com/office/2006/metadata/contentType"/>
-    <ds:schemaRef ds:uri="http://schemas.microsoft.com/office/2006/metadata/properties/metaAttributes"/>
-    <ds:schemaRef ds:uri="http://www.w3.org/2001/XMLSchema"/>
-    <ds:schemaRef ds:uri="http://schemas.microsoft.com/office/2006/metadata/properties"/>
-    <ds:schemaRef ds:uri="2b310483-19ef-4f1a-8666-427aba7c04f4"/>
-    <ds:schemaRef ds:uri="d316a0db-0591-438e-8093-79f3efde1904"/>
-    <ds:schemaRef ds:uri="http://schemas.microsoft.com/office/2006/documentManagement/types"/>
-    <ds:schemaRef ds:uri="http://schemas.microsoft.com/office/infopath/2007/PartnerControls"/>
-    <ds:schemaRef ds:uri="http://schemas.openxmlformats.org/package/2006/metadata/core-properties"/>
-    <ds:schemaRef ds:uri="http://purl.org/dc/elements/1.1/"/>
-    <ds:schemaRef ds:uri="http://purl.org/dc/terms/"/>
-    <ds:schemaRef ds:uri="http://schemas.microsoft.com/internal/obd"/>
-  </ds:schemaRefs>
-</ds:datastoreItem>
 </file>
--- a/pizzapowerpoint.pptx
+++ b/pizzapowerpoint.pptx
@@ -335,7 +335,7 @@
     <p1510:client id="{597EAEB2-F50F-160F-61EB-A2437C088CEE}" v="129" dt="2023-05-18T00:12:22.906"/>
     <p1510:client id="{6E88F79A-04E8-2644-5D52-BBE8D04264AC}" v="8" dt="2023-05-17T09:17:16.146"/>
     <p1510:client id="{DC01E7D0-ECC4-24C5-E5BE-DE2A9FB64150}" v="54" dt="2023-05-17T10:21:52.792"/>
-    <p1510:client id="{EEA164D0-AAA0-D66E-99E2-4DAFD6A87FD6}" v="483" dt="2023-05-18T09:29:03.585"/>
+    <p1510:client id="{EEA164D0-AAA0-D66E-99E2-4DAFD6A87FD6}" v="491" dt="2023-05-18T10:08:26.858"/>
   </p1510:revLst>
 </p1510:revInfo>
 </file>
@@ -390,195 +390,9 @@
     </pc:docChg>
   </pc:docChgLst>
   <pc:docChgLst>
-    <pc:chgData name="Eardwulf Ulan" userId="S::18111@my.sanctamaria.school.nz::22607890-71d4-4bf2-b097-b426e6c19788" providerId="AD" clId="Web-{597EAEB2-F50F-160F-61EB-A2437C088CEE}"/>
-    <pc:docChg chg="modSld">
-      <pc:chgData name="Eardwulf Ulan" userId="S::18111@my.sanctamaria.school.nz::22607890-71d4-4bf2-b097-b426e6c19788" providerId="AD" clId="Web-{597EAEB2-F50F-160F-61EB-A2437C088CEE}" dt="2023-05-18T00:12:17.453" v="104"/>
-      <pc:docMkLst>
-        <pc:docMk/>
-      </pc:docMkLst>
-      <pc:sldChg chg="modSp">
-        <pc:chgData name="Eardwulf Ulan" userId="S::18111@my.sanctamaria.school.nz::22607890-71d4-4bf2-b097-b426e6c19788" providerId="AD" clId="Web-{597EAEB2-F50F-160F-61EB-A2437C088CEE}" dt="2023-05-18T00:12:00.686" v="90"/>
-        <pc:sldMkLst>
-          <pc:docMk/>
-          <pc:sldMk cId="3048879607" sldId="266"/>
-        </pc:sldMkLst>
-        <pc:graphicFrameChg chg="mod modGraphic">
-          <ac:chgData name="Eardwulf Ulan" userId="S::18111@my.sanctamaria.school.nz::22607890-71d4-4bf2-b097-b426e6c19788" providerId="AD" clId="Web-{597EAEB2-F50F-160F-61EB-A2437C088CEE}" dt="2023-05-18T00:12:00.686" v="90"/>
-          <ac:graphicFrameMkLst>
-            <pc:docMk/>
-            <pc:sldMk cId="3048879607" sldId="266"/>
-            <ac:graphicFrameMk id="79" creationId="{00000000-0000-0000-0000-000000000000}"/>
-          </ac:graphicFrameMkLst>
-        </pc:graphicFrameChg>
-      </pc:sldChg>
-      <pc:sldChg chg="modSp">
-        <pc:chgData name="Eardwulf Ulan" userId="S::18111@my.sanctamaria.school.nz::22607890-71d4-4bf2-b097-b426e6c19788" providerId="AD" clId="Web-{597EAEB2-F50F-160F-61EB-A2437C088CEE}" dt="2023-05-18T00:12:10.015" v="92"/>
-        <pc:sldMkLst>
-          <pc:docMk/>
-          <pc:sldMk cId="1713692142" sldId="269"/>
-        </pc:sldMkLst>
-        <pc:graphicFrameChg chg="mod modGraphic">
-          <ac:chgData name="Eardwulf Ulan" userId="S::18111@my.sanctamaria.school.nz::22607890-71d4-4bf2-b097-b426e6c19788" providerId="AD" clId="Web-{597EAEB2-F50F-160F-61EB-A2437C088CEE}" dt="2023-05-18T00:12:10.015" v="92"/>
-          <ac:graphicFrameMkLst>
-            <pc:docMk/>
-            <pc:sldMk cId="1713692142" sldId="269"/>
-            <ac:graphicFrameMk id="79" creationId="{00000000-0000-0000-0000-000000000000}"/>
-          </ac:graphicFrameMkLst>
-        </pc:graphicFrameChg>
-      </pc:sldChg>
-      <pc:sldChg chg="addSp modSp">
-        <pc:chgData name="Eardwulf Ulan" userId="S::18111@my.sanctamaria.school.nz::22607890-71d4-4bf2-b097-b426e6c19788" providerId="AD" clId="Web-{597EAEB2-F50F-160F-61EB-A2437C088CEE}" dt="2023-05-18T00:12:17.453" v="104"/>
-        <pc:sldMkLst>
-          <pc:docMk/>
-          <pc:sldMk cId="1744829088" sldId="271"/>
-        </pc:sldMkLst>
-        <pc:spChg chg="add mod">
-          <ac:chgData name="Eardwulf Ulan" userId="S::18111@my.sanctamaria.school.nz::22607890-71d4-4bf2-b097-b426e6c19788" providerId="AD" clId="Web-{597EAEB2-F50F-160F-61EB-A2437C088CEE}" dt="2023-05-18T00:09:35.291" v="27" actId="1076"/>
-          <ac:spMkLst>
-            <pc:docMk/>
-            <pc:sldMk cId="1744829088" sldId="271"/>
-            <ac:spMk id="5" creationId="{90F5EE74-B6EB-BA14-5B25-0D2113AFF263}"/>
-          </ac:spMkLst>
-        </pc:spChg>
-        <pc:spChg chg="add mod">
-          <ac:chgData name="Eardwulf Ulan" userId="S::18111@my.sanctamaria.school.nz::22607890-71d4-4bf2-b097-b426e6c19788" providerId="AD" clId="Web-{597EAEB2-F50F-160F-61EB-A2437C088CEE}" dt="2023-05-18T00:09:53.760" v="35" actId="14100"/>
-          <ac:spMkLst>
-            <pc:docMk/>
-            <pc:sldMk cId="1744829088" sldId="271"/>
-            <ac:spMk id="6" creationId="{E3F9A34D-F561-BE90-58AE-A0B824329799}"/>
-          </ac:spMkLst>
-        </pc:spChg>
-        <pc:graphicFrameChg chg="mod modGraphic">
-          <ac:chgData name="Eardwulf Ulan" userId="S::18111@my.sanctamaria.school.nz::22607890-71d4-4bf2-b097-b426e6c19788" providerId="AD" clId="Web-{597EAEB2-F50F-160F-61EB-A2437C088CEE}" dt="2023-05-18T00:12:17.453" v="104"/>
-          <ac:graphicFrameMkLst>
-            <pc:docMk/>
-            <pc:sldMk cId="1744829088" sldId="271"/>
-            <ac:graphicFrameMk id="79" creationId="{00000000-0000-0000-0000-000000000000}"/>
-          </ac:graphicFrameMkLst>
-        </pc:graphicFrameChg>
-        <pc:picChg chg="mod">
-          <ac:chgData name="Eardwulf Ulan" userId="S::18111@my.sanctamaria.school.nz::22607890-71d4-4bf2-b097-b426e6c19788" providerId="AD" clId="Web-{597EAEB2-F50F-160F-61EB-A2437C088CEE}" dt="2023-05-18T00:08:38.585" v="8" actId="1076"/>
-          <ac:picMkLst>
-            <pc:docMk/>
-            <pc:sldMk cId="1744829088" sldId="271"/>
-            <ac:picMk id="2" creationId="{B56E88FD-1437-5CE3-DB07-3D1049B39886}"/>
-          </ac:picMkLst>
-        </pc:picChg>
-        <pc:picChg chg="mod">
-          <ac:chgData name="Eardwulf Ulan" userId="S::18111@my.sanctamaria.school.nz::22607890-71d4-4bf2-b097-b426e6c19788" providerId="AD" clId="Web-{597EAEB2-F50F-160F-61EB-A2437C088CEE}" dt="2023-05-18T00:08:25.522" v="4" actId="1076"/>
-          <ac:picMkLst>
-            <pc:docMk/>
-            <pc:sldMk cId="1744829088" sldId="271"/>
-            <ac:picMk id="3" creationId="{C1ABCF39-DA20-BF54-AF3D-5898B138441A}"/>
-          </ac:picMkLst>
-        </pc:picChg>
-        <pc:picChg chg="add mod">
-          <ac:chgData name="Eardwulf Ulan" userId="S::18111@my.sanctamaria.school.nz::22607890-71d4-4bf2-b097-b426e6c19788" providerId="AD" clId="Web-{597EAEB2-F50F-160F-61EB-A2437C088CEE}" dt="2023-05-18T00:08:36.523" v="7" actId="1076"/>
-          <ac:picMkLst>
-            <pc:docMk/>
-            <pc:sldMk cId="1744829088" sldId="271"/>
-            <ac:picMk id="4" creationId="{3BC4EC35-42FC-1134-F922-409FA29628BB}"/>
-          </ac:picMkLst>
-        </pc:picChg>
-      </pc:sldChg>
-    </pc:docChg>
-  </pc:docChgLst>
-  <pc:docChgLst>
-    <pc:chgData name="Eardwulf Ulan" userId="S::18111@my.sanctamaria.school.nz::22607890-71d4-4bf2-b097-b426e6c19788" providerId="AD" clId="Web-{DC01E7D0-ECC4-24C5-E5BE-DE2A9FB64150}"/>
-    <pc:docChg chg="addSld modSld sldOrd modSection">
-      <pc:chgData name="Eardwulf Ulan" userId="S::18111@my.sanctamaria.school.nz::22607890-71d4-4bf2-b097-b426e6c19788" providerId="AD" clId="Web-{DC01E7D0-ECC4-24C5-E5BE-DE2A9FB64150}" dt="2023-05-17T10:21:52.792" v="44" actId="20577"/>
-      <pc:docMkLst>
-        <pc:docMk/>
-      </pc:docMkLst>
-      <pc:sldChg chg="addSp modSp">
-        <pc:chgData name="Eardwulf Ulan" userId="S::18111@my.sanctamaria.school.nz::22607890-71d4-4bf2-b097-b426e6c19788" providerId="AD" clId="Web-{DC01E7D0-ECC4-24C5-E5BE-DE2A9FB64150}" dt="2023-05-17T10:19:41.320" v="42" actId="1076"/>
-        <pc:sldMkLst>
-          <pc:docMk/>
-          <pc:sldMk cId="3048879607" sldId="266"/>
-        </pc:sldMkLst>
-        <pc:graphicFrameChg chg="mod modGraphic">
-          <ac:chgData name="Eardwulf Ulan" userId="S::18111@my.sanctamaria.school.nz::22607890-71d4-4bf2-b097-b426e6c19788" providerId="AD" clId="Web-{DC01E7D0-ECC4-24C5-E5BE-DE2A9FB64150}" dt="2023-05-17T10:19:10.085" v="32"/>
-          <ac:graphicFrameMkLst>
-            <pc:docMk/>
-            <pc:sldMk cId="3048879607" sldId="266"/>
-            <ac:graphicFrameMk id="79" creationId="{00000000-0000-0000-0000-000000000000}"/>
-          </ac:graphicFrameMkLst>
-        </pc:graphicFrameChg>
-        <pc:picChg chg="add mod">
-          <ac:chgData name="Eardwulf Ulan" userId="S::18111@my.sanctamaria.school.nz::22607890-71d4-4bf2-b097-b426e6c19788" providerId="AD" clId="Web-{DC01E7D0-ECC4-24C5-E5BE-DE2A9FB64150}" dt="2023-05-17T10:19:41.320" v="42" actId="1076"/>
-          <ac:picMkLst>
-            <pc:docMk/>
-            <pc:sldMk cId="3048879607" sldId="266"/>
-            <ac:picMk id="2" creationId="{9BDDC0F9-6AE4-4EE0-1C40-B0BA8AD63F9A}"/>
-          </ac:picMkLst>
-        </pc:picChg>
-        <pc:picChg chg="add mod">
-          <ac:chgData name="Eardwulf Ulan" userId="S::18111@my.sanctamaria.school.nz::22607890-71d4-4bf2-b097-b426e6c19788" providerId="AD" clId="Web-{DC01E7D0-ECC4-24C5-E5BE-DE2A9FB64150}" dt="2023-05-17T10:19:36.945" v="41" actId="1076"/>
-          <ac:picMkLst>
-            <pc:docMk/>
-            <pc:sldMk cId="3048879607" sldId="266"/>
-            <ac:picMk id="3" creationId="{C119085B-8D6B-D96A-A128-A62B3C6E9217}"/>
-          </ac:picMkLst>
-        </pc:picChg>
-      </pc:sldChg>
-      <pc:sldChg chg="addSp modSp">
-        <pc:chgData name="Eardwulf Ulan" userId="S::18111@my.sanctamaria.school.nz::22607890-71d4-4bf2-b097-b426e6c19788" providerId="AD" clId="Web-{DC01E7D0-ECC4-24C5-E5BE-DE2A9FB64150}" dt="2023-05-17T10:15:06.638" v="17" actId="14100"/>
-        <pc:sldMkLst>
-          <pc:docMk/>
-          <pc:sldMk cId="578345274" sldId="267"/>
-        </pc:sldMkLst>
-        <pc:spChg chg="mod">
-          <ac:chgData name="Eardwulf Ulan" userId="S::18111@my.sanctamaria.school.nz::22607890-71d4-4bf2-b097-b426e6c19788" providerId="AD" clId="Web-{DC01E7D0-ECC4-24C5-E5BE-DE2A9FB64150}" dt="2023-05-17T10:13:57.370" v="2" actId="20577"/>
-          <ac:spMkLst>
-            <pc:docMk/>
-            <pc:sldMk cId="578345274" sldId="267"/>
-            <ac:spMk id="73" creationId="{00000000-0000-0000-0000-000000000000}"/>
-          </ac:spMkLst>
-        </pc:spChg>
-        <pc:picChg chg="add mod">
-          <ac:chgData name="Eardwulf Ulan" userId="S::18111@my.sanctamaria.school.nz::22607890-71d4-4bf2-b097-b426e6c19788" providerId="AD" clId="Web-{DC01E7D0-ECC4-24C5-E5BE-DE2A9FB64150}" dt="2023-05-17T10:15:06.638" v="17" actId="14100"/>
-          <ac:picMkLst>
-            <pc:docMk/>
-            <pc:sldMk cId="578345274" sldId="267"/>
-            <ac:picMk id="2" creationId="{EA1F0CD1-3449-0507-DE35-16F879065109}"/>
-          </ac:picMkLst>
-        </pc:picChg>
-      </pc:sldChg>
-      <pc:sldChg chg="modSp">
-        <pc:chgData name="Eardwulf Ulan" userId="S::18111@my.sanctamaria.school.nz::22607890-71d4-4bf2-b097-b426e6c19788" providerId="AD" clId="Web-{DC01E7D0-ECC4-24C5-E5BE-DE2A9FB64150}" dt="2023-05-17T10:21:52.792" v="44" actId="20577"/>
-        <pc:sldMkLst>
-          <pc:docMk/>
-          <pc:sldMk cId="638340319" sldId="268"/>
-        </pc:sldMkLst>
-        <pc:spChg chg="mod">
-          <ac:chgData name="Eardwulf Ulan" userId="S::18111@my.sanctamaria.school.nz::22607890-71d4-4bf2-b097-b426e6c19788" providerId="AD" clId="Web-{DC01E7D0-ECC4-24C5-E5BE-DE2A9FB64150}" dt="2023-05-17T10:21:52.792" v="44" actId="20577"/>
-          <ac:spMkLst>
-            <pc:docMk/>
-            <pc:sldMk cId="638340319" sldId="268"/>
-            <ac:spMk id="73" creationId="{00000000-0000-0000-0000-000000000000}"/>
-          </ac:spMkLst>
-        </pc:spChg>
-      </pc:sldChg>
-      <pc:sldChg chg="add ord replId">
-        <pc:chgData name="Eardwulf Ulan" userId="S::18111@my.sanctamaria.school.nz::22607890-71d4-4bf2-b097-b426e6c19788" providerId="AD" clId="Web-{DC01E7D0-ECC4-24C5-E5BE-DE2A9FB64150}" dt="2023-05-17T10:15:19.393" v="20"/>
-        <pc:sldMkLst>
-          <pc:docMk/>
-          <pc:sldMk cId="2125486748" sldId="270"/>
-        </pc:sldMkLst>
-      </pc:sldChg>
-      <pc:sldChg chg="add replId">
-        <pc:chgData name="Eardwulf Ulan" userId="S::18111@my.sanctamaria.school.nz::22607890-71d4-4bf2-b097-b426e6c19788" providerId="AD" clId="Web-{DC01E7D0-ECC4-24C5-E5BE-DE2A9FB64150}" dt="2023-05-17T10:15:17.435" v="19"/>
-        <pc:sldMkLst>
-          <pc:docMk/>
-          <pc:sldMk cId="1744829088" sldId="271"/>
-        </pc:sldMkLst>
-      </pc:sldChg>
-    </pc:docChg>
-  </pc:docChgLst>
-  <pc:docChgLst>
     <pc:chgData name="Eardwulf Ulan" userId="S::18111@my.sanctamaria.school.nz::22607890-71d4-4bf2-b097-b426e6c19788" providerId="AD" clId="Web-{EEA164D0-AAA0-D66E-99E2-4DAFD6A87FD6}"/>
     <pc:docChg chg="addSld modSld sldOrd modSection">
-      <pc:chgData name="Eardwulf Ulan" userId="S::18111@my.sanctamaria.school.nz::22607890-71d4-4bf2-b097-b426e6c19788" providerId="AD" clId="Web-{EEA164D0-AAA0-D66E-99E2-4DAFD6A87FD6}" dt="2023-05-18T09:29:03.585" v="386"/>
+      <pc:chgData name="Eardwulf Ulan" userId="S::18111@my.sanctamaria.school.nz::22607890-71d4-4bf2-b097-b426e6c19788" providerId="AD" clId="Web-{EEA164D0-AAA0-D66E-99E2-4DAFD6A87FD6}" dt="2023-05-18T10:08:26.858" v="393" actId="1076"/>
       <pc:docMkLst>
         <pc:docMk/>
       </pc:docMkLst>
@@ -792,8 +606,8 @@
           </ac:picMkLst>
         </pc:picChg>
       </pc:sldChg>
-      <pc:sldChg chg="modSp add ord replId">
-        <pc:chgData name="Eardwulf Ulan" userId="S::18111@my.sanctamaria.school.nz::22607890-71d4-4bf2-b097-b426e6c19788" providerId="AD" clId="Web-{EEA164D0-AAA0-D66E-99E2-4DAFD6A87FD6}" dt="2023-05-18T09:20:20.915" v="290" actId="20577"/>
+      <pc:sldChg chg="addSp modSp add ord replId">
+        <pc:chgData name="Eardwulf Ulan" userId="S::18111@my.sanctamaria.school.nz::22607890-71d4-4bf2-b097-b426e6c19788" providerId="AD" clId="Web-{EEA164D0-AAA0-D66E-99E2-4DAFD6A87FD6}" dt="2023-05-18T10:08:26.858" v="393" actId="1076"/>
         <pc:sldMkLst>
           <pc:docMk/>
           <pc:sldMk cId="3902562159" sldId="276"/>
@@ -806,6 +620,14 @@
             <ac:spMk id="73" creationId="{00000000-0000-0000-0000-000000000000}"/>
           </ac:spMkLst>
         </pc:spChg>
+        <pc:picChg chg="add mod">
+          <ac:chgData name="Eardwulf Ulan" userId="S::18111@my.sanctamaria.school.nz::22607890-71d4-4bf2-b097-b426e6c19788" providerId="AD" clId="Web-{EEA164D0-AAA0-D66E-99E2-4DAFD6A87FD6}" dt="2023-05-18T10:08:26.858" v="393" actId="1076"/>
+          <ac:picMkLst>
+            <pc:docMk/>
+            <pc:sldMk cId="3902562159" sldId="276"/>
+            <ac:picMk id="2" creationId="{1710DD43-507B-6475-1427-66648A62A501}"/>
+          </ac:picMkLst>
+        </pc:picChg>
       </pc:sldChg>
       <pc:sldChg chg="addSp modSp add replId">
         <pc:chgData name="Eardwulf Ulan" userId="S::18111@my.sanctamaria.school.nz::22607890-71d4-4bf2-b097-b426e6c19788" providerId="AD" clId="Web-{EEA164D0-AAA0-D66E-99E2-4DAFD6A87FD6}" dt="2023-05-18T09:28:52.491" v="381" actId="1076"/>
@@ -897,6 +719,192 @@
           <pc:docMk/>
           <pc:sldMk cId="3748886745" sldId="281"/>
         </pc:sldMkLst>
+      </pc:sldChg>
+    </pc:docChg>
+  </pc:docChgLst>
+  <pc:docChgLst>
+    <pc:chgData name="Eardwulf Ulan" userId="S::18111@my.sanctamaria.school.nz::22607890-71d4-4bf2-b097-b426e6c19788" providerId="AD" clId="Web-{DC01E7D0-ECC4-24C5-E5BE-DE2A9FB64150}"/>
+    <pc:docChg chg="addSld modSld sldOrd modSection">
+      <pc:chgData name="Eardwulf Ulan" userId="S::18111@my.sanctamaria.school.nz::22607890-71d4-4bf2-b097-b426e6c19788" providerId="AD" clId="Web-{DC01E7D0-ECC4-24C5-E5BE-DE2A9FB64150}" dt="2023-05-17T10:21:52.792" v="44" actId="20577"/>
+      <pc:docMkLst>
+        <pc:docMk/>
+      </pc:docMkLst>
+      <pc:sldChg chg="addSp modSp">
+        <pc:chgData name="Eardwulf Ulan" userId="S::18111@my.sanctamaria.school.nz::22607890-71d4-4bf2-b097-b426e6c19788" providerId="AD" clId="Web-{DC01E7D0-ECC4-24C5-E5BE-DE2A9FB64150}" dt="2023-05-17T10:19:41.320" v="42" actId="1076"/>
+        <pc:sldMkLst>
+          <pc:docMk/>
+          <pc:sldMk cId="3048879607" sldId="266"/>
+        </pc:sldMkLst>
+        <pc:graphicFrameChg chg="mod modGraphic">
+          <ac:chgData name="Eardwulf Ulan" userId="S::18111@my.sanctamaria.school.nz::22607890-71d4-4bf2-b097-b426e6c19788" providerId="AD" clId="Web-{DC01E7D0-ECC4-24C5-E5BE-DE2A9FB64150}" dt="2023-05-17T10:19:10.085" v="32"/>
+          <ac:graphicFrameMkLst>
+            <pc:docMk/>
+            <pc:sldMk cId="3048879607" sldId="266"/>
+            <ac:graphicFrameMk id="79" creationId="{00000000-0000-0000-0000-000000000000}"/>
+          </ac:graphicFrameMkLst>
+        </pc:graphicFrameChg>
+        <pc:picChg chg="add mod">
+          <ac:chgData name="Eardwulf Ulan" userId="S::18111@my.sanctamaria.school.nz::22607890-71d4-4bf2-b097-b426e6c19788" providerId="AD" clId="Web-{DC01E7D0-ECC4-24C5-E5BE-DE2A9FB64150}" dt="2023-05-17T10:19:41.320" v="42" actId="1076"/>
+          <ac:picMkLst>
+            <pc:docMk/>
+            <pc:sldMk cId="3048879607" sldId="266"/>
+            <ac:picMk id="2" creationId="{9BDDC0F9-6AE4-4EE0-1C40-B0BA8AD63F9A}"/>
+          </ac:picMkLst>
+        </pc:picChg>
+        <pc:picChg chg="add mod">
+          <ac:chgData name="Eardwulf Ulan" userId="S::18111@my.sanctamaria.school.nz::22607890-71d4-4bf2-b097-b426e6c19788" providerId="AD" clId="Web-{DC01E7D0-ECC4-24C5-E5BE-DE2A9FB64150}" dt="2023-05-17T10:19:36.945" v="41" actId="1076"/>
+          <ac:picMkLst>
+            <pc:docMk/>
+            <pc:sldMk cId="3048879607" sldId="266"/>
+            <ac:picMk id="3" creationId="{C119085B-8D6B-D96A-A128-A62B3C6E9217}"/>
+          </ac:picMkLst>
+        </pc:picChg>
+      </pc:sldChg>
+      <pc:sldChg chg="addSp modSp">
+        <pc:chgData name="Eardwulf Ulan" userId="S::18111@my.sanctamaria.school.nz::22607890-71d4-4bf2-b097-b426e6c19788" providerId="AD" clId="Web-{DC01E7D0-ECC4-24C5-E5BE-DE2A9FB64150}" dt="2023-05-17T10:15:06.638" v="17" actId="14100"/>
+        <pc:sldMkLst>
+          <pc:docMk/>
+          <pc:sldMk cId="578345274" sldId="267"/>
+        </pc:sldMkLst>
+        <pc:spChg chg="mod">
+          <ac:chgData name="Eardwulf Ulan" userId="S::18111@my.sanctamaria.school.nz::22607890-71d4-4bf2-b097-b426e6c19788" providerId="AD" clId="Web-{DC01E7D0-ECC4-24C5-E5BE-DE2A9FB64150}" dt="2023-05-17T10:13:57.370" v="2" actId="20577"/>
+          <ac:spMkLst>
+            <pc:docMk/>
+            <pc:sldMk cId="578345274" sldId="267"/>
+            <ac:spMk id="73" creationId="{00000000-0000-0000-0000-000000000000}"/>
+          </ac:spMkLst>
+        </pc:spChg>
+        <pc:picChg chg="add mod">
+          <ac:chgData name="Eardwulf Ulan" userId="S::18111@my.sanctamaria.school.nz::22607890-71d4-4bf2-b097-b426e6c19788" providerId="AD" clId="Web-{DC01E7D0-ECC4-24C5-E5BE-DE2A9FB64150}" dt="2023-05-17T10:15:06.638" v="17" actId="14100"/>
+          <ac:picMkLst>
+            <pc:docMk/>
+            <pc:sldMk cId="578345274" sldId="267"/>
+            <ac:picMk id="2" creationId="{EA1F0CD1-3449-0507-DE35-16F879065109}"/>
+          </ac:picMkLst>
+        </pc:picChg>
+      </pc:sldChg>
+      <pc:sldChg chg="modSp">
+        <pc:chgData name="Eardwulf Ulan" userId="S::18111@my.sanctamaria.school.nz::22607890-71d4-4bf2-b097-b426e6c19788" providerId="AD" clId="Web-{DC01E7D0-ECC4-24C5-E5BE-DE2A9FB64150}" dt="2023-05-17T10:21:52.792" v="44" actId="20577"/>
+        <pc:sldMkLst>
+          <pc:docMk/>
+          <pc:sldMk cId="638340319" sldId="268"/>
+        </pc:sldMkLst>
+        <pc:spChg chg="mod">
+          <ac:chgData name="Eardwulf Ulan" userId="S::18111@my.sanctamaria.school.nz::22607890-71d4-4bf2-b097-b426e6c19788" providerId="AD" clId="Web-{DC01E7D0-ECC4-24C5-E5BE-DE2A9FB64150}" dt="2023-05-17T10:21:52.792" v="44" actId="20577"/>
+          <ac:spMkLst>
+            <pc:docMk/>
+            <pc:sldMk cId="638340319" sldId="268"/>
+            <ac:spMk id="73" creationId="{00000000-0000-0000-0000-000000000000}"/>
+          </ac:spMkLst>
+        </pc:spChg>
+      </pc:sldChg>
+      <pc:sldChg chg="add ord replId">
+        <pc:chgData name="Eardwulf Ulan" userId="S::18111@my.sanctamaria.school.nz::22607890-71d4-4bf2-b097-b426e6c19788" providerId="AD" clId="Web-{DC01E7D0-ECC4-24C5-E5BE-DE2A9FB64150}" dt="2023-05-17T10:15:19.393" v="20"/>
+        <pc:sldMkLst>
+          <pc:docMk/>
+          <pc:sldMk cId="2125486748" sldId="270"/>
+        </pc:sldMkLst>
+      </pc:sldChg>
+      <pc:sldChg chg="add replId">
+        <pc:chgData name="Eardwulf Ulan" userId="S::18111@my.sanctamaria.school.nz::22607890-71d4-4bf2-b097-b426e6c19788" providerId="AD" clId="Web-{DC01E7D0-ECC4-24C5-E5BE-DE2A9FB64150}" dt="2023-05-17T10:15:17.435" v="19"/>
+        <pc:sldMkLst>
+          <pc:docMk/>
+          <pc:sldMk cId="1744829088" sldId="271"/>
+        </pc:sldMkLst>
+      </pc:sldChg>
+    </pc:docChg>
+  </pc:docChgLst>
+  <pc:docChgLst>
+    <pc:chgData name="Eardwulf Ulan" userId="S::18111@my.sanctamaria.school.nz::22607890-71d4-4bf2-b097-b426e6c19788" providerId="AD" clId="Web-{597EAEB2-F50F-160F-61EB-A2437C088CEE}"/>
+    <pc:docChg chg="modSld">
+      <pc:chgData name="Eardwulf Ulan" userId="S::18111@my.sanctamaria.school.nz::22607890-71d4-4bf2-b097-b426e6c19788" providerId="AD" clId="Web-{597EAEB2-F50F-160F-61EB-A2437C088CEE}" dt="2023-05-18T00:12:17.453" v="104"/>
+      <pc:docMkLst>
+        <pc:docMk/>
+      </pc:docMkLst>
+      <pc:sldChg chg="modSp">
+        <pc:chgData name="Eardwulf Ulan" userId="S::18111@my.sanctamaria.school.nz::22607890-71d4-4bf2-b097-b426e6c19788" providerId="AD" clId="Web-{597EAEB2-F50F-160F-61EB-A2437C088CEE}" dt="2023-05-18T00:12:00.686" v="90"/>
+        <pc:sldMkLst>
+          <pc:docMk/>
+          <pc:sldMk cId="3048879607" sldId="266"/>
+        </pc:sldMkLst>
+        <pc:graphicFrameChg chg="mod modGraphic">
+          <ac:chgData name="Eardwulf Ulan" userId="S::18111@my.sanctamaria.school.nz::22607890-71d4-4bf2-b097-b426e6c19788" providerId="AD" clId="Web-{597EAEB2-F50F-160F-61EB-A2437C088CEE}" dt="2023-05-18T00:12:00.686" v="90"/>
+          <ac:graphicFrameMkLst>
+            <pc:docMk/>
+            <pc:sldMk cId="3048879607" sldId="266"/>
+            <ac:graphicFrameMk id="79" creationId="{00000000-0000-0000-0000-000000000000}"/>
+          </ac:graphicFrameMkLst>
+        </pc:graphicFrameChg>
+      </pc:sldChg>
+      <pc:sldChg chg="modSp">
+        <pc:chgData name="Eardwulf Ulan" userId="S::18111@my.sanctamaria.school.nz::22607890-71d4-4bf2-b097-b426e6c19788" providerId="AD" clId="Web-{597EAEB2-F50F-160F-61EB-A2437C088CEE}" dt="2023-05-18T00:12:10.015" v="92"/>
+        <pc:sldMkLst>
+          <pc:docMk/>
+          <pc:sldMk cId="1713692142" sldId="269"/>
+        </pc:sldMkLst>
+        <pc:graphicFrameChg chg="mod modGraphic">
+          <ac:chgData name="Eardwulf Ulan" userId="S::18111@my.sanctamaria.school.nz::22607890-71d4-4bf2-b097-b426e6c19788" providerId="AD" clId="Web-{597EAEB2-F50F-160F-61EB-A2437C088CEE}" dt="2023-05-18T00:12:10.015" v="92"/>
+          <ac:graphicFrameMkLst>
+            <pc:docMk/>
+            <pc:sldMk cId="1713692142" sldId="269"/>
+            <ac:graphicFrameMk id="79" creationId="{00000000-0000-0000-0000-000000000000}"/>
+          </ac:graphicFrameMkLst>
+        </pc:graphicFrameChg>
+      </pc:sldChg>
+      <pc:sldChg chg="addSp modSp">
+        <pc:chgData name="Eardwulf Ulan" userId="S::18111@my.sanctamaria.school.nz::22607890-71d4-4bf2-b097-b426e6c19788" providerId="AD" clId="Web-{597EAEB2-F50F-160F-61EB-A2437C088CEE}" dt="2023-05-18T00:12:17.453" v="104"/>
+        <pc:sldMkLst>
+          <pc:docMk/>
+          <pc:sldMk cId="1744829088" sldId="271"/>
+        </pc:sldMkLst>
+        <pc:spChg chg="add mod">
+          <ac:chgData name="Eardwulf Ulan" userId="S::18111@my.sanctamaria.school.nz::22607890-71d4-4bf2-b097-b426e6c19788" providerId="AD" clId="Web-{597EAEB2-F50F-160F-61EB-A2437C088CEE}" dt="2023-05-18T00:09:35.291" v="27" actId="1076"/>
+          <ac:spMkLst>
+            <pc:docMk/>
+            <pc:sldMk cId="1744829088" sldId="271"/>
+            <ac:spMk id="5" creationId="{90F5EE74-B6EB-BA14-5B25-0D2113AFF263}"/>
+          </ac:spMkLst>
+        </pc:spChg>
+        <pc:spChg chg="add mod">
+          <ac:chgData name="Eardwulf Ulan" userId="S::18111@my.sanctamaria.school.nz::22607890-71d4-4bf2-b097-b426e6c19788" providerId="AD" clId="Web-{597EAEB2-F50F-160F-61EB-A2437C088CEE}" dt="2023-05-18T00:09:53.760" v="35" actId="14100"/>
+          <ac:spMkLst>
+            <pc:docMk/>
+            <pc:sldMk cId="1744829088" sldId="271"/>
+            <ac:spMk id="6" creationId="{E3F9A34D-F561-BE90-58AE-A0B824329799}"/>
+          </ac:spMkLst>
+        </pc:spChg>
+        <pc:graphicFrameChg chg="mod modGraphic">
+          <ac:chgData name="Eardwulf Ulan" userId="S::18111@my.sanctamaria.school.nz::22607890-71d4-4bf2-b097-b426e6c19788" providerId="AD" clId="Web-{597EAEB2-F50F-160F-61EB-A2437C088CEE}" dt="2023-05-18T00:12:17.453" v="104"/>
+          <ac:graphicFrameMkLst>
+            <pc:docMk/>
+            <pc:sldMk cId="1744829088" sldId="271"/>
+            <ac:graphicFrameMk id="79" creationId="{00000000-0000-0000-0000-000000000000}"/>
+          </ac:graphicFrameMkLst>
+        </pc:graphicFrameChg>
+        <pc:picChg chg="mod">
+          <ac:chgData name="Eardwulf Ulan" userId="S::18111@my.sanctamaria.school.nz::22607890-71d4-4bf2-b097-b426e6c19788" providerId="AD" clId="Web-{597EAEB2-F50F-160F-61EB-A2437C088CEE}" dt="2023-05-18T00:08:38.585" v="8" actId="1076"/>
+          <ac:picMkLst>
+            <pc:docMk/>
+            <pc:sldMk cId="1744829088" sldId="271"/>
+            <ac:picMk id="2" creationId="{B56E88FD-1437-5CE3-DB07-3D1049B39886}"/>
+          </ac:picMkLst>
+        </pc:picChg>
+        <pc:picChg chg="mod">
+          <ac:chgData name="Eardwulf Ulan" userId="S::18111@my.sanctamaria.school.nz::22607890-71d4-4bf2-b097-b426e6c19788" providerId="AD" clId="Web-{597EAEB2-F50F-160F-61EB-A2437C088CEE}" dt="2023-05-18T00:08:25.522" v="4" actId="1076"/>
+          <ac:picMkLst>
+            <pc:docMk/>
+            <pc:sldMk cId="1744829088" sldId="271"/>
+            <ac:picMk id="3" creationId="{C1ABCF39-DA20-BF54-AF3D-5898B138441A}"/>
+          </ac:picMkLst>
+        </pc:picChg>
+        <pc:picChg chg="add mod">
+          <ac:chgData name="Eardwulf Ulan" userId="S::18111@my.sanctamaria.school.nz::22607890-71d4-4bf2-b097-b426e6c19788" providerId="AD" clId="Web-{597EAEB2-F50F-160F-61EB-A2437C088CEE}" dt="2023-05-18T00:08:36.523" v="7" actId="1076"/>
+          <ac:picMkLst>
+            <pc:docMk/>
+            <pc:sldMk cId="1744829088" sldId="271"/>
+            <ac:picMk id="4" creationId="{3BC4EC35-42FC-1134-F922-409FA29628BB}"/>
+          </ac:picMkLst>
+        </pc:picChg>
       </pc:sldChg>
     </pc:docChg>
   </pc:docChgLst>
@@ -12627,6 +12635,36 @@
           </a:p>
         </p:txBody>
       </p:sp>
+      <p:pic>
+        <p:nvPicPr>
+          <p:cNvPr id="2" name="Picture 2" descr="Graphical user interface, application&#10;&#10;Description automatically generated">
+            <a:extLst>
+              <a:ext uri="{FF2B5EF4-FFF2-40B4-BE49-F238E27FC236}">
+                <a16:creationId xmlns:a16="http://schemas.microsoft.com/office/drawing/2014/main" id="{1710DD43-507B-6475-1427-66648A62A501}"/>
+              </a:ext>
+            </a:extLst>
+          </p:cNvPr>
+          <p:cNvPicPr>
+            <a:picLocks noChangeAspect="1"/>
+          </p:cNvPicPr>
+          <p:nvPr/>
+        </p:nvPicPr>
+        <p:blipFill>
+          <a:blip r:embed="rId3"/>
+          <a:stretch>
+            <a:fillRect/>
+          </a:stretch>
+        </p:blipFill>
+        <p:spPr>
+          <a:xfrm>
+            <a:off x="2531327" y="1071048"/>
+            <a:ext cx="4081346" cy="3970165"/>
+          </a:xfrm>
+          <a:prstGeom prst="rect">
+            <a:avLst/>
+          </a:prstGeom>
+        </p:spPr>
+      </p:pic>
     </p:spTree>
     <p:extLst>
       <p:ext uri="{BB962C8B-B14F-4D97-AF65-F5344CB8AC3E}">
@@ -15876,14 +15914,6 @@
 </file>
 
 <file path=customXml/item1.xml><?xml version="1.0" encoding="utf-8"?>
-<p:properties xmlns:p="http://schemas.microsoft.com/office/2006/metadata/properties" xmlns:xsi="http://www.w3.org/2001/XMLSchema-instance" xmlns:pc="http://schemas.microsoft.com/office/infopath/2007/PartnerControls">
-  <documentManagement>
-    <_activity xmlns="2b310483-19ef-4f1a-8666-427aba7c04f4" xsi:nil="true"/>
-  </documentManagement>
-</p:properties>
-</file>
-
-<file path=customXml/item2.xml><?xml version="1.0" encoding="utf-8"?>
 <ct:contentTypeSchema xmlns:ct="http://schemas.microsoft.com/office/2006/metadata/contentType" xmlns:ma="http://schemas.microsoft.com/office/2006/metadata/properties/metaAttributes" ct:_="" ma:_="" ma:contentTypeName="Document" ma:contentTypeID="0x010100024DC8DFD6C93447A9C11B519434E451" ma:contentTypeVersion="13" ma:contentTypeDescription="Create a new document." ma:contentTypeScope="" ma:versionID="d78c653d52c678877916f644d9003a4b">
   <xsd:schema xmlns:xsd="http://www.w3.org/2001/XMLSchema" xmlns:xs="http://www.w3.org/2001/XMLSchema" xmlns:p="http://schemas.microsoft.com/office/2006/metadata/properties" xmlns:ns3="2b310483-19ef-4f1a-8666-427aba7c04f4" xmlns:ns4="d316a0db-0591-438e-8093-79f3efde1904" targetNamespace="http://schemas.microsoft.com/office/2006/metadata/properties" ma:root="true" ma:fieldsID="b51e56a0bc6a455bf4c7a7bc9489865b" ns3:_="" ns4:_="">
     <xsd:import namespace="2b310483-19ef-4f1a-8666-427aba7c04f4"/>
@@ -16106,6 +16136,14 @@
 </ct:contentTypeSchema>
 </file>
 
+<file path=customXml/item2.xml><?xml version="1.0" encoding="utf-8"?>
+<p:properties xmlns:p="http://schemas.microsoft.com/office/2006/metadata/properties" xmlns:xsi="http://www.w3.org/2001/XMLSchema-instance" xmlns:pc="http://schemas.microsoft.com/office/infopath/2007/PartnerControls">
+  <documentManagement>
+    <_activity xmlns="2b310483-19ef-4f1a-8666-427aba7c04f4" xsi:nil="true"/>
+  </documentManagement>
+</p:properties>
+</file>
+
 <file path=customXml/item3.xml><?xml version="1.0" encoding="utf-8"?>
 <?mso-contentType ?>
 <FormTemplates xmlns="http://schemas.microsoft.com/sharepoint/v3/contenttype/forms">
@@ -16116,23 +16154,6 @@
 </file>
 
 <file path=customXml/itemProps1.xml><?xml version="1.0" encoding="utf-8"?>
-<ds:datastoreItem xmlns:ds="http://schemas.openxmlformats.org/officeDocument/2006/customXml" ds:itemID="{68DCCC3C-0DB3-455E-8505-0D93175A8009}">
-  <ds:schemaRefs>
-    <ds:schemaRef ds:uri="2b310483-19ef-4f1a-8666-427aba7c04f4"/>
-    <ds:schemaRef ds:uri="d316a0db-0591-438e-8093-79f3efde1904"/>
-    <ds:schemaRef ds:uri="http://purl.org/dc/dcmitype/"/>
-    <ds:schemaRef ds:uri="http://purl.org/dc/elements/1.1/"/>
-    <ds:schemaRef ds:uri="http://purl.org/dc/terms/"/>
-    <ds:schemaRef ds:uri="http://schemas.microsoft.com/office/2006/documentManagement/types"/>
-    <ds:schemaRef ds:uri="http://schemas.microsoft.com/office/2006/metadata/properties"/>
-    <ds:schemaRef ds:uri="http://schemas.microsoft.com/office/infopath/2007/PartnerControls"/>
-    <ds:schemaRef ds:uri="http://schemas.openxmlformats.org/package/2006/metadata/core-properties"/>
-    <ds:schemaRef ds:uri="http://www.w3.org/XML/1998/namespace"/>
-  </ds:schemaRefs>
-</ds:datastoreItem>
-</file>
-
-<file path=customXml/itemProps2.xml><?xml version="1.0" encoding="utf-8"?>
 <ds:datastoreItem xmlns:ds="http://schemas.openxmlformats.org/officeDocument/2006/customXml" ds:itemID="{0E32B551-2E7E-4680-9EB8-D0B1C8724946}">
   <ds:schemaRefs>
     <ds:schemaRef ds:uri="2b310483-19ef-4f1a-8666-427aba7c04f4"/>
@@ -16151,6 +16172,23 @@
 </ds:datastoreItem>
 </file>
 
+<file path=customXml/itemProps2.xml><?xml version="1.0" encoding="utf-8"?>
+<ds:datastoreItem xmlns:ds="http://schemas.openxmlformats.org/officeDocument/2006/customXml" ds:itemID="{68DCCC3C-0DB3-455E-8505-0D93175A8009}">
+  <ds:schemaRefs>
+    <ds:schemaRef ds:uri="2b310483-19ef-4f1a-8666-427aba7c04f4"/>
+    <ds:schemaRef ds:uri="d316a0db-0591-438e-8093-79f3efde1904"/>
+    <ds:schemaRef ds:uri="http://purl.org/dc/dcmitype/"/>
+    <ds:schemaRef ds:uri="http://purl.org/dc/elements/1.1/"/>
+    <ds:schemaRef ds:uri="http://purl.org/dc/terms/"/>
+    <ds:schemaRef ds:uri="http://schemas.microsoft.com/office/2006/documentManagement/types"/>
+    <ds:schemaRef ds:uri="http://schemas.microsoft.com/office/2006/metadata/properties"/>
+    <ds:schemaRef ds:uri="http://schemas.microsoft.com/office/infopath/2007/PartnerControls"/>
+    <ds:schemaRef ds:uri="http://schemas.openxmlformats.org/package/2006/metadata/core-properties"/>
+    <ds:schemaRef ds:uri="http://www.w3.org/XML/1998/namespace"/>
+  </ds:schemaRefs>
+</ds:datastoreItem>
+</file>
+
 <file path=customXml/itemProps3.xml><?xml version="1.0" encoding="utf-8"?>
 <ds:datastoreItem xmlns:ds="http://schemas.openxmlformats.org/officeDocument/2006/customXml" ds:itemID="{9B757C8B-782F-4BDF-9F90-4601D3A0F6AF}">
   <ds:schemaRefs>

--- a/pizzapowerpoint.pptx
+++ b/pizzapowerpoint.pptx
@@ -331,6 +331,8 @@
 <p1510:revInfo xmlns:a="http://schemas.openxmlformats.org/drawingml/2006/main" xmlns:r="http://schemas.openxmlformats.org/officeDocument/2006/relationships" xmlns:p1510="http://schemas.microsoft.com/office/powerpoint/2015/10/main">
   <p1510:revLst>
     <p1510:client id="{144C3C78-124B-466C-8FE1-23FD5A90EFF3}" v="4" dt="2023-05-17T09:43:57.921"/>
+    <p1510:client id="{1FCCAD83-6666-5F95-3D45-61F65962B7EE}" v="5" dt="2023-05-22T08:14:10.352"/>
+    <p1510:client id="{27515318-10E0-DD4F-1093-8442A527A48A}" v="287" dt="2023-05-21T03:35:16.226"/>
     <p1510:client id="{2C50332A-7737-936E-7DA5-FCEB92BAE891}" v="714" dt="2023-05-18T00:03:01.235"/>
     <p1510:client id="{597EAEB2-F50F-160F-61EB-A2437C088CEE}" v="129" dt="2023-05-18T00:12:22.906"/>
     <p1510:client id="{6E88F79A-04E8-2644-5D52-BBE8D04264AC}" v="8" dt="2023-05-17T09:17:16.146"/>
@@ -386,6 +388,192 @@
             <ac:picMk id="9" creationId="{8A267450-5119-A659-4930-551991672E7A}"/>
           </ac:picMkLst>
         </pc:picChg>
+      </pc:sldChg>
+    </pc:docChg>
+  </pc:docChgLst>
+  <pc:docChgLst>
+    <pc:chgData name="Eardwulf Ulan" userId="S::18111@my.sanctamaria.school.nz::22607890-71d4-4bf2-b097-b426e6c19788" providerId="AD" clId="Web-{597EAEB2-F50F-160F-61EB-A2437C088CEE}"/>
+    <pc:docChg chg="modSld">
+      <pc:chgData name="Eardwulf Ulan" userId="S::18111@my.sanctamaria.school.nz::22607890-71d4-4bf2-b097-b426e6c19788" providerId="AD" clId="Web-{597EAEB2-F50F-160F-61EB-A2437C088CEE}" dt="2023-05-18T00:12:17.453" v="104"/>
+      <pc:docMkLst>
+        <pc:docMk/>
+      </pc:docMkLst>
+      <pc:sldChg chg="modSp">
+        <pc:chgData name="Eardwulf Ulan" userId="S::18111@my.sanctamaria.school.nz::22607890-71d4-4bf2-b097-b426e6c19788" providerId="AD" clId="Web-{597EAEB2-F50F-160F-61EB-A2437C088CEE}" dt="2023-05-18T00:12:00.686" v="90"/>
+        <pc:sldMkLst>
+          <pc:docMk/>
+          <pc:sldMk cId="3048879607" sldId="266"/>
+        </pc:sldMkLst>
+        <pc:graphicFrameChg chg="mod modGraphic">
+          <ac:chgData name="Eardwulf Ulan" userId="S::18111@my.sanctamaria.school.nz::22607890-71d4-4bf2-b097-b426e6c19788" providerId="AD" clId="Web-{597EAEB2-F50F-160F-61EB-A2437C088CEE}" dt="2023-05-18T00:12:00.686" v="90"/>
+          <ac:graphicFrameMkLst>
+            <pc:docMk/>
+            <pc:sldMk cId="3048879607" sldId="266"/>
+            <ac:graphicFrameMk id="79" creationId="{00000000-0000-0000-0000-000000000000}"/>
+          </ac:graphicFrameMkLst>
+        </pc:graphicFrameChg>
+      </pc:sldChg>
+      <pc:sldChg chg="modSp">
+        <pc:chgData name="Eardwulf Ulan" userId="S::18111@my.sanctamaria.school.nz::22607890-71d4-4bf2-b097-b426e6c19788" providerId="AD" clId="Web-{597EAEB2-F50F-160F-61EB-A2437C088CEE}" dt="2023-05-18T00:12:10.015" v="92"/>
+        <pc:sldMkLst>
+          <pc:docMk/>
+          <pc:sldMk cId="1713692142" sldId="269"/>
+        </pc:sldMkLst>
+        <pc:graphicFrameChg chg="mod modGraphic">
+          <ac:chgData name="Eardwulf Ulan" userId="S::18111@my.sanctamaria.school.nz::22607890-71d4-4bf2-b097-b426e6c19788" providerId="AD" clId="Web-{597EAEB2-F50F-160F-61EB-A2437C088CEE}" dt="2023-05-18T00:12:10.015" v="92"/>
+          <ac:graphicFrameMkLst>
+            <pc:docMk/>
+            <pc:sldMk cId="1713692142" sldId="269"/>
+            <ac:graphicFrameMk id="79" creationId="{00000000-0000-0000-0000-000000000000}"/>
+          </ac:graphicFrameMkLst>
+        </pc:graphicFrameChg>
+      </pc:sldChg>
+      <pc:sldChg chg="addSp modSp">
+        <pc:chgData name="Eardwulf Ulan" userId="S::18111@my.sanctamaria.school.nz::22607890-71d4-4bf2-b097-b426e6c19788" providerId="AD" clId="Web-{597EAEB2-F50F-160F-61EB-A2437C088CEE}" dt="2023-05-18T00:12:17.453" v="104"/>
+        <pc:sldMkLst>
+          <pc:docMk/>
+          <pc:sldMk cId="1744829088" sldId="271"/>
+        </pc:sldMkLst>
+        <pc:spChg chg="add mod">
+          <ac:chgData name="Eardwulf Ulan" userId="S::18111@my.sanctamaria.school.nz::22607890-71d4-4bf2-b097-b426e6c19788" providerId="AD" clId="Web-{597EAEB2-F50F-160F-61EB-A2437C088CEE}" dt="2023-05-18T00:09:35.291" v="27" actId="1076"/>
+          <ac:spMkLst>
+            <pc:docMk/>
+            <pc:sldMk cId="1744829088" sldId="271"/>
+            <ac:spMk id="5" creationId="{90F5EE74-B6EB-BA14-5B25-0D2113AFF263}"/>
+          </ac:spMkLst>
+        </pc:spChg>
+        <pc:spChg chg="add mod">
+          <ac:chgData name="Eardwulf Ulan" userId="S::18111@my.sanctamaria.school.nz::22607890-71d4-4bf2-b097-b426e6c19788" providerId="AD" clId="Web-{597EAEB2-F50F-160F-61EB-A2437C088CEE}" dt="2023-05-18T00:09:53.760" v="35" actId="14100"/>
+          <ac:spMkLst>
+            <pc:docMk/>
+            <pc:sldMk cId="1744829088" sldId="271"/>
+            <ac:spMk id="6" creationId="{E3F9A34D-F561-BE90-58AE-A0B824329799}"/>
+          </ac:spMkLst>
+        </pc:spChg>
+        <pc:graphicFrameChg chg="mod modGraphic">
+          <ac:chgData name="Eardwulf Ulan" userId="S::18111@my.sanctamaria.school.nz::22607890-71d4-4bf2-b097-b426e6c19788" providerId="AD" clId="Web-{597EAEB2-F50F-160F-61EB-A2437C088CEE}" dt="2023-05-18T00:12:17.453" v="104"/>
+          <ac:graphicFrameMkLst>
+            <pc:docMk/>
+            <pc:sldMk cId="1744829088" sldId="271"/>
+            <ac:graphicFrameMk id="79" creationId="{00000000-0000-0000-0000-000000000000}"/>
+          </ac:graphicFrameMkLst>
+        </pc:graphicFrameChg>
+        <pc:picChg chg="mod">
+          <ac:chgData name="Eardwulf Ulan" userId="S::18111@my.sanctamaria.school.nz::22607890-71d4-4bf2-b097-b426e6c19788" providerId="AD" clId="Web-{597EAEB2-F50F-160F-61EB-A2437C088CEE}" dt="2023-05-18T00:08:38.585" v="8" actId="1076"/>
+          <ac:picMkLst>
+            <pc:docMk/>
+            <pc:sldMk cId="1744829088" sldId="271"/>
+            <ac:picMk id="2" creationId="{B56E88FD-1437-5CE3-DB07-3D1049B39886}"/>
+          </ac:picMkLst>
+        </pc:picChg>
+        <pc:picChg chg="mod">
+          <ac:chgData name="Eardwulf Ulan" userId="S::18111@my.sanctamaria.school.nz::22607890-71d4-4bf2-b097-b426e6c19788" providerId="AD" clId="Web-{597EAEB2-F50F-160F-61EB-A2437C088CEE}" dt="2023-05-18T00:08:25.522" v="4" actId="1076"/>
+          <ac:picMkLst>
+            <pc:docMk/>
+            <pc:sldMk cId="1744829088" sldId="271"/>
+            <ac:picMk id="3" creationId="{C1ABCF39-DA20-BF54-AF3D-5898B138441A}"/>
+          </ac:picMkLst>
+        </pc:picChg>
+        <pc:picChg chg="add mod">
+          <ac:chgData name="Eardwulf Ulan" userId="S::18111@my.sanctamaria.school.nz::22607890-71d4-4bf2-b097-b426e6c19788" providerId="AD" clId="Web-{597EAEB2-F50F-160F-61EB-A2437C088CEE}" dt="2023-05-18T00:08:36.523" v="7" actId="1076"/>
+          <ac:picMkLst>
+            <pc:docMk/>
+            <pc:sldMk cId="1744829088" sldId="271"/>
+            <ac:picMk id="4" creationId="{3BC4EC35-42FC-1134-F922-409FA29628BB}"/>
+          </ac:picMkLst>
+        </pc:picChg>
+      </pc:sldChg>
+    </pc:docChg>
+  </pc:docChgLst>
+  <pc:docChgLst>
+    <pc:chgData name="Eardwulf Ulan" userId="S::18111@my.sanctamaria.school.nz::22607890-71d4-4bf2-b097-b426e6c19788" providerId="AD" clId="Web-{DC01E7D0-ECC4-24C5-E5BE-DE2A9FB64150}"/>
+    <pc:docChg chg="addSld modSld sldOrd modSection">
+      <pc:chgData name="Eardwulf Ulan" userId="S::18111@my.sanctamaria.school.nz::22607890-71d4-4bf2-b097-b426e6c19788" providerId="AD" clId="Web-{DC01E7D0-ECC4-24C5-E5BE-DE2A9FB64150}" dt="2023-05-17T10:21:52.792" v="44" actId="20577"/>
+      <pc:docMkLst>
+        <pc:docMk/>
+      </pc:docMkLst>
+      <pc:sldChg chg="addSp modSp">
+        <pc:chgData name="Eardwulf Ulan" userId="S::18111@my.sanctamaria.school.nz::22607890-71d4-4bf2-b097-b426e6c19788" providerId="AD" clId="Web-{DC01E7D0-ECC4-24C5-E5BE-DE2A9FB64150}" dt="2023-05-17T10:19:41.320" v="42" actId="1076"/>
+        <pc:sldMkLst>
+          <pc:docMk/>
+          <pc:sldMk cId="3048879607" sldId="266"/>
+        </pc:sldMkLst>
+        <pc:graphicFrameChg chg="mod modGraphic">
+          <ac:chgData name="Eardwulf Ulan" userId="S::18111@my.sanctamaria.school.nz::22607890-71d4-4bf2-b097-b426e6c19788" providerId="AD" clId="Web-{DC01E7D0-ECC4-24C5-E5BE-DE2A9FB64150}" dt="2023-05-17T10:19:10.085" v="32"/>
+          <ac:graphicFrameMkLst>
+            <pc:docMk/>
+            <pc:sldMk cId="3048879607" sldId="266"/>
+            <ac:graphicFrameMk id="79" creationId="{00000000-0000-0000-0000-000000000000}"/>
+          </ac:graphicFrameMkLst>
+        </pc:graphicFrameChg>
+        <pc:picChg chg="add mod">
+          <ac:chgData name="Eardwulf Ulan" userId="S::18111@my.sanctamaria.school.nz::22607890-71d4-4bf2-b097-b426e6c19788" providerId="AD" clId="Web-{DC01E7D0-ECC4-24C5-E5BE-DE2A9FB64150}" dt="2023-05-17T10:19:41.320" v="42" actId="1076"/>
+          <ac:picMkLst>
+            <pc:docMk/>
+            <pc:sldMk cId="3048879607" sldId="266"/>
+            <ac:picMk id="2" creationId="{9BDDC0F9-6AE4-4EE0-1C40-B0BA8AD63F9A}"/>
+          </ac:picMkLst>
+        </pc:picChg>
+        <pc:picChg chg="add mod">
+          <ac:chgData name="Eardwulf Ulan" userId="S::18111@my.sanctamaria.school.nz::22607890-71d4-4bf2-b097-b426e6c19788" providerId="AD" clId="Web-{DC01E7D0-ECC4-24C5-E5BE-DE2A9FB64150}" dt="2023-05-17T10:19:36.945" v="41" actId="1076"/>
+          <ac:picMkLst>
+            <pc:docMk/>
+            <pc:sldMk cId="3048879607" sldId="266"/>
+            <ac:picMk id="3" creationId="{C119085B-8D6B-D96A-A128-A62B3C6E9217}"/>
+          </ac:picMkLst>
+        </pc:picChg>
+      </pc:sldChg>
+      <pc:sldChg chg="addSp modSp">
+        <pc:chgData name="Eardwulf Ulan" userId="S::18111@my.sanctamaria.school.nz::22607890-71d4-4bf2-b097-b426e6c19788" providerId="AD" clId="Web-{DC01E7D0-ECC4-24C5-E5BE-DE2A9FB64150}" dt="2023-05-17T10:15:06.638" v="17" actId="14100"/>
+        <pc:sldMkLst>
+          <pc:docMk/>
+          <pc:sldMk cId="578345274" sldId="267"/>
+        </pc:sldMkLst>
+        <pc:spChg chg="mod">
+          <ac:chgData name="Eardwulf Ulan" userId="S::18111@my.sanctamaria.school.nz::22607890-71d4-4bf2-b097-b426e6c19788" providerId="AD" clId="Web-{DC01E7D0-ECC4-24C5-E5BE-DE2A9FB64150}" dt="2023-05-17T10:13:57.370" v="2" actId="20577"/>
+          <ac:spMkLst>
+            <pc:docMk/>
+            <pc:sldMk cId="578345274" sldId="267"/>
+            <ac:spMk id="73" creationId="{00000000-0000-0000-0000-000000000000}"/>
+          </ac:spMkLst>
+        </pc:spChg>
+        <pc:picChg chg="add mod">
+          <ac:chgData name="Eardwulf Ulan" userId="S::18111@my.sanctamaria.school.nz::22607890-71d4-4bf2-b097-b426e6c19788" providerId="AD" clId="Web-{DC01E7D0-ECC4-24C5-E5BE-DE2A9FB64150}" dt="2023-05-17T10:15:06.638" v="17" actId="14100"/>
+          <ac:picMkLst>
+            <pc:docMk/>
+            <pc:sldMk cId="578345274" sldId="267"/>
+            <ac:picMk id="2" creationId="{EA1F0CD1-3449-0507-DE35-16F879065109}"/>
+          </ac:picMkLst>
+        </pc:picChg>
+      </pc:sldChg>
+      <pc:sldChg chg="modSp">
+        <pc:chgData name="Eardwulf Ulan" userId="S::18111@my.sanctamaria.school.nz::22607890-71d4-4bf2-b097-b426e6c19788" providerId="AD" clId="Web-{DC01E7D0-ECC4-24C5-E5BE-DE2A9FB64150}" dt="2023-05-17T10:21:52.792" v="44" actId="20577"/>
+        <pc:sldMkLst>
+          <pc:docMk/>
+          <pc:sldMk cId="638340319" sldId="268"/>
+        </pc:sldMkLst>
+        <pc:spChg chg="mod">
+          <ac:chgData name="Eardwulf Ulan" userId="S::18111@my.sanctamaria.school.nz::22607890-71d4-4bf2-b097-b426e6c19788" providerId="AD" clId="Web-{DC01E7D0-ECC4-24C5-E5BE-DE2A9FB64150}" dt="2023-05-17T10:21:52.792" v="44" actId="20577"/>
+          <ac:spMkLst>
+            <pc:docMk/>
+            <pc:sldMk cId="638340319" sldId="268"/>
+            <ac:spMk id="73" creationId="{00000000-0000-0000-0000-000000000000}"/>
+          </ac:spMkLst>
+        </pc:spChg>
+      </pc:sldChg>
+      <pc:sldChg chg="add ord replId">
+        <pc:chgData name="Eardwulf Ulan" userId="S::18111@my.sanctamaria.school.nz::22607890-71d4-4bf2-b097-b426e6c19788" providerId="AD" clId="Web-{DC01E7D0-ECC4-24C5-E5BE-DE2A9FB64150}" dt="2023-05-17T10:15:19.393" v="20"/>
+        <pc:sldMkLst>
+          <pc:docMk/>
+          <pc:sldMk cId="2125486748" sldId="270"/>
+        </pc:sldMkLst>
+      </pc:sldChg>
+      <pc:sldChg chg="add replId">
+        <pc:chgData name="Eardwulf Ulan" userId="S::18111@my.sanctamaria.school.nz::22607890-71d4-4bf2-b097-b426e6c19788" providerId="AD" clId="Web-{DC01E7D0-ECC4-24C5-E5BE-DE2A9FB64150}" dt="2023-05-17T10:15:17.435" v="19"/>
+        <pc:sldMkLst>
+          <pc:docMk/>
+          <pc:sldMk cId="1744829088" sldId="271"/>
+        </pc:sldMkLst>
       </pc:sldChg>
     </pc:docChg>
   </pc:docChgLst>
@@ -719,192 +907,6 @@
           <pc:docMk/>
           <pc:sldMk cId="3748886745" sldId="281"/>
         </pc:sldMkLst>
-      </pc:sldChg>
-    </pc:docChg>
-  </pc:docChgLst>
-  <pc:docChgLst>
-    <pc:chgData name="Eardwulf Ulan" userId="S::18111@my.sanctamaria.school.nz::22607890-71d4-4bf2-b097-b426e6c19788" providerId="AD" clId="Web-{DC01E7D0-ECC4-24C5-E5BE-DE2A9FB64150}"/>
-    <pc:docChg chg="addSld modSld sldOrd modSection">
-      <pc:chgData name="Eardwulf Ulan" userId="S::18111@my.sanctamaria.school.nz::22607890-71d4-4bf2-b097-b426e6c19788" providerId="AD" clId="Web-{DC01E7D0-ECC4-24C5-E5BE-DE2A9FB64150}" dt="2023-05-17T10:21:52.792" v="44" actId="20577"/>
-      <pc:docMkLst>
-        <pc:docMk/>
-      </pc:docMkLst>
-      <pc:sldChg chg="addSp modSp">
-        <pc:chgData name="Eardwulf Ulan" userId="S::18111@my.sanctamaria.school.nz::22607890-71d4-4bf2-b097-b426e6c19788" providerId="AD" clId="Web-{DC01E7D0-ECC4-24C5-E5BE-DE2A9FB64150}" dt="2023-05-17T10:19:41.320" v="42" actId="1076"/>
-        <pc:sldMkLst>
-          <pc:docMk/>
-          <pc:sldMk cId="3048879607" sldId="266"/>
-        </pc:sldMkLst>
-        <pc:graphicFrameChg chg="mod modGraphic">
-          <ac:chgData name="Eardwulf Ulan" userId="S::18111@my.sanctamaria.school.nz::22607890-71d4-4bf2-b097-b426e6c19788" providerId="AD" clId="Web-{DC01E7D0-ECC4-24C5-E5BE-DE2A9FB64150}" dt="2023-05-17T10:19:10.085" v="32"/>
-          <ac:graphicFrameMkLst>
-            <pc:docMk/>
-            <pc:sldMk cId="3048879607" sldId="266"/>
-            <ac:graphicFrameMk id="79" creationId="{00000000-0000-0000-0000-000000000000}"/>
-          </ac:graphicFrameMkLst>
-        </pc:graphicFrameChg>
-        <pc:picChg chg="add mod">
-          <ac:chgData name="Eardwulf Ulan" userId="S::18111@my.sanctamaria.school.nz::22607890-71d4-4bf2-b097-b426e6c19788" providerId="AD" clId="Web-{DC01E7D0-ECC4-24C5-E5BE-DE2A9FB64150}" dt="2023-05-17T10:19:41.320" v="42" actId="1076"/>
-          <ac:picMkLst>
-            <pc:docMk/>
-            <pc:sldMk cId="3048879607" sldId="266"/>
-            <ac:picMk id="2" creationId="{9BDDC0F9-6AE4-4EE0-1C40-B0BA8AD63F9A}"/>
-          </ac:picMkLst>
-        </pc:picChg>
-        <pc:picChg chg="add mod">
-          <ac:chgData name="Eardwulf Ulan" userId="S::18111@my.sanctamaria.school.nz::22607890-71d4-4bf2-b097-b426e6c19788" providerId="AD" clId="Web-{DC01E7D0-ECC4-24C5-E5BE-DE2A9FB64150}" dt="2023-05-17T10:19:36.945" v="41" actId="1076"/>
-          <ac:picMkLst>
-            <pc:docMk/>
-            <pc:sldMk cId="3048879607" sldId="266"/>
-            <ac:picMk id="3" creationId="{C119085B-8D6B-D96A-A128-A62B3C6E9217}"/>
-          </ac:picMkLst>
-        </pc:picChg>
-      </pc:sldChg>
-      <pc:sldChg chg="addSp modSp">
-        <pc:chgData name="Eardwulf Ulan" userId="S::18111@my.sanctamaria.school.nz::22607890-71d4-4bf2-b097-b426e6c19788" providerId="AD" clId="Web-{DC01E7D0-ECC4-24C5-E5BE-DE2A9FB64150}" dt="2023-05-17T10:15:06.638" v="17" actId="14100"/>
-        <pc:sldMkLst>
-          <pc:docMk/>
-          <pc:sldMk cId="578345274" sldId="267"/>
-        </pc:sldMkLst>
-        <pc:spChg chg="mod">
-          <ac:chgData name="Eardwulf Ulan" userId="S::18111@my.sanctamaria.school.nz::22607890-71d4-4bf2-b097-b426e6c19788" providerId="AD" clId="Web-{DC01E7D0-ECC4-24C5-E5BE-DE2A9FB64150}" dt="2023-05-17T10:13:57.370" v="2" actId="20577"/>
-          <ac:spMkLst>
-            <pc:docMk/>
-            <pc:sldMk cId="578345274" sldId="267"/>
-            <ac:spMk id="73" creationId="{00000000-0000-0000-0000-000000000000}"/>
-          </ac:spMkLst>
-        </pc:spChg>
-        <pc:picChg chg="add mod">
-          <ac:chgData name="Eardwulf Ulan" userId="S::18111@my.sanctamaria.school.nz::22607890-71d4-4bf2-b097-b426e6c19788" providerId="AD" clId="Web-{DC01E7D0-ECC4-24C5-E5BE-DE2A9FB64150}" dt="2023-05-17T10:15:06.638" v="17" actId="14100"/>
-          <ac:picMkLst>
-            <pc:docMk/>
-            <pc:sldMk cId="578345274" sldId="267"/>
-            <ac:picMk id="2" creationId="{EA1F0CD1-3449-0507-DE35-16F879065109}"/>
-          </ac:picMkLst>
-        </pc:picChg>
-      </pc:sldChg>
-      <pc:sldChg chg="modSp">
-        <pc:chgData name="Eardwulf Ulan" userId="S::18111@my.sanctamaria.school.nz::22607890-71d4-4bf2-b097-b426e6c19788" providerId="AD" clId="Web-{DC01E7D0-ECC4-24C5-E5BE-DE2A9FB64150}" dt="2023-05-17T10:21:52.792" v="44" actId="20577"/>
-        <pc:sldMkLst>
-          <pc:docMk/>
-          <pc:sldMk cId="638340319" sldId="268"/>
-        </pc:sldMkLst>
-        <pc:spChg chg="mod">
-          <ac:chgData name="Eardwulf Ulan" userId="S::18111@my.sanctamaria.school.nz::22607890-71d4-4bf2-b097-b426e6c19788" providerId="AD" clId="Web-{DC01E7D0-ECC4-24C5-E5BE-DE2A9FB64150}" dt="2023-05-17T10:21:52.792" v="44" actId="20577"/>
-          <ac:spMkLst>
-            <pc:docMk/>
-            <pc:sldMk cId="638340319" sldId="268"/>
-            <ac:spMk id="73" creationId="{00000000-0000-0000-0000-000000000000}"/>
-          </ac:spMkLst>
-        </pc:spChg>
-      </pc:sldChg>
-      <pc:sldChg chg="add ord replId">
-        <pc:chgData name="Eardwulf Ulan" userId="S::18111@my.sanctamaria.school.nz::22607890-71d4-4bf2-b097-b426e6c19788" providerId="AD" clId="Web-{DC01E7D0-ECC4-24C5-E5BE-DE2A9FB64150}" dt="2023-05-17T10:15:19.393" v="20"/>
-        <pc:sldMkLst>
-          <pc:docMk/>
-          <pc:sldMk cId="2125486748" sldId="270"/>
-        </pc:sldMkLst>
-      </pc:sldChg>
-      <pc:sldChg chg="add replId">
-        <pc:chgData name="Eardwulf Ulan" userId="S::18111@my.sanctamaria.school.nz::22607890-71d4-4bf2-b097-b426e6c19788" providerId="AD" clId="Web-{DC01E7D0-ECC4-24C5-E5BE-DE2A9FB64150}" dt="2023-05-17T10:15:17.435" v="19"/>
-        <pc:sldMkLst>
-          <pc:docMk/>
-          <pc:sldMk cId="1744829088" sldId="271"/>
-        </pc:sldMkLst>
-      </pc:sldChg>
-    </pc:docChg>
-  </pc:docChgLst>
-  <pc:docChgLst>
-    <pc:chgData name="Eardwulf Ulan" userId="S::18111@my.sanctamaria.school.nz::22607890-71d4-4bf2-b097-b426e6c19788" providerId="AD" clId="Web-{597EAEB2-F50F-160F-61EB-A2437C088CEE}"/>
-    <pc:docChg chg="modSld">
-      <pc:chgData name="Eardwulf Ulan" userId="S::18111@my.sanctamaria.school.nz::22607890-71d4-4bf2-b097-b426e6c19788" providerId="AD" clId="Web-{597EAEB2-F50F-160F-61EB-A2437C088CEE}" dt="2023-05-18T00:12:17.453" v="104"/>
-      <pc:docMkLst>
-        <pc:docMk/>
-      </pc:docMkLst>
-      <pc:sldChg chg="modSp">
-        <pc:chgData name="Eardwulf Ulan" userId="S::18111@my.sanctamaria.school.nz::22607890-71d4-4bf2-b097-b426e6c19788" providerId="AD" clId="Web-{597EAEB2-F50F-160F-61EB-A2437C088CEE}" dt="2023-05-18T00:12:00.686" v="90"/>
-        <pc:sldMkLst>
-          <pc:docMk/>
-          <pc:sldMk cId="3048879607" sldId="266"/>
-        </pc:sldMkLst>
-        <pc:graphicFrameChg chg="mod modGraphic">
-          <ac:chgData name="Eardwulf Ulan" userId="S::18111@my.sanctamaria.school.nz::22607890-71d4-4bf2-b097-b426e6c19788" providerId="AD" clId="Web-{597EAEB2-F50F-160F-61EB-A2437C088CEE}" dt="2023-05-18T00:12:00.686" v="90"/>
-          <ac:graphicFrameMkLst>
-            <pc:docMk/>
-            <pc:sldMk cId="3048879607" sldId="266"/>
-            <ac:graphicFrameMk id="79" creationId="{00000000-0000-0000-0000-000000000000}"/>
-          </ac:graphicFrameMkLst>
-        </pc:graphicFrameChg>
-      </pc:sldChg>
-      <pc:sldChg chg="modSp">
-        <pc:chgData name="Eardwulf Ulan" userId="S::18111@my.sanctamaria.school.nz::22607890-71d4-4bf2-b097-b426e6c19788" providerId="AD" clId="Web-{597EAEB2-F50F-160F-61EB-A2437C088CEE}" dt="2023-05-18T00:12:10.015" v="92"/>
-        <pc:sldMkLst>
-          <pc:docMk/>
-          <pc:sldMk cId="1713692142" sldId="269"/>
-        </pc:sldMkLst>
-        <pc:graphicFrameChg chg="mod modGraphic">
-          <ac:chgData name="Eardwulf Ulan" userId="S::18111@my.sanctamaria.school.nz::22607890-71d4-4bf2-b097-b426e6c19788" providerId="AD" clId="Web-{597EAEB2-F50F-160F-61EB-A2437C088CEE}" dt="2023-05-18T00:12:10.015" v="92"/>
-          <ac:graphicFrameMkLst>
-            <pc:docMk/>
-            <pc:sldMk cId="1713692142" sldId="269"/>
-            <ac:graphicFrameMk id="79" creationId="{00000000-0000-0000-0000-000000000000}"/>
-          </ac:graphicFrameMkLst>
-        </pc:graphicFrameChg>
-      </pc:sldChg>
-      <pc:sldChg chg="addSp modSp">
-        <pc:chgData name="Eardwulf Ulan" userId="S::18111@my.sanctamaria.school.nz::22607890-71d4-4bf2-b097-b426e6c19788" providerId="AD" clId="Web-{597EAEB2-F50F-160F-61EB-A2437C088CEE}" dt="2023-05-18T00:12:17.453" v="104"/>
-        <pc:sldMkLst>
-          <pc:docMk/>
-          <pc:sldMk cId="1744829088" sldId="271"/>
-        </pc:sldMkLst>
-        <pc:spChg chg="add mod">
-          <ac:chgData name="Eardwulf Ulan" userId="S::18111@my.sanctamaria.school.nz::22607890-71d4-4bf2-b097-b426e6c19788" providerId="AD" clId="Web-{597EAEB2-F50F-160F-61EB-A2437C088CEE}" dt="2023-05-18T00:09:35.291" v="27" actId="1076"/>
-          <ac:spMkLst>
-            <pc:docMk/>
-            <pc:sldMk cId="1744829088" sldId="271"/>
-            <ac:spMk id="5" creationId="{90F5EE74-B6EB-BA14-5B25-0D2113AFF263}"/>
-          </ac:spMkLst>
-        </pc:spChg>
-        <pc:spChg chg="add mod">
-          <ac:chgData name="Eardwulf Ulan" userId="S::18111@my.sanctamaria.school.nz::22607890-71d4-4bf2-b097-b426e6c19788" providerId="AD" clId="Web-{597EAEB2-F50F-160F-61EB-A2437C088CEE}" dt="2023-05-18T00:09:53.760" v="35" actId="14100"/>
-          <ac:spMkLst>
-            <pc:docMk/>
-            <pc:sldMk cId="1744829088" sldId="271"/>
-            <ac:spMk id="6" creationId="{E3F9A34D-F561-BE90-58AE-A0B824329799}"/>
-          </ac:spMkLst>
-        </pc:spChg>
-        <pc:graphicFrameChg chg="mod modGraphic">
-          <ac:chgData name="Eardwulf Ulan" userId="S::18111@my.sanctamaria.school.nz::22607890-71d4-4bf2-b097-b426e6c19788" providerId="AD" clId="Web-{597EAEB2-F50F-160F-61EB-A2437C088CEE}" dt="2023-05-18T00:12:17.453" v="104"/>
-          <ac:graphicFrameMkLst>
-            <pc:docMk/>
-            <pc:sldMk cId="1744829088" sldId="271"/>
-            <ac:graphicFrameMk id="79" creationId="{00000000-0000-0000-0000-000000000000}"/>
-          </ac:graphicFrameMkLst>
-        </pc:graphicFrameChg>
-        <pc:picChg chg="mod">
-          <ac:chgData name="Eardwulf Ulan" userId="S::18111@my.sanctamaria.school.nz::22607890-71d4-4bf2-b097-b426e6c19788" providerId="AD" clId="Web-{597EAEB2-F50F-160F-61EB-A2437C088CEE}" dt="2023-05-18T00:08:38.585" v="8" actId="1076"/>
-          <ac:picMkLst>
-            <pc:docMk/>
-            <pc:sldMk cId="1744829088" sldId="271"/>
-            <ac:picMk id="2" creationId="{B56E88FD-1437-5CE3-DB07-3D1049B39886}"/>
-          </ac:picMkLst>
-        </pc:picChg>
-        <pc:picChg chg="mod">
-          <ac:chgData name="Eardwulf Ulan" userId="S::18111@my.sanctamaria.school.nz::22607890-71d4-4bf2-b097-b426e6c19788" providerId="AD" clId="Web-{597EAEB2-F50F-160F-61EB-A2437C088CEE}" dt="2023-05-18T00:08:25.522" v="4" actId="1076"/>
-          <ac:picMkLst>
-            <pc:docMk/>
-            <pc:sldMk cId="1744829088" sldId="271"/>
-            <ac:picMk id="3" creationId="{C1ABCF39-DA20-BF54-AF3D-5898B138441A}"/>
-          </ac:picMkLst>
-        </pc:picChg>
-        <pc:picChg chg="add mod">
-          <ac:chgData name="Eardwulf Ulan" userId="S::18111@my.sanctamaria.school.nz::22607890-71d4-4bf2-b097-b426e6c19788" providerId="AD" clId="Web-{597EAEB2-F50F-160F-61EB-A2437C088CEE}" dt="2023-05-18T00:08:36.523" v="7" actId="1076"/>
-          <ac:picMkLst>
-            <pc:docMk/>
-            <pc:sldMk cId="1744829088" sldId="271"/>
-            <ac:picMk id="4" creationId="{3BC4EC35-42FC-1134-F922-409FA29628BB}"/>
-          </ac:picMkLst>
-        </pc:picChg>
       </pc:sldChg>
     </pc:docChg>
   </pc:docChgLst>
@@ -1299,6 +1301,132 @@
             <pc:docMk/>
             <pc:sldMk cId="4142443043" sldId="273"/>
             <ac:spMk id="73" creationId="{00000000-0000-0000-0000-000000000000}"/>
+          </ac:spMkLst>
+        </pc:spChg>
+      </pc:sldChg>
+    </pc:docChg>
+  </pc:docChgLst>
+  <pc:docChgLst>
+    <pc:chgData name="Eardwulf Ulan" userId="S::18111@my.sanctamaria.school.nz::22607890-71d4-4bf2-b097-b426e6c19788" providerId="AD" clId="Web-{27515318-10E0-DD4F-1093-8442A527A48A}"/>
+    <pc:docChg chg="modSld">
+      <pc:chgData name="Eardwulf Ulan" userId="S::18111@my.sanctamaria.school.nz::22607890-71d4-4bf2-b097-b426e6c19788" providerId="AD" clId="Web-{27515318-10E0-DD4F-1093-8442A527A48A}" dt="2023-05-21T03:35:16.226" v="265" actId="1076"/>
+      <pc:docMkLst>
+        <pc:docMk/>
+      </pc:docMkLst>
+      <pc:sldChg chg="addSp modSp">
+        <pc:chgData name="Eardwulf Ulan" userId="S::18111@my.sanctamaria.school.nz::22607890-71d4-4bf2-b097-b426e6c19788" providerId="AD" clId="Web-{27515318-10E0-DD4F-1093-8442A527A48A}" dt="2023-05-21T02:56:52.556" v="8" actId="14100"/>
+        <pc:sldMkLst>
+          <pc:docMk/>
+          <pc:sldMk cId="1323765978" sldId="278"/>
+        </pc:sldMkLst>
+        <pc:spChg chg="mod">
+          <ac:chgData name="Eardwulf Ulan" userId="S::18111@my.sanctamaria.school.nz::22607890-71d4-4bf2-b097-b426e6c19788" providerId="AD" clId="Web-{27515318-10E0-DD4F-1093-8442A527A48A}" dt="2023-05-21T02:37:39.120" v="1" actId="20577"/>
+          <ac:spMkLst>
+            <pc:docMk/>
+            <pc:sldMk cId="1323765978" sldId="278"/>
+            <ac:spMk id="73" creationId="{00000000-0000-0000-0000-000000000000}"/>
+          </ac:spMkLst>
+        </pc:spChg>
+        <pc:picChg chg="add mod">
+          <ac:chgData name="Eardwulf Ulan" userId="S::18111@my.sanctamaria.school.nz::22607890-71d4-4bf2-b097-b426e6c19788" providerId="AD" clId="Web-{27515318-10E0-DD4F-1093-8442A527A48A}" dt="2023-05-21T02:56:52.556" v="8" actId="14100"/>
+          <ac:picMkLst>
+            <pc:docMk/>
+            <pc:sldMk cId="1323765978" sldId="278"/>
+            <ac:picMk id="2" creationId="{9EE2BAE3-1952-2F9E-6F0A-479050F66AC2}"/>
+          </ac:picMkLst>
+        </pc:picChg>
+      </pc:sldChg>
+      <pc:sldChg chg="addSp modSp">
+        <pc:chgData name="Eardwulf Ulan" userId="S::18111@my.sanctamaria.school.nz::22607890-71d4-4bf2-b097-b426e6c19788" providerId="AD" clId="Web-{27515318-10E0-DD4F-1093-8442A527A48A}" dt="2023-05-21T03:35:16.226" v="265" actId="1076"/>
+        <pc:sldMkLst>
+          <pc:docMk/>
+          <pc:sldMk cId="2047372433" sldId="279"/>
+        </pc:sldMkLst>
+        <pc:spChg chg="add mod">
+          <ac:chgData name="Eardwulf Ulan" userId="S::18111@my.sanctamaria.school.nz::22607890-71d4-4bf2-b097-b426e6c19788" providerId="AD" clId="Web-{27515318-10E0-DD4F-1093-8442A527A48A}" dt="2023-05-21T03:16:32.623" v="257" actId="1076"/>
+          <ac:spMkLst>
+            <pc:docMk/>
+            <pc:sldMk cId="2047372433" sldId="279"/>
+            <ac:spMk id="5" creationId="{2EC3DBE1-2E67-304A-A53C-779C03230905}"/>
+          </ac:spMkLst>
+        </pc:spChg>
+        <pc:spChg chg="add mod">
+          <ac:chgData name="Eardwulf Ulan" userId="S::18111@my.sanctamaria.school.nz::22607890-71d4-4bf2-b097-b426e6c19788" providerId="AD" clId="Web-{27515318-10E0-DD4F-1093-8442A527A48A}" dt="2023-05-21T03:35:16.226" v="265" actId="1076"/>
+          <ac:spMkLst>
+            <pc:docMk/>
+            <pc:sldMk cId="2047372433" sldId="279"/>
+            <ac:spMk id="6" creationId="{C0ED14D2-B5B4-CD3E-C052-A08F0B3F2906}"/>
+          </ac:spMkLst>
+        </pc:spChg>
+        <pc:graphicFrameChg chg="mod modGraphic">
+          <ac:chgData name="Eardwulf Ulan" userId="S::18111@my.sanctamaria.school.nz::22607890-71d4-4bf2-b097-b426e6c19788" providerId="AD" clId="Web-{27515318-10E0-DD4F-1093-8442A527A48A}" dt="2023-05-21T03:01:11.454" v="228"/>
+          <ac:graphicFrameMkLst>
+            <pc:docMk/>
+            <pc:sldMk cId="2047372433" sldId="279"/>
+            <ac:graphicFrameMk id="79" creationId="{00000000-0000-0000-0000-000000000000}"/>
+          </ac:graphicFrameMkLst>
+        </pc:graphicFrameChg>
+        <pc:picChg chg="add mod">
+          <ac:chgData name="Eardwulf Ulan" userId="S::18111@my.sanctamaria.school.nz::22607890-71d4-4bf2-b097-b426e6c19788" providerId="AD" clId="Web-{27515318-10E0-DD4F-1093-8442A527A48A}" dt="2023-05-21T03:14:42.761" v="248" actId="1076"/>
+          <ac:picMkLst>
+            <pc:docMk/>
+            <pc:sldMk cId="2047372433" sldId="279"/>
+            <ac:picMk id="2" creationId="{C05E2AAC-F9EC-6EC7-F500-92E505535149}"/>
+          </ac:picMkLst>
+        </pc:picChg>
+        <pc:picChg chg="add mod">
+          <ac:chgData name="Eardwulf Ulan" userId="S::18111@my.sanctamaria.school.nz::22607890-71d4-4bf2-b097-b426e6c19788" providerId="AD" clId="Web-{27515318-10E0-DD4F-1093-8442A527A48A}" dt="2023-05-21T03:11:35.630" v="240" actId="1076"/>
+          <ac:picMkLst>
+            <pc:docMk/>
+            <pc:sldMk cId="2047372433" sldId="279"/>
+            <ac:picMk id="3" creationId="{2D8BE736-9192-8A89-62BB-9C2F56DF1307}"/>
+          </ac:picMkLst>
+        </pc:picChg>
+        <pc:picChg chg="add mod">
+          <ac:chgData name="Eardwulf Ulan" userId="S::18111@my.sanctamaria.school.nz::22607890-71d4-4bf2-b097-b426e6c19788" providerId="AD" clId="Web-{27515318-10E0-DD4F-1093-8442A527A48A}" dt="2023-05-21T03:14:45.855" v="249" actId="1076"/>
+          <ac:picMkLst>
+            <pc:docMk/>
+            <pc:sldMk cId="2047372433" sldId="279"/>
+            <ac:picMk id="4" creationId="{2EDEC8E9-83D3-83CA-9F94-29C49A9C300F}"/>
+          </ac:picMkLst>
+        </pc:picChg>
+      </pc:sldChg>
+    </pc:docChg>
+  </pc:docChgLst>
+  <pc:docChgLst>
+    <pc:chgData name="Eardwulf Ulan" userId="S::18111@my.sanctamaria.school.nz::22607890-71d4-4bf2-b097-b426e6c19788" providerId="AD" clId="Web-{1FCCAD83-6666-5F95-3D45-61F65962B7EE}"/>
+    <pc:docChg chg="modSld">
+      <pc:chgData name="Eardwulf Ulan" userId="S::18111@my.sanctamaria.school.nz::22607890-71d4-4bf2-b097-b426e6c19788" providerId="AD" clId="Web-{1FCCAD83-6666-5F95-3D45-61F65962B7EE}" dt="2023-05-22T08:14:10.352" v="4" actId="1076"/>
+      <pc:docMkLst>
+        <pc:docMk/>
+      </pc:docMkLst>
+      <pc:sldChg chg="modSp">
+        <pc:chgData name="Eardwulf Ulan" userId="S::18111@my.sanctamaria.school.nz::22607890-71d4-4bf2-b097-b426e6c19788" providerId="AD" clId="Web-{1FCCAD83-6666-5F95-3D45-61F65962B7EE}" dt="2023-05-22T08:14:10.352" v="4" actId="1076"/>
+        <pc:sldMkLst>
+          <pc:docMk/>
+          <pc:sldMk cId="2665935881" sldId="277"/>
+        </pc:sldMkLst>
+        <pc:spChg chg="mod">
+          <ac:chgData name="Eardwulf Ulan" userId="S::18111@my.sanctamaria.school.nz::22607890-71d4-4bf2-b097-b426e6c19788" providerId="AD" clId="Web-{1FCCAD83-6666-5F95-3D45-61F65962B7EE}" dt="2023-05-22T08:14:10.352" v="4" actId="1076"/>
+          <ac:spMkLst>
+            <pc:docMk/>
+            <pc:sldMk cId="2665935881" sldId="277"/>
+            <ac:spMk id="78" creationId="{00000000-0000-0000-0000-000000000000}"/>
+          </ac:spMkLst>
+        </pc:spChg>
+      </pc:sldChg>
+      <pc:sldChg chg="modSp">
+        <pc:chgData name="Eardwulf Ulan" userId="S::18111@my.sanctamaria.school.nz::22607890-71d4-4bf2-b097-b426e6c19788" providerId="AD" clId="Web-{1FCCAD83-6666-5F95-3D45-61F65962B7EE}" dt="2023-05-22T08:13:08.679" v="2" actId="20577"/>
+        <pc:sldMkLst>
+          <pc:docMk/>
+          <pc:sldMk cId="2047372433" sldId="279"/>
+        </pc:sldMkLst>
+        <pc:spChg chg="mod">
+          <ac:chgData name="Eardwulf Ulan" userId="S::18111@my.sanctamaria.school.nz::22607890-71d4-4bf2-b097-b426e6c19788" providerId="AD" clId="Web-{1FCCAD83-6666-5F95-3D45-61F65962B7EE}" dt="2023-05-22T08:13:08.679" v="2" actId="20577"/>
+          <ac:spMkLst>
+            <pc:docMk/>
+            <pc:sldMk cId="2047372433" sldId="279"/>
+            <ac:spMk id="78" creationId="{00000000-0000-0000-0000-000000000000}"/>
           </ac:spMkLst>
         </pc:spChg>
       </pc:sldChg>
@@ -13447,13 +13575,43 @@
           <a:lstStyle/>
           <a:p>
             <a:r>
-              <a:rPr lang="en"/>
-              <a:t>Component _ Ver. _ (Trello screenshot)</a:t>
+              <a:rPr lang="en" dirty="0"/>
+              <a:t>Component 3 Ver. 1 (Trello screenshot)</a:t>
             </a:r>
-            <a:endParaRPr/>
+            <a:endParaRPr dirty="0"/>
           </a:p>
         </p:txBody>
       </p:sp>
+      <p:pic>
+        <p:nvPicPr>
+          <p:cNvPr id="2" name="Picture 2">
+            <a:extLst>
+              <a:ext uri="{FF2B5EF4-FFF2-40B4-BE49-F238E27FC236}">
+                <a16:creationId xmlns:a16="http://schemas.microsoft.com/office/drawing/2014/main" id="{9EE2BAE3-1952-2F9E-6F0A-479050F66AC2}"/>
+              </a:ext>
+            </a:extLst>
+          </p:cNvPr>
+          <p:cNvPicPr>
+            <a:picLocks noChangeAspect="1"/>
+          </p:cNvPicPr>
+          <p:nvPr/>
+        </p:nvPicPr>
+        <p:blipFill>
+          <a:blip r:embed="rId3"/>
+          <a:stretch>
+            <a:fillRect/>
+          </a:stretch>
+        </p:blipFill>
+        <p:spPr>
+          <a:xfrm>
+            <a:off x="2482542" y="1059732"/>
+            <a:ext cx="4178917" cy="3985826"/>
+          </a:xfrm>
+          <a:prstGeom prst="rect">
+            <a:avLst/>
+          </a:prstGeom>
+        </p:spPr>
+      </p:pic>
     </p:spTree>
     <p:extLst>
       <p:ext uri="{BB962C8B-B14F-4D97-AF65-F5344CB8AC3E}">
@@ -13519,10 +13677,10 @@
               <a:buNone/>
             </a:pPr>
             <a:r>
-              <a:rPr lang="en"/>
-              <a:t>Component _ Ver. _ - Test Plan (and screenshot)</a:t>
+              <a:rPr lang="en" dirty="0"/>
+              <a:t>Component 3 Ver. 1 - Test Plan (and screenshot)</a:t>
             </a:r>
-            <a:endParaRPr/>
+            <a:endParaRPr dirty="0"/>
           </a:p>
         </p:txBody>
       </p:sp>
@@ -13530,11 +13688,17 @@
         <p:nvGraphicFramePr>
           <p:cNvPr id="79" name="Google Shape;79;p17"/>
           <p:cNvGraphicFramePr/>
-          <p:nvPr/>
+          <p:nvPr>
+            <p:extLst>
+              <p:ext uri="{D42A27DB-BD31-4B8C-83A1-F6EECF244321}">
+                <p14:modId xmlns:p14="http://schemas.microsoft.com/office/powerpoint/2010/main" val="1311749131"/>
+              </p:ext>
+            </p:extLst>
+          </p:nvPr>
         </p:nvGraphicFramePr>
         <p:xfrm>
           <a:off x="382475" y="1267725"/>
-          <a:ext cx="8520600" cy="914340"/>
+          <a:ext cx="8520598" cy="1188660"/>
         </p:xfrm>
         <a:graphic>
           <a:graphicData uri="http://schemas.openxmlformats.org/drawingml/2006/table">
@@ -13544,14 +13708,14 @@
                 <a:tableStyleId>{E1099E06-0E6B-448D-9D27-60429F06E6F4}</a:tableStyleId>
               </a:tblPr>
               <a:tblGrid>
-                <a:gridCol w="4196249">
+                <a:gridCol w="1630865">
                   <a:extLst>
                     <a:ext uri="{9D8B030D-6E8A-4147-A177-3AD203B41FA5}">
                       <a16:colId xmlns:a16="http://schemas.microsoft.com/office/drawing/2014/main" val="20000"/>
                     </a:ext>
                   </a:extLst>
                 </a:gridCol>
-                <a:gridCol w="4324351">
+                <a:gridCol w="6889733">
                   <a:extLst>
                     <a:ext uri="{9D8B030D-6E8A-4147-A177-3AD203B41FA5}">
                       <a16:colId xmlns:a16="http://schemas.microsoft.com/office/drawing/2014/main" val="20001"/>
@@ -13575,10 +13739,10 @@
                         <a:buNone/>
                       </a:pPr>
                       <a:r>
-                        <a:rPr lang="en" sz="1800" b="1"/>
+                        <a:rPr lang="en" sz="1800" b="1" dirty="0"/>
                         <a:t>Test Case</a:t>
                       </a:r>
-                      <a:endParaRPr sz="1800" b="1"/>
+                      <a:endParaRPr sz="1800" b="1" dirty="0"/>
                     </a:p>
                   </a:txBody>
                   <a:tcPr marL="91425" marR="91425" marT="91425" marB="91425">
@@ -13602,10 +13766,10 @@
                         <a:buNone/>
                       </a:pPr>
                       <a:r>
-                        <a:rPr lang="en" sz="1800" b="1"/>
+                        <a:rPr lang="en" sz="1800" b="1" dirty="0"/>
                         <a:t>Expected Values</a:t>
                       </a:r>
-                      <a:endParaRPr sz="1800" b="1"/>
+                      <a:endParaRPr sz="1800" b="1" dirty="0"/>
                     </a:p>
                   </a:txBody>
                   <a:tcPr marL="91425" marR="91425" marT="91425" marB="91425">
@@ -13635,7 +13799,11 @@
                         </a:spcAft>
                         <a:buNone/>
                       </a:pPr>
-                      <a:endParaRPr sz="1800"/>
+                      <a:r>
+                        <a:rPr lang="en-US" sz="1800" dirty="0"/>
+                        <a:t>Run Program</a:t>
+                      </a:r>
+                      <a:endParaRPr sz="1800" dirty="0"/>
                     </a:p>
                   </a:txBody>
                   <a:tcPr marL="91425" marR="91425" marT="91425" marB="91425"/>
@@ -13654,7 +13822,11 @@
                         </a:spcAft>
                         <a:buNone/>
                       </a:pPr>
-                      <a:endParaRPr sz="1800"/>
+                      <a:r>
+                        <a:rPr lang="en-US" sz="1800" dirty="0"/>
+                        <a:t>User enters name and phone number then prints both. Empty values are considered valid (bug). Runs correctly.</a:t>
+                      </a:r>
+                      <a:endParaRPr sz="1800" dirty="0"/>
                     </a:p>
                   </a:txBody>
                   <a:tcPr marL="91425" marR="91425" marT="91425" marB="91425"/>
@@ -13669,6 +13841,172 @@
           </a:graphicData>
         </a:graphic>
       </p:graphicFrame>
+      <p:pic>
+        <p:nvPicPr>
+          <p:cNvPr id="2" name="Picture 2" descr="Text&#10;&#10;Description automatically generated">
+            <a:extLst>
+              <a:ext uri="{FF2B5EF4-FFF2-40B4-BE49-F238E27FC236}">
+                <a16:creationId xmlns:a16="http://schemas.microsoft.com/office/drawing/2014/main" id="{C05E2AAC-F9EC-6EC7-F500-92E505535149}"/>
+              </a:ext>
+            </a:extLst>
+          </p:cNvPr>
+          <p:cNvPicPr>
+            <a:picLocks noChangeAspect="1"/>
+          </p:cNvPicPr>
+          <p:nvPr/>
+        </p:nvPicPr>
+        <p:blipFill>
+          <a:blip r:embed="rId3"/>
+          <a:stretch>
+            <a:fillRect/>
+          </a:stretch>
+        </p:blipFill>
+        <p:spPr>
+          <a:xfrm>
+            <a:off x="6601521" y="2989836"/>
+            <a:ext cx="2108974" cy="1129230"/>
+          </a:xfrm>
+          <a:prstGeom prst="rect">
+            <a:avLst/>
+          </a:prstGeom>
+        </p:spPr>
+      </p:pic>
+      <p:pic>
+        <p:nvPicPr>
+          <p:cNvPr id="3" name="Picture 3" descr="Text&#10;&#10;Description automatically generated">
+            <a:extLst>
+              <a:ext uri="{FF2B5EF4-FFF2-40B4-BE49-F238E27FC236}">
+                <a16:creationId xmlns:a16="http://schemas.microsoft.com/office/drawing/2014/main" id="{2D8BE736-9192-8A89-62BB-9C2F56DF1307}"/>
+              </a:ext>
+            </a:extLst>
+          </p:cNvPr>
+          <p:cNvPicPr>
+            <a:picLocks noChangeAspect="1"/>
+          </p:cNvPicPr>
+          <p:nvPr/>
+        </p:nvPicPr>
+        <p:blipFill>
+          <a:blip r:embed="rId4"/>
+          <a:stretch>
+            <a:fillRect/>
+          </a:stretch>
+        </p:blipFill>
+        <p:spPr>
+          <a:xfrm>
+            <a:off x="426535" y="2751312"/>
+            <a:ext cx="3718932" cy="1613249"/>
+          </a:xfrm>
+          <a:prstGeom prst="rect">
+            <a:avLst/>
+          </a:prstGeom>
+        </p:spPr>
+      </p:pic>
+      <p:pic>
+        <p:nvPicPr>
+          <p:cNvPr id="4" name="Picture 4" descr="Text&#10;&#10;Description automatically generated">
+            <a:extLst>
+              <a:ext uri="{FF2B5EF4-FFF2-40B4-BE49-F238E27FC236}">
+                <a16:creationId xmlns:a16="http://schemas.microsoft.com/office/drawing/2014/main" id="{2EDEC8E9-83D3-83CA-9F94-29C49A9C300F}"/>
+              </a:ext>
+            </a:extLst>
+          </p:cNvPr>
+          <p:cNvPicPr>
+            <a:picLocks noChangeAspect="1"/>
+          </p:cNvPicPr>
+          <p:nvPr/>
+        </p:nvPicPr>
+        <p:blipFill>
+          <a:blip r:embed="rId5"/>
+          <a:stretch>
+            <a:fillRect/>
+          </a:stretch>
+        </p:blipFill>
+        <p:spPr>
+          <a:xfrm>
+            <a:off x="4308552" y="2999134"/>
+            <a:ext cx="2108975" cy="1103668"/>
+          </a:xfrm>
+          <a:prstGeom prst="rect">
+            <a:avLst/>
+          </a:prstGeom>
+        </p:spPr>
+      </p:pic>
+      <p:sp>
+        <p:nvSpPr>
+          <p:cNvPr id="5" name="TextBox 4">
+            <a:extLst>
+              <a:ext uri="{FF2B5EF4-FFF2-40B4-BE49-F238E27FC236}">
+                <a16:creationId xmlns:a16="http://schemas.microsoft.com/office/drawing/2014/main" id="{2EC3DBE1-2E67-304A-A53C-779C03230905}"/>
+              </a:ext>
+            </a:extLst>
+          </p:cNvPr>
+          <p:cNvSpPr txBox="1"/>
+          <p:nvPr/>
+        </p:nvSpPr>
+        <p:spPr>
+          <a:xfrm>
+            <a:off x="4307159" y="4105043"/>
+            <a:ext cx="1328389" cy="314746"/>
+          </a:xfrm>
+          <a:prstGeom prst="rect">
+            <a:avLst/>
+          </a:prstGeom>
+          <a:noFill/>
+        </p:spPr>
+        <p:txBody>
+          <a:bodyPr rot="0" spcFirstLastPara="0" vertOverflow="overflow" horzOverflow="overflow" vert="horz" wrap="square" lIns="91440" tIns="45720" rIns="91440" bIns="45720" numCol="1" spcCol="0" rtlCol="0" fromWordArt="0" anchor="t" anchorCtr="0" forceAA="0" compatLnSpc="1">
+            <a:prstTxWarp prst="textNoShape">
+              <a:avLst/>
+            </a:prstTxWarp>
+            <a:spAutoFit/>
+          </a:bodyPr>
+          <a:lstStyle/>
+          <a:p>
+            <a:r>
+              <a:rPr lang="en-US" dirty="0"/>
+              <a:t>Empty values</a:t>
+            </a:r>
+          </a:p>
+        </p:txBody>
+      </p:sp>
+      <p:sp>
+        <p:nvSpPr>
+          <p:cNvPr id="6" name="TextBox 5">
+            <a:extLst>
+              <a:ext uri="{FF2B5EF4-FFF2-40B4-BE49-F238E27FC236}">
+                <a16:creationId xmlns:a16="http://schemas.microsoft.com/office/drawing/2014/main" id="{C0ED14D2-B5B4-CD3E-C052-A08F0B3F2906}"/>
+              </a:ext>
+            </a:extLst>
+          </p:cNvPr>
+          <p:cNvSpPr txBox="1"/>
+          <p:nvPr/>
+        </p:nvSpPr>
+        <p:spPr>
+          <a:xfrm>
+            <a:off x="6600128" y="4105042"/>
+            <a:ext cx="2743199" cy="307777"/>
+          </a:xfrm>
+          <a:prstGeom prst="rect">
+            <a:avLst/>
+          </a:prstGeom>
+          <a:noFill/>
+        </p:spPr>
+        <p:txBody>
+          <a:bodyPr rot="0" spcFirstLastPara="0" vertOverflow="overflow" horzOverflow="overflow" vert="horz" wrap="square" lIns="91440" tIns="45720" rIns="91440" bIns="45720" numCol="1" spcCol="0" rtlCol="0" fromWordArt="0" anchor="t" anchorCtr="0" forceAA="0" compatLnSpc="1">
+            <a:prstTxWarp prst="textNoShape">
+              <a:avLst/>
+            </a:prstTxWarp>
+            <a:spAutoFit/>
+          </a:bodyPr>
+          <a:lstStyle/>
+          <a:p>
+            <a:r>
+              <a:rPr lang="en-US" dirty="0"/>
+              <a:t>Expected response</a:t>
+            </a:r>
+          </a:p>
+        </p:txBody>
+      </p:sp>
     </p:spTree>
     <p:extLst>
       <p:ext uri="{BB962C8B-B14F-4D97-AF65-F5344CB8AC3E}">
@@ -15914,6 +16252,14 @@
 </file>
 
 <file path=customXml/item1.xml><?xml version="1.0" encoding="utf-8"?>
+<p:properties xmlns:p="http://schemas.microsoft.com/office/2006/metadata/properties" xmlns:xsi="http://www.w3.org/2001/XMLSchema-instance" xmlns:pc="http://schemas.microsoft.com/office/infopath/2007/PartnerControls">
+  <documentManagement>
+    <_activity xmlns="2b310483-19ef-4f1a-8666-427aba7c04f4" xsi:nil="true"/>
+  </documentManagement>
+</p:properties>
+</file>
+
+<file path=customXml/item2.xml><?xml version="1.0" encoding="utf-8"?>
 <ct:contentTypeSchema xmlns:ct="http://schemas.microsoft.com/office/2006/metadata/contentType" xmlns:ma="http://schemas.microsoft.com/office/2006/metadata/properties/metaAttributes" ct:_="" ma:_="" ma:contentTypeName="Document" ma:contentTypeID="0x010100024DC8DFD6C93447A9C11B519434E451" ma:contentTypeVersion="13" ma:contentTypeDescription="Create a new document." ma:contentTypeScope="" ma:versionID="d78c653d52c678877916f644d9003a4b">
   <xsd:schema xmlns:xsd="http://www.w3.org/2001/XMLSchema" xmlns:xs="http://www.w3.org/2001/XMLSchema" xmlns:p="http://schemas.microsoft.com/office/2006/metadata/properties" xmlns:ns3="2b310483-19ef-4f1a-8666-427aba7c04f4" xmlns:ns4="d316a0db-0591-438e-8093-79f3efde1904" targetNamespace="http://schemas.microsoft.com/office/2006/metadata/properties" ma:root="true" ma:fieldsID="b51e56a0bc6a455bf4c7a7bc9489865b" ns3:_="" ns4:_="">
     <xsd:import namespace="2b310483-19ef-4f1a-8666-427aba7c04f4"/>
@@ -16136,14 +16482,6 @@
 </ct:contentTypeSchema>
 </file>
 
-<file path=customXml/item2.xml><?xml version="1.0" encoding="utf-8"?>
-<p:properties xmlns:p="http://schemas.microsoft.com/office/2006/metadata/properties" xmlns:xsi="http://www.w3.org/2001/XMLSchema-instance" xmlns:pc="http://schemas.microsoft.com/office/infopath/2007/PartnerControls">
-  <documentManagement>
-    <_activity xmlns="2b310483-19ef-4f1a-8666-427aba7c04f4" xsi:nil="true"/>
-  </documentManagement>
-</p:properties>
-</file>
-
 <file path=customXml/item3.xml><?xml version="1.0" encoding="utf-8"?>
 <?mso-contentType ?>
 <FormTemplates xmlns="http://schemas.microsoft.com/sharepoint/v3/contenttype/forms">
@@ -16154,6 +16492,23 @@
 </file>
 
 <file path=customXml/itemProps1.xml><?xml version="1.0" encoding="utf-8"?>
+<ds:datastoreItem xmlns:ds="http://schemas.openxmlformats.org/officeDocument/2006/customXml" ds:itemID="{68DCCC3C-0DB3-455E-8505-0D93175A8009}">
+  <ds:schemaRefs>
+    <ds:schemaRef ds:uri="2b310483-19ef-4f1a-8666-427aba7c04f4"/>
+    <ds:schemaRef ds:uri="d316a0db-0591-438e-8093-79f3efde1904"/>
+    <ds:schemaRef ds:uri="http://purl.org/dc/dcmitype/"/>
+    <ds:schemaRef ds:uri="http://purl.org/dc/elements/1.1/"/>
+    <ds:schemaRef ds:uri="http://purl.org/dc/terms/"/>
+    <ds:schemaRef ds:uri="http://schemas.microsoft.com/office/2006/documentManagement/types"/>
+    <ds:schemaRef ds:uri="http://schemas.microsoft.com/office/2006/metadata/properties"/>
+    <ds:schemaRef ds:uri="http://schemas.microsoft.com/office/infopath/2007/PartnerControls"/>
+    <ds:schemaRef ds:uri="http://schemas.openxmlformats.org/package/2006/metadata/core-properties"/>
+    <ds:schemaRef ds:uri="http://www.w3.org/XML/1998/namespace"/>
+  </ds:schemaRefs>
+</ds:datastoreItem>
+</file>
+
+<file path=customXml/itemProps2.xml><?xml version="1.0" encoding="utf-8"?>
 <ds:datastoreItem xmlns:ds="http://schemas.openxmlformats.org/officeDocument/2006/customXml" ds:itemID="{0E32B551-2E7E-4680-9EB8-D0B1C8724946}">
   <ds:schemaRefs>
     <ds:schemaRef ds:uri="2b310483-19ef-4f1a-8666-427aba7c04f4"/>
@@ -16172,23 +16527,6 @@
 </ds:datastoreItem>
 </file>
 
-<file path=customXml/itemProps2.xml><?xml version="1.0" encoding="utf-8"?>
-<ds:datastoreItem xmlns:ds="http://schemas.openxmlformats.org/officeDocument/2006/customXml" ds:itemID="{68DCCC3C-0DB3-455E-8505-0D93175A8009}">
-  <ds:schemaRefs>
-    <ds:schemaRef ds:uri="2b310483-19ef-4f1a-8666-427aba7c04f4"/>
-    <ds:schemaRef ds:uri="d316a0db-0591-438e-8093-79f3efde1904"/>
-    <ds:schemaRef ds:uri="http://purl.org/dc/dcmitype/"/>
-    <ds:schemaRef ds:uri="http://purl.org/dc/elements/1.1/"/>
-    <ds:schemaRef ds:uri="http://purl.org/dc/terms/"/>
-    <ds:schemaRef ds:uri="http://schemas.microsoft.com/office/2006/documentManagement/types"/>
-    <ds:schemaRef ds:uri="http://schemas.microsoft.com/office/2006/metadata/properties"/>
-    <ds:schemaRef ds:uri="http://schemas.microsoft.com/office/infopath/2007/PartnerControls"/>
-    <ds:schemaRef ds:uri="http://schemas.openxmlformats.org/package/2006/metadata/core-properties"/>
-    <ds:schemaRef ds:uri="http://www.w3.org/XML/1998/namespace"/>
-  </ds:schemaRefs>
-</ds:datastoreItem>
-</file>
-
 <file path=customXml/itemProps3.xml><?xml version="1.0" encoding="utf-8"?>
 <ds:datastoreItem xmlns:ds="http://schemas.openxmlformats.org/officeDocument/2006/customXml" ds:itemID="{9B757C8B-782F-4BDF-9F90-4601D3A0F6AF}">
   <ds:schemaRefs>
